--- a/08. Presentaciones/Presentación 11.pptx
+++ b/08. Presentaciones/Presentación 11.pptx
@@ -5,21 +5,24 @@
     <p:sldMasterId id="2147483696" r:id="rId1"/>
   </p:sldMasterIdLst>
   <p:notesMasterIdLst>
-    <p:notesMasterId r:id="rId11"/>
+    <p:notesMasterId r:id="rId14"/>
   </p:notesMasterIdLst>
   <p:handoutMasterIdLst>
-    <p:handoutMasterId r:id="rId12"/>
+    <p:handoutMasterId r:id="rId15"/>
   </p:handoutMasterIdLst>
   <p:sldIdLst>
     <p:sldId id="277" r:id="rId2"/>
-    <p:sldId id="361" r:id="rId3"/>
+    <p:sldId id="370" r:id="rId3"/>
     <p:sldId id="365" r:id="rId4"/>
     <p:sldId id="362" r:id="rId5"/>
     <p:sldId id="363" r:id="rId6"/>
     <p:sldId id="364" r:id="rId7"/>
     <p:sldId id="366" r:id="rId8"/>
-    <p:sldId id="367" r:id="rId9"/>
-    <p:sldId id="302" r:id="rId10"/>
+    <p:sldId id="368" r:id="rId9"/>
+    <p:sldId id="367" r:id="rId10"/>
+    <p:sldId id="371" r:id="rId11"/>
+    <p:sldId id="372" r:id="rId12"/>
+    <p:sldId id="302" r:id="rId13"/>
   </p:sldIdLst>
   <p:sldSz cx="12192000" cy="6858000"/>
   <p:notesSz cx="6858000" cy="9144000"/>
@@ -120,7 +123,7 @@
   </p:defaultTextStyle>
   <p:extLst>
     <p:ext uri="{EFAFB233-063F-42B5-8137-9DF3F51BA10A}">
-      <p15:sldGuideLst xmlns:p15="http://schemas.microsoft.com/office/powerpoint/2012/main">
+      <p15:sldGuideLst xmlns:p15="http://schemas.microsoft.com/office/powerpoint/2012/main" xmlns="">
         <p15:guide id="1" orient="horz" pos="2160">
           <p15:clr>
             <a:srgbClr val="A4A3A4"/>
@@ -135,6 +138,368 @@
     </p:ext>
   </p:extLst>
 </p:presentation>
+</file>
+
+<file path=ppt/charts/chart1.xml><?xml version="1.0" encoding="utf-8"?>
+<c:chartSpace xmlns:c="http://schemas.openxmlformats.org/drawingml/2006/chart" xmlns:a="http://schemas.openxmlformats.org/drawingml/2006/main" xmlns:r="http://schemas.openxmlformats.org/officeDocument/2006/relationships">
+  <c:lang val="es-AR"/>
+  <c:style val="26"/>
+  <c:chart>
+    <c:title>
+      <c:tx>
+        <c:rich>
+          <a:bodyPr/>
+          <a:lstStyle/>
+          <a:p>
+            <a:pPr>
+              <a:defRPr lang="es-ES"/>
+            </a:pPr>
+            <a:r>
+              <a:rPr lang="en-US" dirty="0" err="1" smtClean="0"/>
+              <a:t>Fase</a:t>
+            </a:r>
+            <a:r>
+              <a:rPr lang="en-US" dirty="0" smtClean="0"/>
+              <a:t> de </a:t>
+            </a:r>
+            <a:r>
+              <a:rPr lang="en-US" dirty="0" err="1" smtClean="0"/>
+              <a:t>Inicio</a:t>
+            </a:r>
+            <a:r>
+              <a:rPr lang="en-US" dirty="0" smtClean="0"/>
+              <a:t> </a:t>
+            </a:r>
+            <a:r>
+              <a:rPr lang="en-US" dirty="0" err="1" smtClean="0"/>
+              <a:t>Iteración</a:t>
+            </a:r>
+            <a:r>
+              <a:rPr lang="en-US" dirty="0" smtClean="0"/>
+              <a:t> 2</a:t>
+            </a:r>
+            <a:endParaRPr lang="en-US" dirty="0"/>
+          </a:p>
+        </c:rich>
+      </c:tx>
+      <c:layout/>
+    </c:title>
+    <c:plotArea>
+      <c:layout/>
+      <c:radarChart>
+        <c:radarStyle val="filled"/>
+        <c:ser>
+          <c:idx val="0"/>
+          <c:order val="0"/>
+          <c:tx>
+            <c:strRef>
+              <c:f>Resumen!$H$1</c:f>
+              <c:strCache>
+                <c:ptCount val="1"/>
+                <c:pt idx="0">
+                  <c:v>Porcentaje</c:v>
+                </c:pt>
+              </c:strCache>
+            </c:strRef>
+          </c:tx>
+          <c:cat>
+            <c:strRef>
+              <c:f>Resumen!$A$2:$A$11</c:f>
+              <c:strCache>
+                <c:ptCount val="10"/>
+                <c:pt idx="0">
+                  <c:v>Compromiso del Cliente</c:v>
+                </c:pt>
+                <c:pt idx="1">
+                  <c:v>Definición del Cliente</c:v>
+                </c:pt>
+                <c:pt idx="2">
+                  <c:v>Cronograma</c:v>
+                </c:pt>
+                <c:pt idx="3">
+                  <c:v>Experiencia y Capacidad</c:v>
+                </c:pt>
+                <c:pt idx="4">
+                  <c:v>Duración y Tamaño</c:v>
+                </c:pt>
+                <c:pt idx="5">
+                  <c:v>Legal y Contractual</c:v>
+                </c:pt>
+                <c:pt idx="6">
+                  <c:v>Tecnología</c:v>
+                </c:pt>
+                <c:pt idx="7">
+                  <c:v>Complejidad</c:v>
+                </c:pt>
+                <c:pt idx="8">
+                  <c:v>Aspectos Financieros</c:v>
+                </c:pt>
+                <c:pt idx="9">
+                  <c:v>Subcontratistas</c:v>
+                </c:pt>
+              </c:strCache>
+            </c:strRef>
+          </c:cat>
+          <c:val>
+            <c:numRef>
+              <c:f>Resumen!$H$2:$H$11</c:f>
+              <c:numCache>
+                <c:formatCode>0.00%</c:formatCode>
+                <c:ptCount val="10"/>
+                <c:pt idx="0">
+                  <c:v>1.016260162601626E-2</c:v>
+                </c:pt>
+                <c:pt idx="1">
+                  <c:v>3.048780487804878E-2</c:v>
+                </c:pt>
+                <c:pt idx="2">
+                  <c:v>1.7738359201773836E-2</c:v>
+                </c:pt>
+                <c:pt idx="3">
+                  <c:v>5.5749128919860627E-2</c:v>
+                </c:pt>
+                <c:pt idx="4">
+                  <c:v>2.4390243902439022E-2</c:v>
+                </c:pt>
+                <c:pt idx="5">
+                  <c:v>0</c:v>
+                </c:pt>
+                <c:pt idx="6">
+                  <c:v>2.032520325203252E-2</c:v>
+                </c:pt>
+                <c:pt idx="7">
+                  <c:v>1.6260162601626015E-2</c:v>
+                </c:pt>
+                <c:pt idx="8">
+                  <c:v>0</c:v>
+                </c:pt>
+                <c:pt idx="9">
+                  <c:v>0</c:v>
+                </c:pt>
+              </c:numCache>
+            </c:numRef>
+          </c:val>
+        </c:ser>
+        <c:axId val="61126144"/>
+        <c:axId val="100662656"/>
+      </c:radarChart>
+      <c:catAx>
+        <c:axId val="61126144"/>
+        <c:scaling>
+          <c:orientation val="minMax"/>
+        </c:scaling>
+        <c:axPos val="b"/>
+        <c:majorGridlines/>
+        <c:numFmt formatCode="General" sourceLinked="0"/>
+        <c:tickLblPos val="nextTo"/>
+        <c:txPr>
+          <a:bodyPr/>
+          <a:lstStyle/>
+          <a:p>
+            <a:pPr>
+              <a:defRPr lang="es-ES"/>
+            </a:pPr>
+            <a:endParaRPr lang="es-AR"/>
+          </a:p>
+        </c:txPr>
+        <c:crossAx val="100662656"/>
+        <c:crosses val="autoZero"/>
+        <c:auto val="1"/>
+        <c:lblAlgn val="ctr"/>
+        <c:lblOffset val="100"/>
+      </c:catAx>
+      <c:valAx>
+        <c:axId val="100662656"/>
+        <c:scaling>
+          <c:orientation val="minMax"/>
+        </c:scaling>
+        <c:axPos val="l"/>
+        <c:majorGridlines/>
+        <c:numFmt formatCode="0.00%" sourceLinked="1"/>
+        <c:majorTickMark val="cross"/>
+        <c:tickLblPos val="none"/>
+        <c:txPr>
+          <a:bodyPr/>
+          <a:lstStyle/>
+          <a:p>
+            <a:pPr>
+              <a:defRPr lang="es-ES"/>
+            </a:pPr>
+            <a:endParaRPr lang="es-AR"/>
+          </a:p>
+        </c:txPr>
+        <c:crossAx val="61126144"/>
+        <c:crosses val="autoZero"/>
+        <c:crossBetween val="between"/>
+      </c:valAx>
+    </c:plotArea>
+    <c:plotVisOnly val="1"/>
+    <c:dispBlanksAs val="gap"/>
+  </c:chart>
+  <c:externalData r:id="rId1"/>
+</c:chartSpace>
+</file>
+
+<file path=ppt/charts/chart2.xml><?xml version="1.0" encoding="utf-8"?>
+<c:chartSpace xmlns:c="http://schemas.openxmlformats.org/drawingml/2006/chart" xmlns:a="http://schemas.openxmlformats.org/drawingml/2006/main" xmlns:r="http://schemas.openxmlformats.org/officeDocument/2006/relationships">
+  <c:lang val="es-AR"/>
+  <c:style val="26"/>
+  <c:chart>
+    <c:autoTitleDeleted val="1"/>
+    <c:plotArea>
+      <c:layout/>
+      <c:radarChart>
+        <c:radarStyle val="filled"/>
+        <c:ser>
+          <c:idx val="0"/>
+          <c:order val="0"/>
+          <c:tx>
+            <c:strRef>
+              <c:f>Resumen!$H$1</c:f>
+              <c:strCache>
+                <c:ptCount val="1"/>
+                <c:pt idx="0">
+                  <c:v>Porcentaje</c:v>
+                </c:pt>
+              </c:strCache>
+            </c:strRef>
+          </c:tx>
+          <c:cat>
+            <c:strRef>
+              <c:f>Resumen!$A$2:$A$11</c:f>
+              <c:strCache>
+                <c:ptCount val="10"/>
+                <c:pt idx="0">
+                  <c:v>Compromiso del Cliente</c:v>
+                </c:pt>
+                <c:pt idx="1">
+                  <c:v>Definición del Cliente</c:v>
+                </c:pt>
+                <c:pt idx="2">
+                  <c:v>Cronograma</c:v>
+                </c:pt>
+                <c:pt idx="3">
+                  <c:v>Experiencia y Capacidad</c:v>
+                </c:pt>
+                <c:pt idx="4">
+                  <c:v>Duración y Tamaño</c:v>
+                </c:pt>
+                <c:pt idx="5">
+                  <c:v>Legal y Contractual</c:v>
+                </c:pt>
+                <c:pt idx="6">
+                  <c:v>Tecnología</c:v>
+                </c:pt>
+                <c:pt idx="7">
+                  <c:v>Complejidad</c:v>
+                </c:pt>
+                <c:pt idx="8">
+                  <c:v>Aspectos Financieros</c:v>
+                </c:pt>
+                <c:pt idx="9">
+                  <c:v>Subcontratistas</c:v>
+                </c:pt>
+              </c:strCache>
+            </c:strRef>
+          </c:cat>
+          <c:val>
+            <c:numRef>
+              <c:f>Resumen!$H$2:$H$11</c:f>
+              <c:numCache>
+                <c:formatCode>0.00%</c:formatCode>
+                <c:ptCount val="10"/>
+                <c:pt idx="0">
+                  <c:v>6.4599483204134363E-3</c:v>
+                </c:pt>
+                <c:pt idx="1">
+                  <c:v>2.1533161068044787E-2</c:v>
+                </c:pt>
+                <c:pt idx="2">
+                  <c:v>2.8423772609819122E-2</c:v>
+                </c:pt>
+                <c:pt idx="3">
+                  <c:v>1.7718715393133997E-2</c:v>
+                </c:pt>
+                <c:pt idx="4">
+                  <c:v>2.0348837209302327E-2</c:v>
+                </c:pt>
+                <c:pt idx="5">
+                  <c:v>3.875968992248062E-2</c:v>
+                </c:pt>
+                <c:pt idx="6">
+                  <c:v>2.9069767441860465E-2</c:v>
+                </c:pt>
+                <c:pt idx="7">
+                  <c:v>1.7718715393133997E-2</c:v>
+                </c:pt>
+                <c:pt idx="8">
+                  <c:v>0</c:v>
+                </c:pt>
+                <c:pt idx="9">
+                  <c:v>0</c:v>
+                </c:pt>
+              </c:numCache>
+            </c:numRef>
+          </c:val>
+        </c:ser>
+        <c:axId val="43711488"/>
+        <c:axId val="63205760"/>
+      </c:radarChart>
+      <c:catAx>
+        <c:axId val="43711488"/>
+        <c:scaling>
+          <c:orientation val="minMax"/>
+        </c:scaling>
+        <c:axPos val="b"/>
+        <c:majorGridlines/>
+        <c:numFmt formatCode="General" sourceLinked="0"/>
+        <c:tickLblPos val="nextTo"/>
+        <c:txPr>
+          <a:bodyPr/>
+          <a:lstStyle/>
+          <a:p>
+            <a:pPr>
+              <a:defRPr lang="es-ES"/>
+            </a:pPr>
+            <a:endParaRPr lang="es-AR"/>
+          </a:p>
+        </c:txPr>
+        <c:crossAx val="63205760"/>
+        <c:crosses val="autoZero"/>
+        <c:auto val="1"/>
+        <c:lblAlgn val="ctr"/>
+        <c:lblOffset val="100"/>
+      </c:catAx>
+      <c:valAx>
+        <c:axId val="63205760"/>
+        <c:scaling>
+          <c:orientation val="minMax"/>
+        </c:scaling>
+        <c:axPos val="l"/>
+        <c:majorGridlines/>
+        <c:numFmt formatCode="0.00%" sourceLinked="1"/>
+        <c:majorTickMark val="cross"/>
+        <c:tickLblPos val="none"/>
+        <c:txPr>
+          <a:bodyPr/>
+          <a:lstStyle/>
+          <a:p>
+            <a:pPr>
+              <a:defRPr lang="es-ES"/>
+            </a:pPr>
+            <a:endParaRPr lang="es-AR"/>
+          </a:p>
+        </c:txPr>
+        <c:crossAx val="43711488"/>
+        <c:crosses val="autoZero"/>
+        <c:crossBetween val="between"/>
+      </c:valAx>
+    </c:plotArea>
+    <c:plotVisOnly val="1"/>
+    <c:dispBlanksAs val="gap"/>
+  </c:chart>
+  <c:externalData r:id="rId1"/>
+</c:chartSpace>
 </file>
 
 <file path=ppt/handoutMasters/handoutMaster1.xml><?xml version="1.0" encoding="utf-8"?>
@@ -223,7 +588,7 @@
             <a:fld id="{47F7A525-2E97-4D11-852B-BF2E493721D5}" type="datetimeFigureOut">
               <a:rPr lang="es-AR" smtClean="0"/>
               <a:pPr/>
-              <a:t>17/11/2020</a:t>
+              <a:t>15/2/2021</a:t>
             </a:fld>
             <a:endParaRPr lang="es-AR"/>
           </a:p>
@@ -299,7 +664,7 @@
     </p:spTree>
     <p:extLst>
       <p:ext uri="{BB962C8B-B14F-4D97-AF65-F5344CB8AC3E}">
-        <p14:creationId xmlns:p14="http://schemas.microsoft.com/office/powerpoint/2010/main" val="2830949299"/>
+        <p14:creationId xmlns:p14="http://schemas.microsoft.com/office/powerpoint/2010/main" xmlns="" val="2830949299"/>
       </p:ext>
     </p:extLst>
   </p:cSld>
@@ -394,7 +759,7 @@
             <a:fld id="{0E639192-A93D-48A4-B281-8DA3B2AD5F46}" type="datetimeFigureOut">
               <a:rPr lang="es-AR" smtClean="0"/>
               <a:pPr/>
-              <a:t>17/11/2020</a:t>
+              <a:t>15/2/2021</a:t>
             </a:fld>
             <a:endParaRPr lang="es-AR"/>
           </a:p>
@@ -563,7 +928,7 @@
     </p:spTree>
     <p:extLst>
       <p:ext uri="{BB962C8B-B14F-4D97-AF65-F5344CB8AC3E}">
-        <p14:creationId xmlns:p14="http://schemas.microsoft.com/office/powerpoint/2010/main" val="3361875708"/>
+        <p14:creationId xmlns:p14="http://schemas.microsoft.com/office/powerpoint/2010/main" xmlns="" val="3361875708"/>
       </p:ext>
     </p:extLst>
   </p:cSld>
@@ -1017,7 +1382,7 @@
           <a:blip r:embed="rId2">
             <a:extLst>
               <a:ext uri="{28A0092B-C50C-407E-A947-70E740481C1C}">
-                <a14:useLocalDpi xmlns:a14="http://schemas.microsoft.com/office/drawing/2010/main" val="0"/>
+                <a14:useLocalDpi xmlns:a14="http://schemas.microsoft.com/office/drawing/2010/main" xmlns="" val="0"/>
               </a:ext>
             </a:extLst>
           </a:blip>
@@ -1047,7 +1412,7 @@
           <a:blip r:embed="rId3" cstate="print">
             <a:extLst>
               <a:ext uri="{28A0092B-C50C-407E-A947-70E740481C1C}">
-                <a14:useLocalDpi xmlns:a14="http://schemas.microsoft.com/office/drawing/2010/main" val="0"/>
+                <a14:useLocalDpi xmlns:a14="http://schemas.microsoft.com/office/drawing/2010/main" xmlns="" val="0"/>
               </a:ext>
             </a:extLst>
           </a:blip>
@@ -1077,7 +1442,7 @@
           <a:blip r:embed="rId4" cstate="print">
             <a:extLst>
               <a:ext uri="{28A0092B-C50C-407E-A947-70E740481C1C}">
-                <a14:useLocalDpi xmlns:a14="http://schemas.microsoft.com/office/drawing/2010/main" val="0"/>
+                <a14:useLocalDpi xmlns:a14="http://schemas.microsoft.com/office/drawing/2010/main" xmlns="" val="0"/>
               </a:ext>
             </a:extLst>
           </a:blip>
@@ -1098,7 +1463,7 @@
     </p:spTree>
     <p:extLst>
       <p:ext uri="{BB962C8B-B14F-4D97-AF65-F5344CB8AC3E}">
-        <p14:creationId xmlns:p14="http://schemas.microsoft.com/office/powerpoint/2010/main" val="1987851363"/>
+        <p14:creationId xmlns:p14="http://schemas.microsoft.com/office/powerpoint/2010/main" xmlns="" val="1987851363"/>
       </p:ext>
     </p:extLst>
   </p:cSld>
@@ -1329,7 +1694,7 @@
             <a:fld id="{BC50A678-796C-47FE-8727-A3AAF49E2D10}" type="datetime1">
               <a:rPr lang="es-AR" smtClean="0"/>
               <a:pPr/>
-              <a:t>17/11/2020</a:t>
+              <a:t>15/2/2021</a:t>
             </a:fld>
             <a:endParaRPr lang="es-AR"/>
           </a:p>
@@ -1384,7 +1749,7 @@
     </p:spTree>
     <p:extLst>
       <p:ext uri="{BB962C8B-B14F-4D97-AF65-F5344CB8AC3E}">
-        <p14:creationId xmlns:p14="http://schemas.microsoft.com/office/powerpoint/2010/main" val="3444745824"/>
+        <p14:creationId xmlns:p14="http://schemas.microsoft.com/office/powerpoint/2010/main" xmlns="" val="3444745824"/>
       </p:ext>
     </p:extLst>
   </p:cSld>
@@ -1526,7 +1891,7 @@
             <a:fld id="{A7AFFB43-0057-44A6-B675-62CD4F9F4EB1}" type="datetime1">
               <a:rPr lang="es-AR" smtClean="0"/>
               <a:pPr/>
-              <a:t>17/11/2020</a:t>
+              <a:t>15/2/2021</a:t>
             </a:fld>
             <a:endParaRPr lang="es-AR"/>
           </a:p>
@@ -1581,7 +1946,7 @@
     </p:spTree>
     <p:extLst>
       <p:ext uri="{BB962C8B-B14F-4D97-AF65-F5344CB8AC3E}">
-        <p14:creationId xmlns:p14="http://schemas.microsoft.com/office/powerpoint/2010/main" val="2217620014"/>
+        <p14:creationId xmlns:p14="http://schemas.microsoft.com/office/powerpoint/2010/main" xmlns="" val="2217620014"/>
       </p:ext>
     </p:extLst>
   </p:cSld>
@@ -1792,7 +2157,7 @@
             <a:fld id="{5107EDD2-3A41-45F7-9798-5F0A42B67A10}" type="datetime1">
               <a:rPr lang="es-AR" smtClean="0"/>
               <a:pPr/>
-              <a:t>17/11/2020</a:t>
+              <a:t>15/2/2021</a:t>
             </a:fld>
             <a:endParaRPr lang="es-AR"/>
           </a:p>
@@ -2079,7 +2444,7 @@
     </p:spTree>
     <p:extLst>
       <p:ext uri="{BB962C8B-B14F-4D97-AF65-F5344CB8AC3E}">
-        <p14:creationId xmlns:p14="http://schemas.microsoft.com/office/powerpoint/2010/main" val="2136429344"/>
+        <p14:creationId xmlns:p14="http://schemas.microsoft.com/office/powerpoint/2010/main" xmlns="" val="2136429344"/>
       </p:ext>
     </p:extLst>
   </p:cSld>
@@ -2223,7 +2588,7 @@
             <a:fld id="{81A405EA-7F97-484B-BB35-211055BB771A}" type="datetime1">
               <a:rPr lang="es-AR" smtClean="0"/>
               <a:pPr/>
-              <a:t>17/11/2020</a:t>
+              <a:t>15/2/2021</a:t>
             </a:fld>
             <a:endParaRPr lang="es-AR"/>
           </a:p>
@@ -2278,7 +2643,7 @@
     </p:spTree>
     <p:extLst>
       <p:ext uri="{BB962C8B-B14F-4D97-AF65-F5344CB8AC3E}">
-        <p14:creationId xmlns:p14="http://schemas.microsoft.com/office/powerpoint/2010/main" val="1401297368"/>
+        <p14:creationId xmlns:p14="http://schemas.microsoft.com/office/powerpoint/2010/main" xmlns="" val="1401297368"/>
       </p:ext>
     </p:extLst>
   </p:cSld>
@@ -2774,7 +3139,7 @@
             <a:fld id="{F7023107-FE31-4245-9D9D-4DAB5BB365BD}" type="datetime1">
               <a:rPr lang="es-AR" smtClean="0"/>
               <a:pPr/>
-              <a:t>17/11/2020</a:t>
+              <a:t>15/2/2021</a:t>
             </a:fld>
             <a:endParaRPr lang="es-AR"/>
           </a:p>
@@ -2829,7 +3194,7 @@
     </p:spTree>
     <p:extLst>
       <p:ext uri="{BB962C8B-B14F-4D97-AF65-F5344CB8AC3E}">
-        <p14:creationId xmlns:p14="http://schemas.microsoft.com/office/powerpoint/2010/main" val="3581304418"/>
+        <p14:creationId xmlns:p14="http://schemas.microsoft.com/office/powerpoint/2010/main" xmlns="" val="3581304418"/>
       </p:ext>
     </p:extLst>
   </p:cSld>
@@ -3610,7 +3975,7 @@
             <a:fld id="{081FCDBA-D78B-4D74-B477-EFCB1BCA6C42}" type="datetime1">
               <a:rPr lang="es-AR" smtClean="0"/>
               <a:pPr/>
-              <a:t>17/11/2020</a:t>
+              <a:t>15/2/2021</a:t>
             </a:fld>
             <a:endParaRPr lang="es-AR"/>
           </a:p>
@@ -3665,7 +4030,7 @@
     </p:spTree>
     <p:extLst>
       <p:ext uri="{BB962C8B-B14F-4D97-AF65-F5344CB8AC3E}">
-        <p14:creationId xmlns:p14="http://schemas.microsoft.com/office/powerpoint/2010/main" val="2434754427"/>
+        <p14:creationId xmlns:p14="http://schemas.microsoft.com/office/powerpoint/2010/main" xmlns="" val="2434754427"/>
       </p:ext>
     </p:extLst>
   </p:cSld>
@@ -3785,7 +4150,7 @@
             <a:fld id="{20EA1D54-2625-4090-9DAD-29AF83AD3B36}" type="datetime1">
               <a:rPr lang="es-AR" smtClean="0"/>
               <a:pPr/>
-              <a:t>17/11/2020</a:t>
+              <a:t>15/2/2021</a:t>
             </a:fld>
             <a:endParaRPr lang="es-AR"/>
           </a:p>
@@ -3840,7 +4205,7 @@
     </p:spTree>
     <p:extLst>
       <p:ext uri="{BB962C8B-B14F-4D97-AF65-F5344CB8AC3E}">
-        <p14:creationId xmlns:p14="http://schemas.microsoft.com/office/powerpoint/2010/main" val="796553577"/>
+        <p14:creationId xmlns:p14="http://schemas.microsoft.com/office/powerpoint/2010/main" xmlns="" val="796553577"/>
       </p:ext>
     </p:extLst>
   </p:cSld>
@@ -3970,7 +4335,7 @@
             <a:fld id="{FCD0E364-B94A-4338-BC1C-A73E1F081813}" type="datetime1">
               <a:rPr lang="es-AR" smtClean="0"/>
               <a:pPr/>
-              <a:t>17/11/2020</a:t>
+              <a:t>15/2/2021</a:t>
             </a:fld>
             <a:endParaRPr lang="es-AR"/>
           </a:p>
@@ -4025,7 +4390,7 @@
     </p:spTree>
     <p:extLst>
       <p:ext uri="{BB962C8B-B14F-4D97-AF65-F5344CB8AC3E}">
-        <p14:creationId xmlns:p14="http://schemas.microsoft.com/office/powerpoint/2010/main" val="2178378210"/>
+        <p14:creationId xmlns:p14="http://schemas.microsoft.com/office/powerpoint/2010/main" xmlns="" val="2178378210"/>
       </p:ext>
     </p:extLst>
   </p:cSld>
@@ -4124,7 +4489,7 @@
           <a:blip r:embed="rId2" cstate="print">
             <a:extLst>
               <a:ext uri="{28A0092B-C50C-407E-A947-70E740481C1C}">
-                <a14:useLocalDpi xmlns:a14="http://schemas.microsoft.com/office/drawing/2010/main" val="0"/>
+                <a14:useLocalDpi xmlns:a14="http://schemas.microsoft.com/office/drawing/2010/main" xmlns="" val="0"/>
               </a:ext>
             </a:extLst>
           </a:blip>
@@ -4319,7 +4684,7 @@
           <a:blip r:embed="rId3" cstate="print">
             <a:extLst>
               <a:ext uri="{28A0092B-C50C-407E-A947-70E740481C1C}">
-                <a14:useLocalDpi xmlns:a14="http://schemas.microsoft.com/office/drawing/2010/main" val="0"/>
+                <a14:useLocalDpi xmlns:a14="http://schemas.microsoft.com/office/drawing/2010/main" xmlns="" val="0"/>
               </a:ext>
             </a:extLst>
           </a:blip>
@@ -4446,7 +4811,7 @@
     </p:spTree>
     <p:extLst>
       <p:ext uri="{BB962C8B-B14F-4D97-AF65-F5344CB8AC3E}">
-        <p14:creationId xmlns:p14="http://schemas.microsoft.com/office/powerpoint/2010/main" val="1072273061"/>
+        <p14:creationId xmlns:p14="http://schemas.microsoft.com/office/powerpoint/2010/main" xmlns="" val="1072273061"/>
       </p:ext>
     </p:extLst>
   </p:cSld>
@@ -4653,7 +5018,7 @@
             <a:fld id="{0FF6B326-0FEE-47B3-9F77-2568F820D807}" type="datetime1">
               <a:rPr lang="es-AR" smtClean="0"/>
               <a:pPr/>
-              <a:t>17/11/2020</a:t>
+              <a:t>15/2/2021</a:t>
             </a:fld>
             <a:endParaRPr lang="es-AR"/>
           </a:p>
@@ -4708,7 +5073,7 @@
     </p:spTree>
     <p:extLst>
       <p:ext uri="{BB962C8B-B14F-4D97-AF65-F5344CB8AC3E}">
-        <p14:creationId xmlns:p14="http://schemas.microsoft.com/office/powerpoint/2010/main" val="2343256160"/>
+        <p14:creationId xmlns:p14="http://schemas.microsoft.com/office/powerpoint/2010/main" xmlns="" val="2343256160"/>
       </p:ext>
     </p:extLst>
   </p:cSld>
@@ -4890,7 +5255,7 @@
             <a:fld id="{913DAB84-C826-40B0-8ED0-39F2ECE4A200}" type="datetime1">
               <a:rPr lang="es-AR" smtClean="0"/>
               <a:pPr/>
-              <a:t>17/11/2020</a:t>
+              <a:t>15/2/2021</a:t>
             </a:fld>
             <a:endParaRPr lang="es-AR"/>
           </a:p>
@@ -4945,7 +5310,7 @@
     </p:spTree>
     <p:extLst>
       <p:ext uri="{BB962C8B-B14F-4D97-AF65-F5344CB8AC3E}">
-        <p14:creationId xmlns:p14="http://schemas.microsoft.com/office/powerpoint/2010/main" val="492701131"/>
+        <p14:creationId xmlns:p14="http://schemas.microsoft.com/office/powerpoint/2010/main" xmlns="" val="492701131"/>
       </p:ext>
     </p:extLst>
   </p:cSld>
@@ -5288,7 +5653,7 @@
             <a:fld id="{8C0226C2-DAEC-4136-9DE8-09FC5E3E671E}" type="datetime1">
               <a:rPr lang="es-AR" smtClean="0"/>
               <a:pPr/>
-              <a:t>17/11/2020</a:t>
+              <a:t>15/2/2021</a:t>
             </a:fld>
             <a:endParaRPr lang="es-AR"/>
           </a:p>
@@ -5343,7 +5708,7 @@
     </p:spTree>
     <p:extLst>
       <p:ext uri="{BB962C8B-B14F-4D97-AF65-F5344CB8AC3E}">
-        <p14:creationId xmlns:p14="http://schemas.microsoft.com/office/powerpoint/2010/main" val="1192843996"/>
+        <p14:creationId xmlns:p14="http://schemas.microsoft.com/office/powerpoint/2010/main" xmlns="" val="1192843996"/>
       </p:ext>
     </p:extLst>
   </p:cSld>
@@ -5411,7 +5776,7 @@
             <a:fld id="{53EE9993-8E0B-4913-A57B-F99EBF98A309}" type="datetime1">
               <a:rPr lang="es-AR" smtClean="0"/>
               <a:pPr/>
-              <a:t>17/11/2020</a:t>
+              <a:t>15/2/2021</a:t>
             </a:fld>
             <a:endParaRPr lang="es-AR"/>
           </a:p>
@@ -5466,7 +5831,7 @@
     </p:spTree>
     <p:extLst>
       <p:ext uri="{BB962C8B-B14F-4D97-AF65-F5344CB8AC3E}">
-        <p14:creationId xmlns:p14="http://schemas.microsoft.com/office/powerpoint/2010/main" val="1497457452"/>
+        <p14:creationId xmlns:p14="http://schemas.microsoft.com/office/powerpoint/2010/main" xmlns="" val="1497457452"/>
       </p:ext>
     </p:extLst>
   </p:cSld>
@@ -5511,7 +5876,7 @@
             <a:fld id="{7FC65BA5-BE01-42C7-88A0-5D66E4C25C69}" type="datetime1">
               <a:rPr lang="es-AR" smtClean="0"/>
               <a:pPr/>
-              <a:t>17/11/2020</a:t>
+              <a:t>15/2/2021</a:t>
             </a:fld>
             <a:endParaRPr lang="es-AR"/>
           </a:p>
@@ -5566,7 +5931,7 @@
     </p:spTree>
     <p:extLst>
       <p:ext uri="{BB962C8B-B14F-4D97-AF65-F5344CB8AC3E}">
-        <p14:creationId xmlns:p14="http://schemas.microsoft.com/office/powerpoint/2010/main" val="3150583799"/>
+        <p14:creationId xmlns:p14="http://schemas.microsoft.com/office/powerpoint/2010/main" xmlns="" val="3150583799"/>
       </p:ext>
     </p:extLst>
   </p:cSld>
@@ -5789,7 +6154,7 @@
             <a:fld id="{E3D3AADB-2F64-4CF7-83E3-78E84AD4D110}" type="datetime1">
               <a:rPr lang="es-AR" smtClean="0"/>
               <a:pPr/>
-              <a:t>17/11/2020</a:t>
+              <a:t>15/2/2021</a:t>
             </a:fld>
             <a:endParaRPr lang="es-AR"/>
           </a:p>
@@ -5844,7 +6209,7 @@
     </p:spTree>
     <p:extLst>
       <p:ext uri="{BB962C8B-B14F-4D97-AF65-F5344CB8AC3E}">
-        <p14:creationId xmlns:p14="http://schemas.microsoft.com/office/powerpoint/2010/main" val="3101053053"/>
+        <p14:creationId xmlns:p14="http://schemas.microsoft.com/office/powerpoint/2010/main" xmlns="" val="3101053053"/>
       </p:ext>
     </p:extLst>
   </p:cSld>
@@ -6075,7 +6440,7 @@
             <a:fld id="{C77D2D86-4208-4F35-BB55-BE3504C41488}" type="datetime1">
               <a:rPr lang="es-AR" smtClean="0"/>
               <a:pPr/>
-              <a:t>17/11/2020</a:t>
+              <a:t>15/2/2021</a:t>
             </a:fld>
             <a:endParaRPr lang="es-AR"/>
           </a:p>
@@ -6130,7 +6495,7 @@
     </p:spTree>
     <p:extLst>
       <p:ext uri="{BB962C8B-B14F-4D97-AF65-F5344CB8AC3E}">
-        <p14:creationId xmlns:p14="http://schemas.microsoft.com/office/powerpoint/2010/main" val="3053301401"/>
+        <p14:creationId xmlns:p14="http://schemas.microsoft.com/office/powerpoint/2010/main" xmlns="" val="3053301401"/>
       </p:ext>
     </p:extLst>
   </p:cSld>
@@ -6316,7 +6681,7 @@
             <a:fld id="{1EA277BA-E2F3-4C3D-9E58-E2E890DB98B1}" type="datetime1">
               <a:rPr lang="es-AR" smtClean="0"/>
               <a:pPr/>
-              <a:t>17/11/2020</a:t>
+              <a:t>15/2/2021</a:t>
             </a:fld>
             <a:endParaRPr lang="es-AR"/>
           </a:p>
@@ -6443,7 +6808,7 @@
     </p:spTree>
     <p:extLst>
       <p:ext uri="{BB962C8B-B14F-4D97-AF65-F5344CB8AC3E}">
-        <p14:creationId xmlns:p14="http://schemas.microsoft.com/office/powerpoint/2010/main" val="1640675034"/>
+        <p14:creationId xmlns:p14="http://schemas.microsoft.com/office/powerpoint/2010/main" xmlns="" val="1640675034"/>
       </p:ext>
     </p:extLst>
   </p:cSld>
@@ -7029,7 +7394,7 @@
           <a:blip r:embed="rId2" cstate="print">
             <a:extLst>
               <a:ext uri="{28A0092B-C50C-407E-A947-70E740481C1C}">
-                <a14:useLocalDpi xmlns:a14="http://schemas.microsoft.com/office/drawing/2010/main" val="0"/>
+                <a14:useLocalDpi xmlns:a14="http://schemas.microsoft.com/office/drawing/2010/main" xmlns="" val="0"/>
               </a:ext>
             </a:extLst>
           </a:blip>
@@ -7059,7 +7424,7 @@
           <a:blip r:embed="rId3" cstate="print">
             <a:extLst>
               <a:ext uri="{28A0092B-C50C-407E-A947-70E740481C1C}">
-                <a14:useLocalDpi xmlns:a14="http://schemas.microsoft.com/office/drawing/2010/main" val="0"/>
+                <a14:useLocalDpi xmlns:a14="http://schemas.microsoft.com/office/drawing/2010/main" xmlns="" val="0"/>
               </a:ext>
             </a:extLst>
           </a:blip>
@@ -7089,7 +7454,7 @@
           <a:blip r:embed="rId4" cstate="print">
             <a:extLst>
               <a:ext uri="{28A0092B-C50C-407E-A947-70E740481C1C}">
-                <a14:useLocalDpi xmlns:a14="http://schemas.microsoft.com/office/drawing/2010/main" val="0"/>
+                <a14:useLocalDpi xmlns:a14="http://schemas.microsoft.com/office/drawing/2010/main" xmlns="" val="0"/>
               </a:ext>
             </a:extLst>
           </a:blip>
@@ -7110,21 +7475,505 @@
     </p:spTree>
     <p:extLst>
       <p:ext uri="{BB962C8B-B14F-4D97-AF65-F5344CB8AC3E}">
-        <p14:creationId xmlns:p14="http://schemas.microsoft.com/office/powerpoint/2010/main" val="2194547385"/>
+        <p14:creationId xmlns:p14="http://schemas.microsoft.com/office/powerpoint/2010/main" xmlns="" val="2194547385"/>
       </p:ext>
     </p:extLst>
   </p:cSld>
   <p:clrMapOvr>
     <a:masterClrMapping/>
   </p:clrMapOvr>
-  <mc:AlternateContent xmlns:mc="http://schemas.openxmlformats.org/markup-compatibility/2006" xmlns:p14="http://schemas.microsoft.com/office/powerpoint/2010/main">
-    <mc:Choice Requires="p14">
+  <mc:AlternateContent xmlns:mc="http://schemas.openxmlformats.org/markup-compatibility/2006">
+    <mc:Choice xmlns:p14="http://schemas.microsoft.com/office/powerpoint/2010/main" xmlns="" Requires="p14">
       <p:transition spd="med" p14:dur="700">
         <p:fade/>
       </p:transition>
     </mc:Choice>
-    <mc:Fallback xmlns="">
+    <mc:Fallback>
       <p:transition spd="med">
+        <p:fade/>
+      </p:transition>
+    </mc:Fallback>
+  </mc:AlternateContent>
+  <p:timing>
+    <p:tnLst>
+      <p:par>
+        <p:cTn id="1" dur="indefinite" restart="never" nodeType="tmRoot"/>
+      </p:par>
+    </p:tnLst>
+  </p:timing>
+</p:sld>
+</file>
+
+<file path=ppt/slides/slide10.xml><?xml version="1.0" encoding="utf-8"?>
+<p:sld xmlns:a="http://schemas.openxmlformats.org/drawingml/2006/main" xmlns:r="http://schemas.openxmlformats.org/officeDocument/2006/relationships" xmlns:p="http://schemas.openxmlformats.org/presentationml/2006/main">
+  <p:cSld>
+    <p:spTree>
+      <p:nvGrpSpPr>
+        <p:cNvPr id="1" name=""/>
+        <p:cNvGrpSpPr/>
+        <p:nvPr/>
+      </p:nvGrpSpPr>
+      <p:grpSpPr>
+        <a:xfrm>
+          <a:off x="0" y="0"/>
+          <a:ext cx="0" cy="0"/>
+          <a:chOff x="0" y="0"/>
+          <a:chExt cx="0" cy="0"/>
+        </a:xfrm>
+      </p:grpSpPr>
+      <p:sp>
+        <p:nvSpPr>
+          <p:cNvPr id="2" name="1 Marcador de pie de página"/>
+          <p:cNvSpPr>
+            <a:spLocks noGrp="1"/>
+          </p:cNvSpPr>
+          <p:nvPr>
+            <p:ph type="ftr" sz="quarter" idx="11"/>
+          </p:nvPr>
+        </p:nvSpPr>
+        <p:spPr/>
+        <p:txBody>
+          <a:bodyPr/>
+          <a:lstStyle/>
+          <a:p>
+            <a:r>
+              <a:rPr lang="es-AR" smtClean="0"/>
+              <a:t>OYARZO Mariela – QUIROGA Sandra – MÁRQUEZ Emanuel</a:t>
+            </a:r>
+            <a:endParaRPr lang="es-AR" dirty="0"/>
+          </a:p>
+        </p:txBody>
+      </p:sp>
+      <p:sp>
+        <p:nvSpPr>
+          <p:cNvPr id="3" name="2 Marcador de número de diapositiva"/>
+          <p:cNvSpPr>
+            <a:spLocks noGrp="1"/>
+          </p:cNvSpPr>
+          <p:nvPr>
+            <p:ph type="sldNum" sz="quarter" idx="12"/>
+          </p:nvPr>
+        </p:nvSpPr>
+        <p:spPr/>
+        <p:txBody>
+          <a:bodyPr/>
+          <a:lstStyle/>
+          <a:p>
+            <a:fld id="{779E3280-5C43-43EF-BE7D-8C553A58A779}" type="slidenum">
+              <a:rPr lang="es-AR" smtClean="0"/>
+              <a:pPr/>
+              <a:t>10</a:t>
+            </a:fld>
+            <a:endParaRPr lang="es-AR" dirty="0"/>
+          </a:p>
+        </p:txBody>
+      </p:sp>
+      <p:sp>
+        <p:nvSpPr>
+          <p:cNvPr id="4" name="3 Título"/>
+          <p:cNvSpPr>
+            <a:spLocks noGrp="1"/>
+          </p:cNvSpPr>
+          <p:nvPr>
+            <p:ph type="title"/>
+          </p:nvPr>
+        </p:nvSpPr>
+        <p:spPr/>
+        <p:txBody>
+          <a:bodyPr/>
+          <a:lstStyle/>
+          <a:p>
+            <a:r>
+              <a:rPr lang="es-AR" dirty="0" smtClean="0"/>
+              <a:t>Gestión de Riesgos</a:t>
+            </a:r>
+            <a:endParaRPr lang="es-AR" dirty="0"/>
+          </a:p>
+        </p:txBody>
+      </p:sp>
+      <p:sp>
+        <p:nvSpPr>
+          <p:cNvPr id="5" name="4 Marcador de contenido"/>
+          <p:cNvSpPr>
+            <a:spLocks noGrp="1"/>
+          </p:cNvSpPr>
+          <p:nvPr>
+            <p:ph idx="1"/>
+          </p:nvPr>
+        </p:nvSpPr>
+        <p:spPr/>
+        <p:txBody>
+          <a:bodyPr/>
+          <a:lstStyle/>
+          <a:p>
+            <a:r>
+              <a:rPr lang="es-AR" dirty="0" smtClean="0"/>
+              <a:t>Fase de Inicio Iteración 1:  se planifico la redacción de plan de riesgos</a:t>
+            </a:r>
+          </a:p>
+          <a:p>
+            <a:r>
+              <a:rPr lang="es-AR" dirty="0" smtClean="0"/>
+              <a:t>Fase de  Inicio Iteración 2:</a:t>
+            </a:r>
+          </a:p>
+          <a:p>
+            <a:endParaRPr lang="es-AR" dirty="0" smtClean="0"/>
+          </a:p>
+          <a:p>
+            <a:endParaRPr lang="es-AR" sz="2400" dirty="0" smtClean="0"/>
+          </a:p>
+          <a:p>
+            <a:endParaRPr lang="es-AR" sz="2400" dirty="0" smtClean="0"/>
+          </a:p>
+          <a:p>
+            <a:endParaRPr lang="es-AR" sz="2400" dirty="0" smtClean="0"/>
+          </a:p>
+          <a:p>
+            <a:endParaRPr lang="es-AR" sz="2400" dirty="0" smtClean="0"/>
+          </a:p>
+          <a:p>
+            <a:pPr>
+              <a:buNone/>
+            </a:pPr>
+            <a:endParaRPr lang="es-AR" sz="2400" dirty="0" smtClean="0"/>
+          </a:p>
+          <a:p>
+            <a:pPr>
+              <a:buNone/>
+            </a:pPr>
+            <a:endParaRPr lang="es-AR" sz="2400" dirty="0" smtClean="0"/>
+          </a:p>
+          <a:p>
+            <a:pPr>
+              <a:buNone/>
+            </a:pPr>
+            <a:r>
+              <a:rPr lang="es-AR" sz="2400" dirty="0" smtClean="0"/>
+              <a:t>Fase </a:t>
+            </a:r>
+            <a:r>
+              <a:rPr lang="es-AR" sz="2400" dirty="0" smtClean="0"/>
+              <a:t>de  </a:t>
+            </a:r>
+            <a:r>
+              <a:rPr lang="es-AR" sz="2400" dirty="0" smtClean="0"/>
+              <a:t>Elaboración: No se realizo gestión de riesgos, ya que priorizamos otras actividades. </a:t>
+            </a:r>
+            <a:r>
+              <a:rPr lang="es-AR" sz="2400" dirty="0" smtClean="0"/>
+              <a:t>Sin embargo, esto no implicó que las soluciones propuestas de los riesgos no se llevarán a cabo. </a:t>
+            </a:r>
+          </a:p>
+          <a:p>
+            <a:pPr>
+              <a:buNone/>
+            </a:pPr>
+            <a:endParaRPr lang="es-AR" sz="2400" dirty="0" smtClean="0"/>
+          </a:p>
+          <a:p>
+            <a:endParaRPr lang="es-AR" sz="2400" dirty="0" smtClean="0"/>
+          </a:p>
+        </p:txBody>
+      </p:sp>
+      <p:graphicFrame>
+        <p:nvGraphicFramePr>
+          <p:cNvPr id="6" name="3 Gráfico"/>
+          <p:cNvGraphicFramePr/>
+          <p:nvPr/>
+        </p:nvGraphicFramePr>
+        <p:xfrm>
+          <a:off x="3405187" y="1838325"/>
+          <a:ext cx="5381625" cy="3181350"/>
+        </p:xfrm>
+        <a:graphic>
+          <a:graphicData uri="http://schemas.openxmlformats.org/drawingml/2006/chart">
+            <c:chart xmlns:c="http://schemas.openxmlformats.org/drawingml/2006/chart" xmlns:r="http://schemas.openxmlformats.org/officeDocument/2006/relationships" r:id="rId2"/>
+          </a:graphicData>
+        </a:graphic>
+      </p:graphicFrame>
+    </p:spTree>
+  </p:cSld>
+  <p:clrMapOvr>
+    <a:masterClrMapping/>
+  </p:clrMapOvr>
+</p:sld>
+</file>
+
+<file path=ppt/slides/slide11.xml><?xml version="1.0" encoding="utf-8"?>
+<p:sld xmlns:a="http://schemas.openxmlformats.org/drawingml/2006/main" xmlns:r="http://schemas.openxmlformats.org/officeDocument/2006/relationships" xmlns:p="http://schemas.openxmlformats.org/presentationml/2006/main">
+  <p:cSld>
+    <p:spTree>
+      <p:nvGrpSpPr>
+        <p:cNvPr id="1" name=""/>
+        <p:cNvGrpSpPr/>
+        <p:nvPr/>
+      </p:nvGrpSpPr>
+      <p:grpSpPr>
+        <a:xfrm>
+          <a:off x="0" y="0"/>
+          <a:ext cx="0" cy="0"/>
+          <a:chOff x="0" y="0"/>
+          <a:chExt cx="0" cy="0"/>
+        </a:xfrm>
+      </p:grpSpPr>
+      <p:sp>
+        <p:nvSpPr>
+          <p:cNvPr id="2" name="1 Marcador de pie de página"/>
+          <p:cNvSpPr>
+            <a:spLocks noGrp="1"/>
+          </p:cNvSpPr>
+          <p:nvPr>
+            <p:ph type="ftr" sz="quarter" idx="11"/>
+          </p:nvPr>
+        </p:nvSpPr>
+        <p:spPr/>
+        <p:txBody>
+          <a:bodyPr/>
+          <a:lstStyle/>
+          <a:p>
+            <a:r>
+              <a:rPr lang="es-AR" smtClean="0"/>
+              <a:t>OYARZO Mariela – QUIROGA Sandra – MÁRQUEZ Emanuel</a:t>
+            </a:r>
+            <a:endParaRPr lang="es-AR" dirty="0"/>
+          </a:p>
+        </p:txBody>
+      </p:sp>
+      <p:sp>
+        <p:nvSpPr>
+          <p:cNvPr id="3" name="2 Marcador de número de diapositiva"/>
+          <p:cNvSpPr>
+            <a:spLocks noGrp="1"/>
+          </p:cNvSpPr>
+          <p:nvPr>
+            <p:ph type="sldNum" sz="quarter" idx="12"/>
+          </p:nvPr>
+        </p:nvSpPr>
+        <p:spPr/>
+        <p:txBody>
+          <a:bodyPr/>
+          <a:lstStyle/>
+          <a:p>
+            <a:fld id="{779E3280-5C43-43EF-BE7D-8C553A58A779}" type="slidenum">
+              <a:rPr lang="es-AR" smtClean="0"/>
+              <a:pPr/>
+              <a:t>11</a:t>
+            </a:fld>
+            <a:endParaRPr lang="es-AR" dirty="0"/>
+          </a:p>
+        </p:txBody>
+      </p:sp>
+      <p:sp>
+        <p:nvSpPr>
+          <p:cNvPr id="4" name="3 Título"/>
+          <p:cNvSpPr>
+            <a:spLocks noGrp="1"/>
+          </p:cNvSpPr>
+          <p:nvPr>
+            <p:ph type="title"/>
+          </p:nvPr>
+        </p:nvSpPr>
+        <p:spPr/>
+        <p:txBody>
+          <a:bodyPr/>
+          <a:lstStyle/>
+          <a:p>
+            <a:r>
+              <a:rPr lang="es-AR" dirty="0" smtClean="0"/>
+              <a:t>Gestión de riesgos </a:t>
+            </a:r>
+            <a:endParaRPr lang="es-AR" dirty="0"/>
+          </a:p>
+        </p:txBody>
+      </p:sp>
+      <p:sp>
+        <p:nvSpPr>
+          <p:cNvPr id="5" name="4 Marcador de contenido"/>
+          <p:cNvSpPr>
+            <a:spLocks noGrp="1"/>
+          </p:cNvSpPr>
+          <p:nvPr>
+            <p:ph idx="1"/>
+          </p:nvPr>
+        </p:nvSpPr>
+        <p:spPr/>
+        <p:txBody>
+          <a:bodyPr/>
+          <a:lstStyle/>
+          <a:p>
+            <a:r>
+              <a:rPr lang="es-AR" dirty="0" smtClean="0"/>
+              <a:t>Fase de Construcción iteración  8</a:t>
+            </a:r>
+          </a:p>
+          <a:p>
+            <a:endParaRPr lang="es-AR" dirty="0" smtClean="0"/>
+          </a:p>
+          <a:p>
+            <a:endParaRPr lang="es-AR" dirty="0"/>
+          </a:p>
+        </p:txBody>
+      </p:sp>
+      <p:graphicFrame>
+        <p:nvGraphicFramePr>
+          <p:cNvPr id="6" name="3 Gráfico"/>
+          <p:cNvGraphicFramePr/>
+          <p:nvPr/>
+        </p:nvGraphicFramePr>
+        <p:xfrm>
+          <a:off x="3543300" y="1838325"/>
+          <a:ext cx="5105400" cy="3181350"/>
+        </p:xfrm>
+        <a:graphic>
+          <a:graphicData uri="http://schemas.openxmlformats.org/drawingml/2006/chart">
+            <c:chart xmlns:c="http://schemas.openxmlformats.org/drawingml/2006/chart" xmlns:r="http://schemas.openxmlformats.org/officeDocument/2006/relationships" r:id="rId2"/>
+          </a:graphicData>
+        </a:graphic>
+      </p:graphicFrame>
+    </p:spTree>
+  </p:cSld>
+  <p:clrMapOvr>
+    <a:masterClrMapping/>
+  </p:clrMapOvr>
+</p:sld>
+</file>
+
+<file path=ppt/slides/slide12.xml><?xml version="1.0" encoding="utf-8"?>
+<p:sld xmlns:a="http://schemas.openxmlformats.org/drawingml/2006/main" xmlns:r="http://schemas.openxmlformats.org/officeDocument/2006/relationships" xmlns:p="http://schemas.openxmlformats.org/presentationml/2006/main">
+  <p:cSld>
+    <p:spTree>
+      <p:nvGrpSpPr>
+        <p:cNvPr id="1" name=""/>
+        <p:cNvGrpSpPr/>
+        <p:nvPr/>
+      </p:nvGrpSpPr>
+      <p:grpSpPr>
+        <a:xfrm>
+          <a:off x="0" y="0"/>
+          <a:ext cx="0" cy="0"/>
+          <a:chOff x="0" y="0"/>
+          <a:chExt cx="0" cy="0"/>
+        </a:xfrm>
+      </p:grpSpPr>
+      <p:sp>
+        <p:nvSpPr>
+          <p:cNvPr id="3" name="Título 2"/>
+          <p:cNvSpPr>
+            <a:spLocks noGrp="1"/>
+          </p:cNvSpPr>
+          <p:nvPr>
+            <p:ph type="title"/>
+          </p:nvPr>
+        </p:nvSpPr>
+        <p:spPr/>
+        <p:txBody>
+          <a:bodyPr/>
+          <a:lstStyle/>
+          <a:p>
+            <a:r>
+              <a:rPr lang="es-AR" dirty="0" smtClean="0"/>
+              <a:t>Fin de presentación</a:t>
+            </a:r>
+            <a:endParaRPr lang="es-AR" dirty="0"/>
+          </a:p>
+        </p:txBody>
+      </p:sp>
+      <p:sp>
+        <p:nvSpPr>
+          <p:cNvPr id="4" name="Marcador de pie de página 3"/>
+          <p:cNvSpPr>
+            <a:spLocks noGrp="1"/>
+          </p:cNvSpPr>
+          <p:nvPr>
+            <p:ph type="ftr" sz="quarter" idx="11"/>
+          </p:nvPr>
+        </p:nvSpPr>
+        <p:spPr/>
+        <p:txBody>
+          <a:bodyPr/>
+          <a:lstStyle/>
+          <a:p>
+            <a:r>
+              <a:rPr lang="es-AR" smtClean="0"/>
+              <a:t>OYARZO Mariela – QUIROGA Sandra – MÁRQUEZ EMANUEL</a:t>
+            </a:r>
+            <a:endParaRPr lang="es-AR" dirty="0"/>
+          </a:p>
+        </p:txBody>
+      </p:sp>
+      <p:sp>
+        <p:nvSpPr>
+          <p:cNvPr id="5" name="Marcador de número de diapositiva 4"/>
+          <p:cNvSpPr>
+            <a:spLocks noGrp="1"/>
+          </p:cNvSpPr>
+          <p:nvPr>
+            <p:ph type="sldNum" sz="quarter" idx="12"/>
+          </p:nvPr>
+        </p:nvSpPr>
+        <p:spPr/>
+        <p:txBody>
+          <a:bodyPr/>
+          <a:lstStyle/>
+          <a:p>
+            <a:fld id="{779E3280-5C43-43EF-BE7D-8C553A58A779}" type="slidenum">
+              <a:rPr lang="es-AR" smtClean="0"/>
+              <a:pPr/>
+              <a:t>12</a:t>
+            </a:fld>
+            <a:endParaRPr lang="es-AR" dirty="0"/>
+          </a:p>
+        </p:txBody>
+      </p:sp>
+      <p:pic>
+        <p:nvPicPr>
+          <p:cNvPr id="7" name="Imagen 6"/>
+          <p:cNvPicPr>
+            <a:picLocks noChangeAspect="1"/>
+          </p:cNvPicPr>
+          <p:nvPr/>
+        </p:nvPicPr>
+        <p:blipFill>
+          <a:blip r:embed="rId2" cstate="print">
+            <a:extLst>
+              <a:ext uri="{28A0092B-C50C-407E-A947-70E740481C1C}">
+                <a14:useLocalDpi xmlns:a14="http://schemas.microsoft.com/office/drawing/2010/main" xmlns="" val="0"/>
+              </a:ext>
+            </a:extLst>
+          </a:blip>
+          <a:stretch>
+            <a:fillRect/>
+          </a:stretch>
+        </p:blipFill>
+        <p:spPr>
+          <a:xfrm>
+            <a:off x="4130722" y="2141611"/>
+            <a:ext cx="4021540" cy="3619386"/>
+          </a:xfrm>
+          <a:prstGeom prst="rect">
+            <a:avLst/>
+          </a:prstGeom>
+        </p:spPr>
+      </p:pic>
+    </p:spTree>
+    <p:extLst>
+      <p:ext uri="{BB962C8B-B14F-4D97-AF65-F5344CB8AC3E}">
+        <p14:creationId xmlns:p14="http://schemas.microsoft.com/office/powerpoint/2010/main" xmlns="" val="2777136503"/>
+      </p:ext>
+    </p:extLst>
+  </p:cSld>
+  <p:clrMapOvr>
+    <a:masterClrMapping/>
+  </p:clrMapOvr>
+  <mc:AlternateContent xmlns:mc="http://schemas.openxmlformats.org/markup-compatibility/2006">
+    <mc:Choice xmlns:p14="http://schemas.microsoft.com/office/powerpoint/2010/main" xmlns="" Requires="p14">
+      <p:transition spd="slow">
+        <p14:reveal/>
+      </p:transition>
+    </mc:Choice>
+    <mc:Fallback>
+      <p:transition spd="slow">
         <p:fade/>
       </p:transition>
     </mc:Fallback>
@@ -7158,7 +8007,7 @@
       </p:grpSpPr>
       <p:sp>
         <p:nvSpPr>
-          <p:cNvPr id="2" name="Marcador de pie de página 1"/>
+          <p:cNvPr id="2" name="1 Marcador de pie de página"/>
           <p:cNvSpPr>
             <a:spLocks noGrp="1"/>
           </p:cNvSpPr>
@@ -7181,7 +8030,7 @@
       </p:sp>
       <p:sp>
         <p:nvSpPr>
-          <p:cNvPr id="3" name="Marcador de número de diapositiva 2"/>
+          <p:cNvPr id="3" name="2 Marcador de número de diapositiva"/>
           <p:cNvSpPr>
             <a:spLocks noGrp="1"/>
           </p:cNvSpPr>
@@ -7205,7 +8054,7 @@
       </p:sp>
       <p:sp>
         <p:nvSpPr>
-          <p:cNvPr id="4" name="Título 3"/>
+          <p:cNvPr id="4" name="3 Título"/>
           <p:cNvSpPr>
             <a:spLocks noGrp="1"/>
           </p:cNvSpPr>
@@ -7218,17 +8067,13 @@
           <a:bodyPr/>
           <a:lstStyle/>
           <a:p>
-            <a:r>
-              <a:rPr lang="es-AR" dirty="0" smtClean="0"/>
-              <a:t>Índice de temas</a:t>
-            </a:r>
-            <a:endParaRPr lang="es-AR" dirty="0"/>
-          </a:p>
-        </p:txBody>
-      </p:sp>
-      <p:sp>
-        <p:nvSpPr>
-          <p:cNvPr id="5" name="Marcador de contenido 4"/>
+            <a:endParaRPr lang="es-AR"/>
+          </a:p>
+        </p:txBody>
+      </p:sp>
+      <p:sp>
+        <p:nvSpPr>
+          <p:cNvPr id="5" name="4 Marcador de contenido"/>
           <p:cNvSpPr>
             <a:spLocks noGrp="1"/>
           </p:cNvSpPr>
@@ -7241,27 +8086,15 @@
           <a:bodyPr/>
           <a:lstStyle/>
           <a:p>
-            <a:endParaRPr lang="es-AR" dirty="0"/>
+            <a:endParaRPr lang="es-AR"/>
           </a:p>
         </p:txBody>
       </p:sp>
     </p:spTree>
-    <p:extLst>
-      <p:ext uri="{BB962C8B-B14F-4D97-AF65-F5344CB8AC3E}">
-        <p14:creationId xmlns:p14="http://schemas.microsoft.com/office/powerpoint/2010/main" val="2616491006"/>
-      </p:ext>
-    </p:extLst>
   </p:cSld>
   <p:clrMapOvr>
     <a:masterClrMapping/>
   </p:clrMapOvr>
-  <p:timing>
-    <p:tnLst>
-      <p:par>
-        <p:cTn id="1" dur="indefinite" restart="never" nodeType="tmRoot"/>
-      </p:par>
-    </p:tnLst>
-  </p:timing>
 </p:sld>
 </file>
 
@@ -7362,7 +8195,7 @@
           <a:blip r:embed="rId2">
             <a:extLst>
               <a:ext uri="{28A0092B-C50C-407E-A947-70E740481C1C}">
-                <a14:useLocalDpi xmlns:a14="http://schemas.microsoft.com/office/drawing/2010/main" val="0"/>
+                <a14:useLocalDpi xmlns:a14="http://schemas.microsoft.com/office/drawing/2010/main" xmlns="" val="0"/>
               </a:ext>
             </a:extLst>
           </a:blip>
@@ -7395,7 +8228,7 @@
           <a:blip r:embed="rId3" cstate="print">
             <a:extLst>
               <a:ext uri="{28A0092B-C50C-407E-A947-70E740481C1C}">
-                <a14:useLocalDpi xmlns:a14="http://schemas.microsoft.com/office/drawing/2010/main" val="0"/>
+                <a14:useLocalDpi xmlns:a14="http://schemas.microsoft.com/office/drawing/2010/main" xmlns="" val="0"/>
               </a:ext>
             </a:extLst>
           </a:blip>
@@ -7421,7 +8254,7 @@
     </p:spTree>
     <p:extLst>
       <p:ext uri="{BB962C8B-B14F-4D97-AF65-F5344CB8AC3E}">
-        <p14:creationId xmlns:p14="http://schemas.microsoft.com/office/powerpoint/2010/main" val="2818140150"/>
+        <p14:creationId xmlns:p14="http://schemas.microsoft.com/office/powerpoint/2010/main" xmlns="" val="2818140150"/>
       </p:ext>
     </p:extLst>
   </p:cSld>
@@ -7535,7 +8368,7 @@
           <a:blip r:embed="rId2" cstate="print">
             <a:extLst>
               <a:ext uri="{28A0092B-C50C-407E-A947-70E740481C1C}">
-                <a14:useLocalDpi xmlns:a14="http://schemas.microsoft.com/office/drawing/2010/main" val="0"/>
+                <a14:useLocalDpi xmlns:a14="http://schemas.microsoft.com/office/drawing/2010/main" xmlns="" val="0"/>
               </a:ext>
             </a:extLst>
           </a:blip>
@@ -7556,7 +8389,7 @@
     </p:spTree>
     <p:extLst>
       <p:ext uri="{BB962C8B-B14F-4D97-AF65-F5344CB8AC3E}">
-        <p14:creationId xmlns:p14="http://schemas.microsoft.com/office/powerpoint/2010/main" val="2225064651"/>
+        <p14:creationId xmlns:p14="http://schemas.microsoft.com/office/powerpoint/2010/main" xmlns="" val="2225064651"/>
       </p:ext>
     </p:extLst>
   </p:cSld>
@@ -7670,7 +8503,7 @@
           <a:blip r:embed="rId2" cstate="print">
             <a:extLst>
               <a:ext uri="{28A0092B-C50C-407E-A947-70E740481C1C}">
-                <a14:useLocalDpi xmlns:a14="http://schemas.microsoft.com/office/drawing/2010/main" val="0"/>
+                <a14:useLocalDpi xmlns:a14="http://schemas.microsoft.com/office/drawing/2010/main" xmlns="" val="0"/>
               </a:ext>
             </a:extLst>
           </a:blip>
@@ -7691,7 +8524,7 @@
     </p:spTree>
     <p:extLst>
       <p:ext uri="{BB962C8B-B14F-4D97-AF65-F5344CB8AC3E}">
-        <p14:creationId xmlns:p14="http://schemas.microsoft.com/office/powerpoint/2010/main" val="3803746841"/>
+        <p14:creationId xmlns:p14="http://schemas.microsoft.com/office/powerpoint/2010/main" xmlns="" val="3803746841"/>
       </p:ext>
     </p:extLst>
   </p:cSld>
@@ -7805,7 +8638,7 @@
           <a:blip r:embed="rId2" cstate="print">
             <a:extLst>
               <a:ext uri="{28A0092B-C50C-407E-A947-70E740481C1C}">
-                <a14:useLocalDpi xmlns:a14="http://schemas.microsoft.com/office/drawing/2010/main" val="0"/>
+                <a14:useLocalDpi xmlns:a14="http://schemas.microsoft.com/office/drawing/2010/main" xmlns="" val="0"/>
               </a:ext>
             </a:extLst>
           </a:blip>
@@ -7826,7 +8659,7 @@
     </p:spTree>
     <p:extLst>
       <p:ext uri="{BB962C8B-B14F-4D97-AF65-F5344CB8AC3E}">
-        <p14:creationId xmlns:p14="http://schemas.microsoft.com/office/powerpoint/2010/main" val="207308504"/>
+        <p14:creationId xmlns:p14="http://schemas.microsoft.com/office/powerpoint/2010/main" xmlns="" val="207308504"/>
       </p:ext>
     </p:extLst>
   </p:cSld>
@@ -7940,7 +8773,7 @@
           <a:blip r:embed="rId2" cstate="print">
             <a:extLst>
               <a:ext uri="{28A0092B-C50C-407E-A947-70E740481C1C}">
-                <a14:useLocalDpi xmlns:a14="http://schemas.microsoft.com/office/drawing/2010/main" val="0"/>
+                <a14:useLocalDpi xmlns:a14="http://schemas.microsoft.com/office/drawing/2010/main" xmlns="" val="0"/>
               </a:ext>
             </a:extLst>
           </a:blip>
@@ -7961,7 +8794,7 @@
     </p:spTree>
     <p:extLst>
       <p:ext uri="{BB962C8B-B14F-4D97-AF65-F5344CB8AC3E}">
-        <p14:creationId xmlns:p14="http://schemas.microsoft.com/office/powerpoint/2010/main" val="1778773683"/>
+        <p14:creationId xmlns:p14="http://schemas.microsoft.com/office/powerpoint/2010/main" xmlns="" val="1778773683"/>
       </p:ext>
     </p:extLst>
   </p:cSld>
@@ -7997,7 +8830,7 @@
       </p:grpSpPr>
       <p:sp>
         <p:nvSpPr>
-          <p:cNvPr id="2" name="Marcador de pie de página 1"/>
+          <p:cNvPr id="2" name="1 Marcador de pie de página"/>
           <p:cNvSpPr>
             <a:spLocks noGrp="1"/>
           </p:cNvSpPr>
@@ -8020,7 +8853,7 @@
       </p:sp>
       <p:sp>
         <p:nvSpPr>
-          <p:cNvPr id="3" name="Marcador de número de diapositiva 2"/>
+          <p:cNvPr id="3" name="2 Marcador de número de diapositiva"/>
           <p:cNvSpPr>
             <a:spLocks noGrp="1"/>
           </p:cNvSpPr>
@@ -8037,6 +8870,136 @@
               <a:rPr lang="es-AR" smtClean="0"/>
               <a:pPr/>
               <a:t>8</a:t>
+            </a:fld>
+            <a:endParaRPr lang="es-AR" dirty="0"/>
+          </a:p>
+        </p:txBody>
+      </p:sp>
+      <p:sp>
+        <p:nvSpPr>
+          <p:cNvPr id="4" name="3 Título"/>
+          <p:cNvSpPr>
+            <a:spLocks noGrp="1"/>
+          </p:cNvSpPr>
+          <p:nvPr>
+            <p:ph type="title"/>
+          </p:nvPr>
+        </p:nvSpPr>
+        <p:spPr/>
+        <p:txBody>
+          <a:bodyPr/>
+          <a:lstStyle/>
+          <a:p>
+            <a:r>
+              <a:rPr lang="es-AR" dirty="0" smtClean="0"/>
+              <a:t>Planificación</a:t>
+            </a:r>
+            <a:endParaRPr lang="es-AR" dirty="0"/>
+          </a:p>
+        </p:txBody>
+      </p:sp>
+      <p:pic>
+        <p:nvPicPr>
+          <p:cNvPr id="2051" name="Picture 3"/>
+          <p:cNvPicPr>
+            <a:picLocks noGrp="1" noChangeAspect="1" noChangeArrowheads="1"/>
+          </p:cNvPicPr>
+          <p:nvPr>
+            <p:ph idx="1"/>
+          </p:nvPr>
+        </p:nvPicPr>
+        <p:blipFill>
+          <a:blip r:embed="rId2"/>
+          <a:srcRect/>
+          <a:stretch>
+            <a:fillRect/>
+          </a:stretch>
+        </p:blipFill>
+        <p:spPr bwMode="auto">
+          <a:xfrm>
+            <a:off x="3171031" y="3234531"/>
+            <a:ext cx="5810250" cy="666750"/>
+          </a:xfrm>
+          <a:prstGeom prst="rect">
+            <a:avLst/>
+          </a:prstGeom>
+          <a:noFill/>
+          <a:ln w="9525">
+            <a:noFill/>
+            <a:miter lim="800000"/>
+            <a:headEnd/>
+            <a:tailEnd/>
+          </a:ln>
+          <a:effectLst/>
+        </p:spPr>
+      </p:pic>
+    </p:spTree>
+  </p:cSld>
+  <p:clrMapOvr>
+    <a:masterClrMapping/>
+  </p:clrMapOvr>
+</p:sld>
+</file>
+
+<file path=ppt/slides/slide9.xml><?xml version="1.0" encoding="utf-8"?>
+<p:sld xmlns:a="http://schemas.openxmlformats.org/drawingml/2006/main" xmlns:r="http://schemas.openxmlformats.org/officeDocument/2006/relationships" xmlns:p="http://schemas.openxmlformats.org/presentationml/2006/main">
+  <p:cSld>
+    <p:spTree>
+      <p:nvGrpSpPr>
+        <p:cNvPr id="1" name=""/>
+        <p:cNvGrpSpPr/>
+        <p:nvPr/>
+      </p:nvGrpSpPr>
+      <p:grpSpPr>
+        <a:xfrm>
+          <a:off x="0" y="0"/>
+          <a:ext cx="0" cy="0"/>
+          <a:chOff x="0" y="0"/>
+          <a:chExt cx="0" cy="0"/>
+        </a:xfrm>
+      </p:grpSpPr>
+      <p:sp>
+        <p:nvSpPr>
+          <p:cNvPr id="2" name="Marcador de pie de página 1"/>
+          <p:cNvSpPr>
+            <a:spLocks noGrp="1"/>
+          </p:cNvSpPr>
+          <p:nvPr>
+            <p:ph type="ftr" sz="quarter" idx="11"/>
+          </p:nvPr>
+        </p:nvSpPr>
+        <p:spPr/>
+        <p:txBody>
+          <a:bodyPr/>
+          <a:lstStyle/>
+          <a:p>
+            <a:r>
+              <a:rPr lang="es-AR" smtClean="0"/>
+              <a:t>OYARZO Mariela – QUIROGA Sandra – MÁRQUEZ Emanuel</a:t>
+            </a:r>
+            <a:endParaRPr lang="es-AR" dirty="0"/>
+          </a:p>
+        </p:txBody>
+      </p:sp>
+      <p:sp>
+        <p:nvSpPr>
+          <p:cNvPr id="3" name="Marcador de número de diapositiva 2"/>
+          <p:cNvSpPr>
+            <a:spLocks noGrp="1"/>
+          </p:cNvSpPr>
+          <p:nvPr>
+            <p:ph type="sldNum" sz="quarter" idx="12"/>
+          </p:nvPr>
+        </p:nvSpPr>
+        <p:spPr/>
+        <p:txBody>
+          <a:bodyPr/>
+          <a:lstStyle/>
+          <a:p>
+            <a:fld id="{779E3280-5C43-43EF-BE7D-8C553A58A779}" type="slidenum">
+              <a:rPr lang="es-AR" smtClean="0"/>
+              <a:pPr/>
+              <a:t>9</a:t>
             </a:fld>
             <a:endParaRPr lang="es-AR" dirty="0"/>
           </a:p>
@@ -8075,7 +9038,7 @@
           <a:blip r:embed="rId2">
             <a:extLst>
               <a:ext uri="{28A0092B-C50C-407E-A947-70E740481C1C}">
-                <a14:useLocalDpi xmlns:a14="http://schemas.microsoft.com/office/drawing/2010/main" val="0"/>
+                <a14:useLocalDpi xmlns:a14="http://schemas.microsoft.com/office/drawing/2010/main" xmlns="" val="0"/>
               </a:ext>
             </a:extLst>
           </a:blip>
@@ -8102,7 +9065,7 @@
           <a:blip r:embed="rId2">
             <a:extLst>
               <a:ext uri="{28A0092B-C50C-407E-A947-70E740481C1C}">
-                <a14:useLocalDpi xmlns:a14="http://schemas.microsoft.com/office/drawing/2010/main" val="0"/>
+                <a14:useLocalDpi xmlns:a14="http://schemas.microsoft.com/office/drawing/2010/main" xmlns="" val="0"/>
               </a:ext>
             </a:extLst>
           </a:blip>
@@ -8122,162 +9085,13 @@
     </p:spTree>
     <p:extLst>
       <p:ext uri="{BB962C8B-B14F-4D97-AF65-F5344CB8AC3E}">
-        <p14:creationId xmlns:p14="http://schemas.microsoft.com/office/powerpoint/2010/main" val="1710719604"/>
+        <p14:creationId xmlns:p14="http://schemas.microsoft.com/office/powerpoint/2010/main" xmlns="" val="1710719604"/>
       </p:ext>
     </p:extLst>
   </p:cSld>
   <p:clrMapOvr>
     <a:masterClrMapping/>
   </p:clrMapOvr>
-  <p:timing>
-    <p:tnLst>
-      <p:par>
-        <p:cTn id="1" dur="indefinite" restart="never" nodeType="tmRoot"/>
-      </p:par>
-    </p:tnLst>
-  </p:timing>
-</p:sld>
-</file>
-
-<file path=ppt/slides/slide9.xml><?xml version="1.0" encoding="utf-8"?>
-<p:sld xmlns:a="http://schemas.openxmlformats.org/drawingml/2006/main" xmlns:r="http://schemas.openxmlformats.org/officeDocument/2006/relationships" xmlns:p="http://schemas.openxmlformats.org/presentationml/2006/main">
-  <p:cSld>
-    <p:spTree>
-      <p:nvGrpSpPr>
-        <p:cNvPr id="1" name=""/>
-        <p:cNvGrpSpPr/>
-        <p:nvPr/>
-      </p:nvGrpSpPr>
-      <p:grpSpPr>
-        <a:xfrm>
-          <a:off x="0" y="0"/>
-          <a:ext cx="0" cy="0"/>
-          <a:chOff x="0" y="0"/>
-          <a:chExt cx="0" cy="0"/>
-        </a:xfrm>
-      </p:grpSpPr>
-      <p:sp>
-        <p:nvSpPr>
-          <p:cNvPr id="3" name="Título 2"/>
-          <p:cNvSpPr>
-            <a:spLocks noGrp="1"/>
-          </p:cNvSpPr>
-          <p:nvPr>
-            <p:ph type="title"/>
-          </p:nvPr>
-        </p:nvSpPr>
-        <p:spPr/>
-        <p:txBody>
-          <a:bodyPr/>
-          <a:lstStyle/>
-          <a:p>
-            <a:r>
-              <a:rPr lang="es-AR" dirty="0" smtClean="0"/>
-              <a:t>Fin de presentación</a:t>
-            </a:r>
-            <a:endParaRPr lang="es-AR" dirty="0"/>
-          </a:p>
-        </p:txBody>
-      </p:sp>
-      <p:sp>
-        <p:nvSpPr>
-          <p:cNvPr id="4" name="Marcador de pie de página 3"/>
-          <p:cNvSpPr>
-            <a:spLocks noGrp="1"/>
-          </p:cNvSpPr>
-          <p:nvPr>
-            <p:ph type="ftr" sz="quarter" idx="11"/>
-          </p:nvPr>
-        </p:nvSpPr>
-        <p:spPr/>
-        <p:txBody>
-          <a:bodyPr/>
-          <a:lstStyle/>
-          <a:p>
-            <a:r>
-              <a:rPr lang="es-AR" smtClean="0"/>
-              <a:t>OYARZO Mariela – QUIROGA Sandra – MÁRQUEZ EMANUEL</a:t>
-            </a:r>
-            <a:endParaRPr lang="es-AR" dirty="0"/>
-          </a:p>
-        </p:txBody>
-      </p:sp>
-      <p:sp>
-        <p:nvSpPr>
-          <p:cNvPr id="5" name="Marcador de número de diapositiva 4"/>
-          <p:cNvSpPr>
-            <a:spLocks noGrp="1"/>
-          </p:cNvSpPr>
-          <p:nvPr>
-            <p:ph type="sldNum" sz="quarter" idx="12"/>
-          </p:nvPr>
-        </p:nvSpPr>
-        <p:spPr/>
-        <p:txBody>
-          <a:bodyPr/>
-          <a:lstStyle/>
-          <a:p>
-            <a:fld id="{779E3280-5C43-43EF-BE7D-8C553A58A779}" type="slidenum">
-              <a:rPr lang="es-AR" smtClean="0"/>
-              <a:pPr/>
-              <a:t>9</a:t>
-            </a:fld>
-            <a:endParaRPr lang="es-AR" dirty="0"/>
-          </a:p>
-        </p:txBody>
-      </p:sp>
-      <p:pic>
-        <p:nvPicPr>
-          <p:cNvPr id="7" name="Imagen 6"/>
-          <p:cNvPicPr>
-            <a:picLocks noChangeAspect="1"/>
-          </p:cNvPicPr>
-          <p:nvPr/>
-        </p:nvPicPr>
-        <p:blipFill>
-          <a:blip r:embed="rId2" cstate="print">
-            <a:extLst>
-              <a:ext uri="{28A0092B-C50C-407E-A947-70E740481C1C}">
-                <a14:useLocalDpi xmlns:a14="http://schemas.microsoft.com/office/drawing/2010/main" val="0"/>
-              </a:ext>
-            </a:extLst>
-          </a:blip>
-          <a:stretch>
-            <a:fillRect/>
-          </a:stretch>
-        </p:blipFill>
-        <p:spPr>
-          <a:xfrm>
-            <a:off x="4130722" y="2141611"/>
-            <a:ext cx="4021540" cy="3619386"/>
-          </a:xfrm>
-          <a:prstGeom prst="rect">
-            <a:avLst/>
-          </a:prstGeom>
-        </p:spPr>
-      </p:pic>
-    </p:spTree>
-    <p:extLst>
-      <p:ext uri="{BB962C8B-B14F-4D97-AF65-F5344CB8AC3E}">
-        <p14:creationId xmlns:p14="http://schemas.microsoft.com/office/powerpoint/2010/main" val="2777136503"/>
-      </p:ext>
-    </p:extLst>
-  </p:cSld>
-  <p:clrMapOvr>
-    <a:masterClrMapping/>
-  </p:clrMapOvr>
-  <mc:AlternateContent xmlns:mc="http://schemas.openxmlformats.org/markup-compatibility/2006" xmlns:p14="http://schemas.microsoft.com/office/powerpoint/2010/main">
-    <mc:Choice Requires="p14">
-      <p:transition spd="slow">
-        <p14:reveal/>
-      </p:transition>
-    </mc:Choice>
-    <mc:Fallback xmlns="">
-      <p:transition spd="slow">
-        <p:fade/>
-      </p:transition>
-    </mc:Fallback>
-  </mc:AlternateContent>
   <p:timing>
     <p:tnLst>
       <p:par>
@@ -8543,7 +9357,7 @@
   <a:extraClrSchemeLst/>
   <a:extLst>
     <a:ext uri="{05A4C25C-085E-4340-85A3-A5531E510DB2}">
-      <thm15:themeFamily xmlns:thm15="http://schemas.microsoft.com/office/thememl/2012/main" name="Depth" id="{7BEAFC2A-325C-49C4-AC08-2B765DA903F9}" vid="{1735E755-43E6-43AA-ABA2-C989ECC79AF5}"/>
+      <thm15:themeFamily xmlns:thm15="http://schemas.microsoft.com/office/thememl/2012/main" xmlns="" name="Depth" id="{7BEAFC2A-325C-49C4-AC08-2B765DA903F9}" vid="{1735E755-43E6-43AA-ABA2-C989ECC79AF5}"/>
     </a:ext>
   </a:extLst>
 </a:theme>

--- a/08. Presentaciones/Presentación 11.pptx
+++ b/08. Presentaciones/Presentación 11.pptx
@@ -5,10 +5,10 @@
     <p:sldMasterId id="2147483696" r:id="rId1"/>
   </p:sldMasterIdLst>
   <p:notesMasterIdLst>
-    <p:notesMasterId r:id="rId14"/>
+    <p:notesMasterId r:id="rId19"/>
   </p:notesMasterIdLst>
   <p:handoutMasterIdLst>
-    <p:handoutMasterId r:id="rId15"/>
+    <p:handoutMasterId r:id="rId20"/>
   </p:handoutMasterIdLst>
   <p:sldIdLst>
     <p:sldId id="277" r:id="rId2"/>
@@ -22,7 +22,12 @@
     <p:sldId id="367" r:id="rId10"/>
     <p:sldId id="371" r:id="rId11"/>
     <p:sldId id="372" r:id="rId12"/>
-    <p:sldId id="302" r:id="rId13"/>
+    <p:sldId id="373" r:id="rId13"/>
+    <p:sldId id="376" r:id="rId14"/>
+    <p:sldId id="377" r:id="rId15"/>
+    <p:sldId id="378" r:id="rId16"/>
+    <p:sldId id="374" r:id="rId17"/>
+    <p:sldId id="302" r:id="rId18"/>
   </p:sldIdLst>
   <p:sldSz cx="12192000" cy="6858000"/>
   <p:notesSz cx="6858000" cy="9144000"/>
@@ -142,6 +147,7 @@
 
 <file path=ppt/charts/chart1.xml><?xml version="1.0" encoding="utf-8"?>
 <c:chartSpace xmlns:c="http://schemas.openxmlformats.org/drawingml/2006/chart" xmlns:a="http://schemas.openxmlformats.org/drawingml/2006/main" xmlns:r="http://schemas.openxmlformats.org/officeDocument/2006/relationships">
+  <c:date1904 val="1"/>
   <c:lang val="es-AR"/>
   <c:style val="26"/>
   <c:chart>
@@ -247,19 +253,19 @@
                 <c:formatCode>0.00%</c:formatCode>
                 <c:ptCount val="10"/>
                 <c:pt idx="0">
-                  <c:v>1.016260162601626E-2</c:v>
+                  <c:v>1.0162601626016265E-2</c:v>
                 </c:pt>
                 <c:pt idx="1">
-                  <c:v>3.048780487804878E-2</c:v>
+                  <c:v>3.0487804878048797E-2</c:v>
                 </c:pt>
                 <c:pt idx="2">
-                  <c:v>1.7738359201773836E-2</c:v>
+                  <c:v>1.7738359201773846E-2</c:v>
                 </c:pt>
                 <c:pt idx="3">
-                  <c:v>5.5749128919860627E-2</c:v>
+                  <c:v>5.5749128919860634E-2</c:v>
                 </c:pt>
                 <c:pt idx="4">
-                  <c:v>2.4390243902439022E-2</c:v>
+                  <c:v>2.4390243902439029E-2</c:v>
                 </c:pt>
                 <c:pt idx="5">
                   <c:v>0</c:v>
@@ -268,7 +274,7 @@
                   <c:v>2.032520325203252E-2</c:v>
                 </c:pt>
                 <c:pt idx="7">
-                  <c:v>1.6260162601626015E-2</c:v>
+                  <c:v>1.6260162601626025E-2</c:v>
                 </c:pt>
                 <c:pt idx="8">
                   <c:v>0</c:v>
@@ -280,11 +286,11 @@
             </c:numRef>
           </c:val>
         </c:ser>
-        <c:axId val="61126144"/>
-        <c:axId val="100662656"/>
+        <c:axId val="95863168"/>
+        <c:axId val="94638080"/>
       </c:radarChart>
       <c:catAx>
-        <c:axId val="61126144"/>
+        <c:axId val="95863168"/>
         <c:scaling>
           <c:orientation val="minMax"/>
         </c:scaling>
@@ -302,14 +308,14 @@
             <a:endParaRPr lang="es-AR"/>
           </a:p>
         </c:txPr>
-        <c:crossAx val="100662656"/>
+        <c:crossAx val="94638080"/>
         <c:crosses val="autoZero"/>
         <c:auto val="1"/>
         <c:lblAlgn val="ctr"/>
         <c:lblOffset val="100"/>
       </c:catAx>
       <c:valAx>
-        <c:axId val="100662656"/>
+        <c:axId val="94638080"/>
         <c:scaling>
           <c:orientation val="minMax"/>
         </c:scaling>
@@ -328,7 +334,7 @@
             <a:endParaRPr lang="es-AR"/>
           </a:p>
         </c:txPr>
-        <c:crossAx val="61126144"/>
+        <c:crossAx val="95863168"/>
         <c:crosses val="autoZero"/>
         <c:crossBetween val="between"/>
       </c:valAx>
@@ -342,6 +348,7 @@
 
 <file path=ppt/charts/chart2.xml><?xml version="1.0" encoding="utf-8"?>
 <c:chartSpace xmlns:c="http://schemas.openxmlformats.org/drawingml/2006/chart" xmlns:a="http://schemas.openxmlformats.org/drawingml/2006/main" xmlns:r="http://schemas.openxmlformats.org/officeDocument/2006/relationships">
+  <c:date1904 val="1"/>
   <c:lang val="es-AR"/>
   <c:style val="26"/>
   <c:chart>
@@ -409,28 +416,28 @@
                 <c:formatCode>0.00%</c:formatCode>
                 <c:ptCount val="10"/>
                 <c:pt idx="0">
-                  <c:v>6.4599483204134363E-3</c:v>
+                  <c:v>6.4599483204134398E-3</c:v>
                 </c:pt>
                 <c:pt idx="1">
-                  <c:v>2.1533161068044787E-2</c:v>
+                  <c:v>2.1533161068044801E-2</c:v>
                 </c:pt>
                 <c:pt idx="2">
-                  <c:v>2.8423772609819122E-2</c:v>
+                  <c:v>2.8423772609819146E-2</c:v>
                 </c:pt>
                 <c:pt idx="3">
-                  <c:v>1.7718715393133997E-2</c:v>
+                  <c:v>1.7718715393134001E-2</c:v>
                 </c:pt>
                 <c:pt idx="4">
-                  <c:v>2.0348837209302327E-2</c:v>
+                  <c:v>2.0348837209302337E-2</c:v>
                 </c:pt>
                 <c:pt idx="5">
                   <c:v>3.875968992248062E-2</c:v>
                 </c:pt>
                 <c:pt idx="6">
-                  <c:v>2.9069767441860465E-2</c:v>
+                  <c:v>2.9069767441860475E-2</c:v>
                 </c:pt>
                 <c:pt idx="7">
-                  <c:v>1.7718715393133997E-2</c:v>
+                  <c:v>1.7718715393134001E-2</c:v>
                 </c:pt>
                 <c:pt idx="8">
                   <c:v>0</c:v>
@@ -442,11 +449,11 @@
             </c:numRef>
           </c:val>
         </c:ser>
-        <c:axId val="43711488"/>
-        <c:axId val="63205760"/>
+        <c:axId val="94683136"/>
+        <c:axId val="94684672"/>
       </c:radarChart>
       <c:catAx>
-        <c:axId val="43711488"/>
+        <c:axId val="94683136"/>
         <c:scaling>
           <c:orientation val="minMax"/>
         </c:scaling>
@@ -464,14 +471,14 @@
             <a:endParaRPr lang="es-AR"/>
           </a:p>
         </c:txPr>
-        <c:crossAx val="63205760"/>
+        <c:crossAx val="94684672"/>
         <c:crosses val="autoZero"/>
         <c:auto val="1"/>
         <c:lblAlgn val="ctr"/>
         <c:lblOffset val="100"/>
       </c:catAx>
       <c:valAx>
-        <c:axId val="63205760"/>
+        <c:axId val="94684672"/>
         <c:scaling>
           <c:orientation val="minMax"/>
         </c:scaling>
@@ -490,7 +497,7 @@
             <a:endParaRPr lang="es-AR"/>
           </a:p>
         </c:txPr>
-        <c:crossAx val="43711488"/>
+        <c:crossAx val="94683136"/>
         <c:crosses val="autoZero"/>
         <c:crossBetween val="between"/>
       </c:valAx>
@@ -588,7 +595,7 @@
             <a:fld id="{47F7A525-2E97-4D11-852B-BF2E493721D5}" type="datetimeFigureOut">
               <a:rPr lang="es-AR" smtClean="0"/>
               <a:pPr/>
-              <a:t>15/2/2021</a:t>
+              <a:t>16/2/2021</a:t>
             </a:fld>
             <a:endParaRPr lang="es-AR"/>
           </a:p>
@@ -759,7 +766,7 @@
             <a:fld id="{0E639192-A93D-48A4-B281-8DA3B2AD5F46}" type="datetimeFigureOut">
               <a:rPr lang="es-AR" smtClean="0"/>
               <a:pPr/>
-              <a:t>15/2/2021</a:t>
+              <a:t>16/2/2021</a:t>
             </a:fld>
             <a:endParaRPr lang="es-AR"/>
           </a:p>
@@ -1694,7 +1701,7 @@
             <a:fld id="{BC50A678-796C-47FE-8727-A3AAF49E2D10}" type="datetime1">
               <a:rPr lang="es-AR" smtClean="0"/>
               <a:pPr/>
-              <a:t>15/2/2021</a:t>
+              <a:t>16/2/2021</a:t>
             </a:fld>
             <a:endParaRPr lang="es-AR"/>
           </a:p>
@@ -1891,7 +1898,7 @@
             <a:fld id="{A7AFFB43-0057-44A6-B675-62CD4F9F4EB1}" type="datetime1">
               <a:rPr lang="es-AR" smtClean="0"/>
               <a:pPr/>
-              <a:t>15/2/2021</a:t>
+              <a:t>16/2/2021</a:t>
             </a:fld>
             <a:endParaRPr lang="es-AR"/>
           </a:p>
@@ -2157,7 +2164,7 @@
             <a:fld id="{5107EDD2-3A41-45F7-9798-5F0A42B67A10}" type="datetime1">
               <a:rPr lang="es-AR" smtClean="0"/>
               <a:pPr/>
-              <a:t>15/2/2021</a:t>
+              <a:t>16/2/2021</a:t>
             </a:fld>
             <a:endParaRPr lang="es-AR"/>
           </a:p>
@@ -2588,7 +2595,7 @@
             <a:fld id="{81A405EA-7F97-484B-BB35-211055BB771A}" type="datetime1">
               <a:rPr lang="es-AR" smtClean="0"/>
               <a:pPr/>
-              <a:t>15/2/2021</a:t>
+              <a:t>16/2/2021</a:t>
             </a:fld>
             <a:endParaRPr lang="es-AR"/>
           </a:p>
@@ -3139,7 +3146,7 @@
             <a:fld id="{F7023107-FE31-4245-9D9D-4DAB5BB365BD}" type="datetime1">
               <a:rPr lang="es-AR" smtClean="0"/>
               <a:pPr/>
-              <a:t>15/2/2021</a:t>
+              <a:t>16/2/2021</a:t>
             </a:fld>
             <a:endParaRPr lang="es-AR"/>
           </a:p>
@@ -3975,7 +3982,7 @@
             <a:fld id="{081FCDBA-D78B-4D74-B477-EFCB1BCA6C42}" type="datetime1">
               <a:rPr lang="es-AR" smtClean="0"/>
               <a:pPr/>
-              <a:t>15/2/2021</a:t>
+              <a:t>16/2/2021</a:t>
             </a:fld>
             <a:endParaRPr lang="es-AR"/>
           </a:p>
@@ -4150,7 +4157,7 @@
             <a:fld id="{20EA1D54-2625-4090-9DAD-29AF83AD3B36}" type="datetime1">
               <a:rPr lang="es-AR" smtClean="0"/>
               <a:pPr/>
-              <a:t>15/2/2021</a:t>
+              <a:t>16/2/2021</a:t>
             </a:fld>
             <a:endParaRPr lang="es-AR"/>
           </a:p>
@@ -4335,7 +4342,7 @@
             <a:fld id="{FCD0E364-B94A-4338-BC1C-A73E1F081813}" type="datetime1">
               <a:rPr lang="es-AR" smtClean="0"/>
               <a:pPr/>
-              <a:t>15/2/2021</a:t>
+              <a:t>16/2/2021</a:t>
             </a:fld>
             <a:endParaRPr lang="es-AR"/>
           </a:p>
@@ -5018,7 +5025,7 @@
             <a:fld id="{0FF6B326-0FEE-47B3-9F77-2568F820D807}" type="datetime1">
               <a:rPr lang="es-AR" smtClean="0"/>
               <a:pPr/>
-              <a:t>15/2/2021</a:t>
+              <a:t>16/2/2021</a:t>
             </a:fld>
             <a:endParaRPr lang="es-AR"/>
           </a:p>
@@ -5255,7 +5262,7 @@
             <a:fld id="{913DAB84-C826-40B0-8ED0-39F2ECE4A200}" type="datetime1">
               <a:rPr lang="es-AR" smtClean="0"/>
               <a:pPr/>
-              <a:t>15/2/2021</a:t>
+              <a:t>16/2/2021</a:t>
             </a:fld>
             <a:endParaRPr lang="es-AR"/>
           </a:p>
@@ -5653,7 +5660,7 @@
             <a:fld id="{8C0226C2-DAEC-4136-9DE8-09FC5E3E671E}" type="datetime1">
               <a:rPr lang="es-AR" smtClean="0"/>
               <a:pPr/>
-              <a:t>15/2/2021</a:t>
+              <a:t>16/2/2021</a:t>
             </a:fld>
             <a:endParaRPr lang="es-AR"/>
           </a:p>
@@ -5776,7 +5783,7 @@
             <a:fld id="{53EE9993-8E0B-4913-A57B-F99EBF98A309}" type="datetime1">
               <a:rPr lang="es-AR" smtClean="0"/>
               <a:pPr/>
-              <a:t>15/2/2021</a:t>
+              <a:t>16/2/2021</a:t>
             </a:fld>
             <a:endParaRPr lang="es-AR"/>
           </a:p>
@@ -5876,7 +5883,7 @@
             <a:fld id="{7FC65BA5-BE01-42C7-88A0-5D66E4C25C69}" type="datetime1">
               <a:rPr lang="es-AR" smtClean="0"/>
               <a:pPr/>
-              <a:t>15/2/2021</a:t>
+              <a:t>16/2/2021</a:t>
             </a:fld>
             <a:endParaRPr lang="es-AR"/>
           </a:p>
@@ -6154,7 +6161,7 @@
             <a:fld id="{E3D3AADB-2F64-4CF7-83E3-78E84AD4D110}" type="datetime1">
               <a:rPr lang="es-AR" smtClean="0"/>
               <a:pPr/>
-              <a:t>15/2/2021</a:t>
+              <a:t>16/2/2021</a:t>
             </a:fld>
             <a:endParaRPr lang="es-AR"/>
           </a:p>
@@ -6440,7 +6447,7 @@
             <a:fld id="{C77D2D86-4208-4F35-BB55-BE3504C41488}" type="datetime1">
               <a:rPr lang="es-AR" smtClean="0"/>
               <a:pPr/>
-              <a:t>15/2/2021</a:t>
+              <a:t>16/2/2021</a:t>
             </a:fld>
             <a:endParaRPr lang="es-AR"/>
           </a:p>
@@ -6681,7 +6688,7 @@
             <a:fld id="{1EA277BA-E2F3-4C3D-9E58-E2E890DB98B1}" type="datetime1">
               <a:rPr lang="es-AR" smtClean="0"/>
               <a:pPr/>
-              <a:t>15/2/2021</a:t>
+              <a:t>16/2/2021</a:t>
             </a:fld>
             <a:endParaRPr lang="es-AR"/>
           </a:p>
@@ -7603,17 +7610,19 @@
         </p:nvSpPr>
         <p:spPr/>
         <p:txBody>
-          <a:bodyPr/>
-          <a:lstStyle/>
-          <a:p>
-            <a:r>
-              <a:rPr lang="es-AR" dirty="0" smtClean="0"/>
+          <a:bodyPr>
+            <a:normAutofit lnSpcReduction="10000"/>
+          </a:bodyPr>
+          <a:lstStyle/>
+          <a:p>
+            <a:r>
+              <a:rPr lang="es-AR" sz="2600" dirty="0" smtClean="0"/>
               <a:t>Fase de Inicio Iteración 1:  se planifico la redacción de plan de riesgos</a:t>
             </a:r>
           </a:p>
           <a:p>
             <a:r>
-              <a:rPr lang="es-AR" dirty="0" smtClean="0"/>
+              <a:rPr lang="es-AR" sz="2600" dirty="0" smtClean="0"/>
               <a:t>Fase de  Inicio Iteración 2:</a:t>
             </a:r>
           </a:p>
@@ -7645,24 +7654,9 @@
             <a:endParaRPr lang="es-AR" sz="2400" dirty="0" smtClean="0"/>
           </a:p>
           <a:p>
-            <a:pPr>
-              <a:buNone/>
-            </a:pPr>
-            <a:r>
-              <a:rPr lang="es-AR" sz="2400" dirty="0" smtClean="0"/>
-              <a:t>Fase </a:t>
-            </a:r>
-            <a:r>
-              <a:rPr lang="es-AR" sz="2400" dirty="0" smtClean="0"/>
-              <a:t>de  </a:t>
-            </a:r>
-            <a:r>
-              <a:rPr lang="es-AR" sz="2400" dirty="0" smtClean="0"/>
-              <a:t>Elaboración: No se realizo gestión de riesgos, ya que priorizamos otras actividades. </a:t>
-            </a:r>
-            <a:r>
-              <a:rPr lang="es-AR" sz="2400" dirty="0" smtClean="0"/>
-              <a:t>Sin embargo, esto no implicó que las soluciones propuestas de los riesgos no se llevarán a cabo. </a:t>
+            <a:r>
+              <a:rPr lang="es-AR" sz="2600" dirty="0" smtClean="0"/>
+              <a:t>Fase de  Elaboración: No se realizo gestión de riesgos, ya que priorizamos otras actividades. Sin embargo, esto no implicó que las soluciones propuestas de los riesgos no se llevarán a cabo. </a:t>
             </a:r>
           </a:p>
           <a:p>
@@ -7803,7 +7797,7 @@
           <a:lstStyle/>
           <a:p>
             <a:r>
-              <a:rPr lang="es-AR" dirty="0" smtClean="0"/>
+              <a:rPr lang="es-AR" sz="2600" dirty="0" smtClean="0"/>
               <a:t>Fase de Construcción iteración  8</a:t>
             </a:r>
           </a:p>
@@ -7858,12 +7852,12 @@
       </p:grpSpPr>
       <p:sp>
         <p:nvSpPr>
-          <p:cNvPr id="3" name="Título 2"/>
-          <p:cNvSpPr>
-            <a:spLocks noGrp="1"/>
-          </p:cNvSpPr>
-          <p:nvPr>
-            <p:ph type="title"/>
+          <p:cNvPr id="2" name="1 Marcador de pie de página"/>
+          <p:cNvSpPr>
+            <a:spLocks noGrp="1"/>
+          </p:cNvSpPr>
+          <p:nvPr>
+            <p:ph type="ftr" sz="quarter" idx="11"/>
           </p:nvPr>
         </p:nvSpPr>
         <p:spPr/>
@@ -7872,8 +7866,8 @@
           <a:lstStyle/>
           <a:p>
             <a:r>
-              <a:rPr lang="es-AR" dirty="0" smtClean="0"/>
-              <a:t>Fin de presentación</a:t>
+              <a:rPr lang="es-AR" smtClean="0"/>
+              <a:t>OYARZO Mariela – QUIROGA Sandra – MÁRQUEZ Emanuel</a:t>
             </a:r>
             <a:endParaRPr lang="es-AR" dirty="0"/>
           </a:p>
@@ -7881,30 +7875,7 @@
       </p:sp>
       <p:sp>
         <p:nvSpPr>
-          <p:cNvPr id="4" name="Marcador de pie de página 3"/>
-          <p:cNvSpPr>
-            <a:spLocks noGrp="1"/>
-          </p:cNvSpPr>
-          <p:nvPr>
-            <p:ph type="ftr" sz="quarter" idx="11"/>
-          </p:nvPr>
-        </p:nvSpPr>
-        <p:spPr/>
-        <p:txBody>
-          <a:bodyPr/>
-          <a:lstStyle/>
-          <a:p>
-            <a:r>
-              <a:rPr lang="es-AR" smtClean="0"/>
-              <a:t>OYARZO Mariela – QUIROGA Sandra – MÁRQUEZ EMANUEL</a:t>
-            </a:r>
-            <a:endParaRPr lang="es-AR" dirty="0"/>
-          </a:p>
-        </p:txBody>
-      </p:sp>
-      <p:sp>
-        <p:nvSpPr>
-          <p:cNvPr id="5" name="Marcador de número de diapositiva 4"/>
+          <p:cNvPr id="3" name="2 Marcador de número de diapositiva"/>
           <p:cNvSpPr>
             <a:spLocks noGrp="1"/>
           </p:cNvSpPr>
@@ -7921,6 +7892,2268 @@
               <a:rPr lang="es-AR" smtClean="0"/>
               <a:pPr/>
               <a:t>12</a:t>
+            </a:fld>
+            <a:endParaRPr lang="es-AR" dirty="0"/>
+          </a:p>
+        </p:txBody>
+      </p:sp>
+      <p:sp>
+        <p:nvSpPr>
+          <p:cNvPr id="4" name="3 Título"/>
+          <p:cNvSpPr>
+            <a:spLocks noGrp="1"/>
+          </p:cNvSpPr>
+          <p:nvPr>
+            <p:ph type="title"/>
+          </p:nvPr>
+        </p:nvSpPr>
+        <p:spPr/>
+        <p:txBody>
+          <a:bodyPr/>
+          <a:lstStyle/>
+          <a:p>
+            <a:r>
+              <a:rPr lang="es-AR" dirty="0" smtClean="0"/>
+              <a:t/>
+            </a:r>
+            <a:br>
+              <a:rPr lang="es-AR" dirty="0" smtClean="0"/>
+            </a:br>
+            <a:r>
+              <a:rPr lang="es-AR" dirty="0" smtClean="0"/>
+              <a:t>Plan de Pruebas </a:t>
+            </a:r>
+            <a:br>
+              <a:rPr lang="es-AR" dirty="0" smtClean="0"/>
+            </a:br>
+            <a:endParaRPr lang="es-AR" dirty="0"/>
+          </a:p>
+        </p:txBody>
+      </p:sp>
+      <p:sp>
+        <p:nvSpPr>
+          <p:cNvPr id="5" name="4 Marcador de contenido"/>
+          <p:cNvSpPr>
+            <a:spLocks noGrp="1"/>
+          </p:cNvSpPr>
+          <p:nvPr>
+            <p:ph idx="1"/>
+          </p:nvPr>
+        </p:nvSpPr>
+        <p:spPr/>
+        <p:txBody>
+          <a:bodyPr/>
+          <a:lstStyle/>
+          <a:p>
+            <a:endParaRPr lang="es-AR" dirty="0" smtClean="0"/>
+          </a:p>
+          <a:p>
+            <a:endParaRPr lang="es-AR" dirty="0" smtClean="0"/>
+          </a:p>
+          <a:p>
+            <a:endParaRPr lang="es-AR" dirty="0"/>
+          </a:p>
+        </p:txBody>
+      </p:sp>
+      <p:graphicFrame>
+        <p:nvGraphicFramePr>
+          <p:cNvPr id="6" name="Marcador de contenido 12"/>
+          <p:cNvGraphicFramePr>
+            <a:graphicFrameLocks/>
+          </p:cNvGraphicFramePr>
+          <p:nvPr>
+            <p:extLst>
+              <p:ext uri="{D42A27DB-BD31-4B8C-83A1-F6EECF244321}">
+                <p14:modId xmlns="" xmlns:p14="http://schemas.microsoft.com/office/powerpoint/2010/main" val="3049683362"/>
+              </p:ext>
+            </p:extLst>
+          </p:nvPr>
+        </p:nvGraphicFramePr>
+        <p:xfrm>
+          <a:off x="1758463" y="1139482"/>
+          <a:ext cx="7680958" cy="4248443"/>
+        </p:xfrm>
+        <a:graphic>
+          <a:graphicData uri="http://schemas.openxmlformats.org/drawingml/2006/table">
+            <a:tbl>
+              <a:tblPr/>
+              <a:tblGrid>
+                <a:gridCol w="1858541"/>
+                <a:gridCol w="2685123"/>
+                <a:gridCol w="3137294"/>
+              </a:tblGrid>
+              <a:tr h="197211">
+                <a:tc>
+                  <a:txBody>
+                    <a:bodyPr/>
+                    <a:lstStyle/>
+                    <a:p>
+                      <a:pPr algn="ctr" fontAlgn="b"/>
+                      <a:r>
+                        <a:rPr lang="es-AR" sz="1100" b="1" i="0" u="none" strike="noStrike" dirty="0">
+                          <a:solidFill>
+                            <a:srgbClr val="000000"/>
+                          </a:solidFill>
+                          <a:effectLst/>
+                          <a:latin typeface="Calibri" panose="020F0502020204030204" pitchFamily="34" charset="0"/>
+                        </a:rPr>
+                        <a:t>PRUEBAS</a:t>
+                      </a:r>
+                    </a:p>
+                  </a:txBody>
+                  <a:tcPr marL="9525" marR="9525" marT="9525" marB="0" anchor="b">
+                    <a:lnL w="6350" cap="flat" cmpd="sng" algn="ctr">
+                      <a:solidFill>
+                        <a:srgbClr val="000000"/>
+                      </a:solidFill>
+                      <a:prstDash val="solid"/>
+                      <a:round/>
+                      <a:headEnd type="none" w="med" len="med"/>
+                      <a:tailEnd type="none" w="med" len="med"/>
+                    </a:lnL>
+                    <a:lnR w="6350" cap="flat" cmpd="sng" algn="ctr">
+                      <a:solidFill>
+                        <a:srgbClr val="000000"/>
+                      </a:solidFill>
+                      <a:prstDash val="solid"/>
+                      <a:round/>
+                      <a:headEnd type="none" w="med" len="med"/>
+                      <a:tailEnd type="none" w="med" len="med"/>
+                    </a:lnR>
+                    <a:lnT w="6350" cap="flat" cmpd="sng" algn="ctr">
+                      <a:solidFill>
+                        <a:srgbClr val="000000"/>
+                      </a:solidFill>
+                      <a:prstDash val="solid"/>
+                      <a:round/>
+                      <a:headEnd type="none" w="med" len="med"/>
+                      <a:tailEnd type="none" w="med" len="med"/>
+                    </a:lnT>
+                    <a:lnB w="6350" cap="flat" cmpd="sng" algn="ctr">
+                      <a:solidFill>
+                        <a:srgbClr val="000000"/>
+                      </a:solidFill>
+                      <a:prstDash val="solid"/>
+                      <a:round/>
+                      <a:headEnd type="none" w="med" len="med"/>
+                      <a:tailEnd type="none" w="med" len="med"/>
+                    </a:lnB>
+                    <a:solidFill>
+                      <a:srgbClr val="BDD7EE"/>
+                    </a:solidFill>
+                  </a:tcPr>
+                </a:tc>
+                <a:tc>
+                  <a:txBody>
+                    <a:bodyPr/>
+                    <a:lstStyle/>
+                    <a:p>
+                      <a:pPr algn="ctr" fontAlgn="b"/>
+                      <a:r>
+                        <a:rPr lang="es-AR" sz="1100" b="1" i="0" u="none" strike="noStrike">
+                          <a:solidFill>
+                            <a:srgbClr val="000000"/>
+                          </a:solidFill>
+                          <a:effectLst/>
+                          <a:latin typeface="Calibri" panose="020F0502020204030204" pitchFamily="34" charset="0"/>
+                        </a:rPr>
+                        <a:t>DESCRIPCIÓN</a:t>
+                      </a:r>
+                    </a:p>
+                  </a:txBody>
+                  <a:tcPr marL="9525" marR="9525" marT="9525" marB="0" anchor="b">
+                    <a:lnL w="6350" cap="flat" cmpd="sng" algn="ctr">
+                      <a:solidFill>
+                        <a:srgbClr val="000000"/>
+                      </a:solidFill>
+                      <a:prstDash val="solid"/>
+                      <a:round/>
+                      <a:headEnd type="none" w="med" len="med"/>
+                      <a:tailEnd type="none" w="med" len="med"/>
+                    </a:lnL>
+                    <a:lnR w="6350" cap="flat" cmpd="sng" algn="ctr">
+                      <a:solidFill>
+                        <a:srgbClr val="000000"/>
+                      </a:solidFill>
+                      <a:prstDash val="solid"/>
+                      <a:round/>
+                      <a:headEnd type="none" w="med" len="med"/>
+                      <a:tailEnd type="none" w="med" len="med"/>
+                    </a:lnR>
+                    <a:lnT w="6350" cap="flat" cmpd="sng" algn="ctr">
+                      <a:solidFill>
+                        <a:srgbClr val="000000"/>
+                      </a:solidFill>
+                      <a:prstDash val="solid"/>
+                      <a:round/>
+                      <a:headEnd type="none" w="med" len="med"/>
+                      <a:tailEnd type="none" w="med" len="med"/>
+                    </a:lnT>
+                    <a:lnB w="6350" cap="flat" cmpd="sng" algn="ctr">
+                      <a:solidFill>
+                        <a:srgbClr val="000000"/>
+                      </a:solidFill>
+                      <a:prstDash val="solid"/>
+                      <a:round/>
+                      <a:headEnd type="none" w="med" len="med"/>
+                      <a:tailEnd type="none" w="med" len="med"/>
+                    </a:lnB>
+                    <a:solidFill>
+                      <a:srgbClr val="BDD7EE"/>
+                    </a:solidFill>
+                  </a:tcPr>
+                </a:tc>
+                <a:tc>
+                  <a:txBody>
+                    <a:bodyPr/>
+                    <a:lstStyle/>
+                    <a:p>
+                      <a:pPr algn="ctr" fontAlgn="b"/>
+                      <a:r>
+                        <a:rPr lang="es-AR" sz="1100" b="1" i="0" u="none" strike="noStrike">
+                          <a:solidFill>
+                            <a:srgbClr val="000000"/>
+                          </a:solidFill>
+                          <a:effectLst/>
+                          <a:latin typeface="Calibri" panose="020F0502020204030204" pitchFamily="34" charset="0"/>
+                        </a:rPr>
+                        <a:t>CONSIDERACIONES</a:t>
+                      </a:r>
+                    </a:p>
+                  </a:txBody>
+                  <a:tcPr marL="9525" marR="9525" marT="9525" marB="0" anchor="b">
+                    <a:lnL w="6350" cap="flat" cmpd="sng" algn="ctr">
+                      <a:solidFill>
+                        <a:srgbClr val="000000"/>
+                      </a:solidFill>
+                      <a:prstDash val="solid"/>
+                      <a:round/>
+                      <a:headEnd type="none" w="med" len="med"/>
+                      <a:tailEnd type="none" w="med" len="med"/>
+                    </a:lnL>
+                    <a:lnR w="6350" cap="flat" cmpd="sng" algn="ctr">
+                      <a:solidFill>
+                        <a:srgbClr val="000000"/>
+                      </a:solidFill>
+                      <a:prstDash val="solid"/>
+                      <a:round/>
+                      <a:headEnd type="none" w="med" len="med"/>
+                      <a:tailEnd type="none" w="med" len="med"/>
+                    </a:lnR>
+                    <a:lnT w="6350" cap="flat" cmpd="sng" algn="ctr">
+                      <a:solidFill>
+                        <a:srgbClr val="000000"/>
+                      </a:solidFill>
+                      <a:prstDash val="solid"/>
+                      <a:round/>
+                      <a:headEnd type="none" w="med" len="med"/>
+                      <a:tailEnd type="none" w="med" len="med"/>
+                    </a:lnT>
+                    <a:lnB w="6350" cap="flat" cmpd="sng" algn="ctr">
+                      <a:solidFill>
+                        <a:srgbClr val="000000"/>
+                      </a:solidFill>
+                      <a:prstDash val="solid"/>
+                      <a:round/>
+                      <a:headEnd type="none" w="med" len="med"/>
+                      <a:tailEnd type="none" w="med" len="med"/>
+                    </a:lnB>
+                    <a:solidFill>
+                      <a:srgbClr val="BDD7EE"/>
+                    </a:solidFill>
+                  </a:tcPr>
+                </a:tc>
+              </a:tr>
+              <a:tr h="1924575">
+                <a:tc>
+                  <a:txBody>
+                    <a:bodyPr/>
+                    <a:lstStyle/>
+                    <a:p>
+                      <a:pPr algn="ctr" fontAlgn="ctr"/>
+                      <a:r>
+                        <a:rPr lang="es-AR" sz="1100" b="0" i="0" u="none" strike="noStrike" dirty="0">
+                          <a:solidFill>
+                            <a:srgbClr val="000000"/>
+                          </a:solidFill>
+                          <a:effectLst/>
+                          <a:latin typeface="Calibri" panose="020F0502020204030204" pitchFamily="34" charset="0"/>
+                        </a:rPr>
+                        <a:t>Unitarias</a:t>
+                      </a:r>
+                    </a:p>
+                  </a:txBody>
+                  <a:tcPr marL="9525" marR="9525" marT="9525" marB="0" anchor="ctr">
+                    <a:lnL w="6350" cap="flat" cmpd="sng" algn="ctr">
+                      <a:solidFill>
+                        <a:srgbClr val="000000"/>
+                      </a:solidFill>
+                      <a:prstDash val="solid"/>
+                      <a:round/>
+                      <a:headEnd type="none" w="med" len="med"/>
+                      <a:tailEnd type="none" w="med" len="med"/>
+                    </a:lnL>
+                    <a:lnR w="6350" cap="flat" cmpd="sng" algn="ctr">
+                      <a:solidFill>
+                        <a:srgbClr val="000000"/>
+                      </a:solidFill>
+                      <a:prstDash val="solid"/>
+                      <a:round/>
+                      <a:headEnd type="none" w="med" len="med"/>
+                      <a:tailEnd type="none" w="med" len="med"/>
+                    </a:lnR>
+                    <a:lnT w="6350" cap="flat" cmpd="sng" algn="ctr">
+                      <a:solidFill>
+                        <a:srgbClr val="000000"/>
+                      </a:solidFill>
+                      <a:prstDash val="solid"/>
+                      <a:round/>
+                      <a:headEnd type="none" w="med" len="med"/>
+                      <a:tailEnd type="none" w="med" len="med"/>
+                    </a:lnT>
+                    <a:lnB w="6350" cap="flat" cmpd="sng" algn="ctr">
+                      <a:solidFill>
+                        <a:srgbClr val="000000"/>
+                      </a:solidFill>
+                      <a:prstDash val="solid"/>
+                      <a:round/>
+                      <a:headEnd type="none" w="med" len="med"/>
+                      <a:tailEnd type="none" w="med" len="med"/>
+                    </a:lnB>
+                  </a:tcPr>
+                </a:tc>
+                <a:tc>
+                  <a:txBody>
+                    <a:bodyPr/>
+                    <a:lstStyle/>
+                    <a:p>
+                      <a:pPr algn="ctr" fontAlgn="ctr"/>
+                      <a:r>
+                        <a:rPr lang="es-AR" sz="1100" b="0" i="0" u="none" strike="noStrike" dirty="0">
+                          <a:solidFill>
+                            <a:srgbClr val="000000"/>
+                          </a:solidFill>
+                          <a:effectLst/>
+                          <a:latin typeface="Calibri" panose="020F0502020204030204" pitchFamily="34" charset="0"/>
+                        </a:rPr>
+                        <a:t>Comprobar el correcto funcionamiento de una unidad de </a:t>
+                      </a:r>
+                      <a:r>
+                        <a:rPr lang="es-AR" sz="1100" b="0" i="0" u="none" strike="noStrike" dirty="0" smtClean="0">
+                          <a:solidFill>
+                            <a:srgbClr val="000000"/>
+                          </a:solidFill>
+                          <a:effectLst/>
+                          <a:latin typeface="Calibri" panose="020F0502020204030204" pitchFamily="34" charset="0"/>
+                        </a:rPr>
+                        <a:t>código</a:t>
+                      </a:r>
+                      <a:endParaRPr lang="es-AR" sz="1100" b="0" i="0" u="none" strike="noStrike" dirty="0">
+                        <a:solidFill>
+                          <a:srgbClr val="000000"/>
+                        </a:solidFill>
+                        <a:effectLst/>
+                        <a:latin typeface="Calibri" panose="020F0502020204030204" pitchFamily="34" charset="0"/>
+                      </a:endParaRPr>
+                    </a:p>
+                  </a:txBody>
+                  <a:tcPr marL="9525" marR="9525" marT="9525" marB="0" anchor="ctr">
+                    <a:lnL w="6350" cap="flat" cmpd="sng" algn="ctr">
+                      <a:solidFill>
+                        <a:srgbClr val="000000"/>
+                      </a:solidFill>
+                      <a:prstDash val="solid"/>
+                      <a:round/>
+                      <a:headEnd type="none" w="med" len="med"/>
+                      <a:tailEnd type="none" w="med" len="med"/>
+                    </a:lnL>
+                    <a:lnR w="6350" cap="flat" cmpd="sng" algn="ctr">
+                      <a:solidFill>
+                        <a:srgbClr val="000000"/>
+                      </a:solidFill>
+                      <a:prstDash val="solid"/>
+                      <a:round/>
+                      <a:headEnd type="none" w="med" len="med"/>
+                      <a:tailEnd type="none" w="med" len="med"/>
+                    </a:lnR>
+                    <a:lnT w="6350" cap="flat" cmpd="sng" algn="ctr">
+                      <a:solidFill>
+                        <a:srgbClr val="000000"/>
+                      </a:solidFill>
+                      <a:prstDash val="solid"/>
+                      <a:round/>
+                      <a:headEnd type="none" w="med" len="med"/>
+                      <a:tailEnd type="none" w="med" len="med"/>
+                    </a:lnT>
+                    <a:lnB w="6350" cap="flat" cmpd="sng" algn="ctr">
+                      <a:solidFill>
+                        <a:srgbClr val="000000"/>
+                      </a:solidFill>
+                      <a:prstDash val="solid"/>
+                      <a:round/>
+                      <a:headEnd type="none" w="med" len="med"/>
+                      <a:tailEnd type="none" w="med" len="med"/>
+                    </a:lnB>
+                  </a:tcPr>
+                </a:tc>
+                <a:tc>
+                  <a:txBody>
+                    <a:bodyPr/>
+                    <a:lstStyle/>
+                    <a:p>
+                      <a:pPr algn="l" fontAlgn="ctr"/>
+                      <a:r>
+                        <a:rPr lang="es-AR" sz="1100" b="0" i="0" u="none" strike="noStrike" dirty="0">
+                          <a:solidFill>
+                            <a:srgbClr val="000000"/>
+                          </a:solidFill>
+                          <a:effectLst/>
+                          <a:latin typeface="Calibri" panose="020F0502020204030204" pitchFamily="34" charset="0"/>
+                        </a:rPr>
+                        <a:t>*Los datos almacenados en la base de datos deben estar correctamente cargados.                                                     *El archivo debe contener las siguientes características (valido, no vacío, columnas no vacías y en el orden definido, datos  de tipo correctos y no duplicados).                                         *Los errores y advertencias  deben ser comunicados al usuario. </a:t>
+                      </a:r>
+                    </a:p>
+                  </a:txBody>
+                  <a:tcPr marL="9525" marR="9525" marT="9525" marB="0" anchor="ctr">
+                    <a:lnL w="6350" cap="flat" cmpd="sng" algn="ctr">
+                      <a:solidFill>
+                        <a:srgbClr val="000000"/>
+                      </a:solidFill>
+                      <a:prstDash val="solid"/>
+                      <a:round/>
+                      <a:headEnd type="none" w="med" len="med"/>
+                      <a:tailEnd type="none" w="med" len="med"/>
+                    </a:lnL>
+                    <a:lnR w="6350" cap="flat" cmpd="sng" algn="ctr">
+                      <a:solidFill>
+                        <a:srgbClr val="000000"/>
+                      </a:solidFill>
+                      <a:prstDash val="solid"/>
+                      <a:round/>
+                      <a:headEnd type="none" w="med" len="med"/>
+                      <a:tailEnd type="none" w="med" len="med"/>
+                    </a:lnR>
+                    <a:lnT w="6350" cap="flat" cmpd="sng" algn="ctr">
+                      <a:solidFill>
+                        <a:srgbClr val="000000"/>
+                      </a:solidFill>
+                      <a:prstDash val="solid"/>
+                      <a:round/>
+                      <a:headEnd type="none" w="med" len="med"/>
+                      <a:tailEnd type="none" w="med" len="med"/>
+                    </a:lnT>
+                    <a:lnB w="6350" cap="flat" cmpd="sng" algn="ctr">
+                      <a:solidFill>
+                        <a:srgbClr val="000000"/>
+                      </a:solidFill>
+                      <a:prstDash val="solid"/>
+                      <a:round/>
+                      <a:headEnd type="none" w="med" len="med"/>
+                      <a:tailEnd type="none" w="med" len="med"/>
+                    </a:lnB>
+                  </a:tcPr>
+                </a:tc>
+              </a:tr>
+              <a:tr h="981534">
+                <a:tc>
+                  <a:txBody>
+                    <a:bodyPr/>
+                    <a:lstStyle/>
+                    <a:p>
+                      <a:pPr algn="ctr" fontAlgn="ctr"/>
+                      <a:r>
+                        <a:rPr lang="es-AR" sz="1100" b="0" i="0" u="none" strike="noStrike">
+                          <a:solidFill>
+                            <a:srgbClr val="000000"/>
+                          </a:solidFill>
+                          <a:effectLst/>
+                          <a:latin typeface="Calibri" panose="020F0502020204030204" pitchFamily="34" charset="0"/>
+                        </a:rPr>
+                        <a:t>Integración</a:t>
+                      </a:r>
+                    </a:p>
+                  </a:txBody>
+                  <a:tcPr marL="9525" marR="9525" marT="9525" marB="0" anchor="ctr">
+                    <a:lnL w="6350" cap="flat" cmpd="sng" algn="ctr">
+                      <a:solidFill>
+                        <a:srgbClr val="000000"/>
+                      </a:solidFill>
+                      <a:prstDash val="solid"/>
+                      <a:round/>
+                      <a:headEnd type="none" w="med" len="med"/>
+                      <a:tailEnd type="none" w="med" len="med"/>
+                    </a:lnL>
+                    <a:lnR w="6350" cap="flat" cmpd="sng" algn="ctr">
+                      <a:solidFill>
+                        <a:srgbClr val="000000"/>
+                      </a:solidFill>
+                      <a:prstDash val="solid"/>
+                      <a:round/>
+                      <a:headEnd type="none" w="med" len="med"/>
+                      <a:tailEnd type="none" w="med" len="med"/>
+                    </a:lnR>
+                    <a:lnT w="6350" cap="flat" cmpd="sng" algn="ctr">
+                      <a:solidFill>
+                        <a:srgbClr val="000000"/>
+                      </a:solidFill>
+                      <a:prstDash val="solid"/>
+                      <a:round/>
+                      <a:headEnd type="none" w="med" len="med"/>
+                      <a:tailEnd type="none" w="med" len="med"/>
+                    </a:lnT>
+                    <a:lnB w="6350" cap="flat" cmpd="sng" algn="ctr">
+                      <a:solidFill>
+                        <a:srgbClr val="000000"/>
+                      </a:solidFill>
+                      <a:prstDash val="solid"/>
+                      <a:round/>
+                      <a:headEnd type="none" w="med" len="med"/>
+                      <a:tailEnd type="none" w="med" len="med"/>
+                    </a:lnB>
+                  </a:tcPr>
+                </a:tc>
+                <a:tc>
+                  <a:txBody>
+                    <a:bodyPr/>
+                    <a:lstStyle/>
+                    <a:p>
+                      <a:pPr algn="l" fontAlgn="ctr"/>
+                      <a:r>
+                        <a:rPr lang="es-AR" sz="1100" b="0" i="0" u="none" strike="noStrike">
+                          <a:solidFill>
+                            <a:srgbClr val="000000"/>
+                          </a:solidFill>
+                          <a:effectLst/>
+                          <a:latin typeface="Calibri" panose="020F0502020204030204" pitchFamily="34" charset="0"/>
+                        </a:rPr>
+                        <a:t>Comprobar el correcto funcionamiento de varios módulos en forma conjunta, con el fin de verificar las interfaces entre ellos.</a:t>
+                      </a:r>
+                    </a:p>
+                  </a:txBody>
+                  <a:tcPr marL="9525" marR="9525" marT="9525" marB="0" anchor="ctr">
+                    <a:lnL w="6350" cap="flat" cmpd="sng" algn="ctr">
+                      <a:solidFill>
+                        <a:srgbClr val="000000"/>
+                      </a:solidFill>
+                      <a:prstDash val="solid"/>
+                      <a:round/>
+                      <a:headEnd type="none" w="med" len="med"/>
+                      <a:tailEnd type="none" w="med" len="med"/>
+                    </a:lnL>
+                    <a:lnR w="6350" cap="flat" cmpd="sng" algn="ctr">
+                      <a:solidFill>
+                        <a:srgbClr val="000000"/>
+                      </a:solidFill>
+                      <a:prstDash val="solid"/>
+                      <a:round/>
+                      <a:headEnd type="none" w="med" len="med"/>
+                      <a:tailEnd type="none" w="med" len="med"/>
+                    </a:lnR>
+                    <a:lnT w="6350" cap="flat" cmpd="sng" algn="ctr">
+                      <a:solidFill>
+                        <a:srgbClr val="000000"/>
+                      </a:solidFill>
+                      <a:prstDash val="solid"/>
+                      <a:round/>
+                      <a:headEnd type="none" w="med" len="med"/>
+                      <a:tailEnd type="none" w="med" len="med"/>
+                    </a:lnT>
+                    <a:lnB w="6350" cap="flat" cmpd="sng" algn="ctr">
+                      <a:solidFill>
+                        <a:srgbClr val="000000"/>
+                      </a:solidFill>
+                      <a:prstDash val="solid"/>
+                      <a:round/>
+                      <a:headEnd type="none" w="med" len="med"/>
+                      <a:tailEnd type="none" w="med" len="med"/>
+                    </a:lnB>
+                  </a:tcPr>
+                </a:tc>
+                <a:tc>
+                  <a:txBody>
+                    <a:bodyPr/>
+                    <a:lstStyle/>
+                    <a:p>
+                      <a:pPr algn="l" fontAlgn="ctr"/>
+                      <a:r>
+                        <a:rPr lang="es-AR" sz="1100" b="0" i="0" u="none" strike="noStrike">
+                          <a:solidFill>
+                            <a:srgbClr val="000000"/>
+                          </a:solidFill>
+                          <a:effectLst/>
+                          <a:latin typeface="Calibri" panose="020F0502020204030204" pitchFamily="34" charset="0"/>
+                        </a:rPr>
+                        <a:t>Correcta comunicación entre los distintos componentes. Como se encuentra en los diagramas de secuencia. </a:t>
+                      </a:r>
+                    </a:p>
+                  </a:txBody>
+                  <a:tcPr marL="9525" marR="9525" marT="9525" marB="0" anchor="ctr">
+                    <a:lnL w="6350" cap="flat" cmpd="sng" algn="ctr">
+                      <a:solidFill>
+                        <a:srgbClr val="000000"/>
+                      </a:solidFill>
+                      <a:prstDash val="solid"/>
+                      <a:round/>
+                      <a:headEnd type="none" w="med" len="med"/>
+                      <a:tailEnd type="none" w="med" len="med"/>
+                    </a:lnL>
+                    <a:lnR w="6350" cap="flat" cmpd="sng" algn="ctr">
+                      <a:solidFill>
+                        <a:srgbClr val="000000"/>
+                      </a:solidFill>
+                      <a:prstDash val="solid"/>
+                      <a:round/>
+                      <a:headEnd type="none" w="med" len="med"/>
+                      <a:tailEnd type="none" w="med" len="med"/>
+                    </a:lnR>
+                    <a:lnT w="6350" cap="flat" cmpd="sng" algn="ctr">
+                      <a:solidFill>
+                        <a:srgbClr val="000000"/>
+                      </a:solidFill>
+                      <a:prstDash val="solid"/>
+                      <a:round/>
+                      <a:headEnd type="none" w="med" len="med"/>
+                      <a:tailEnd type="none" w="med" len="med"/>
+                    </a:lnT>
+                    <a:lnB w="6350" cap="flat" cmpd="sng" algn="ctr">
+                      <a:solidFill>
+                        <a:srgbClr val="000000"/>
+                      </a:solidFill>
+                      <a:prstDash val="solid"/>
+                      <a:round/>
+                      <a:headEnd type="none" w="med" len="med"/>
+                      <a:tailEnd type="none" w="med" len="med"/>
+                    </a:lnB>
+                  </a:tcPr>
+                </a:tc>
+              </a:tr>
+              <a:tr h="1145123">
+                <a:tc>
+                  <a:txBody>
+                    <a:bodyPr/>
+                    <a:lstStyle/>
+                    <a:p>
+                      <a:pPr algn="ctr" fontAlgn="ctr"/>
+                      <a:r>
+                        <a:rPr lang="es-AR" sz="1100" b="0" i="0" u="none" strike="noStrike">
+                          <a:solidFill>
+                            <a:srgbClr val="000000"/>
+                          </a:solidFill>
+                          <a:effectLst/>
+                          <a:latin typeface="Calibri" panose="020F0502020204030204" pitchFamily="34" charset="0"/>
+                        </a:rPr>
+                        <a:t>Funcionamiento</a:t>
+                      </a:r>
+                    </a:p>
+                  </a:txBody>
+                  <a:tcPr marL="9525" marR="9525" marT="9525" marB="0" anchor="ctr">
+                    <a:lnL w="6350" cap="flat" cmpd="sng" algn="ctr">
+                      <a:solidFill>
+                        <a:srgbClr val="000000"/>
+                      </a:solidFill>
+                      <a:prstDash val="solid"/>
+                      <a:round/>
+                      <a:headEnd type="none" w="med" len="med"/>
+                      <a:tailEnd type="none" w="med" len="med"/>
+                    </a:lnL>
+                    <a:lnR w="6350" cap="flat" cmpd="sng" algn="ctr">
+                      <a:solidFill>
+                        <a:srgbClr val="000000"/>
+                      </a:solidFill>
+                      <a:prstDash val="solid"/>
+                      <a:round/>
+                      <a:headEnd type="none" w="med" len="med"/>
+                      <a:tailEnd type="none" w="med" len="med"/>
+                    </a:lnR>
+                    <a:lnT w="6350" cap="flat" cmpd="sng" algn="ctr">
+                      <a:solidFill>
+                        <a:srgbClr val="000000"/>
+                      </a:solidFill>
+                      <a:prstDash val="solid"/>
+                      <a:round/>
+                      <a:headEnd type="none" w="med" len="med"/>
+                      <a:tailEnd type="none" w="med" len="med"/>
+                    </a:lnT>
+                    <a:lnB w="6350" cap="flat" cmpd="sng" algn="ctr">
+                      <a:solidFill>
+                        <a:srgbClr val="000000"/>
+                      </a:solidFill>
+                      <a:prstDash val="solid"/>
+                      <a:round/>
+                      <a:headEnd type="none" w="med" len="med"/>
+                      <a:tailEnd type="none" w="med" len="med"/>
+                    </a:lnB>
+                  </a:tcPr>
+                </a:tc>
+                <a:tc>
+                  <a:txBody>
+                    <a:bodyPr/>
+                    <a:lstStyle/>
+                    <a:p>
+                      <a:pPr algn="l" fontAlgn="ctr"/>
+                      <a:r>
+                        <a:rPr lang="es-AR" sz="1100" b="0" i="0" u="none" strike="noStrike">
+                          <a:solidFill>
+                            <a:srgbClr val="000000"/>
+                          </a:solidFill>
+                          <a:effectLst/>
+                          <a:latin typeface="Calibri" panose="020F0502020204030204" pitchFamily="34" charset="0"/>
+                        </a:rPr>
+                        <a:t>Probar es que el programa realice las funciones especificadas por el cliente en el documento de especificación de requerimiento.</a:t>
+                      </a:r>
+                    </a:p>
+                  </a:txBody>
+                  <a:tcPr marL="9525" marR="9525" marT="9525" marB="0" anchor="ctr">
+                    <a:lnL w="6350" cap="flat" cmpd="sng" algn="ctr">
+                      <a:solidFill>
+                        <a:srgbClr val="000000"/>
+                      </a:solidFill>
+                      <a:prstDash val="solid"/>
+                      <a:round/>
+                      <a:headEnd type="none" w="med" len="med"/>
+                      <a:tailEnd type="none" w="med" len="med"/>
+                    </a:lnL>
+                    <a:lnR w="6350" cap="flat" cmpd="sng" algn="ctr">
+                      <a:solidFill>
+                        <a:srgbClr val="000000"/>
+                      </a:solidFill>
+                      <a:prstDash val="solid"/>
+                      <a:round/>
+                      <a:headEnd type="none" w="med" len="med"/>
+                      <a:tailEnd type="none" w="med" len="med"/>
+                    </a:lnR>
+                    <a:lnT w="6350" cap="flat" cmpd="sng" algn="ctr">
+                      <a:solidFill>
+                        <a:srgbClr val="000000"/>
+                      </a:solidFill>
+                      <a:prstDash val="solid"/>
+                      <a:round/>
+                      <a:headEnd type="none" w="med" len="med"/>
+                      <a:tailEnd type="none" w="med" len="med"/>
+                    </a:lnT>
+                    <a:lnB w="6350" cap="flat" cmpd="sng" algn="ctr">
+                      <a:solidFill>
+                        <a:srgbClr val="000000"/>
+                      </a:solidFill>
+                      <a:prstDash val="solid"/>
+                      <a:round/>
+                      <a:headEnd type="none" w="med" len="med"/>
+                      <a:tailEnd type="none" w="med" len="med"/>
+                    </a:lnB>
+                  </a:tcPr>
+                </a:tc>
+                <a:tc>
+                  <a:txBody>
+                    <a:bodyPr/>
+                    <a:lstStyle/>
+                    <a:p>
+                      <a:pPr algn="l" fontAlgn="ctr"/>
+                      <a:r>
+                        <a:rPr lang="es-AR" sz="1100" b="0" i="0" u="none" strike="noStrike" dirty="0">
+                          <a:solidFill>
+                            <a:srgbClr val="000000"/>
+                          </a:solidFill>
+                          <a:effectLst/>
+                          <a:latin typeface="Calibri" panose="020F0502020204030204" pitchFamily="34" charset="0"/>
+                        </a:rPr>
+                        <a:t>No deben existir faltas ortográficas y debe existir concordancia en los términos. Los botones funcionarán adecuadamente si cada uno cumple con el propósito establecido en el diseño.</a:t>
+                      </a:r>
+                    </a:p>
+                  </a:txBody>
+                  <a:tcPr marL="9525" marR="9525" marT="9525" marB="0" anchor="ctr">
+                    <a:lnL w="6350" cap="flat" cmpd="sng" algn="ctr">
+                      <a:solidFill>
+                        <a:srgbClr val="000000"/>
+                      </a:solidFill>
+                      <a:prstDash val="solid"/>
+                      <a:round/>
+                      <a:headEnd type="none" w="med" len="med"/>
+                      <a:tailEnd type="none" w="med" len="med"/>
+                    </a:lnL>
+                    <a:lnR w="6350" cap="flat" cmpd="sng" algn="ctr">
+                      <a:solidFill>
+                        <a:srgbClr val="000000"/>
+                      </a:solidFill>
+                      <a:prstDash val="solid"/>
+                      <a:round/>
+                      <a:headEnd type="none" w="med" len="med"/>
+                      <a:tailEnd type="none" w="med" len="med"/>
+                    </a:lnR>
+                    <a:lnT w="6350" cap="flat" cmpd="sng" algn="ctr">
+                      <a:solidFill>
+                        <a:srgbClr val="000000"/>
+                      </a:solidFill>
+                      <a:prstDash val="solid"/>
+                      <a:round/>
+                      <a:headEnd type="none" w="med" len="med"/>
+                      <a:tailEnd type="none" w="med" len="med"/>
+                    </a:lnT>
+                    <a:lnB w="6350" cap="flat" cmpd="sng" algn="ctr">
+                      <a:solidFill>
+                        <a:srgbClr val="000000"/>
+                      </a:solidFill>
+                      <a:prstDash val="solid"/>
+                      <a:round/>
+                      <a:headEnd type="none" w="med" len="med"/>
+                      <a:tailEnd type="none" w="med" len="med"/>
+                    </a:lnB>
+                  </a:tcPr>
+                </a:tc>
+              </a:tr>
+            </a:tbl>
+          </a:graphicData>
+        </a:graphic>
+      </p:graphicFrame>
+    </p:spTree>
+  </p:cSld>
+  <p:clrMapOvr>
+    <a:masterClrMapping/>
+  </p:clrMapOvr>
+</p:sld>
+</file>
+
+<file path=ppt/slides/slide13.xml><?xml version="1.0" encoding="utf-8"?>
+<p:sld xmlns:a="http://schemas.openxmlformats.org/drawingml/2006/main" xmlns:r="http://schemas.openxmlformats.org/officeDocument/2006/relationships" xmlns:p="http://schemas.openxmlformats.org/presentationml/2006/main">
+  <p:cSld>
+    <p:spTree>
+      <p:nvGrpSpPr>
+        <p:cNvPr id="1" name=""/>
+        <p:cNvGrpSpPr/>
+        <p:nvPr/>
+      </p:nvGrpSpPr>
+      <p:grpSpPr>
+        <a:xfrm>
+          <a:off x="0" y="0"/>
+          <a:ext cx="0" cy="0"/>
+          <a:chOff x="0" y="0"/>
+          <a:chExt cx="0" cy="0"/>
+        </a:xfrm>
+      </p:grpSpPr>
+      <p:sp>
+        <p:nvSpPr>
+          <p:cNvPr id="3" name="Título 2"/>
+          <p:cNvSpPr>
+            <a:spLocks noGrp="1"/>
+          </p:cNvSpPr>
+          <p:nvPr>
+            <p:ph type="title"/>
+          </p:nvPr>
+        </p:nvSpPr>
+        <p:spPr/>
+        <p:txBody>
+          <a:bodyPr/>
+          <a:lstStyle/>
+          <a:p>
+            <a:r>
+              <a:rPr lang="es-AR" dirty="0" smtClean="0"/>
+              <a:t>Plan de Prueba</a:t>
+            </a:r>
+            <a:endParaRPr lang="es-AR" dirty="0"/>
+          </a:p>
+        </p:txBody>
+      </p:sp>
+      <p:sp>
+        <p:nvSpPr>
+          <p:cNvPr id="4" name="Marcador de pie de página 3"/>
+          <p:cNvSpPr>
+            <a:spLocks noGrp="1"/>
+          </p:cNvSpPr>
+          <p:nvPr>
+            <p:ph type="ftr" sz="quarter" idx="11"/>
+          </p:nvPr>
+        </p:nvSpPr>
+        <p:spPr/>
+        <p:txBody>
+          <a:bodyPr/>
+          <a:lstStyle/>
+          <a:p>
+            <a:r>
+              <a:rPr lang="es-AR" smtClean="0"/>
+              <a:t>OYARZO Mariela – QUIROGA Sandra – MÁRQUEZ EMANUEL</a:t>
+            </a:r>
+            <a:endParaRPr lang="es-AR" dirty="0"/>
+          </a:p>
+        </p:txBody>
+      </p:sp>
+      <p:sp>
+        <p:nvSpPr>
+          <p:cNvPr id="5" name="Marcador de número de diapositiva 4"/>
+          <p:cNvSpPr>
+            <a:spLocks noGrp="1"/>
+          </p:cNvSpPr>
+          <p:nvPr>
+            <p:ph type="sldNum" sz="quarter" idx="12"/>
+          </p:nvPr>
+        </p:nvSpPr>
+        <p:spPr/>
+        <p:txBody>
+          <a:bodyPr/>
+          <a:lstStyle/>
+          <a:p>
+            <a:fld id="{779E3280-5C43-43EF-BE7D-8C553A58A779}" type="slidenum">
+              <a:rPr lang="es-AR" smtClean="0"/>
+              <a:pPr/>
+              <a:t>13</a:t>
+            </a:fld>
+            <a:endParaRPr lang="es-AR" dirty="0"/>
+          </a:p>
+        </p:txBody>
+      </p:sp>
+      <p:graphicFrame>
+        <p:nvGraphicFramePr>
+          <p:cNvPr id="8" name="Marcador de contenido 7"/>
+          <p:cNvGraphicFramePr>
+            <a:graphicFrameLocks noGrp="1"/>
+          </p:cNvGraphicFramePr>
+          <p:nvPr>
+            <p:ph idx="1"/>
+          </p:nvPr>
+        </p:nvGraphicFramePr>
+        <p:xfrm>
+          <a:off x="2152357" y="2067951"/>
+          <a:ext cx="7821637" cy="3245427"/>
+        </p:xfrm>
+        <a:graphic>
+          <a:graphicData uri="http://schemas.openxmlformats.org/drawingml/2006/table">
+            <a:tbl>
+              <a:tblPr/>
+              <a:tblGrid>
+                <a:gridCol w="1778470"/>
+                <a:gridCol w="2867329"/>
+                <a:gridCol w="3175838"/>
+              </a:tblGrid>
+              <a:tr h="187605">
+                <a:tc>
+                  <a:txBody>
+                    <a:bodyPr/>
+                    <a:lstStyle/>
+                    <a:p>
+                      <a:pPr algn="ctr" fontAlgn="b"/>
+                      <a:r>
+                        <a:rPr lang="es-AR" sz="1100" b="1" i="0" u="none" strike="noStrike" dirty="0">
+                          <a:solidFill>
+                            <a:srgbClr val="000000"/>
+                          </a:solidFill>
+                          <a:effectLst/>
+                          <a:latin typeface="Calibri" panose="020F0502020204030204" pitchFamily="34" charset="0"/>
+                        </a:rPr>
+                        <a:t>PRUEBAS</a:t>
+                      </a:r>
+                    </a:p>
+                  </a:txBody>
+                  <a:tcPr marL="9525" marR="9525" marT="9525" marB="0" anchor="b">
+                    <a:lnL w="6350" cap="flat" cmpd="sng" algn="ctr">
+                      <a:solidFill>
+                        <a:srgbClr val="000000"/>
+                      </a:solidFill>
+                      <a:prstDash val="solid"/>
+                      <a:round/>
+                      <a:headEnd type="none" w="med" len="med"/>
+                      <a:tailEnd type="none" w="med" len="med"/>
+                    </a:lnL>
+                    <a:lnR w="6350" cap="flat" cmpd="sng" algn="ctr">
+                      <a:solidFill>
+                        <a:srgbClr val="000000"/>
+                      </a:solidFill>
+                      <a:prstDash val="solid"/>
+                      <a:round/>
+                      <a:headEnd type="none" w="med" len="med"/>
+                      <a:tailEnd type="none" w="med" len="med"/>
+                    </a:lnR>
+                    <a:lnT w="6350" cap="flat" cmpd="sng" algn="ctr">
+                      <a:solidFill>
+                        <a:srgbClr val="000000"/>
+                      </a:solidFill>
+                      <a:prstDash val="solid"/>
+                      <a:round/>
+                      <a:headEnd type="none" w="med" len="med"/>
+                      <a:tailEnd type="none" w="med" len="med"/>
+                    </a:lnT>
+                    <a:lnB w="6350" cap="flat" cmpd="sng" algn="ctr">
+                      <a:solidFill>
+                        <a:srgbClr val="000000"/>
+                      </a:solidFill>
+                      <a:prstDash val="solid"/>
+                      <a:round/>
+                      <a:headEnd type="none" w="med" len="med"/>
+                      <a:tailEnd type="none" w="med" len="med"/>
+                    </a:lnB>
+                    <a:solidFill>
+                      <a:srgbClr val="BDD7EE"/>
+                    </a:solidFill>
+                  </a:tcPr>
+                </a:tc>
+                <a:tc>
+                  <a:txBody>
+                    <a:bodyPr/>
+                    <a:lstStyle/>
+                    <a:p>
+                      <a:pPr algn="ctr" fontAlgn="b"/>
+                      <a:r>
+                        <a:rPr lang="es-AR" sz="1100" b="1" i="0" u="none" strike="noStrike" dirty="0">
+                          <a:solidFill>
+                            <a:srgbClr val="000000"/>
+                          </a:solidFill>
+                          <a:effectLst/>
+                          <a:latin typeface="Calibri" panose="020F0502020204030204" pitchFamily="34" charset="0"/>
+                        </a:rPr>
+                        <a:t>DESCRIPCIÓN</a:t>
+                      </a:r>
+                    </a:p>
+                  </a:txBody>
+                  <a:tcPr marL="9525" marR="9525" marT="9525" marB="0" anchor="b">
+                    <a:lnL w="6350" cap="flat" cmpd="sng" algn="ctr">
+                      <a:solidFill>
+                        <a:srgbClr val="000000"/>
+                      </a:solidFill>
+                      <a:prstDash val="solid"/>
+                      <a:round/>
+                      <a:headEnd type="none" w="med" len="med"/>
+                      <a:tailEnd type="none" w="med" len="med"/>
+                    </a:lnL>
+                    <a:lnR w="6350" cap="flat" cmpd="sng" algn="ctr">
+                      <a:solidFill>
+                        <a:srgbClr val="000000"/>
+                      </a:solidFill>
+                      <a:prstDash val="solid"/>
+                      <a:round/>
+                      <a:headEnd type="none" w="med" len="med"/>
+                      <a:tailEnd type="none" w="med" len="med"/>
+                    </a:lnR>
+                    <a:lnT w="6350" cap="flat" cmpd="sng" algn="ctr">
+                      <a:solidFill>
+                        <a:srgbClr val="000000"/>
+                      </a:solidFill>
+                      <a:prstDash val="solid"/>
+                      <a:round/>
+                      <a:headEnd type="none" w="med" len="med"/>
+                      <a:tailEnd type="none" w="med" len="med"/>
+                    </a:lnT>
+                    <a:lnB w="6350" cap="flat" cmpd="sng" algn="ctr">
+                      <a:solidFill>
+                        <a:srgbClr val="000000"/>
+                      </a:solidFill>
+                      <a:prstDash val="solid"/>
+                      <a:round/>
+                      <a:headEnd type="none" w="med" len="med"/>
+                      <a:tailEnd type="none" w="med" len="med"/>
+                    </a:lnB>
+                    <a:solidFill>
+                      <a:srgbClr val="BDD7EE"/>
+                    </a:solidFill>
+                  </a:tcPr>
+                </a:tc>
+                <a:tc>
+                  <a:txBody>
+                    <a:bodyPr/>
+                    <a:lstStyle/>
+                    <a:p>
+                      <a:pPr algn="ctr" fontAlgn="b"/>
+                      <a:r>
+                        <a:rPr lang="es-AR" sz="1100" b="1" i="0" u="none" strike="noStrike">
+                          <a:solidFill>
+                            <a:srgbClr val="000000"/>
+                          </a:solidFill>
+                          <a:effectLst/>
+                          <a:latin typeface="Calibri" panose="020F0502020204030204" pitchFamily="34" charset="0"/>
+                        </a:rPr>
+                        <a:t>CONSIDERACIONES</a:t>
+                      </a:r>
+                    </a:p>
+                  </a:txBody>
+                  <a:tcPr marL="9525" marR="9525" marT="9525" marB="0" anchor="b">
+                    <a:lnL w="6350" cap="flat" cmpd="sng" algn="ctr">
+                      <a:solidFill>
+                        <a:srgbClr val="000000"/>
+                      </a:solidFill>
+                      <a:prstDash val="solid"/>
+                      <a:round/>
+                      <a:headEnd type="none" w="med" len="med"/>
+                      <a:tailEnd type="none" w="med" len="med"/>
+                    </a:lnL>
+                    <a:lnR w="6350" cap="flat" cmpd="sng" algn="ctr">
+                      <a:solidFill>
+                        <a:srgbClr val="000000"/>
+                      </a:solidFill>
+                      <a:prstDash val="solid"/>
+                      <a:round/>
+                      <a:headEnd type="none" w="med" len="med"/>
+                      <a:tailEnd type="none" w="med" len="med"/>
+                    </a:lnR>
+                    <a:lnT w="6350" cap="flat" cmpd="sng" algn="ctr">
+                      <a:solidFill>
+                        <a:srgbClr val="000000"/>
+                      </a:solidFill>
+                      <a:prstDash val="solid"/>
+                      <a:round/>
+                      <a:headEnd type="none" w="med" len="med"/>
+                      <a:tailEnd type="none" w="med" len="med"/>
+                    </a:lnT>
+                    <a:lnB w="6350" cap="flat" cmpd="sng" algn="ctr">
+                      <a:solidFill>
+                        <a:srgbClr val="000000"/>
+                      </a:solidFill>
+                      <a:prstDash val="solid"/>
+                      <a:round/>
+                      <a:headEnd type="none" w="med" len="med"/>
+                      <a:tailEnd type="none" w="med" len="med"/>
+                    </a:lnB>
+                    <a:solidFill>
+                      <a:srgbClr val="BDD7EE"/>
+                    </a:solidFill>
+                  </a:tcPr>
+                </a:tc>
+              </a:tr>
+              <a:tr h="1252714">
+                <a:tc>
+                  <a:txBody>
+                    <a:bodyPr/>
+                    <a:lstStyle/>
+                    <a:p>
+                      <a:pPr algn="ctr" fontAlgn="ctr"/>
+                      <a:r>
+                        <a:rPr lang="es-AR" sz="1100" b="0" i="0" u="none" strike="noStrike" dirty="0">
+                          <a:solidFill>
+                            <a:srgbClr val="000000"/>
+                          </a:solidFill>
+                          <a:effectLst/>
+                          <a:latin typeface="Calibri" panose="020F0502020204030204" pitchFamily="34" charset="0"/>
+                        </a:rPr>
+                        <a:t>Sistema</a:t>
+                      </a:r>
+                    </a:p>
+                  </a:txBody>
+                  <a:tcPr marL="9525" marR="9525" marT="9525" marB="0" anchor="ctr">
+                    <a:lnL w="6350" cap="flat" cmpd="sng" algn="ctr">
+                      <a:solidFill>
+                        <a:srgbClr val="000000"/>
+                      </a:solidFill>
+                      <a:prstDash val="solid"/>
+                      <a:round/>
+                      <a:headEnd type="none" w="med" len="med"/>
+                      <a:tailEnd type="none" w="med" len="med"/>
+                    </a:lnL>
+                    <a:lnR w="6350" cap="flat" cmpd="sng" algn="ctr">
+                      <a:solidFill>
+                        <a:srgbClr val="000000"/>
+                      </a:solidFill>
+                      <a:prstDash val="solid"/>
+                      <a:round/>
+                      <a:headEnd type="none" w="med" len="med"/>
+                      <a:tailEnd type="none" w="med" len="med"/>
+                    </a:lnR>
+                    <a:lnT w="6350" cap="flat" cmpd="sng" algn="ctr">
+                      <a:solidFill>
+                        <a:srgbClr val="000000"/>
+                      </a:solidFill>
+                      <a:prstDash val="solid"/>
+                      <a:round/>
+                      <a:headEnd type="none" w="med" len="med"/>
+                      <a:tailEnd type="none" w="med" len="med"/>
+                    </a:lnT>
+                    <a:lnB w="6350" cap="flat" cmpd="sng" algn="ctr">
+                      <a:solidFill>
+                        <a:srgbClr val="000000"/>
+                      </a:solidFill>
+                      <a:prstDash val="solid"/>
+                      <a:round/>
+                      <a:headEnd type="none" w="med" len="med"/>
+                      <a:tailEnd type="none" w="med" len="med"/>
+                    </a:lnB>
+                  </a:tcPr>
+                </a:tc>
+                <a:tc>
+                  <a:txBody>
+                    <a:bodyPr/>
+                    <a:lstStyle/>
+                    <a:p>
+                      <a:pPr algn="l" fontAlgn="ctr"/>
+                      <a:r>
+                        <a:rPr lang="es-AR" sz="1100" b="0" i="0" u="none" strike="noStrike" dirty="0">
+                          <a:solidFill>
+                            <a:srgbClr val="000000"/>
+                          </a:solidFill>
+                          <a:effectLst/>
+                          <a:latin typeface="Calibri" panose="020F0502020204030204" pitchFamily="34" charset="0"/>
+                        </a:rPr>
+                        <a:t>Identificar diferencias entre el sistema y sus requerimientos originales(requerimientos funcionales y no funcionales)</a:t>
+                      </a:r>
+                    </a:p>
+                  </a:txBody>
+                  <a:tcPr marL="9525" marR="9525" marT="9525" marB="0" anchor="ctr">
+                    <a:lnL w="6350" cap="flat" cmpd="sng" algn="ctr">
+                      <a:solidFill>
+                        <a:srgbClr val="000000"/>
+                      </a:solidFill>
+                      <a:prstDash val="solid"/>
+                      <a:round/>
+                      <a:headEnd type="none" w="med" len="med"/>
+                      <a:tailEnd type="none" w="med" len="med"/>
+                    </a:lnL>
+                    <a:lnR w="6350" cap="flat" cmpd="sng" algn="ctr">
+                      <a:solidFill>
+                        <a:srgbClr val="000000"/>
+                      </a:solidFill>
+                      <a:prstDash val="solid"/>
+                      <a:round/>
+                      <a:headEnd type="none" w="med" len="med"/>
+                      <a:tailEnd type="none" w="med" len="med"/>
+                    </a:lnR>
+                    <a:lnT w="6350" cap="flat" cmpd="sng" algn="ctr">
+                      <a:solidFill>
+                        <a:srgbClr val="000000"/>
+                      </a:solidFill>
+                      <a:prstDash val="solid"/>
+                      <a:round/>
+                      <a:headEnd type="none" w="med" len="med"/>
+                      <a:tailEnd type="none" w="med" len="med"/>
+                    </a:lnT>
+                    <a:lnB w="6350" cap="flat" cmpd="sng" algn="ctr">
+                      <a:solidFill>
+                        <a:srgbClr val="000000"/>
+                      </a:solidFill>
+                      <a:prstDash val="solid"/>
+                      <a:round/>
+                      <a:headEnd type="none" w="med" len="med"/>
+                      <a:tailEnd type="none" w="med" len="med"/>
+                    </a:lnB>
+                  </a:tcPr>
+                </a:tc>
+                <a:tc>
+                  <a:txBody>
+                    <a:bodyPr/>
+                    <a:lstStyle/>
+                    <a:p>
+                      <a:pPr algn="l" fontAlgn="ctr"/>
+                      <a:r>
+                        <a:rPr lang="es-AR" sz="1100" b="1" i="1" u="sng" strike="noStrike">
+                          <a:solidFill>
+                            <a:srgbClr val="000000"/>
+                          </a:solidFill>
+                          <a:effectLst/>
+                          <a:latin typeface="Calibri" panose="020F0502020204030204" pitchFamily="34" charset="0"/>
+                        </a:rPr>
+                        <a:t>Volumen</a:t>
+                      </a:r>
+                      <a:r>
+                        <a:rPr lang="es-AR" sz="1100" b="0" i="0" u="none" strike="noStrike">
+                          <a:solidFill>
+                            <a:srgbClr val="000000"/>
+                          </a:solidFill>
+                          <a:effectLst/>
+                          <a:latin typeface="Calibri" panose="020F0502020204030204" pitchFamily="34" charset="0"/>
+                        </a:rPr>
+                        <a:t>: tiene como objetivo verificar que el sistema soporta los volúmenes máximos definidos en los requerimientos para las capacidades de procesamiento y almacenamiento previstas.                                    </a:t>
+                      </a:r>
+                      <a:r>
+                        <a:rPr lang="es-AR" sz="1100" b="1" i="1" u="sng" strike="noStrike">
+                          <a:solidFill>
+                            <a:srgbClr val="000000"/>
+                          </a:solidFill>
+                          <a:effectLst/>
+                          <a:latin typeface="Calibri" panose="020F0502020204030204" pitchFamily="34" charset="0"/>
+                        </a:rPr>
+                        <a:t>Instalación</a:t>
+                      </a:r>
+                      <a:r>
+                        <a:rPr lang="es-AR" sz="1100" b="0" i="0" u="none" strike="noStrike">
+                          <a:solidFill>
+                            <a:srgbClr val="000000"/>
+                          </a:solidFill>
+                          <a:effectLst/>
+                          <a:latin typeface="Calibri" panose="020F0502020204030204" pitchFamily="34" charset="0"/>
+                        </a:rPr>
+                        <a:t>: instalación de sistemas para las distintos sistemas operativos (Android, ios)</a:t>
+                      </a:r>
+                    </a:p>
+                  </a:txBody>
+                  <a:tcPr marL="9525" marR="9525" marT="9525" marB="0" anchor="ctr">
+                    <a:lnL w="6350" cap="flat" cmpd="sng" algn="ctr">
+                      <a:solidFill>
+                        <a:srgbClr val="000000"/>
+                      </a:solidFill>
+                      <a:prstDash val="solid"/>
+                      <a:round/>
+                      <a:headEnd type="none" w="med" len="med"/>
+                      <a:tailEnd type="none" w="med" len="med"/>
+                    </a:lnL>
+                    <a:lnR w="6350" cap="flat" cmpd="sng" algn="ctr">
+                      <a:solidFill>
+                        <a:srgbClr val="000000"/>
+                      </a:solidFill>
+                      <a:prstDash val="solid"/>
+                      <a:round/>
+                      <a:headEnd type="none" w="med" len="med"/>
+                      <a:tailEnd type="none" w="med" len="med"/>
+                    </a:lnR>
+                    <a:lnT w="6350" cap="flat" cmpd="sng" algn="ctr">
+                      <a:solidFill>
+                        <a:srgbClr val="000000"/>
+                      </a:solidFill>
+                      <a:prstDash val="solid"/>
+                      <a:round/>
+                      <a:headEnd type="none" w="med" len="med"/>
+                      <a:tailEnd type="none" w="med" len="med"/>
+                    </a:lnT>
+                    <a:lnB w="6350" cap="flat" cmpd="sng" algn="ctr">
+                      <a:solidFill>
+                        <a:srgbClr val="000000"/>
+                      </a:solidFill>
+                      <a:prstDash val="solid"/>
+                      <a:round/>
+                      <a:headEnd type="none" w="med" len="med"/>
+                      <a:tailEnd type="none" w="med" len="med"/>
+                    </a:lnB>
+                  </a:tcPr>
+                </a:tc>
+              </a:tr>
+              <a:tr h="542641">
+                <a:tc>
+                  <a:txBody>
+                    <a:bodyPr/>
+                    <a:lstStyle/>
+                    <a:p>
+                      <a:pPr algn="ctr" fontAlgn="ctr"/>
+                      <a:r>
+                        <a:rPr lang="es-AR" sz="1100" b="0" i="0" u="none" strike="noStrike">
+                          <a:solidFill>
+                            <a:srgbClr val="000000"/>
+                          </a:solidFill>
+                          <a:effectLst/>
+                          <a:latin typeface="Calibri" panose="020F0502020204030204" pitchFamily="34" charset="0"/>
+                        </a:rPr>
+                        <a:t>Aceptación</a:t>
+                      </a:r>
+                    </a:p>
+                  </a:txBody>
+                  <a:tcPr marL="9525" marR="9525" marT="9525" marB="0" anchor="ctr">
+                    <a:lnL w="6350" cap="flat" cmpd="sng" algn="ctr">
+                      <a:solidFill>
+                        <a:srgbClr val="000000"/>
+                      </a:solidFill>
+                      <a:prstDash val="solid"/>
+                      <a:round/>
+                      <a:headEnd type="none" w="med" len="med"/>
+                      <a:tailEnd type="none" w="med" len="med"/>
+                    </a:lnL>
+                    <a:lnR w="6350" cap="flat" cmpd="sng" algn="ctr">
+                      <a:solidFill>
+                        <a:srgbClr val="000000"/>
+                      </a:solidFill>
+                      <a:prstDash val="solid"/>
+                      <a:round/>
+                      <a:headEnd type="none" w="med" len="med"/>
+                      <a:tailEnd type="none" w="med" len="med"/>
+                    </a:lnR>
+                    <a:lnT w="6350" cap="flat" cmpd="sng" algn="ctr">
+                      <a:solidFill>
+                        <a:srgbClr val="000000"/>
+                      </a:solidFill>
+                      <a:prstDash val="solid"/>
+                      <a:round/>
+                      <a:headEnd type="none" w="med" len="med"/>
+                      <a:tailEnd type="none" w="med" len="med"/>
+                    </a:lnT>
+                    <a:lnB w="6350" cap="flat" cmpd="sng" algn="ctr">
+                      <a:solidFill>
+                        <a:srgbClr val="000000"/>
+                      </a:solidFill>
+                      <a:prstDash val="solid"/>
+                      <a:round/>
+                      <a:headEnd type="none" w="med" len="med"/>
+                      <a:tailEnd type="none" w="med" len="med"/>
+                    </a:lnB>
+                  </a:tcPr>
+                </a:tc>
+                <a:tc>
+                  <a:txBody>
+                    <a:bodyPr/>
+                    <a:lstStyle/>
+                    <a:p>
+                      <a:pPr algn="l" fontAlgn="ctr"/>
+                      <a:r>
+                        <a:rPr lang="es-AR" sz="1100" b="0" i="0" u="none" strike="noStrike" dirty="0">
+                          <a:solidFill>
+                            <a:srgbClr val="000000"/>
+                          </a:solidFill>
+                          <a:effectLst/>
+                          <a:latin typeface="Calibri" panose="020F0502020204030204" pitchFamily="34" charset="0"/>
+                        </a:rPr>
+                        <a:t>Verificar que el producto esté listo para su implementación y utilización, bajo criterios definidos por los usuarios.</a:t>
+                      </a:r>
+                    </a:p>
+                  </a:txBody>
+                  <a:tcPr marL="9525" marR="9525" marT="9525" marB="0" anchor="ctr">
+                    <a:lnL w="6350" cap="flat" cmpd="sng" algn="ctr">
+                      <a:solidFill>
+                        <a:srgbClr val="000000"/>
+                      </a:solidFill>
+                      <a:prstDash val="solid"/>
+                      <a:round/>
+                      <a:headEnd type="none" w="med" len="med"/>
+                      <a:tailEnd type="none" w="med" len="med"/>
+                    </a:lnL>
+                    <a:lnR w="6350" cap="flat" cmpd="sng" algn="ctr">
+                      <a:solidFill>
+                        <a:srgbClr val="000000"/>
+                      </a:solidFill>
+                      <a:prstDash val="solid"/>
+                      <a:round/>
+                      <a:headEnd type="none" w="med" len="med"/>
+                      <a:tailEnd type="none" w="med" len="med"/>
+                    </a:lnR>
+                    <a:lnT w="6350" cap="flat" cmpd="sng" algn="ctr">
+                      <a:solidFill>
+                        <a:srgbClr val="000000"/>
+                      </a:solidFill>
+                      <a:prstDash val="solid"/>
+                      <a:round/>
+                      <a:headEnd type="none" w="med" len="med"/>
+                      <a:tailEnd type="none" w="med" len="med"/>
+                    </a:lnT>
+                    <a:lnB w="6350" cap="flat" cmpd="sng" algn="ctr">
+                      <a:solidFill>
+                        <a:srgbClr val="000000"/>
+                      </a:solidFill>
+                      <a:prstDash val="solid"/>
+                      <a:round/>
+                      <a:headEnd type="none" w="med" len="med"/>
+                      <a:tailEnd type="none" w="med" len="med"/>
+                    </a:lnB>
+                  </a:tcPr>
+                </a:tc>
+                <a:tc>
+                  <a:txBody>
+                    <a:bodyPr/>
+                    <a:lstStyle/>
+                    <a:p>
+                      <a:pPr algn="l" fontAlgn="ctr"/>
+                      <a:r>
+                        <a:rPr lang="es-AR" sz="1100" b="0" i="0" u="none" strike="noStrike" dirty="0">
+                          <a:solidFill>
+                            <a:srgbClr val="000000"/>
+                          </a:solidFill>
+                          <a:effectLst/>
+                          <a:latin typeface="Calibri" panose="020F0502020204030204" pitchFamily="34" charset="0"/>
+                        </a:rPr>
+                        <a:t>El usuario confía en el sistema y se ejecutan exitosamente condiciones y casos seleccionados.</a:t>
+                      </a:r>
+                    </a:p>
+                  </a:txBody>
+                  <a:tcPr marL="9525" marR="9525" marT="9525" marB="0" anchor="ctr">
+                    <a:lnL w="6350" cap="flat" cmpd="sng" algn="ctr">
+                      <a:solidFill>
+                        <a:srgbClr val="000000"/>
+                      </a:solidFill>
+                      <a:prstDash val="solid"/>
+                      <a:round/>
+                      <a:headEnd type="none" w="med" len="med"/>
+                      <a:tailEnd type="none" w="med" len="med"/>
+                    </a:lnL>
+                    <a:lnR w="6350" cap="flat" cmpd="sng" algn="ctr">
+                      <a:solidFill>
+                        <a:srgbClr val="000000"/>
+                      </a:solidFill>
+                      <a:prstDash val="solid"/>
+                      <a:round/>
+                      <a:headEnd type="none" w="med" len="med"/>
+                      <a:tailEnd type="none" w="med" len="med"/>
+                    </a:lnR>
+                    <a:lnT w="6350" cap="flat" cmpd="sng" algn="ctr">
+                      <a:solidFill>
+                        <a:srgbClr val="000000"/>
+                      </a:solidFill>
+                      <a:prstDash val="solid"/>
+                      <a:round/>
+                      <a:headEnd type="none" w="med" len="med"/>
+                      <a:tailEnd type="none" w="med" len="med"/>
+                    </a:lnT>
+                    <a:lnB w="6350" cap="flat" cmpd="sng" algn="ctr">
+                      <a:solidFill>
+                        <a:srgbClr val="000000"/>
+                      </a:solidFill>
+                      <a:prstDash val="solid"/>
+                      <a:round/>
+                      <a:headEnd type="none" w="med" len="med"/>
+                      <a:tailEnd type="none" w="med" len="med"/>
+                    </a:lnB>
+                  </a:tcPr>
+                </a:tc>
+              </a:tr>
+              <a:tr h="1262467">
+                <a:tc>
+                  <a:txBody>
+                    <a:bodyPr/>
+                    <a:lstStyle/>
+                    <a:p>
+                      <a:pPr algn="ctr" fontAlgn="ctr"/>
+                      <a:r>
+                        <a:rPr lang="es-AR" sz="1100" b="0" i="0" u="none" strike="noStrike">
+                          <a:solidFill>
+                            <a:srgbClr val="000000"/>
+                          </a:solidFill>
+                          <a:effectLst/>
+                          <a:latin typeface="Calibri" panose="020F0502020204030204" pitchFamily="34" charset="0"/>
+                        </a:rPr>
+                        <a:t>Usabilidad</a:t>
+                      </a:r>
+                    </a:p>
+                  </a:txBody>
+                  <a:tcPr marL="9525" marR="9525" marT="9525" marB="0" anchor="ctr">
+                    <a:lnL w="6350" cap="flat" cmpd="sng" algn="ctr">
+                      <a:solidFill>
+                        <a:srgbClr val="000000"/>
+                      </a:solidFill>
+                      <a:prstDash val="solid"/>
+                      <a:round/>
+                      <a:headEnd type="none" w="med" len="med"/>
+                      <a:tailEnd type="none" w="med" len="med"/>
+                    </a:lnL>
+                    <a:lnR w="6350" cap="flat" cmpd="sng" algn="ctr">
+                      <a:solidFill>
+                        <a:srgbClr val="000000"/>
+                      </a:solidFill>
+                      <a:prstDash val="solid"/>
+                      <a:round/>
+                      <a:headEnd type="none" w="med" len="med"/>
+                      <a:tailEnd type="none" w="med" len="med"/>
+                    </a:lnR>
+                    <a:lnT w="6350" cap="flat" cmpd="sng" algn="ctr">
+                      <a:solidFill>
+                        <a:srgbClr val="000000"/>
+                      </a:solidFill>
+                      <a:prstDash val="solid"/>
+                      <a:round/>
+                      <a:headEnd type="none" w="med" len="med"/>
+                      <a:tailEnd type="none" w="med" len="med"/>
+                    </a:lnT>
+                    <a:lnB w="6350" cap="flat" cmpd="sng" algn="ctr">
+                      <a:solidFill>
+                        <a:srgbClr val="000000"/>
+                      </a:solidFill>
+                      <a:prstDash val="solid"/>
+                      <a:round/>
+                      <a:headEnd type="none" w="med" len="med"/>
+                      <a:tailEnd type="none" w="med" len="med"/>
+                    </a:lnB>
+                  </a:tcPr>
+                </a:tc>
+                <a:tc>
+                  <a:txBody>
+                    <a:bodyPr/>
+                    <a:lstStyle/>
+                    <a:p>
+                      <a:pPr algn="l" fontAlgn="ctr"/>
+                      <a:r>
+                        <a:rPr lang="es-AR" sz="1100" b="0" i="0" u="none" strike="noStrike" dirty="0">
+                          <a:solidFill>
+                            <a:srgbClr val="000000"/>
+                          </a:solidFill>
+                          <a:effectLst/>
+                          <a:latin typeface="Calibri" panose="020F0502020204030204" pitchFamily="34" charset="0"/>
+                          <a:ea typeface="Symbol" panose="05050102010706020507" pitchFamily="18" charset="2"/>
+                          <a:cs typeface="Symbol" panose="05050102010706020507" pitchFamily="18" charset="2"/>
+                        </a:rPr>
+                        <a:t> Confirmar que se cumplan las expectativas de los usuarios.      Verificar que se pueda operar adecuadamente.</a:t>
+                      </a:r>
+                      <a:endParaRPr lang="es-AR" sz="1100" b="0" i="0" u="none" strike="noStrike" dirty="0">
+                        <a:solidFill>
+                          <a:srgbClr val="000000"/>
+                        </a:solidFill>
+                        <a:effectLst/>
+                        <a:latin typeface="Calibri" panose="020F0502020204030204" pitchFamily="34" charset="0"/>
+                      </a:endParaRPr>
+                    </a:p>
+                  </a:txBody>
+                  <a:tcPr marL="9525" marR="9525" marT="9525" marB="0" anchor="ctr">
+                    <a:lnL w="6350" cap="flat" cmpd="sng" algn="ctr">
+                      <a:solidFill>
+                        <a:srgbClr val="000000"/>
+                      </a:solidFill>
+                      <a:prstDash val="solid"/>
+                      <a:round/>
+                      <a:headEnd type="none" w="med" len="med"/>
+                      <a:tailEnd type="none" w="med" len="med"/>
+                    </a:lnL>
+                    <a:lnR w="6350" cap="flat" cmpd="sng" algn="ctr">
+                      <a:solidFill>
+                        <a:srgbClr val="000000"/>
+                      </a:solidFill>
+                      <a:prstDash val="solid"/>
+                      <a:round/>
+                      <a:headEnd type="none" w="med" len="med"/>
+                      <a:tailEnd type="none" w="med" len="med"/>
+                    </a:lnR>
+                    <a:lnT w="6350" cap="flat" cmpd="sng" algn="ctr">
+                      <a:solidFill>
+                        <a:srgbClr val="000000"/>
+                      </a:solidFill>
+                      <a:prstDash val="solid"/>
+                      <a:round/>
+                      <a:headEnd type="none" w="med" len="med"/>
+                      <a:tailEnd type="none" w="med" len="med"/>
+                    </a:lnT>
+                    <a:lnB w="6350" cap="flat" cmpd="sng" algn="ctr">
+                      <a:solidFill>
+                        <a:srgbClr val="000000"/>
+                      </a:solidFill>
+                      <a:prstDash val="solid"/>
+                      <a:round/>
+                      <a:headEnd type="none" w="med" len="med"/>
+                      <a:tailEnd type="none" w="med" len="med"/>
+                    </a:lnB>
+                  </a:tcPr>
+                </a:tc>
+                <a:tc>
+                  <a:txBody>
+                    <a:bodyPr/>
+                    <a:lstStyle/>
+                    <a:p>
+                      <a:pPr algn="l" fontAlgn="ctr"/>
+                      <a:r>
+                        <a:rPr lang="es-AR" sz="1100" b="1" i="1" u="sng" strike="noStrike" dirty="0">
+                          <a:solidFill>
+                            <a:srgbClr val="000000"/>
+                          </a:solidFill>
+                          <a:effectLst/>
+                          <a:latin typeface="Calibri" panose="020F0502020204030204" pitchFamily="34" charset="0"/>
+                          <a:ea typeface="Symbol" panose="05050102010706020507" pitchFamily="18" charset="2"/>
+                          <a:cs typeface="Symbol" panose="05050102010706020507" pitchFamily="18" charset="2"/>
+                        </a:rPr>
+                        <a:t>Accesibilidad y respuesta: </a:t>
+                      </a:r>
+                      <a:r>
+                        <a:rPr lang="es-AR" sz="1100" b="0" i="0" u="none" strike="noStrike" dirty="0">
+                          <a:solidFill>
+                            <a:srgbClr val="000000"/>
+                          </a:solidFill>
+                          <a:effectLst/>
+                          <a:latin typeface="Calibri" panose="020F0502020204030204" pitchFamily="34" charset="0"/>
+                          <a:ea typeface="Symbol" panose="05050102010706020507" pitchFamily="18" charset="2"/>
+                          <a:cs typeface="Symbol" panose="05050102010706020507" pitchFamily="18" charset="2"/>
+                        </a:rPr>
+                        <a:t>facilidad de ingreso y navegación; se puede hacer lo que se quiere, cuando se quiere, con resultados claros.    </a:t>
+                      </a:r>
+                      <a:r>
+                        <a:rPr lang="es-AR" sz="1100" b="1" i="1" u="sng" strike="noStrike" dirty="0" err="1">
+                          <a:solidFill>
+                            <a:srgbClr val="000000"/>
+                          </a:solidFill>
+                          <a:effectLst/>
+                          <a:latin typeface="Calibri" panose="020F0502020204030204" pitchFamily="34" charset="0"/>
+                          <a:ea typeface="Symbol" panose="05050102010706020507" pitchFamily="18" charset="2"/>
+                          <a:cs typeface="Symbol" panose="05050102010706020507" pitchFamily="18" charset="2"/>
+                        </a:rPr>
+                        <a:t>Efciencia</a:t>
+                      </a:r>
+                      <a:r>
+                        <a:rPr lang="es-AR" sz="1100" b="0" i="0" u="none" strike="noStrike" dirty="0">
+                          <a:solidFill>
+                            <a:srgbClr val="000000"/>
+                          </a:solidFill>
+                          <a:effectLst/>
+                          <a:latin typeface="Calibri" panose="020F0502020204030204" pitchFamily="34" charset="0"/>
+                          <a:ea typeface="Symbol" panose="05050102010706020507" pitchFamily="18" charset="2"/>
+                          <a:cs typeface="Symbol" panose="05050102010706020507" pitchFamily="18" charset="2"/>
+                        </a:rPr>
+                        <a:t>: cantidad de pasos y tiempo.                                                        </a:t>
+                      </a:r>
+                      <a:r>
+                        <a:rPr lang="es-AR" sz="1100" b="1" i="1" u="sng" strike="noStrike" dirty="0">
+                          <a:solidFill>
+                            <a:srgbClr val="000000"/>
+                          </a:solidFill>
+                          <a:effectLst/>
+                          <a:latin typeface="Calibri" panose="020F0502020204030204" pitchFamily="34" charset="0"/>
+                          <a:ea typeface="Symbol" panose="05050102010706020507" pitchFamily="18" charset="2"/>
+                          <a:cs typeface="Symbol" panose="05050102010706020507" pitchFamily="18" charset="2"/>
+                        </a:rPr>
+                        <a:t>Facilidad de comprensión por parte del usuario:</a:t>
+                      </a:r>
+                      <a:r>
+                        <a:rPr lang="es-AR" sz="1100" b="0" i="0" u="none" strike="noStrike" dirty="0">
+                          <a:solidFill>
+                            <a:srgbClr val="000000"/>
+                          </a:solidFill>
+                          <a:effectLst/>
+                          <a:latin typeface="Calibri" panose="020F0502020204030204" pitchFamily="34" charset="0"/>
+                          <a:ea typeface="Symbol" panose="05050102010706020507" pitchFamily="18" charset="2"/>
+                          <a:cs typeface="Symbol" panose="05050102010706020507" pitchFamily="18" charset="2"/>
+                        </a:rPr>
+                        <a:t> de la estructura del producto, su documentación y ayudas.</a:t>
+                      </a:r>
+                      <a:endParaRPr lang="es-AR" sz="1100" b="0" i="0" u="none" strike="noStrike" dirty="0">
+                        <a:solidFill>
+                          <a:srgbClr val="000000"/>
+                        </a:solidFill>
+                        <a:effectLst/>
+                        <a:latin typeface="Calibri" panose="020F0502020204030204" pitchFamily="34" charset="0"/>
+                      </a:endParaRPr>
+                    </a:p>
+                  </a:txBody>
+                  <a:tcPr marL="9525" marR="9525" marT="9525" marB="0" anchor="ctr">
+                    <a:lnL w="6350" cap="flat" cmpd="sng" algn="ctr">
+                      <a:solidFill>
+                        <a:srgbClr val="000000"/>
+                      </a:solidFill>
+                      <a:prstDash val="solid"/>
+                      <a:round/>
+                      <a:headEnd type="none" w="med" len="med"/>
+                      <a:tailEnd type="none" w="med" len="med"/>
+                    </a:lnL>
+                    <a:lnR w="6350" cap="flat" cmpd="sng" algn="ctr">
+                      <a:solidFill>
+                        <a:srgbClr val="000000"/>
+                      </a:solidFill>
+                      <a:prstDash val="solid"/>
+                      <a:round/>
+                      <a:headEnd type="none" w="med" len="med"/>
+                      <a:tailEnd type="none" w="med" len="med"/>
+                    </a:lnR>
+                    <a:lnT w="6350" cap="flat" cmpd="sng" algn="ctr">
+                      <a:solidFill>
+                        <a:srgbClr val="000000"/>
+                      </a:solidFill>
+                      <a:prstDash val="solid"/>
+                      <a:round/>
+                      <a:headEnd type="none" w="med" len="med"/>
+                      <a:tailEnd type="none" w="med" len="med"/>
+                    </a:lnT>
+                    <a:lnB w="6350" cap="flat" cmpd="sng" algn="ctr">
+                      <a:solidFill>
+                        <a:srgbClr val="000000"/>
+                      </a:solidFill>
+                      <a:prstDash val="solid"/>
+                      <a:round/>
+                      <a:headEnd type="none" w="med" len="med"/>
+                      <a:tailEnd type="none" w="med" len="med"/>
+                    </a:lnB>
+                  </a:tcPr>
+                </a:tc>
+              </a:tr>
+            </a:tbl>
+          </a:graphicData>
+        </a:graphic>
+      </p:graphicFrame>
+    </p:spTree>
+    <p:extLst>
+      <p:ext uri="{BB962C8B-B14F-4D97-AF65-F5344CB8AC3E}">
+        <p14:creationId xmlns="" xmlns:p14="http://schemas.microsoft.com/office/powerpoint/2010/main" val="556564343"/>
+      </p:ext>
+    </p:extLst>
+  </p:cSld>
+  <p:clrMapOvr>
+    <a:masterClrMapping/>
+  </p:clrMapOvr>
+  <mc:AlternateContent xmlns:mc="http://schemas.openxmlformats.org/markup-compatibility/2006">
+    <mc:Choice xmlns="" xmlns:p14="http://schemas.microsoft.com/office/powerpoint/2010/main" Requires="p14">
+      <p:transition spd="slow">
+        <p14:reveal/>
+      </p:transition>
+    </mc:Choice>
+    <mc:Fallback>
+      <p:transition spd="slow">
+        <p:fade/>
+      </p:transition>
+    </mc:Fallback>
+  </mc:AlternateContent>
+  <p:timing>
+    <p:tnLst>
+      <p:par>
+        <p:cTn id="1" dur="indefinite" restart="never" nodeType="tmRoot"/>
+      </p:par>
+    </p:tnLst>
+  </p:timing>
+</p:sld>
+</file>
+
+<file path=ppt/slides/slide14.xml><?xml version="1.0" encoding="utf-8"?>
+<p:sld xmlns:a="http://schemas.openxmlformats.org/drawingml/2006/main" xmlns:r="http://schemas.openxmlformats.org/officeDocument/2006/relationships" xmlns:p="http://schemas.openxmlformats.org/presentationml/2006/main">
+  <p:cSld>
+    <p:spTree>
+      <p:nvGrpSpPr>
+        <p:cNvPr id="1" name=""/>
+        <p:cNvGrpSpPr/>
+        <p:nvPr/>
+      </p:nvGrpSpPr>
+      <p:grpSpPr>
+        <a:xfrm>
+          <a:off x="0" y="0"/>
+          <a:ext cx="0" cy="0"/>
+          <a:chOff x="0" y="0"/>
+          <a:chExt cx="0" cy="0"/>
+        </a:xfrm>
+      </p:grpSpPr>
+      <p:sp>
+        <p:nvSpPr>
+          <p:cNvPr id="2" name="1 Marcador de pie de página"/>
+          <p:cNvSpPr>
+            <a:spLocks noGrp="1"/>
+          </p:cNvSpPr>
+          <p:nvPr>
+            <p:ph type="ftr" sz="quarter" idx="11"/>
+          </p:nvPr>
+        </p:nvSpPr>
+        <p:spPr/>
+        <p:txBody>
+          <a:bodyPr/>
+          <a:lstStyle/>
+          <a:p>
+            <a:r>
+              <a:rPr lang="es-AR" smtClean="0"/>
+              <a:t>OYARZO Mariela – QUIROGA Sandra – MÁRQUEZ Emanuel</a:t>
+            </a:r>
+            <a:endParaRPr lang="es-AR" dirty="0"/>
+          </a:p>
+        </p:txBody>
+      </p:sp>
+      <p:sp>
+        <p:nvSpPr>
+          <p:cNvPr id="3" name="2 Marcador de número de diapositiva"/>
+          <p:cNvSpPr>
+            <a:spLocks noGrp="1"/>
+          </p:cNvSpPr>
+          <p:nvPr>
+            <p:ph type="sldNum" sz="quarter" idx="12"/>
+          </p:nvPr>
+        </p:nvSpPr>
+        <p:spPr/>
+        <p:txBody>
+          <a:bodyPr/>
+          <a:lstStyle/>
+          <a:p>
+            <a:fld id="{779E3280-5C43-43EF-BE7D-8C553A58A779}" type="slidenum">
+              <a:rPr lang="es-AR" smtClean="0"/>
+              <a:pPr/>
+              <a:t>14</a:t>
+            </a:fld>
+            <a:endParaRPr lang="es-AR" dirty="0"/>
+          </a:p>
+        </p:txBody>
+      </p:sp>
+      <p:sp>
+        <p:nvSpPr>
+          <p:cNvPr id="4" name="3 Título"/>
+          <p:cNvSpPr>
+            <a:spLocks noGrp="1"/>
+          </p:cNvSpPr>
+          <p:nvPr>
+            <p:ph type="title"/>
+          </p:nvPr>
+        </p:nvSpPr>
+        <p:spPr/>
+        <p:txBody>
+          <a:bodyPr/>
+          <a:lstStyle/>
+          <a:p>
+            <a:endParaRPr lang="es-AR"/>
+          </a:p>
+        </p:txBody>
+      </p:sp>
+      <p:sp>
+        <p:nvSpPr>
+          <p:cNvPr id="5" name="4 Marcador de contenido"/>
+          <p:cNvSpPr>
+            <a:spLocks noGrp="1"/>
+          </p:cNvSpPr>
+          <p:nvPr>
+            <p:ph idx="1"/>
+          </p:nvPr>
+        </p:nvSpPr>
+        <p:spPr/>
+        <p:txBody>
+          <a:bodyPr/>
+          <a:lstStyle/>
+          <a:p>
+            <a:endParaRPr lang="es-AR"/>
+          </a:p>
+        </p:txBody>
+      </p:sp>
+    </p:spTree>
+  </p:cSld>
+  <p:clrMapOvr>
+    <a:masterClrMapping/>
+  </p:clrMapOvr>
+</p:sld>
+</file>
+
+<file path=ppt/slides/slide15.xml><?xml version="1.0" encoding="utf-8"?>
+<p:sld xmlns:a="http://schemas.openxmlformats.org/drawingml/2006/main" xmlns:r="http://schemas.openxmlformats.org/officeDocument/2006/relationships" xmlns:p="http://schemas.openxmlformats.org/presentationml/2006/main">
+  <p:cSld>
+    <p:spTree>
+      <p:nvGrpSpPr>
+        <p:cNvPr id="1" name=""/>
+        <p:cNvGrpSpPr/>
+        <p:nvPr/>
+      </p:nvGrpSpPr>
+      <p:grpSpPr>
+        <a:xfrm>
+          <a:off x="0" y="0"/>
+          <a:ext cx="0" cy="0"/>
+          <a:chOff x="0" y="0"/>
+          <a:chExt cx="0" cy="0"/>
+        </a:xfrm>
+      </p:grpSpPr>
+      <p:sp>
+        <p:nvSpPr>
+          <p:cNvPr id="3" name="Título 2"/>
+          <p:cNvSpPr>
+            <a:spLocks noGrp="1"/>
+          </p:cNvSpPr>
+          <p:nvPr>
+            <p:ph type="title"/>
+          </p:nvPr>
+        </p:nvSpPr>
+        <p:spPr/>
+        <p:txBody>
+          <a:bodyPr/>
+          <a:lstStyle/>
+          <a:p>
+            <a:r>
+              <a:rPr lang="es-AR" dirty="0" smtClean="0"/>
+              <a:t>Plan de Prueba</a:t>
+            </a:r>
+            <a:endParaRPr lang="es-AR" dirty="0"/>
+          </a:p>
+        </p:txBody>
+      </p:sp>
+      <p:sp>
+        <p:nvSpPr>
+          <p:cNvPr id="4" name="Marcador de pie de página 3"/>
+          <p:cNvSpPr>
+            <a:spLocks noGrp="1"/>
+          </p:cNvSpPr>
+          <p:nvPr>
+            <p:ph type="ftr" sz="quarter" idx="11"/>
+          </p:nvPr>
+        </p:nvSpPr>
+        <p:spPr/>
+        <p:txBody>
+          <a:bodyPr/>
+          <a:lstStyle/>
+          <a:p>
+            <a:r>
+              <a:rPr lang="es-AR" smtClean="0"/>
+              <a:t>OYARZO Mariela – QUIROGA Sandra – MÁRQUEZ EMANUEL</a:t>
+            </a:r>
+            <a:endParaRPr lang="es-AR" dirty="0"/>
+          </a:p>
+        </p:txBody>
+      </p:sp>
+      <p:sp>
+        <p:nvSpPr>
+          <p:cNvPr id="5" name="Marcador de número de diapositiva 4"/>
+          <p:cNvSpPr>
+            <a:spLocks noGrp="1"/>
+          </p:cNvSpPr>
+          <p:nvPr>
+            <p:ph type="sldNum" sz="quarter" idx="12"/>
+          </p:nvPr>
+        </p:nvSpPr>
+        <p:spPr/>
+        <p:txBody>
+          <a:bodyPr/>
+          <a:lstStyle/>
+          <a:p>
+            <a:fld id="{779E3280-5C43-43EF-BE7D-8C553A58A779}" type="slidenum">
+              <a:rPr lang="es-AR" smtClean="0"/>
+              <a:pPr/>
+              <a:t>15</a:t>
+            </a:fld>
+            <a:endParaRPr lang="es-AR" dirty="0"/>
+          </a:p>
+        </p:txBody>
+      </p:sp>
+      <p:pic>
+        <p:nvPicPr>
+          <p:cNvPr id="6" name="Imagen 5"/>
+          <p:cNvPicPr>
+            <a:picLocks noChangeAspect="1"/>
+          </p:cNvPicPr>
+          <p:nvPr/>
+        </p:nvPicPr>
+        <p:blipFill rotWithShape="1">
+          <a:blip r:embed="rId2"/>
+          <a:srcRect l="24291" t="13316" r="36754" b="34718"/>
+          <a:stretch/>
+        </p:blipFill>
+        <p:spPr>
+          <a:xfrm>
+            <a:off x="6155140" y="1907068"/>
+            <a:ext cx="5349926" cy="4012444"/>
+          </a:xfrm>
+          <a:prstGeom prst="rect">
+            <a:avLst/>
+          </a:prstGeom>
+        </p:spPr>
+      </p:pic>
+      <p:pic>
+        <p:nvPicPr>
+          <p:cNvPr id="7" name="Imagen 6"/>
+          <p:cNvPicPr>
+            <a:picLocks noChangeAspect="1"/>
+          </p:cNvPicPr>
+          <p:nvPr/>
+        </p:nvPicPr>
+        <p:blipFill rotWithShape="1">
+          <a:blip r:embed="rId3"/>
+          <a:srcRect l="27202" t="24267" r="28357" b="26157"/>
+          <a:stretch/>
+        </p:blipFill>
+        <p:spPr>
+          <a:xfrm>
+            <a:off x="286600" y="1907068"/>
+            <a:ext cx="5868540" cy="3680770"/>
+          </a:xfrm>
+          <a:prstGeom prst="rect">
+            <a:avLst/>
+          </a:prstGeom>
+        </p:spPr>
+      </p:pic>
+    </p:spTree>
+    <p:extLst>
+      <p:ext uri="{BB962C8B-B14F-4D97-AF65-F5344CB8AC3E}">
+        <p14:creationId xmlns="" xmlns:p14="http://schemas.microsoft.com/office/powerpoint/2010/main" val="564010918"/>
+      </p:ext>
+    </p:extLst>
+  </p:cSld>
+  <p:clrMapOvr>
+    <a:masterClrMapping/>
+  </p:clrMapOvr>
+  <mc:AlternateContent xmlns:mc="http://schemas.openxmlformats.org/markup-compatibility/2006">
+    <mc:Choice xmlns="" xmlns:p14="http://schemas.microsoft.com/office/powerpoint/2010/main" Requires="p14">
+      <p:transition spd="slow">
+        <p14:reveal/>
+      </p:transition>
+    </mc:Choice>
+    <mc:Fallback>
+      <p:transition spd="slow">
+        <p:fade/>
+      </p:transition>
+    </mc:Fallback>
+  </mc:AlternateContent>
+  <p:timing>
+    <p:tnLst>
+      <p:par>
+        <p:cTn id="1" dur="indefinite" restart="never" nodeType="tmRoot"/>
+      </p:par>
+    </p:tnLst>
+  </p:timing>
+</p:sld>
+</file>
+
+<file path=ppt/slides/slide16.xml><?xml version="1.0" encoding="utf-8"?>
+<p:sld xmlns:a="http://schemas.openxmlformats.org/drawingml/2006/main" xmlns:r="http://schemas.openxmlformats.org/officeDocument/2006/relationships" xmlns:p="http://schemas.openxmlformats.org/presentationml/2006/main">
+  <p:cSld>
+    <p:spTree>
+      <p:nvGrpSpPr>
+        <p:cNvPr id="1" name=""/>
+        <p:cNvGrpSpPr/>
+        <p:nvPr/>
+      </p:nvGrpSpPr>
+      <p:grpSpPr>
+        <a:xfrm>
+          <a:off x="0" y="0"/>
+          <a:ext cx="0" cy="0"/>
+          <a:chOff x="0" y="0"/>
+          <a:chExt cx="0" cy="0"/>
+        </a:xfrm>
+      </p:grpSpPr>
+      <p:sp>
+        <p:nvSpPr>
+          <p:cNvPr id="2" name="1 Marcador de pie de página"/>
+          <p:cNvSpPr>
+            <a:spLocks noGrp="1"/>
+          </p:cNvSpPr>
+          <p:nvPr>
+            <p:ph type="ftr" sz="quarter" idx="11"/>
+          </p:nvPr>
+        </p:nvSpPr>
+        <p:spPr/>
+        <p:txBody>
+          <a:bodyPr/>
+          <a:lstStyle/>
+          <a:p>
+            <a:r>
+              <a:rPr lang="es-AR" smtClean="0"/>
+              <a:t>OYARZO Mariela – QUIROGA Sandra – MÁRQUEZ Emanuel</a:t>
+            </a:r>
+            <a:endParaRPr lang="es-AR" dirty="0"/>
+          </a:p>
+        </p:txBody>
+      </p:sp>
+      <p:sp>
+        <p:nvSpPr>
+          <p:cNvPr id="3" name="2 Marcador de número de diapositiva"/>
+          <p:cNvSpPr>
+            <a:spLocks noGrp="1"/>
+          </p:cNvSpPr>
+          <p:nvPr>
+            <p:ph type="sldNum" sz="quarter" idx="12"/>
+          </p:nvPr>
+        </p:nvSpPr>
+        <p:spPr/>
+        <p:txBody>
+          <a:bodyPr/>
+          <a:lstStyle/>
+          <a:p>
+            <a:fld id="{779E3280-5C43-43EF-BE7D-8C553A58A779}" type="slidenum">
+              <a:rPr lang="es-AR" smtClean="0"/>
+              <a:pPr/>
+              <a:t>16</a:t>
+            </a:fld>
+            <a:endParaRPr lang="es-AR" dirty="0"/>
+          </a:p>
+        </p:txBody>
+      </p:sp>
+      <p:sp>
+        <p:nvSpPr>
+          <p:cNvPr id="4" name="3 Título"/>
+          <p:cNvSpPr>
+            <a:spLocks noGrp="1"/>
+          </p:cNvSpPr>
+          <p:nvPr>
+            <p:ph type="title"/>
+          </p:nvPr>
+        </p:nvSpPr>
+        <p:spPr/>
+        <p:txBody>
+          <a:bodyPr/>
+          <a:lstStyle/>
+          <a:p>
+            <a:r>
+              <a:rPr lang="es-AR" dirty="0" smtClean="0"/>
+              <a:t>Pruebas</a:t>
+            </a:r>
+            <a:endParaRPr lang="es-AR" dirty="0"/>
+          </a:p>
+        </p:txBody>
+      </p:sp>
+      <p:pic>
+        <p:nvPicPr>
+          <p:cNvPr id="1026" name="Picture 2"/>
+          <p:cNvPicPr>
+            <a:picLocks noGrp="1" noChangeAspect="1" noChangeArrowheads="1"/>
+          </p:cNvPicPr>
+          <p:nvPr>
+            <p:ph idx="1"/>
+          </p:nvPr>
+        </p:nvPicPr>
+        <p:blipFill>
+          <a:blip r:embed="rId2"/>
+          <a:srcRect/>
+          <a:stretch>
+            <a:fillRect/>
+          </a:stretch>
+        </p:blipFill>
+        <p:spPr bwMode="auto">
+          <a:xfrm>
+            <a:off x="3151981" y="1210469"/>
+            <a:ext cx="5848350" cy="4714875"/>
+          </a:xfrm>
+          <a:prstGeom prst="rect">
+            <a:avLst/>
+          </a:prstGeom>
+          <a:noFill/>
+          <a:ln w="9525">
+            <a:noFill/>
+            <a:miter lim="800000"/>
+            <a:headEnd/>
+            <a:tailEnd/>
+          </a:ln>
+          <a:effectLst/>
+        </p:spPr>
+      </p:pic>
+    </p:spTree>
+  </p:cSld>
+  <p:clrMapOvr>
+    <a:masterClrMapping/>
+  </p:clrMapOvr>
+</p:sld>
+</file>
+
+<file path=ppt/slides/slide17.xml><?xml version="1.0" encoding="utf-8"?>
+<p:sld xmlns:a="http://schemas.openxmlformats.org/drawingml/2006/main" xmlns:r="http://schemas.openxmlformats.org/officeDocument/2006/relationships" xmlns:p="http://schemas.openxmlformats.org/presentationml/2006/main">
+  <p:cSld>
+    <p:spTree>
+      <p:nvGrpSpPr>
+        <p:cNvPr id="1" name=""/>
+        <p:cNvGrpSpPr/>
+        <p:nvPr/>
+      </p:nvGrpSpPr>
+      <p:grpSpPr>
+        <a:xfrm>
+          <a:off x="0" y="0"/>
+          <a:ext cx="0" cy="0"/>
+          <a:chOff x="0" y="0"/>
+          <a:chExt cx="0" cy="0"/>
+        </a:xfrm>
+      </p:grpSpPr>
+      <p:sp>
+        <p:nvSpPr>
+          <p:cNvPr id="3" name="Título 2"/>
+          <p:cNvSpPr>
+            <a:spLocks noGrp="1"/>
+          </p:cNvSpPr>
+          <p:nvPr>
+            <p:ph type="title"/>
+          </p:nvPr>
+        </p:nvSpPr>
+        <p:spPr/>
+        <p:txBody>
+          <a:bodyPr/>
+          <a:lstStyle/>
+          <a:p>
+            <a:r>
+              <a:rPr lang="es-AR" dirty="0" smtClean="0"/>
+              <a:t>Fin de presentación</a:t>
+            </a:r>
+            <a:endParaRPr lang="es-AR" dirty="0"/>
+          </a:p>
+        </p:txBody>
+      </p:sp>
+      <p:sp>
+        <p:nvSpPr>
+          <p:cNvPr id="4" name="Marcador de pie de página 3"/>
+          <p:cNvSpPr>
+            <a:spLocks noGrp="1"/>
+          </p:cNvSpPr>
+          <p:nvPr>
+            <p:ph type="ftr" sz="quarter" idx="11"/>
+          </p:nvPr>
+        </p:nvSpPr>
+        <p:spPr/>
+        <p:txBody>
+          <a:bodyPr/>
+          <a:lstStyle/>
+          <a:p>
+            <a:r>
+              <a:rPr lang="es-AR" smtClean="0"/>
+              <a:t>OYARZO Mariela – QUIROGA Sandra – MÁRQUEZ EMANUEL</a:t>
+            </a:r>
+            <a:endParaRPr lang="es-AR" dirty="0"/>
+          </a:p>
+        </p:txBody>
+      </p:sp>
+      <p:sp>
+        <p:nvSpPr>
+          <p:cNvPr id="5" name="Marcador de número de diapositiva 4"/>
+          <p:cNvSpPr>
+            <a:spLocks noGrp="1"/>
+          </p:cNvSpPr>
+          <p:nvPr>
+            <p:ph type="sldNum" sz="quarter" idx="12"/>
+          </p:nvPr>
+        </p:nvSpPr>
+        <p:spPr/>
+        <p:txBody>
+          <a:bodyPr/>
+          <a:lstStyle/>
+          <a:p>
+            <a:fld id="{779E3280-5C43-43EF-BE7D-8C553A58A779}" type="slidenum">
+              <a:rPr lang="es-AR" smtClean="0"/>
+              <a:pPr/>
+              <a:t>17</a:t>
             </a:fld>
             <a:endParaRPr lang="es-AR" dirty="0"/>
           </a:p>
@@ -8117,6 +10350,51 @@
       </p:grpSpPr>
       <p:sp>
         <p:nvSpPr>
+          <p:cNvPr id="8" name="7 Marcador de contenido"/>
+          <p:cNvSpPr>
+            <a:spLocks noGrp="1"/>
+          </p:cNvSpPr>
+          <p:nvPr>
+            <p:ph idx="1"/>
+          </p:nvPr>
+        </p:nvSpPr>
+        <p:spPr/>
+        <p:txBody>
+          <a:bodyPr/>
+          <a:lstStyle/>
+          <a:p>
+            <a:pPr>
+              <a:buNone/>
+            </a:pPr>
+            <a:endParaRPr lang="es-AR" dirty="0"/>
+          </a:p>
+        </p:txBody>
+      </p:sp>
+      <p:sp>
+        <p:nvSpPr>
+          <p:cNvPr id="4" name="Título 3"/>
+          <p:cNvSpPr>
+            <a:spLocks noGrp="1"/>
+          </p:cNvSpPr>
+          <p:nvPr>
+            <p:ph type="title"/>
+          </p:nvPr>
+        </p:nvSpPr>
+        <p:spPr/>
+        <p:txBody>
+          <a:bodyPr/>
+          <a:lstStyle/>
+          <a:p>
+            <a:r>
+              <a:rPr lang="es-AR" dirty="0" smtClean="0"/>
+              <a:t>Grupo de desarrollo</a:t>
+            </a:r>
+            <a:endParaRPr lang="es-AR" dirty="0"/>
+          </a:p>
+        </p:txBody>
+      </p:sp>
+      <p:sp>
+        <p:nvSpPr>
           <p:cNvPr id="2" name="Marcador de pie de página 1"/>
           <p:cNvSpPr>
             <a:spLocks noGrp="1"/>
@@ -8162,32 +10440,9 @@
           </a:p>
         </p:txBody>
       </p:sp>
-      <p:sp>
-        <p:nvSpPr>
-          <p:cNvPr id="4" name="Título 3"/>
-          <p:cNvSpPr>
-            <a:spLocks noGrp="1"/>
-          </p:cNvSpPr>
-          <p:nvPr>
-            <p:ph type="title"/>
-          </p:nvPr>
-        </p:nvSpPr>
-        <p:spPr/>
-        <p:txBody>
-          <a:bodyPr/>
-          <a:lstStyle/>
-          <a:p>
-            <a:r>
-              <a:rPr lang="es-AR" dirty="0" smtClean="0"/>
-              <a:t>Grupo de desarrollo</a:t>
-            </a:r>
-            <a:endParaRPr lang="es-AR" dirty="0"/>
-          </a:p>
-        </p:txBody>
-      </p:sp>
       <p:pic>
         <p:nvPicPr>
-          <p:cNvPr id="6" name="Imagen 5" descr="https://lh3.googleusercontent.com/Rmle99W3cU66efmkDsv83hvSh7BwrymkoJ27dONgrrBistd2QIFjO69r8fBKDNMPUZownTJgwxME5UrGHLGXx6q8qjS00YML-eqcyR5fq7vAyUvY97jwjcq2ofH4dw"/>
+          <p:cNvPr id="9" name="Imagen 5" descr="https://lh3.googleusercontent.com/Rmle99W3cU66efmkDsv83hvSh7BwrymkoJ27dONgrrBistd2QIFjO69r8fBKDNMPUZownTJgwxME5UrGHLGXx6q8qjS00YML-eqcyR5fq7vAyUvY97jwjcq2ofH4dw"/>
           <p:cNvPicPr/>
           <p:nvPr/>
         </p:nvPicPr>
@@ -8206,7 +10461,7 @@
         </p:blipFill>
         <p:spPr bwMode="auto">
           <a:xfrm>
-            <a:off x="929630" y="1643545"/>
+            <a:off x="1056239" y="1868628"/>
             <a:ext cx="4163951" cy="3460717"/>
           </a:xfrm>
           <a:prstGeom prst="rect">
@@ -8220,7 +10475,7 @@
       </p:pic>
       <p:pic>
         <p:nvPicPr>
-          <p:cNvPr id="7" name="Imagen 6" descr="https://lh5.googleusercontent.com/QiqkXeYLxLpCYcCW2LAMPsNpTa4YMrJjqhCnMsZsSQPd0gRrcIYyE0VG-tcw1diGDnNK1a1YOqRrpy7t0vjPIoCWljjPH6nI1ebgsAbxX5zrihpI5-g34RlVk5wNig"/>
+          <p:cNvPr id="10" name="Imagen 6" descr="https://lh5.googleusercontent.com/QiqkXeYLxLpCYcCW2LAMPsNpTa4YMrJjqhCnMsZsSQPd0gRrcIYyE0VG-tcw1diGDnNK1a1YOqRrpy7t0vjPIoCWljjPH6nI1ebgsAbxX5zrihpI5-g34RlVk5wNig"/>
           <p:cNvPicPr/>
           <p:nvPr/>
         </p:nvPicPr>
@@ -8290,6 +10545,29 @@
       </p:grpSpPr>
       <p:sp>
         <p:nvSpPr>
+          <p:cNvPr id="4" name="Título 3"/>
+          <p:cNvSpPr>
+            <a:spLocks noGrp="1"/>
+          </p:cNvSpPr>
+          <p:nvPr>
+            <p:ph type="title"/>
+          </p:nvPr>
+        </p:nvSpPr>
+        <p:spPr/>
+        <p:txBody>
+          <a:bodyPr/>
+          <a:lstStyle/>
+          <a:p>
+            <a:r>
+              <a:rPr lang="es-AR" dirty="0" smtClean="0"/>
+              <a:t>Comunicación</a:t>
+            </a:r>
+            <a:endParaRPr lang="es-AR" dirty="0"/>
+          </a:p>
+        </p:txBody>
+      </p:sp>
+      <p:sp>
+        <p:nvSpPr>
           <p:cNvPr id="2" name="Marcador de pie de página 1"/>
           <p:cNvSpPr>
             <a:spLocks noGrp="1"/>
@@ -8335,34 +10613,15 @@
           </a:p>
         </p:txBody>
       </p:sp>
-      <p:sp>
-        <p:nvSpPr>
-          <p:cNvPr id="4" name="Título 3"/>
-          <p:cNvSpPr>
-            <a:spLocks noGrp="1"/>
-          </p:cNvSpPr>
-          <p:nvPr>
-            <p:ph type="title"/>
-          </p:nvPr>
-        </p:nvSpPr>
-        <p:spPr/>
-        <p:txBody>
-          <a:bodyPr/>
-          <a:lstStyle/>
-          <a:p>
-            <a:r>
-              <a:rPr lang="es-AR" dirty="0" smtClean="0"/>
-              <a:t>Comunicación</a:t>
-            </a:r>
-            <a:endParaRPr lang="es-AR" dirty="0"/>
-          </a:p>
-        </p:txBody>
-      </p:sp>
       <p:pic>
         <p:nvPicPr>
-          <p:cNvPr id="6" name="Imagen 5"/>
-          <p:cNvPicPr/>
-          <p:nvPr/>
+          <p:cNvPr id="8" name="Imagen 5"/>
+          <p:cNvPicPr>
+            <a:picLocks noGrp="1"/>
+          </p:cNvPicPr>
+          <p:nvPr>
+            <p:ph idx="1"/>
+          </p:nvPr>
         </p:nvPicPr>
         <p:blipFill>
           <a:blip r:embed="rId2" cstate="print">
@@ -8378,8 +10637,8 @@
         </p:blipFill>
         <p:spPr>
           <a:xfrm>
-            <a:off x="610725" y="805218"/>
-            <a:ext cx="10970550" cy="5104264"/>
+            <a:off x="1266092" y="1871003"/>
+            <a:ext cx="9819250" cy="3615397"/>
           </a:xfrm>
           <a:prstGeom prst="rect">
             <a:avLst/>
@@ -8425,6 +10684,48 @@
       </p:grpSpPr>
       <p:sp>
         <p:nvSpPr>
+          <p:cNvPr id="6" name="5 Marcador de contenido"/>
+          <p:cNvSpPr>
+            <a:spLocks noGrp="1"/>
+          </p:cNvSpPr>
+          <p:nvPr>
+            <p:ph idx="1"/>
+          </p:nvPr>
+        </p:nvSpPr>
+        <p:spPr/>
+        <p:txBody>
+          <a:bodyPr/>
+          <a:lstStyle/>
+          <a:p>
+            <a:endParaRPr lang="es-AR" dirty="0"/>
+          </a:p>
+        </p:txBody>
+      </p:sp>
+      <p:sp>
+        <p:nvSpPr>
+          <p:cNvPr id="4" name="Título 3"/>
+          <p:cNvSpPr>
+            <a:spLocks noGrp="1"/>
+          </p:cNvSpPr>
+          <p:nvPr>
+            <p:ph type="title"/>
+          </p:nvPr>
+        </p:nvSpPr>
+        <p:spPr/>
+        <p:txBody>
+          <a:bodyPr/>
+          <a:lstStyle/>
+          <a:p>
+            <a:r>
+              <a:rPr lang="es-AR" dirty="0" smtClean="0"/>
+              <a:t>Proceso actual</a:t>
+            </a:r>
+            <a:endParaRPr lang="es-AR" dirty="0"/>
+          </a:p>
+        </p:txBody>
+      </p:sp>
+      <p:sp>
+        <p:nvSpPr>
           <p:cNvPr id="2" name="Marcador de pie de página 1"/>
           <p:cNvSpPr>
             <a:spLocks noGrp="1"/>
@@ -8466,29 +10767,6 @@
               <a:pPr/>
               <a:t>5</a:t>
             </a:fld>
-            <a:endParaRPr lang="es-AR" dirty="0"/>
-          </a:p>
-        </p:txBody>
-      </p:sp>
-      <p:sp>
-        <p:nvSpPr>
-          <p:cNvPr id="4" name="Título 3"/>
-          <p:cNvSpPr>
-            <a:spLocks noGrp="1"/>
-          </p:cNvSpPr>
-          <p:nvPr>
-            <p:ph type="title"/>
-          </p:nvPr>
-        </p:nvSpPr>
-        <p:spPr/>
-        <p:txBody>
-          <a:bodyPr/>
-          <a:lstStyle/>
-          <a:p>
-            <a:r>
-              <a:rPr lang="es-AR" dirty="0" smtClean="0"/>
-              <a:t>Proceso actual</a:t>
-            </a:r>
             <a:endParaRPr lang="es-AR" dirty="0"/>
           </a:p>
         </p:txBody>
@@ -8513,7 +10791,7 @@
         </p:blipFill>
         <p:spPr>
           <a:xfrm>
-            <a:off x="497700" y="932638"/>
+            <a:off x="551543" y="1484182"/>
             <a:ext cx="11208928" cy="4867659"/>
           </a:xfrm>
           <a:prstGeom prst="rect">
@@ -8898,41 +11176,25 @@
           </a:p>
         </p:txBody>
       </p:sp>
-      <p:pic>
-        <p:nvPicPr>
-          <p:cNvPr id="2051" name="Picture 3"/>
-          <p:cNvPicPr>
-            <a:picLocks noGrp="1" noChangeAspect="1" noChangeArrowheads="1"/>
-          </p:cNvPicPr>
+      <p:sp>
+        <p:nvSpPr>
+          <p:cNvPr id="6" name="5 Marcador de contenido"/>
+          <p:cNvSpPr>
+            <a:spLocks noGrp="1"/>
+          </p:cNvSpPr>
           <p:nvPr>
             <p:ph idx="1"/>
           </p:nvPr>
-        </p:nvPicPr>
-        <p:blipFill>
-          <a:blip r:embed="rId2"/>
-          <a:srcRect/>
-          <a:stretch>
-            <a:fillRect/>
-          </a:stretch>
-        </p:blipFill>
-        <p:spPr bwMode="auto">
-          <a:xfrm>
-            <a:off x="3171031" y="3234531"/>
-            <a:ext cx="5810250" cy="666750"/>
-          </a:xfrm>
-          <a:prstGeom prst="rect">
-            <a:avLst/>
-          </a:prstGeom>
-          <a:noFill/>
-          <a:ln w="9525">
-            <a:noFill/>
-            <a:miter lim="800000"/>
-            <a:headEnd/>
-            <a:tailEnd/>
-          </a:ln>
-          <a:effectLst/>
-        </p:spPr>
-      </p:pic>
+        </p:nvSpPr>
+        <p:spPr/>
+        <p:txBody>
+          <a:bodyPr/>
+          <a:lstStyle/>
+          <a:p>
+            <a:endParaRPr lang="es-AR"/>
+          </a:p>
+        </p:txBody>
+      </p:sp>
     </p:spTree>
   </p:cSld>
   <p:clrMapOvr>

--- a/08. Presentaciones/Presentación 11.pptx
+++ b/08. Presentaciones/Presentación 11.pptx
@@ -5,10 +5,10 @@
     <p:sldMasterId id="2147483696" r:id="rId1"/>
   </p:sldMasterIdLst>
   <p:notesMasterIdLst>
-    <p:notesMasterId r:id="rId19"/>
+    <p:notesMasterId r:id="rId18"/>
   </p:notesMasterIdLst>
   <p:handoutMasterIdLst>
-    <p:handoutMasterId r:id="rId20"/>
+    <p:handoutMasterId r:id="rId19"/>
   </p:handoutMasterIdLst>
   <p:sldIdLst>
     <p:sldId id="277" r:id="rId2"/>
@@ -24,10 +24,9 @@
     <p:sldId id="372" r:id="rId12"/>
     <p:sldId id="373" r:id="rId13"/>
     <p:sldId id="376" r:id="rId14"/>
-    <p:sldId id="377" r:id="rId15"/>
-    <p:sldId id="378" r:id="rId16"/>
-    <p:sldId id="374" r:id="rId17"/>
-    <p:sldId id="302" r:id="rId18"/>
+    <p:sldId id="378" r:id="rId15"/>
+    <p:sldId id="374" r:id="rId16"/>
+    <p:sldId id="302" r:id="rId17"/>
   </p:sldIdLst>
   <p:sldSz cx="12192000" cy="6858000"/>
   <p:notesSz cx="6858000" cy="9144000"/>
@@ -128,7 +127,7 @@
   </p:defaultTextStyle>
   <p:extLst>
     <p:ext uri="{EFAFB233-063F-42B5-8137-9DF3F51BA10A}">
-      <p15:sldGuideLst xmlns:p15="http://schemas.microsoft.com/office/powerpoint/2012/main" xmlns="">
+      <p15:sldGuideLst xmlns="" xmlns:p15="http://schemas.microsoft.com/office/powerpoint/2012/main">
         <p15:guide id="1" orient="horz" pos="2160">
           <p15:clr>
             <a:srgbClr val="A4A3A4"/>
@@ -143,370 +142,6 @@
     </p:ext>
   </p:extLst>
 </p:presentation>
-</file>
-
-<file path=ppt/charts/chart1.xml><?xml version="1.0" encoding="utf-8"?>
-<c:chartSpace xmlns:c="http://schemas.openxmlformats.org/drawingml/2006/chart" xmlns:a="http://schemas.openxmlformats.org/drawingml/2006/main" xmlns:r="http://schemas.openxmlformats.org/officeDocument/2006/relationships">
-  <c:date1904 val="1"/>
-  <c:lang val="es-AR"/>
-  <c:style val="26"/>
-  <c:chart>
-    <c:title>
-      <c:tx>
-        <c:rich>
-          <a:bodyPr/>
-          <a:lstStyle/>
-          <a:p>
-            <a:pPr>
-              <a:defRPr lang="es-ES"/>
-            </a:pPr>
-            <a:r>
-              <a:rPr lang="en-US" dirty="0" err="1" smtClean="0"/>
-              <a:t>Fase</a:t>
-            </a:r>
-            <a:r>
-              <a:rPr lang="en-US" dirty="0" smtClean="0"/>
-              <a:t> de </a:t>
-            </a:r>
-            <a:r>
-              <a:rPr lang="en-US" dirty="0" err="1" smtClean="0"/>
-              <a:t>Inicio</a:t>
-            </a:r>
-            <a:r>
-              <a:rPr lang="en-US" dirty="0" smtClean="0"/>
-              <a:t> </a:t>
-            </a:r>
-            <a:r>
-              <a:rPr lang="en-US" dirty="0" err="1" smtClean="0"/>
-              <a:t>Iteración</a:t>
-            </a:r>
-            <a:r>
-              <a:rPr lang="en-US" dirty="0" smtClean="0"/>
-              <a:t> 2</a:t>
-            </a:r>
-            <a:endParaRPr lang="en-US" dirty="0"/>
-          </a:p>
-        </c:rich>
-      </c:tx>
-      <c:layout/>
-    </c:title>
-    <c:plotArea>
-      <c:layout/>
-      <c:radarChart>
-        <c:radarStyle val="filled"/>
-        <c:ser>
-          <c:idx val="0"/>
-          <c:order val="0"/>
-          <c:tx>
-            <c:strRef>
-              <c:f>Resumen!$H$1</c:f>
-              <c:strCache>
-                <c:ptCount val="1"/>
-                <c:pt idx="0">
-                  <c:v>Porcentaje</c:v>
-                </c:pt>
-              </c:strCache>
-            </c:strRef>
-          </c:tx>
-          <c:cat>
-            <c:strRef>
-              <c:f>Resumen!$A$2:$A$11</c:f>
-              <c:strCache>
-                <c:ptCount val="10"/>
-                <c:pt idx="0">
-                  <c:v>Compromiso del Cliente</c:v>
-                </c:pt>
-                <c:pt idx="1">
-                  <c:v>Definición del Cliente</c:v>
-                </c:pt>
-                <c:pt idx="2">
-                  <c:v>Cronograma</c:v>
-                </c:pt>
-                <c:pt idx="3">
-                  <c:v>Experiencia y Capacidad</c:v>
-                </c:pt>
-                <c:pt idx="4">
-                  <c:v>Duración y Tamaño</c:v>
-                </c:pt>
-                <c:pt idx="5">
-                  <c:v>Legal y Contractual</c:v>
-                </c:pt>
-                <c:pt idx="6">
-                  <c:v>Tecnología</c:v>
-                </c:pt>
-                <c:pt idx="7">
-                  <c:v>Complejidad</c:v>
-                </c:pt>
-                <c:pt idx="8">
-                  <c:v>Aspectos Financieros</c:v>
-                </c:pt>
-                <c:pt idx="9">
-                  <c:v>Subcontratistas</c:v>
-                </c:pt>
-              </c:strCache>
-            </c:strRef>
-          </c:cat>
-          <c:val>
-            <c:numRef>
-              <c:f>Resumen!$H$2:$H$11</c:f>
-              <c:numCache>
-                <c:formatCode>0.00%</c:formatCode>
-                <c:ptCount val="10"/>
-                <c:pt idx="0">
-                  <c:v>1.0162601626016265E-2</c:v>
-                </c:pt>
-                <c:pt idx="1">
-                  <c:v>3.0487804878048797E-2</c:v>
-                </c:pt>
-                <c:pt idx="2">
-                  <c:v>1.7738359201773846E-2</c:v>
-                </c:pt>
-                <c:pt idx="3">
-                  <c:v>5.5749128919860634E-2</c:v>
-                </c:pt>
-                <c:pt idx="4">
-                  <c:v>2.4390243902439029E-2</c:v>
-                </c:pt>
-                <c:pt idx="5">
-                  <c:v>0</c:v>
-                </c:pt>
-                <c:pt idx="6">
-                  <c:v>2.032520325203252E-2</c:v>
-                </c:pt>
-                <c:pt idx="7">
-                  <c:v>1.6260162601626025E-2</c:v>
-                </c:pt>
-                <c:pt idx="8">
-                  <c:v>0</c:v>
-                </c:pt>
-                <c:pt idx="9">
-                  <c:v>0</c:v>
-                </c:pt>
-              </c:numCache>
-            </c:numRef>
-          </c:val>
-        </c:ser>
-        <c:axId val="95863168"/>
-        <c:axId val="94638080"/>
-      </c:radarChart>
-      <c:catAx>
-        <c:axId val="95863168"/>
-        <c:scaling>
-          <c:orientation val="minMax"/>
-        </c:scaling>
-        <c:axPos val="b"/>
-        <c:majorGridlines/>
-        <c:numFmt formatCode="General" sourceLinked="0"/>
-        <c:tickLblPos val="nextTo"/>
-        <c:txPr>
-          <a:bodyPr/>
-          <a:lstStyle/>
-          <a:p>
-            <a:pPr>
-              <a:defRPr lang="es-ES"/>
-            </a:pPr>
-            <a:endParaRPr lang="es-AR"/>
-          </a:p>
-        </c:txPr>
-        <c:crossAx val="94638080"/>
-        <c:crosses val="autoZero"/>
-        <c:auto val="1"/>
-        <c:lblAlgn val="ctr"/>
-        <c:lblOffset val="100"/>
-      </c:catAx>
-      <c:valAx>
-        <c:axId val="94638080"/>
-        <c:scaling>
-          <c:orientation val="minMax"/>
-        </c:scaling>
-        <c:axPos val="l"/>
-        <c:majorGridlines/>
-        <c:numFmt formatCode="0.00%" sourceLinked="1"/>
-        <c:majorTickMark val="cross"/>
-        <c:tickLblPos val="none"/>
-        <c:txPr>
-          <a:bodyPr/>
-          <a:lstStyle/>
-          <a:p>
-            <a:pPr>
-              <a:defRPr lang="es-ES"/>
-            </a:pPr>
-            <a:endParaRPr lang="es-AR"/>
-          </a:p>
-        </c:txPr>
-        <c:crossAx val="95863168"/>
-        <c:crosses val="autoZero"/>
-        <c:crossBetween val="between"/>
-      </c:valAx>
-    </c:plotArea>
-    <c:plotVisOnly val="1"/>
-    <c:dispBlanksAs val="gap"/>
-  </c:chart>
-  <c:externalData r:id="rId1"/>
-</c:chartSpace>
-</file>
-
-<file path=ppt/charts/chart2.xml><?xml version="1.0" encoding="utf-8"?>
-<c:chartSpace xmlns:c="http://schemas.openxmlformats.org/drawingml/2006/chart" xmlns:a="http://schemas.openxmlformats.org/drawingml/2006/main" xmlns:r="http://schemas.openxmlformats.org/officeDocument/2006/relationships">
-  <c:date1904 val="1"/>
-  <c:lang val="es-AR"/>
-  <c:style val="26"/>
-  <c:chart>
-    <c:autoTitleDeleted val="1"/>
-    <c:plotArea>
-      <c:layout/>
-      <c:radarChart>
-        <c:radarStyle val="filled"/>
-        <c:ser>
-          <c:idx val="0"/>
-          <c:order val="0"/>
-          <c:tx>
-            <c:strRef>
-              <c:f>Resumen!$H$1</c:f>
-              <c:strCache>
-                <c:ptCount val="1"/>
-                <c:pt idx="0">
-                  <c:v>Porcentaje</c:v>
-                </c:pt>
-              </c:strCache>
-            </c:strRef>
-          </c:tx>
-          <c:cat>
-            <c:strRef>
-              <c:f>Resumen!$A$2:$A$11</c:f>
-              <c:strCache>
-                <c:ptCount val="10"/>
-                <c:pt idx="0">
-                  <c:v>Compromiso del Cliente</c:v>
-                </c:pt>
-                <c:pt idx="1">
-                  <c:v>Definición del Cliente</c:v>
-                </c:pt>
-                <c:pt idx="2">
-                  <c:v>Cronograma</c:v>
-                </c:pt>
-                <c:pt idx="3">
-                  <c:v>Experiencia y Capacidad</c:v>
-                </c:pt>
-                <c:pt idx="4">
-                  <c:v>Duración y Tamaño</c:v>
-                </c:pt>
-                <c:pt idx="5">
-                  <c:v>Legal y Contractual</c:v>
-                </c:pt>
-                <c:pt idx="6">
-                  <c:v>Tecnología</c:v>
-                </c:pt>
-                <c:pt idx="7">
-                  <c:v>Complejidad</c:v>
-                </c:pt>
-                <c:pt idx="8">
-                  <c:v>Aspectos Financieros</c:v>
-                </c:pt>
-                <c:pt idx="9">
-                  <c:v>Subcontratistas</c:v>
-                </c:pt>
-              </c:strCache>
-            </c:strRef>
-          </c:cat>
-          <c:val>
-            <c:numRef>
-              <c:f>Resumen!$H$2:$H$11</c:f>
-              <c:numCache>
-                <c:formatCode>0.00%</c:formatCode>
-                <c:ptCount val="10"/>
-                <c:pt idx="0">
-                  <c:v>6.4599483204134398E-3</c:v>
-                </c:pt>
-                <c:pt idx="1">
-                  <c:v>2.1533161068044801E-2</c:v>
-                </c:pt>
-                <c:pt idx="2">
-                  <c:v>2.8423772609819146E-2</c:v>
-                </c:pt>
-                <c:pt idx="3">
-                  <c:v>1.7718715393134001E-2</c:v>
-                </c:pt>
-                <c:pt idx="4">
-                  <c:v>2.0348837209302337E-2</c:v>
-                </c:pt>
-                <c:pt idx="5">
-                  <c:v>3.875968992248062E-2</c:v>
-                </c:pt>
-                <c:pt idx="6">
-                  <c:v>2.9069767441860475E-2</c:v>
-                </c:pt>
-                <c:pt idx="7">
-                  <c:v>1.7718715393134001E-2</c:v>
-                </c:pt>
-                <c:pt idx="8">
-                  <c:v>0</c:v>
-                </c:pt>
-                <c:pt idx="9">
-                  <c:v>0</c:v>
-                </c:pt>
-              </c:numCache>
-            </c:numRef>
-          </c:val>
-        </c:ser>
-        <c:axId val="94683136"/>
-        <c:axId val="94684672"/>
-      </c:radarChart>
-      <c:catAx>
-        <c:axId val="94683136"/>
-        <c:scaling>
-          <c:orientation val="minMax"/>
-        </c:scaling>
-        <c:axPos val="b"/>
-        <c:majorGridlines/>
-        <c:numFmt formatCode="General" sourceLinked="0"/>
-        <c:tickLblPos val="nextTo"/>
-        <c:txPr>
-          <a:bodyPr/>
-          <a:lstStyle/>
-          <a:p>
-            <a:pPr>
-              <a:defRPr lang="es-ES"/>
-            </a:pPr>
-            <a:endParaRPr lang="es-AR"/>
-          </a:p>
-        </c:txPr>
-        <c:crossAx val="94684672"/>
-        <c:crosses val="autoZero"/>
-        <c:auto val="1"/>
-        <c:lblAlgn val="ctr"/>
-        <c:lblOffset val="100"/>
-      </c:catAx>
-      <c:valAx>
-        <c:axId val="94684672"/>
-        <c:scaling>
-          <c:orientation val="minMax"/>
-        </c:scaling>
-        <c:axPos val="l"/>
-        <c:majorGridlines/>
-        <c:numFmt formatCode="0.00%" sourceLinked="1"/>
-        <c:majorTickMark val="cross"/>
-        <c:tickLblPos val="none"/>
-        <c:txPr>
-          <a:bodyPr/>
-          <a:lstStyle/>
-          <a:p>
-            <a:pPr>
-              <a:defRPr lang="es-ES"/>
-            </a:pPr>
-            <a:endParaRPr lang="es-AR"/>
-          </a:p>
-        </c:txPr>
-        <c:crossAx val="94683136"/>
-        <c:crosses val="autoZero"/>
-        <c:crossBetween val="between"/>
-      </c:valAx>
-    </c:plotArea>
-    <c:plotVisOnly val="1"/>
-    <c:dispBlanksAs val="gap"/>
-  </c:chart>
-  <c:externalData r:id="rId1"/>
-</c:chartSpace>
 </file>
 
 <file path=ppt/handoutMasters/handoutMaster1.xml><?xml version="1.0" encoding="utf-8"?>
@@ -671,7 +306,7 @@
     </p:spTree>
     <p:extLst>
       <p:ext uri="{BB962C8B-B14F-4D97-AF65-F5344CB8AC3E}">
-        <p14:creationId xmlns:p14="http://schemas.microsoft.com/office/powerpoint/2010/main" xmlns="" val="2830949299"/>
+        <p14:creationId xmlns="" xmlns:p14="http://schemas.microsoft.com/office/powerpoint/2010/main" val="2830949299"/>
       </p:ext>
     </p:extLst>
   </p:cSld>
@@ -935,7 +570,7 @@
     </p:spTree>
     <p:extLst>
       <p:ext uri="{BB962C8B-B14F-4D97-AF65-F5344CB8AC3E}">
-        <p14:creationId xmlns:p14="http://schemas.microsoft.com/office/powerpoint/2010/main" xmlns="" val="3361875708"/>
+        <p14:creationId xmlns="" xmlns:p14="http://schemas.microsoft.com/office/powerpoint/2010/main" val="3361875708"/>
       </p:ext>
     </p:extLst>
   </p:cSld>
@@ -1389,7 +1024,7 @@
           <a:blip r:embed="rId2">
             <a:extLst>
               <a:ext uri="{28A0092B-C50C-407E-A947-70E740481C1C}">
-                <a14:useLocalDpi xmlns:a14="http://schemas.microsoft.com/office/drawing/2010/main" xmlns="" val="0"/>
+                <a14:useLocalDpi xmlns="" xmlns:a14="http://schemas.microsoft.com/office/drawing/2010/main" val="0"/>
               </a:ext>
             </a:extLst>
           </a:blip>
@@ -1419,7 +1054,7 @@
           <a:blip r:embed="rId3" cstate="print">
             <a:extLst>
               <a:ext uri="{28A0092B-C50C-407E-A947-70E740481C1C}">
-                <a14:useLocalDpi xmlns:a14="http://schemas.microsoft.com/office/drawing/2010/main" xmlns="" val="0"/>
+                <a14:useLocalDpi xmlns="" xmlns:a14="http://schemas.microsoft.com/office/drawing/2010/main" val="0"/>
               </a:ext>
             </a:extLst>
           </a:blip>
@@ -1449,7 +1084,7 @@
           <a:blip r:embed="rId4" cstate="print">
             <a:extLst>
               <a:ext uri="{28A0092B-C50C-407E-A947-70E740481C1C}">
-                <a14:useLocalDpi xmlns:a14="http://schemas.microsoft.com/office/drawing/2010/main" xmlns="" val="0"/>
+                <a14:useLocalDpi xmlns="" xmlns:a14="http://schemas.microsoft.com/office/drawing/2010/main" val="0"/>
               </a:ext>
             </a:extLst>
           </a:blip>
@@ -1470,7 +1105,7 @@
     </p:spTree>
     <p:extLst>
       <p:ext uri="{BB962C8B-B14F-4D97-AF65-F5344CB8AC3E}">
-        <p14:creationId xmlns:p14="http://schemas.microsoft.com/office/powerpoint/2010/main" xmlns="" val="1987851363"/>
+        <p14:creationId xmlns="" xmlns:p14="http://schemas.microsoft.com/office/powerpoint/2010/main" val="1987851363"/>
       </p:ext>
     </p:extLst>
   </p:cSld>
@@ -1756,7 +1391,7 @@
     </p:spTree>
     <p:extLst>
       <p:ext uri="{BB962C8B-B14F-4D97-AF65-F5344CB8AC3E}">
-        <p14:creationId xmlns:p14="http://schemas.microsoft.com/office/powerpoint/2010/main" xmlns="" val="3444745824"/>
+        <p14:creationId xmlns="" xmlns:p14="http://schemas.microsoft.com/office/powerpoint/2010/main" val="3444745824"/>
       </p:ext>
     </p:extLst>
   </p:cSld>
@@ -1953,7 +1588,7 @@
     </p:spTree>
     <p:extLst>
       <p:ext uri="{BB962C8B-B14F-4D97-AF65-F5344CB8AC3E}">
-        <p14:creationId xmlns:p14="http://schemas.microsoft.com/office/powerpoint/2010/main" xmlns="" val="2217620014"/>
+        <p14:creationId xmlns="" xmlns:p14="http://schemas.microsoft.com/office/powerpoint/2010/main" val="2217620014"/>
       </p:ext>
     </p:extLst>
   </p:cSld>
@@ -2451,7 +2086,7 @@
     </p:spTree>
     <p:extLst>
       <p:ext uri="{BB962C8B-B14F-4D97-AF65-F5344CB8AC3E}">
-        <p14:creationId xmlns:p14="http://schemas.microsoft.com/office/powerpoint/2010/main" xmlns="" val="2136429344"/>
+        <p14:creationId xmlns="" xmlns:p14="http://schemas.microsoft.com/office/powerpoint/2010/main" val="2136429344"/>
       </p:ext>
     </p:extLst>
   </p:cSld>
@@ -2650,7 +2285,7 @@
     </p:spTree>
     <p:extLst>
       <p:ext uri="{BB962C8B-B14F-4D97-AF65-F5344CB8AC3E}">
-        <p14:creationId xmlns:p14="http://schemas.microsoft.com/office/powerpoint/2010/main" xmlns="" val="1401297368"/>
+        <p14:creationId xmlns="" xmlns:p14="http://schemas.microsoft.com/office/powerpoint/2010/main" val="1401297368"/>
       </p:ext>
     </p:extLst>
   </p:cSld>
@@ -3201,7 +2836,7 @@
     </p:spTree>
     <p:extLst>
       <p:ext uri="{BB962C8B-B14F-4D97-AF65-F5344CB8AC3E}">
-        <p14:creationId xmlns:p14="http://schemas.microsoft.com/office/powerpoint/2010/main" xmlns="" val="3581304418"/>
+        <p14:creationId xmlns="" xmlns:p14="http://schemas.microsoft.com/office/powerpoint/2010/main" val="3581304418"/>
       </p:ext>
     </p:extLst>
   </p:cSld>
@@ -4037,7 +3672,7 @@
     </p:spTree>
     <p:extLst>
       <p:ext uri="{BB962C8B-B14F-4D97-AF65-F5344CB8AC3E}">
-        <p14:creationId xmlns:p14="http://schemas.microsoft.com/office/powerpoint/2010/main" xmlns="" val="2434754427"/>
+        <p14:creationId xmlns="" xmlns:p14="http://schemas.microsoft.com/office/powerpoint/2010/main" val="2434754427"/>
       </p:ext>
     </p:extLst>
   </p:cSld>
@@ -4212,7 +3847,7 @@
     </p:spTree>
     <p:extLst>
       <p:ext uri="{BB962C8B-B14F-4D97-AF65-F5344CB8AC3E}">
-        <p14:creationId xmlns:p14="http://schemas.microsoft.com/office/powerpoint/2010/main" xmlns="" val="796553577"/>
+        <p14:creationId xmlns="" xmlns:p14="http://schemas.microsoft.com/office/powerpoint/2010/main" val="796553577"/>
       </p:ext>
     </p:extLst>
   </p:cSld>
@@ -4397,7 +4032,7 @@
     </p:spTree>
     <p:extLst>
       <p:ext uri="{BB962C8B-B14F-4D97-AF65-F5344CB8AC3E}">
-        <p14:creationId xmlns:p14="http://schemas.microsoft.com/office/powerpoint/2010/main" xmlns="" val="2178378210"/>
+        <p14:creationId xmlns="" xmlns:p14="http://schemas.microsoft.com/office/powerpoint/2010/main" val="2178378210"/>
       </p:ext>
     </p:extLst>
   </p:cSld>
@@ -4496,7 +4131,7 @@
           <a:blip r:embed="rId2" cstate="print">
             <a:extLst>
               <a:ext uri="{28A0092B-C50C-407E-A947-70E740481C1C}">
-                <a14:useLocalDpi xmlns:a14="http://schemas.microsoft.com/office/drawing/2010/main" xmlns="" val="0"/>
+                <a14:useLocalDpi xmlns="" xmlns:a14="http://schemas.microsoft.com/office/drawing/2010/main" val="0"/>
               </a:ext>
             </a:extLst>
           </a:blip>
@@ -4691,7 +4326,7 @@
           <a:blip r:embed="rId3" cstate="print">
             <a:extLst>
               <a:ext uri="{28A0092B-C50C-407E-A947-70E740481C1C}">
-                <a14:useLocalDpi xmlns:a14="http://schemas.microsoft.com/office/drawing/2010/main" xmlns="" val="0"/>
+                <a14:useLocalDpi xmlns="" xmlns:a14="http://schemas.microsoft.com/office/drawing/2010/main" val="0"/>
               </a:ext>
             </a:extLst>
           </a:blip>
@@ -4818,7 +4453,7 @@
     </p:spTree>
     <p:extLst>
       <p:ext uri="{BB962C8B-B14F-4D97-AF65-F5344CB8AC3E}">
-        <p14:creationId xmlns:p14="http://schemas.microsoft.com/office/powerpoint/2010/main" xmlns="" val="1072273061"/>
+        <p14:creationId xmlns="" xmlns:p14="http://schemas.microsoft.com/office/powerpoint/2010/main" val="1072273061"/>
       </p:ext>
     </p:extLst>
   </p:cSld>
@@ -5080,7 +4715,7 @@
     </p:spTree>
     <p:extLst>
       <p:ext uri="{BB962C8B-B14F-4D97-AF65-F5344CB8AC3E}">
-        <p14:creationId xmlns:p14="http://schemas.microsoft.com/office/powerpoint/2010/main" xmlns="" val="2343256160"/>
+        <p14:creationId xmlns="" xmlns:p14="http://schemas.microsoft.com/office/powerpoint/2010/main" val="2343256160"/>
       </p:ext>
     </p:extLst>
   </p:cSld>
@@ -5317,7 +4952,7 @@
     </p:spTree>
     <p:extLst>
       <p:ext uri="{BB962C8B-B14F-4D97-AF65-F5344CB8AC3E}">
-        <p14:creationId xmlns:p14="http://schemas.microsoft.com/office/powerpoint/2010/main" xmlns="" val="492701131"/>
+        <p14:creationId xmlns="" xmlns:p14="http://schemas.microsoft.com/office/powerpoint/2010/main" val="492701131"/>
       </p:ext>
     </p:extLst>
   </p:cSld>
@@ -5715,7 +5350,7 @@
     </p:spTree>
     <p:extLst>
       <p:ext uri="{BB962C8B-B14F-4D97-AF65-F5344CB8AC3E}">
-        <p14:creationId xmlns:p14="http://schemas.microsoft.com/office/powerpoint/2010/main" xmlns="" val="1192843996"/>
+        <p14:creationId xmlns="" xmlns:p14="http://schemas.microsoft.com/office/powerpoint/2010/main" val="1192843996"/>
       </p:ext>
     </p:extLst>
   </p:cSld>
@@ -5838,7 +5473,7 @@
     </p:spTree>
     <p:extLst>
       <p:ext uri="{BB962C8B-B14F-4D97-AF65-F5344CB8AC3E}">
-        <p14:creationId xmlns:p14="http://schemas.microsoft.com/office/powerpoint/2010/main" xmlns="" val="1497457452"/>
+        <p14:creationId xmlns="" xmlns:p14="http://schemas.microsoft.com/office/powerpoint/2010/main" val="1497457452"/>
       </p:ext>
     </p:extLst>
   </p:cSld>
@@ -5938,7 +5573,7 @@
     </p:spTree>
     <p:extLst>
       <p:ext uri="{BB962C8B-B14F-4D97-AF65-F5344CB8AC3E}">
-        <p14:creationId xmlns:p14="http://schemas.microsoft.com/office/powerpoint/2010/main" xmlns="" val="3150583799"/>
+        <p14:creationId xmlns="" xmlns:p14="http://schemas.microsoft.com/office/powerpoint/2010/main" val="3150583799"/>
       </p:ext>
     </p:extLst>
   </p:cSld>
@@ -6216,7 +5851,7 @@
     </p:spTree>
     <p:extLst>
       <p:ext uri="{BB962C8B-B14F-4D97-AF65-F5344CB8AC3E}">
-        <p14:creationId xmlns:p14="http://schemas.microsoft.com/office/powerpoint/2010/main" xmlns="" val="3101053053"/>
+        <p14:creationId xmlns="" xmlns:p14="http://schemas.microsoft.com/office/powerpoint/2010/main" val="3101053053"/>
       </p:ext>
     </p:extLst>
   </p:cSld>
@@ -6502,7 +6137,7 @@
     </p:spTree>
     <p:extLst>
       <p:ext uri="{BB962C8B-B14F-4D97-AF65-F5344CB8AC3E}">
-        <p14:creationId xmlns:p14="http://schemas.microsoft.com/office/powerpoint/2010/main" xmlns="" val="3053301401"/>
+        <p14:creationId xmlns="" xmlns:p14="http://schemas.microsoft.com/office/powerpoint/2010/main" val="3053301401"/>
       </p:ext>
     </p:extLst>
   </p:cSld>
@@ -6815,7 +6450,7 @@
     </p:spTree>
     <p:extLst>
       <p:ext uri="{BB962C8B-B14F-4D97-AF65-F5344CB8AC3E}">
-        <p14:creationId xmlns:p14="http://schemas.microsoft.com/office/powerpoint/2010/main" xmlns="" val="1640675034"/>
+        <p14:creationId xmlns="" xmlns:p14="http://schemas.microsoft.com/office/powerpoint/2010/main" val="1640675034"/>
       </p:ext>
     </p:extLst>
   </p:cSld>
@@ -7401,7 +7036,7 @@
           <a:blip r:embed="rId2" cstate="print">
             <a:extLst>
               <a:ext uri="{28A0092B-C50C-407E-A947-70E740481C1C}">
-                <a14:useLocalDpi xmlns:a14="http://schemas.microsoft.com/office/drawing/2010/main" xmlns="" val="0"/>
+                <a14:useLocalDpi xmlns="" xmlns:a14="http://schemas.microsoft.com/office/drawing/2010/main" val="0"/>
               </a:ext>
             </a:extLst>
           </a:blip>
@@ -7431,7 +7066,7 @@
           <a:blip r:embed="rId3" cstate="print">
             <a:extLst>
               <a:ext uri="{28A0092B-C50C-407E-A947-70E740481C1C}">
-                <a14:useLocalDpi xmlns:a14="http://schemas.microsoft.com/office/drawing/2010/main" xmlns="" val="0"/>
+                <a14:useLocalDpi xmlns="" xmlns:a14="http://schemas.microsoft.com/office/drawing/2010/main" val="0"/>
               </a:ext>
             </a:extLst>
           </a:blip>
@@ -7461,7 +7096,7 @@
           <a:blip r:embed="rId4" cstate="print">
             <a:extLst>
               <a:ext uri="{28A0092B-C50C-407E-A947-70E740481C1C}">
-                <a14:useLocalDpi xmlns:a14="http://schemas.microsoft.com/office/drawing/2010/main" xmlns="" val="0"/>
+                <a14:useLocalDpi xmlns="" xmlns:a14="http://schemas.microsoft.com/office/drawing/2010/main" val="0"/>
               </a:ext>
             </a:extLst>
           </a:blip>
@@ -7482,7 +7117,7 @@
     </p:spTree>
     <p:extLst>
       <p:ext uri="{BB962C8B-B14F-4D97-AF65-F5344CB8AC3E}">
-        <p14:creationId xmlns:p14="http://schemas.microsoft.com/office/powerpoint/2010/main" xmlns="" val="2194547385"/>
+        <p14:creationId xmlns="" xmlns:p14="http://schemas.microsoft.com/office/powerpoint/2010/main" val="2194547385"/>
       </p:ext>
     </p:extLst>
   </p:cSld>
@@ -7490,7 +7125,7 @@
     <a:masterClrMapping/>
   </p:clrMapOvr>
   <mc:AlternateContent xmlns:mc="http://schemas.openxmlformats.org/markup-compatibility/2006">
-    <mc:Choice xmlns:p14="http://schemas.microsoft.com/office/powerpoint/2010/main" xmlns="" Requires="p14">
+    <mc:Choice xmlns="" xmlns:p14="http://schemas.microsoft.com/office/powerpoint/2010/main" Requires="p14">
       <p:transition spd="med" p14:dur="700">
         <p:fade/>
       </p:transition>
@@ -7530,6 +7165,101 @@
       </p:grpSpPr>
       <p:sp>
         <p:nvSpPr>
+          <p:cNvPr id="5" name="4 Marcador de contenido"/>
+          <p:cNvSpPr>
+            <a:spLocks noGrp="1"/>
+          </p:cNvSpPr>
+          <p:nvPr>
+            <p:ph idx="1"/>
+          </p:nvPr>
+        </p:nvSpPr>
+        <p:spPr/>
+        <p:txBody>
+          <a:bodyPr>
+            <a:normAutofit lnSpcReduction="10000"/>
+          </a:bodyPr>
+          <a:lstStyle/>
+          <a:p>
+            <a:r>
+              <a:rPr lang="es-AR" sz="2600" dirty="0" smtClean="0"/>
+              <a:t>Fase de Inicio Iteración 1:  se planifico la redacción de plan de riesgos</a:t>
+            </a:r>
+          </a:p>
+          <a:p>
+            <a:r>
+              <a:rPr lang="es-AR" sz="2600" dirty="0" smtClean="0"/>
+              <a:t>Fase de  Inicio Iteración 2:</a:t>
+            </a:r>
+          </a:p>
+          <a:p>
+            <a:endParaRPr lang="es-AR" dirty="0" smtClean="0"/>
+          </a:p>
+          <a:p>
+            <a:endParaRPr lang="es-AR" sz="2400" dirty="0" smtClean="0"/>
+          </a:p>
+          <a:p>
+            <a:endParaRPr lang="es-AR" sz="2400" dirty="0" smtClean="0"/>
+          </a:p>
+          <a:p>
+            <a:endParaRPr lang="es-AR" sz="2400" dirty="0" smtClean="0"/>
+          </a:p>
+          <a:p>
+            <a:endParaRPr lang="es-AR" sz="2400" dirty="0" smtClean="0"/>
+          </a:p>
+          <a:p>
+            <a:pPr>
+              <a:buNone/>
+            </a:pPr>
+            <a:endParaRPr lang="es-AR" sz="2400" dirty="0" smtClean="0"/>
+          </a:p>
+          <a:p>
+            <a:pPr>
+              <a:buNone/>
+            </a:pPr>
+            <a:endParaRPr lang="es-AR" sz="2400" dirty="0" smtClean="0"/>
+          </a:p>
+          <a:p>
+            <a:r>
+              <a:rPr lang="es-AR" sz="2600" dirty="0" smtClean="0"/>
+              <a:t>Fase de  Elaboración: No se realizo gestión de riesgos, ya que priorizamos otras actividades. Sin embargo, esto no implicó que las soluciones propuestas de los riesgos no se llevarán a cabo. </a:t>
+            </a:r>
+          </a:p>
+          <a:p>
+            <a:pPr>
+              <a:buNone/>
+            </a:pPr>
+            <a:endParaRPr lang="es-AR" sz="2400" dirty="0" smtClean="0"/>
+          </a:p>
+          <a:p>
+            <a:endParaRPr lang="es-AR" sz="2400" dirty="0" smtClean="0"/>
+          </a:p>
+        </p:txBody>
+      </p:sp>
+      <p:sp>
+        <p:nvSpPr>
+          <p:cNvPr id="4" name="3 Título"/>
+          <p:cNvSpPr>
+            <a:spLocks noGrp="1"/>
+          </p:cNvSpPr>
+          <p:nvPr>
+            <p:ph type="title"/>
+          </p:nvPr>
+        </p:nvSpPr>
+        <p:spPr/>
+        <p:txBody>
+          <a:bodyPr/>
+          <a:lstStyle/>
+          <a:p>
+            <a:r>
+              <a:rPr lang="es-AR" dirty="0" smtClean="0"/>
+              <a:t>Gestión de Riesgos</a:t>
+            </a:r>
+            <a:endParaRPr lang="es-AR" dirty="0"/>
+          </a:p>
+        </p:txBody>
+      </p:sp>
+      <p:sp>
+        <p:nvSpPr>
           <p:cNvPr id="2" name="1 Marcador de pie de página"/>
           <p:cNvSpPr>
             <a:spLocks noGrp="1"/>
@@ -7575,117 +7305,6 @@
           </a:p>
         </p:txBody>
       </p:sp>
-      <p:sp>
-        <p:nvSpPr>
-          <p:cNvPr id="4" name="3 Título"/>
-          <p:cNvSpPr>
-            <a:spLocks noGrp="1"/>
-          </p:cNvSpPr>
-          <p:nvPr>
-            <p:ph type="title"/>
-          </p:nvPr>
-        </p:nvSpPr>
-        <p:spPr/>
-        <p:txBody>
-          <a:bodyPr/>
-          <a:lstStyle/>
-          <a:p>
-            <a:r>
-              <a:rPr lang="es-AR" dirty="0" smtClean="0"/>
-              <a:t>Gestión de Riesgos</a:t>
-            </a:r>
-            <a:endParaRPr lang="es-AR" dirty="0"/>
-          </a:p>
-        </p:txBody>
-      </p:sp>
-      <p:sp>
-        <p:nvSpPr>
-          <p:cNvPr id="5" name="4 Marcador de contenido"/>
-          <p:cNvSpPr>
-            <a:spLocks noGrp="1"/>
-          </p:cNvSpPr>
-          <p:nvPr>
-            <p:ph idx="1"/>
-          </p:nvPr>
-        </p:nvSpPr>
-        <p:spPr/>
-        <p:txBody>
-          <a:bodyPr>
-            <a:normAutofit lnSpcReduction="10000"/>
-          </a:bodyPr>
-          <a:lstStyle/>
-          <a:p>
-            <a:r>
-              <a:rPr lang="es-AR" sz="2600" dirty="0" smtClean="0"/>
-              <a:t>Fase de Inicio Iteración 1:  se planifico la redacción de plan de riesgos</a:t>
-            </a:r>
-          </a:p>
-          <a:p>
-            <a:r>
-              <a:rPr lang="es-AR" sz="2600" dirty="0" smtClean="0"/>
-              <a:t>Fase de  Inicio Iteración 2:</a:t>
-            </a:r>
-          </a:p>
-          <a:p>
-            <a:endParaRPr lang="es-AR" dirty="0" smtClean="0"/>
-          </a:p>
-          <a:p>
-            <a:endParaRPr lang="es-AR" sz="2400" dirty="0" smtClean="0"/>
-          </a:p>
-          <a:p>
-            <a:endParaRPr lang="es-AR" sz="2400" dirty="0" smtClean="0"/>
-          </a:p>
-          <a:p>
-            <a:endParaRPr lang="es-AR" sz="2400" dirty="0" smtClean="0"/>
-          </a:p>
-          <a:p>
-            <a:endParaRPr lang="es-AR" sz="2400" dirty="0" smtClean="0"/>
-          </a:p>
-          <a:p>
-            <a:pPr>
-              <a:buNone/>
-            </a:pPr>
-            <a:endParaRPr lang="es-AR" sz="2400" dirty="0" smtClean="0"/>
-          </a:p>
-          <a:p>
-            <a:pPr>
-              <a:buNone/>
-            </a:pPr>
-            <a:endParaRPr lang="es-AR" sz="2400" dirty="0" smtClean="0"/>
-          </a:p>
-          <a:p>
-            <a:r>
-              <a:rPr lang="es-AR" sz="2600" dirty="0" smtClean="0"/>
-              <a:t>Fase de  Elaboración: No se realizo gestión de riesgos, ya que priorizamos otras actividades. Sin embargo, esto no implicó que las soluciones propuestas de los riesgos no se llevarán a cabo. </a:t>
-            </a:r>
-          </a:p>
-          <a:p>
-            <a:pPr>
-              <a:buNone/>
-            </a:pPr>
-            <a:endParaRPr lang="es-AR" sz="2400" dirty="0" smtClean="0"/>
-          </a:p>
-          <a:p>
-            <a:endParaRPr lang="es-AR" sz="2400" dirty="0" smtClean="0"/>
-          </a:p>
-        </p:txBody>
-      </p:sp>
-      <p:graphicFrame>
-        <p:nvGraphicFramePr>
-          <p:cNvPr id="6" name="3 Gráfico"/>
-          <p:cNvGraphicFramePr/>
-          <p:nvPr/>
-        </p:nvGraphicFramePr>
-        <p:xfrm>
-          <a:off x="3405187" y="1838325"/>
-          <a:ext cx="5381625" cy="3181350"/>
-        </p:xfrm>
-        <a:graphic>
-          <a:graphicData uri="http://schemas.openxmlformats.org/drawingml/2006/chart">
-            <c:chart xmlns:c="http://schemas.openxmlformats.org/drawingml/2006/chart" xmlns:r="http://schemas.openxmlformats.org/officeDocument/2006/relationships" r:id="rId2"/>
-          </a:graphicData>
-        </a:graphic>
-      </p:graphicFrame>
     </p:spTree>
   </p:cSld>
   <p:clrMapOvr>
@@ -7713,6 +7332,57 @@
       </p:grpSpPr>
       <p:sp>
         <p:nvSpPr>
+          <p:cNvPr id="5" name="4 Marcador de contenido"/>
+          <p:cNvSpPr>
+            <a:spLocks noGrp="1"/>
+          </p:cNvSpPr>
+          <p:nvPr>
+            <p:ph idx="1"/>
+          </p:nvPr>
+        </p:nvSpPr>
+        <p:spPr/>
+        <p:txBody>
+          <a:bodyPr/>
+          <a:lstStyle/>
+          <a:p>
+            <a:r>
+              <a:rPr lang="es-AR" sz="2600" dirty="0" smtClean="0"/>
+              <a:t>Fase de Construcción iteración  8</a:t>
+            </a:r>
+          </a:p>
+          <a:p>
+            <a:endParaRPr lang="es-AR" dirty="0" smtClean="0"/>
+          </a:p>
+          <a:p>
+            <a:endParaRPr lang="es-AR" dirty="0"/>
+          </a:p>
+        </p:txBody>
+      </p:sp>
+      <p:sp>
+        <p:nvSpPr>
+          <p:cNvPr id="4" name="3 Título"/>
+          <p:cNvSpPr>
+            <a:spLocks noGrp="1"/>
+          </p:cNvSpPr>
+          <p:nvPr>
+            <p:ph type="title"/>
+          </p:nvPr>
+        </p:nvSpPr>
+        <p:spPr/>
+        <p:txBody>
+          <a:bodyPr/>
+          <a:lstStyle/>
+          <a:p>
+            <a:r>
+              <a:rPr lang="es-AR" dirty="0" smtClean="0"/>
+              <a:t>Gestión de riesgos </a:t>
+            </a:r>
+            <a:endParaRPr lang="es-AR" dirty="0"/>
+          </a:p>
+        </p:txBody>
+      </p:sp>
+      <p:sp>
+        <p:nvSpPr>
           <p:cNvPr id="2" name="1 Marcador de pie de página"/>
           <p:cNvSpPr>
             <a:spLocks noGrp="1"/>
@@ -7758,73 +7428,6 @@
           </a:p>
         </p:txBody>
       </p:sp>
-      <p:sp>
-        <p:nvSpPr>
-          <p:cNvPr id="4" name="3 Título"/>
-          <p:cNvSpPr>
-            <a:spLocks noGrp="1"/>
-          </p:cNvSpPr>
-          <p:nvPr>
-            <p:ph type="title"/>
-          </p:nvPr>
-        </p:nvSpPr>
-        <p:spPr/>
-        <p:txBody>
-          <a:bodyPr/>
-          <a:lstStyle/>
-          <a:p>
-            <a:r>
-              <a:rPr lang="es-AR" dirty="0" smtClean="0"/>
-              <a:t>Gestión de riesgos </a:t>
-            </a:r>
-            <a:endParaRPr lang="es-AR" dirty="0"/>
-          </a:p>
-        </p:txBody>
-      </p:sp>
-      <p:sp>
-        <p:nvSpPr>
-          <p:cNvPr id="5" name="4 Marcador de contenido"/>
-          <p:cNvSpPr>
-            <a:spLocks noGrp="1"/>
-          </p:cNvSpPr>
-          <p:nvPr>
-            <p:ph idx="1"/>
-          </p:nvPr>
-        </p:nvSpPr>
-        <p:spPr/>
-        <p:txBody>
-          <a:bodyPr/>
-          <a:lstStyle/>
-          <a:p>
-            <a:r>
-              <a:rPr lang="es-AR" sz="2600" dirty="0" smtClean="0"/>
-              <a:t>Fase de Construcción iteración  8</a:t>
-            </a:r>
-          </a:p>
-          <a:p>
-            <a:endParaRPr lang="es-AR" dirty="0" smtClean="0"/>
-          </a:p>
-          <a:p>
-            <a:endParaRPr lang="es-AR" dirty="0"/>
-          </a:p>
-        </p:txBody>
-      </p:sp>
-      <p:graphicFrame>
-        <p:nvGraphicFramePr>
-          <p:cNvPr id="6" name="3 Gráfico"/>
-          <p:cNvGraphicFramePr/>
-          <p:nvPr/>
-        </p:nvGraphicFramePr>
-        <p:xfrm>
-          <a:off x="3543300" y="1838325"/>
-          <a:ext cx="5105400" cy="3181350"/>
-        </p:xfrm>
-        <a:graphic>
-          <a:graphicData uri="http://schemas.openxmlformats.org/drawingml/2006/chart">
-            <c:chart xmlns:c="http://schemas.openxmlformats.org/drawingml/2006/chart" xmlns:r="http://schemas.openxmlformats.org/officeDocument/2006/relationships" r:id="rId2"/>
-          </a:graphicData>
-        </a:graphic>
-      </p:graphicFrame>
     </p:spTree>
   </p:cSld>
   <p:clrMapOvr>
@@ -7852,6 +7455,64 @@
       </p:grpSpPr>
       <p:sp>
         <p:nvSpPr>
+          <p:cNvPr id="5" name="4 Marcador de contenido"/>
+          <p:cNvSpPr>
+            <a:spLocks noGrp="1"/>
+          </p:cNvSpPr>
+          <p:nvPr>
+            <p:ph idx="1"/>
+          </p:nvPr>
+        </p:nvSpPr>
+        <p:spPr/>
+        <p:txBody>
+          <a:bodyPr/>
+          <a:lstStyle/>
+          <a:p>
+            <a:endParaRPr lang="es-AR" dirty="0" smtClean="0"/>
+          </a:p>
+          <a:p>
+            <a:endParaRPr lang="es-AR" dirty="0" smtClean="0"/>
+          </a:p>
+          <a:p>
+            <a:endParaRPr lang="es-AR" dirty="0"/>
+          </a:p>
+        </p:txBody>
+      </p:sp>
+      <p:sp>
+        <p:nvSpPr>
+          <p:cNvPr id="4" name="3 Título"/>
+          <p:cNvSpPr>
+            <a:spLocks noGrp="1"/>
+          </p:cNvSpPr>
+          <p:nvPr>
+            <p:ph type="title"/>
+          </p:nvPr>
+        </p:nvSpPr>
+        <p:spPr/>
+        <p:txBody>
+          <a:bodyPr/>
+          <a:lstStyle/>
+          <a:p>
+            <a:r>
+              <a:rPr lang="es-AR" dirty="0" smtClean="0"/>
+              <a:t/>
+            </a:r>
+            <a:br>
+              <a:rPr lang="es-AR" dirty="0" smtClean="0"/>
+            </a:br>
+            <a:r>
+              <a:rPr lang="es-AR" dirty="0" smtClean="0"/>
+              <a:t>Plan de Pruebas </a:t>
+            </a:r>
+            <a:br>
+              <a:rPr lang="es-AR" dirty="0" smtClean="0"/>
+            </a:br>
+            <a:endParaRPr lang="es-AR" dirty="0"/>
+          </a:p>
+        </p:txBody>
+      </p:sp>
+      <p:sp>
+        <p:nvSpPr>
           <p:cNvPr id="2" name="1 Marcador de pie de página"/>
           <p:cNvSpPr>
             <a:spLocks noGrp="1"/>
@@ -7897,64 +7558,6 @@
           </a:p>
         </p:txBody>
       </p:sp>
-      <p:sp>
-        <p:nvSpPr>
-          <p:cNvPr id="4" name="3 Título"/>
-          <p:cNvSpPr>
-            <a:spLocks noGrp="1"/>
-          </p:cNvSpPr>
-          <p:nvPr>
-            <p:ph type="title"/>
-          </p:nvPr>
-        </p:nvSpPr>
-        <p:spPr/>
-        <p:txBody>
-          <a:bodyPr/>
-          <a:lstStyle/>
-          <a:p>
-            <a:r>
-              <a:rPr lang="es-AR" dirty="0" smtClean="0"/>
-              <a:t/>
-            </a:r>
-            <a:br>
-              <a:rPr lang="es-AR" dirty="0" smtClean="0"/>
-            </a:br>
-            <a:r>
-              <a:rPr lang="es-AR" dirty="0" smtClean="0"/>
-              <a:t>Plan de Pruebas </a:t>
-            </a:r>
-            <a:br>
-              <a:rPr lang="es-AR" dirty="0" smtClean="0"/>
-            </a:br>
-            <a:endParaRPr lang="es-AR" dirty="0"/>
-          </a:p>
-        </p:txBody>
-      </p:sp>
-      <p:sp>
-        <p:nvSpPr>
-          <p:cNvPr id="5" name="4 Marcador de contenido"/>
-          <p:cNvSpPr>
-            <a:spLocks noGrp="1"/>
-          </p:cNvSpPr>
-          <p:nvPr>
-            <p:ph idx="1"/>
-          </p:nvPr>
-        </p:nvSpPr>
-        <p:spPr/>
-        <p:txBody>
-          <a:bodyPr/>
-          <a:lstStyle/>
-          <a:p>
-            <a:endParaRPr lang="es-AR" dirty="0" smtClean="0"/>
-          </a:p>
-          <a:p>
-            <a:endParaRPr lang="es-AR" dirty="0" smtClean="0"/>
-          </a:p>
-          <a:p>
-            <a:endParaRPr lang="es-AR" dirty="0"/>
-          </a:p>
-        </p:txBody>
-      </p:sp>
       <p:graphicFrame>
         <p:nvGraphicFramePr>
           <p:cNvPr id="6" name="Marcador de contenido 12"/>
@@ -7964,13 +7567,13 @@
           <p:nvPr>
             <p:extLst>
               <p:ext uri="{D42A27DB-BD31-4B8C-83A1-F6EECF244321}">
-                <p14:modId xmlns="" xmlns:p14="http://schemas.microsoft.com/office/powerpoint/2010/main" val="3049683362"/>
+                <p14:modId xmlns:p14="http://schemas.microsoft.com/office/powerpoint/2010/main" xmlns="" val="3049683362"/>
               </p:ext>
             </p:extLst>
           </p:nvPr>
         </p:nvGraphicFramePr>
         <p:xfrm>
-          <a:off x="1758463" y="1139482"/>
+          <a:off x="1842869" y="1842867"/>
           <a:ext cx="7680958" cy="4248443"/>
         </p:xfrm>
         <a:graphic>
@@ -8419,7 +8022,7 @@
                     <a:p>
                       <a:pPr algn="l" fontAlgn="ctr"/>
                       <a:r>
-                        <a:rPr lang="es-AR" sz="1100" b="0" i="0" u="none" strike="noStrike">
+                        <a:rPr lang="es-AR" sz="1100" b="0" i="0" u="none" strike="noStrike" dirty="0">
                           <a:solidFill>
                             <a:srgbClr val="000000"/>
                           </a:solidFill>
@@ -9638,7 +9241,7 @@
     </p:spTree>
     <p:extLst>
       <p:ext uri="{BB962C8B-B14F-4D97-AF65-F5344CB8AC3E}">
-        <p14:creationId xmlns="" xmlns:p14="http://schemas.microsoft.com/office/powerpoint/2010/main" val="556564343"/>
+        <p14:creationId xmlns:p14="http://schemas.microsoft.com/office/powerpoint/2010/main" xmlns="" val="556564343"/>
       </p:ext>
     </p:extLst>
   </p:cSld>
@@ -9646,7 +9249,7 @@
     <a:masterClrMapping/>
   </p:clrMapOvr>
   <mc:AlternateContent xmlns:mc="http://schemas.openxmlformats.org/markup-compatibility/2006">
-    <mc:Choice xmlns="" xmlns:p14="http://schemas.microsoft.com/office/powerpoint/2010/main" Requires="p14">
+    <mc:Choice xmlns:p14="http://schemas.microsoft.com/office/powerpoint/2010/main" xmlns="" Requires="p14">
       <p:transition spd="slow">
         <p14:reveal/>
       </p:transition>
@@ -9686,7 +9289,30 @@
       </p:grpSpPr>
       <p:sp>
         <p:nvSpPr>
-          <p:cNvPr id="2" name="1 Marcador de pie de página"/>
+          <p:cNvPr id="3" name="Título 2"/>
+          <p:cNvSpPr>
+            <a:spLocks noGrp="1"/>
+          </p:cNvSpPr>
+          <p:nvPr>
+            <p:ph type="title"/>
+          </p:nvPr>
+        </p:nvSpPr>
+        <p:spPr/>
+        <p:txBody>
+          <a:bodyPr/>
+          <a:lstStyle/>
+          <a:p>
+            <a:r>
+              <a:rPr lang="es-AR" dirty="0" smtClean="0"/>
+              <a:t>Plan de Prueba</a:t>
+            </a:r>
+            <a:endParaRPr lang="es-AR" dirty="0"/>
+          </a:p>
+        </p:txBody>
+      </p:sp>
+      <p:sp>
+        <p:nvSpPr>
+          <p:cNvPr id="4" name="Marcador de pie de página 3"/>
           <p:cNvSpPr>
             <a:spLocks noGrp="1"/>
           </p:cNvSpPr>
@@ -9701,7 +9327,7 @@
           <a:p>
             <a:r>
               <a:rPr lang="es-AR" smtClean="0"/>
-              <a:t>OYARZO Mariela – QUIROGA Sandra – MÁRQUEZ Emanuel</a:t>
+              <a:t>OYARZO Mariela – QUIROGA Sandra – MÁRQUEZ EMANUEL</a:t>
             </a:r>
             <a:endParaRPr lang="es-AR" dirty="0"/>
           </a:p>
@@ -9709,7 +9335,7 @@
       </p:sp>
       <p:sp>
         <p:nvSpPr>
-          <p:cNvPr id="3" name="2 Marcador de número de diapositiva"/>
+          <p:cNvPr id="5" name="Marcador de número de diapositiva 4"/>
           <p:cNvSpPr>
             <a:spLocks noGrp="1"/>
           </p:cNvSpPr>
@@ -9726,139 +9352,6 @@
               <a:rPr lang="es-AR" smtClean="0"/>
               <a:pPr/>
               <a:t>14</a:t>
-            </a:fld>
-            <a:endParaRPr lang="es-AR" dirty="0"/>
-          </a:p>
-        </p:txBody>
-      </p:sp>
-      <p:sp>
-        <p:nvSpPr>
-          <p:cNvPr id="4" name="3 Título"/>
-          <p:cNvSpPr>
-            <a:spLocks noGrp="1"/>
-          </p:cNvSpPr>
-          <p:nvPr>
-            <p:ph type="title"/>
-          </p:nvPr>
-        </p:nvSpPr>
-        <p:spPr/>
-        <p:txBody>
-          <a:bodyPr/>
-          <a:lstStyle/>
-          <a:p>
-            <a:endParaRPr lang="es-AR"/>
-          </a:p>
-        </p:txBody>
-      </p:sp>
-      <p:sp>
-        <p:nvSpPr>
-          <p:cNvPr id="5" name="4 Marcador de contenido"/>
-          <p:cNvSpPr>
-            <a:spLocks noGrp="1"/>
-          </p:cNvSpPr>
-          <p:nvPr>
-            <p:ph idx="1"/>
-          </p:nvPr>
-        </p:nvSpPr>
-        <p:spPr/>
-        <p:txBody>
-          <a:bodyPr/>
-          <a:lstStyle/>
-          <a:p>
-            <a:endParaRPr lang="es-AR"/>
-          </a:p>
-        </p:txBody>
-      </p:sp>
-    </p:spTree>
-  </p:cSld>
-  <p:clrMapOvr>
-    <a:masterClrMapping/>
-  </p:clrMapOvr>
-</p:sld>
-</file>
-
-<file path=ppt/slides/slide15.xml><?xml version="1.0" encoding="utf-8"?>
-<p:sld xmlns:a="http://schemas.openxmlformats.org/drawingml/2006/main" xmlns:r="http://schemas.openxmlformats.org/officeDocument/2006/relationships" xmlns:p="http://schemas.openxmlformats.org/presentationml/2006/main">
-  <p:cSld>
-    <p:spTree>
-      <p:nvGrpSpPr>
-        <p:cNvPr id="1" name=""/>
-        <p:cNvGrpSpPr/>
-        <p:nvPr/>
-      </p:nvGrpSpPr>
-      <p:grpSpPr>
-        <a:xfrm>
-          <a:off x="0" y="0"/>
-          <a:ext cx="0" cy="0"/>
-          <a:chOff x="0" y="0"/>
-          <a:chExt cx="0" cy="0"/>
-        </a:xfrm>
-      </p:grpSpPr>
-      <p:sp>
-        <p:nvSpPr>
-          <p:cNvPr id="3" name="Título 2"/>
-          <p:cNvSpPr>
-            <a:spLocks noGrp="1"/>
-          </p:cNvSpPr>
-          <p:nvPr>
-            <p:ph type="title"/>
-          </p:nvPr>
-        </p:nvSpPr>
-        <p:spPr/>
-        <p:txBody>
-          <a:bodyPr/>
-          <a:lstStyle/>
-          <a:p>
-            <a:r>
-              <a:rPr lang="es-AR" dirty="0" smtClean="0"/>
-              <a:t>Plan de Prueba</a:t>
-            </a:r>
-            <a:endParaRPr lang="es-AR" dirty="0"/>
-          </a:p>
-        </p:txBody>
-      </p:sp>
-      <p:sp>
-        <p:nvSpPr>
-          <p:cNvPr id="4" name="Marcador de pie de página 3"/>
-          <p:cNvSpPr>
-            <a:spLocks noGrp="1"/>
-          </p:cNvSpPr>
-          <p:nvPr>
-            <p:ph type="ftr" sz="quarter" idx="11"/>
-          </p:nvPr>
-        </p:nvSpPr>
-        <p:spPr/>
-        <p:txBody>
-          <a:bodyPr/>
-          <a:lstStyle/>
-          <a:p>
-            <a:r>
-              <a:rPr lang="es-AR" smtClean="0"/>
-              <a:t>OYARZO Mariela – QUIROGA Sandra – MÁRQUEZ EMANUEL</a:t>
-            </a:r>
-            <a:endParaRPr lang="es-AR" dirty="0"/>
-          </a:p>
-        </p:txBody>
-      </p:sp>
-      <p:sp>
-        <p:nvSpPr>
-          <p:cNvPr id="5" name="Marcador de número de diapositiva 4"/>
-          <p:cNvSpPr>
-            <a:spLocks noGrp="1"/>
-          </p:cNvSpPr>
-          <p:nvPr>
-            <p:ph type="sldNum" sz="quarter" idx="12"/>
-          </p:nvPr>
-        </p:nvSpPr>
-        <p:spPr/>
-        <p:txBody>
-          <a:bodyPr/>
-          <a:lstStyle/>
-          <a:p>
-            <a:fld id="{779E3280-5C43-43EF-BE7D-8C553A58A779}" type="slidenum">
-              <a:rPr lang="es-AR" smtClean="0"/>
-              <a:pPr/>
-              <a:t>15</a:t>
             </a:fld>
             <a:endParaRPr lang="es-AR" dirty="0"/>
           </a:p>
@@ -9913,7 +9406,7 @@
     </p:spTree>
     <p:extLst>
       <p:ext uri="{BB962C8B-B14F-4D97-AF65-F5344CB8AC3E}">
-        <p14:creationId xmlns="" xmlns:p14="http://schemas.microsoft.com/office/powerpoint/2010/main" val="564010918"/>
+        <p14:creationId xmlns:p14="http://schemas.microsoft.com/office/powerpoint/2010/main" xmlns="" val="564010918"/>
       </p:ext>
     </p:extLst>
   </p:cSld>
@@ -9921,7 +9414,7 @@
     <a:masterClrMapping/>
   </p:clrMapOvr>
   <mc:AlternateContent xmlns:mc="http://schemas.openxmlformats.org/markup-compatibility/2006">
-    <mc:Choice xmlns="" xmlns:p14="http://schemas.microsoft.com/office/powerpoint/2010/main" Requires="p14">
+    <mc:Choice xmlns:p14="http://schemas.microsoft.com/office/powerpoint/2010/main" xmlns="" Requires="p14">
       <p:transition spd="slow">
         <p14:reveal/>
       </p:transition>
@@ -9942,6 +9435,135 @@
 </p:sld>
 </file>
 
+<file path=ppt/slides/slide15.xml><?xml version="1.0" encoding="utf-8"?>
+<p:sld xmlns:a="http://schemas.openxmlformats.org/drawingml/2006/main" xmlns:r="http://schemas.openxmlformats.org/officeDocument/2006/relationships" xmlns:p="http://schemas.openxmlformats.org/presentationml/2006/main">
+  <p:cSld>
+    <p:spTree>
+      <p:nvGrpSpPr>
+        <p:cNvPr id="1" name=""/>
+        <p:cNvGrpSpPr/>
+        <p:nvPr/>
+      </p:nvGrpSpPr>
+      <p:grpSpPr>
+        <a:xfrm>
+          <a:off x="0" y="0"/>
+          <a:ext cx="0" cy="0"/>
+          <a:chOff x="0" y="0"/>
+          <a:chExt cx="0" cy="0"/>
+        </a:xfrm>
+      </p:grpSpPr>
+      <p:pic>
+        <p:nvPicPr>
+          <p:cNvPr id="1026" name="Picture 2"/>
+          <p:cNvPicPr>
+            <a:picLocks noGrp="1" noChangeAspect="1" noChangeArrowheads="1"/>
+          </p:cNvPicPr>
+          <p:nvPr>
+            <p:ph idx="1"/>
+          </p:nvPr>
+        </p:nvPicPr>
+        <p:blipFill>
+          <a:blip r:embed="rId2"/>
+          <a:stretch>
+            <a:fillRect/>
+          </a:stretch>
+        </p:blipFill>
+        <p:spPr bwMode="auto">
+          <a:xfrm>
+            <a:off x="3217863" y="1613694"/>
+            <a:ext cx="5848350" cy="4714875"/>
+          </a:xfrm>
+          <a:prstGeom prst="rect">
+            <a:avLst/>
+          </a:prstGeom>
+          <a:noFill/>
+          <a:ln w="9525">
+            <a:noFill/>
+            <a:miter lim="800000"/>
+            <a:headEnd/>
+            <a:tailEnd/>
+          </a:ln>
+          <a:effectLst/>
+        </p:spPr>
+      </p:pic>
+      <p:sp>
+        <p:nvSpPr>
+          <p:cNvPr id="4" name="3 Título"/>
+          <p:cNvSpPr>
+            <a:spLocks noGrp="1"/>
+          </p:cNvSpPr>
+          <p:nvPr>
+            <p:ph type="title"/>
+          </p:nvPr>
+        </p:nvSpPr>
+        <p:spPr/>
+        <p:txBody>
+          <a:bodyPr/>
+          <a:lstStyle/>
+          <a:p>
+            <a:r>
+              <a:rPr lang="es-AR" dirty="0" smtClean="0"/>
+              <a:t>Pruebas</a:t>
+            </a:r>
+            <a:endParaRPr lang="es-AR" dirty="0"/>
+          </a:p>
+        </p:txBody>
+      </p:sp>
+      <p:sp>
+        <p:nvSpPr>
+          <p:cNvPr id="2" name="1 Marcador de pie de página"/>
+          <p:cNvSpPr>
+            <a:spLocks noGrp="1"/>
+          </p:cNvSpPr>
+          <p:nvPr>
+            <p:ph type="ftr" sz="quarter" idx="11"/>
+          </p:nvPr>
+        </p:nvSpPr>
+        <p:spPr/>
+        <p:txBody>
+          <a:bodyPr/>
+          <a:lstStyle/>
+          <a:p>
+            <a:r>
+              <a:rPr lang="es-AR" smtClean="0"/>
+              <a:t>OYARZO Mariela – QUIROGA Sandra – MÁRQUEZ Emanuel</a:t>
+            </a:r>
+            <a:endParaRPr lang="es-AR" dirty="0"/>
+          </a:p>
+        </p:txBody>
+      </p:sp>
+      <p:sp>
+        <p:nvSpPr>
+          <p:cNvPr id="3" name="2 Marcador de número de diapositiva"/>
+          <p:cNvSpPr>
+            <a:spLocks noGrp="1"/>
+          </p:cNvSpPr>
+          <p:nvPr>
+            <p:ph type="sldNum" sz="quarter" idx="12"/>
+          </p:nvPr>
+        </p:nvSpPr>
+        <p:spPr/>
+        <p:txBody>
+          <a:bodyPr/>
+          <a:lstStyle/>
+          <a:p>
+            <a:fld id="{779E3280-5C43-43EF-BE7D-8C553A58A779}" type="slidenum">
+              <a:rPr lang="es-AR" smtClean="0"/>
+              <a:pPr/>
+              <a:t>15</a:t>
+            </a:fld>
+            <a:endParaRPr lang="es-AR" dirty="0"/>
+          </a:p>
+        </p:txBody>
+      </p:sp>
+    </p:spTree>
+  </p:cSld>
+  <p:clrMapOvr>
+    <a:masterClrMapping/>
+  </p:clrMapOvr>
+</p:sld>
+</file>
+
 <file path=ppt/slides/slide16.xml><?xml version="1.0" encoding="utf-8"?>
 <p:sld xmlns:a="http://schemas.openxmlformats.org/drawingml/2006/main" xmlns:r="http://schemas.openxmlformats.org/officeDocument/2006/relationships" xmlns:p="http://schemas.openxmlformats.org/presentationml/2006/main">
   <p:cSld>
@@ -9961,7 +9583,30 @@
       </p:grpSpPr>
       <p:sp>
         <p:nvSpPr>
-          <p:cNvPr id="2" name="1 Marcador de pie de página"/>
+          <p:cNvPr id="3" name="Título 2"/>
+          <p:cNvSpPr>
+            <a:spLocks noGrp="1"/>
+          </p:cNvSpPr>
+          <p:nvPr>
+            <p:ph type="title"/>
+          </p:nvPr>
+        </p:nvSpPr>
+        <p:spPr/>
+        <p:txBody>
+          <a:bodyPr/>
+          <a:lstStyle/>
+          <a:p>
+            <a:r>
+              <a:rPr lang="es-AR" dirty="0" smtClean="0"/>
+              <a:t>Fin de presentación</a:t>
+            </a:r>
+            <a:endParaRPr lang="es-AR" dirty="0"/>
+          </a:p>
+        </p:txBody>
+      </p:sp>
+      <p:sp>
+        <p:nvSpPr>
+          <p:cNvPr id="4" name="Marcador de pie de página 3"/>
           <p:cNvSpPr>
             <a:spLocks noGrp="1"/>
           </p:cNvSpPr>
@@ -9976,7 +9621,7 @@
           <a:p>
             <a:r>
               <a:rPr lang="es-AR" smtClean="0"/>
-              <a:t>OYARZO Mariela – QUIROGA Sandra – MÁRQUEZ Emanuel</a:t>
+              <a:t>OYARZO Mariela – QUIROGA Sandra – MÁRQUEZ EMANUEL</a:t>
             </a:r>
             <a:endParaRPr lang="es-AR" dirty="0"/>
           </a:p>
@@ -9984,7 +9629,7 @@
       </p:sp>
       <p:sp>
         <p:nvSpPr>
-          <p:cNvPr id="3" name="2 Marcador de número de diapositiva"/>
+          <p:cNvPr id="5" name="Marcador de número de diapositiva 4"/>
           <p:cNvSpPr>
             <a:spLocks noGrp="1"/>
           </p:cNvSpPr>
@@ -10001,159 +9646,6 @@
               <a:rPr lang="es-AR" smtClean="0"/>
               <a:pPr/>
               <a:t>16</a:t>
-            </a:fld>
-            <a:endParaRPr lang="es-AR" dirty="0"/>
-          </a:p>
-        </p:txBody>
-      </p:sp>
-      <p:sp>
-        <p:nvSpPr>
-          <p:cNvPr id="4" name="3 Título"/>
-          <p:cNvSpPr>
-            <a:spLocks noGrp="1"/>
-          </p:cNvSpPr>
-          <p:nvPr>
-            <p:ph type="title"/>
-          </p:nvPr>
-        </p:nvSpPr>
-        <p:spPr/>
-        <p:txBody>
-          <a:bodyPr/>
-          <a:lstStyle/>
-          <a:p>
-            <a:r>
-              <a:rPr lang="es-AR" dirty="0" smtClean="0"/>
-              <a:t>Pruebas</a:t>
-            </a:r>
-            <a:endParaRPr lang="es-AR" dirty="0"/>
-          </a:p>
-        </p:txBody>
-      </p:sp>
-      <p:pic>
-        <p:nvPicPr>
-          <p:cNvPr id="1026" name="Picture 2"/>
-          <p:cNvPicPr>
-            <a:picLocks noGrp="1" noChangeAspect="1" noChangeArrowheads="1"/>
-          </p:cNvPicPr>
-          <p:nvPr>
-            <p:ph idx="1"/>
-          </p:nvPr>
-        </p:nvPicPr>
-        <p:blipFill>
-          <a:blip r:embed="rId2"/>
-          <a:srcRect/>
-          <a:stretch>
-            <a:fillRect/>
-          </a:stretch>
-        </p:blipFill>
-        <p:spPr bwMode="auto">
-          <a:xfrm>
-            <a:off x="3151981" y="1210469"/>
-            <a:ext cx="5848350" cy="4714875"/>
-          </a:xfrm>
-          <a:prstGeom prst="rect">
-            <a:avLst/>
-          </a:prstGeom>
-          <a:noFill/>
-          <a:ln w="9525">
-            <a:noFill/>
-            <a:miter lim="800000"/>
-            <a:headEnd/>
-            <a:tailEnd/>
-          </a:ln>
-          <a:effectLst/>
-        </p:spPr>
-      </p:pic>
-    </p:spTree>
-  </p:cSld>
-  <p:clrMapOvr>
-    <a:masterClrMapping/>
-  </p:clrMapOvr>
-</p:sld>
-</file>
-
-<file path=ppt/slides/slide17.xml><?xml version="1.0" encoding="utf-8"?>
-<p:sld xmlns:a="http://schemas.openxmlformats.org/drawingml/2006/main" xmlns:r="http://schemas.openxmlformats.org/officeDocument/2006/relationships" xmlns:p="http://schemas.openxmlformats.org/presentationml/2006/main">
-  <p:cSld>
-    <p:spTree>
-      <p:nvGrpSpPr>
-        <p:cNvPr id="1" name=""/>
-        <p:cNvGrpSpPr/>
-        <p:nvPr/>
-      </p:nvGrpSpPr>
-      <p:grpSpPr>
-        <a:xfrm>
-          <a:off x="0" y="0"/>
-          <a:ext cx="0" cy="0"/>
-          <a:chOff x="0" y="0"/>
-          <a:chExt cx="0" cy="0"/>
-        </a:xfrm>
-      </p:grpSpPr>
-      <p:sp>
-        <p:nvSpPr>
-          <p:cNvPr id="3" name="Título 2"/>
-          <p:cNvSpPr>
-            <a:spLocks noGrp="1"/>
-          </p:cNvSpPr>
-          <p:nvPr>
-            <p:ph type="title"/>
-          </p:nvPr>
-        </p:nvSpPr>
-        <p:spPr/>
-        <p:txBody>
-          <a:bodyPr/>
-          <a:lstStyle/>
-          <a:p>
-            <a:r>
-              <a:rPr lang="es-AR" dirty="0" smtClean="0"/>
-              <a:t>Fin de presentación</a:t>
-            </a:r>
-            <a:endParaRPr lang="es-AR" dirty="0"/>
-          </a:p>
-        </p:txBody>
-      </p:sp>
-      <p:sp>
-        <p:nvSpPr>
-          <p:cNvPr id="4" name="Marcador de pie de página 3"/>
-          <p:cNvSpPr>
-            <a:spLocks noGrp="1"/>
-          </p:cNvSpPr>
-          <p:nvPr>
-            <p:ph type="ftr" sz="quarter" idx="11"/>
-          </p:nvPr>
-        </p:nvSpPr>
-        <p:spPr/>
-        <p:txBody>
-          <a:bodyPr/>
-          <a:lstStyle/>
-          <a:p>
-            <a:r>
-              <a:rPr lang="es-AR" smtClean="0"/>
-              <a:t>OYARZO Mariela – QUIROGA Sandra – MÁRQUEZ EMANUEL</a:t>
-            </a:r>
-            <a:endParaRPr lang="es-AR" dirty="0"/>
-          </a:p>
-        </p:txBody>
-      </p:sp>
-      <p:sp>
-        <p:nvSpPr>
-          <p:cNvPr id="5" name="Marcador de número de diapositiva 4"/>
-          <p:cNvSpPr>
-            <a:spLocks noGrp="1"/>
-          </p:cNvSpPr>
-          <p:nvPr>
-            <p:ph type="sldNum" sz="quarter" idx="12"/>
-          </p:nvPr>
-        </p:nvSpPr>
-        <p:spPr/>
-        <p:txBody>
-          <a:bodyPr/>
-          <a:lstStyle/>
-          <a:p>
-            <a:fld id="{779E3280-5C43-43EF-BE7D-8C553A58A779}" type="slidenum">
-              <a:rPr lang="es-AR" smtClean="0"/>
-              <a:pPr/>
-              <a:t>17</a:t>
             </a:fld>
             <a:endParaRPr lang="es-AR" dirty="0"/>
           </a:p>
@@ -10171,7 +9663,7 @@
           <a:blip r:embed="rId2" cstate="print">
             <a:extLst>
               <a:ext uri="{28A0092B-C50C-407E-A947-70E740481C1C}">
-                <a14:useLocalDpi xmlns:a14="http://schemas.microsoft.com/office/drawing/2010/main" xmlns="" val="0"/>
+                <a14:useLocalDpi xmlns="" xmlns:a14="http://schemas.microsoft.com/office/drawing/2010/main" val="0"/>
               </a:ext>
             </a:extLst>
           </a:blip>
@@ -10192,7 +9684,7 @@
     </p:spTree>
     <p:extLst>
       <p:ext uri="{BB962C8B-B14F-4D97-AF65-F5344CB8AC3E}">
-        <p14:creationId xmlns:p14="http://schemas.microsoft.com/office/powerpoint/2010/main" xmlns="" val="2777136503"/>
+        <p14:creationId xmlns="" xmlns:p14="http://schemas.microsoft.com/office/powerpoint/2010/main" val="2777136503"/>
       </p:ext>
     </p:extLst>
   </p:cSld>
@@ -10200,7 +9692,7 @@
     <a:masterClrMapping/>
   </p:clrMapOvr>
   <mc:AlternateContent xmlns:mc="http://schemas.openxmlformats.org/markup-compatibility/2006">
-    <mc:Choice xmlns:p14="http://schemas.microsoft.com/office/powerpoint/2010/main" xmlns="" Requires="p14">
+    <mc:Choice xmlns="" xmlns:p14="http://schemas.microsoft.com/office/powerpoint/2010/main" Requires="p14">
       <p:transition spd="slow">
         <p14:reveal/>
       </p:transition>
@@ -10350,28 +9842,6 @@
       </p:grpSpPr>
       <p:sp>
         <p:nvSpPr>
-          <p:cNvPr id="8" name="7 Marcador de contenido"/>
-          <p:cNvSpPr>
-            <a:spLocks noGrp="1"/>
-          </p:cNvSpPr>
-          <p:nvPr>
-            <p:ph idx="1"/>
-          </p:nvPr>
-        </p:nvSpPr>
-        <p:spPr/>
-        <p:txBody>
-          <a:bodyPr/>
-          <a:lstStyle/>
-          <a:p>
-            <a:pPr>
-              <a:buNone/>
-            </a:pPr>
-            <a:endParaRPr lang="es-AR" dirty="0"/>
-          </a:p>
-        </p:txBody>
-      </p:sp>
-      <p:sp>
-        <p:nvSpPr>
           <p:cNvPr id="4" name="Título 3"/>
           <p:cNvSpPr>
             <a:spLocks noGrp="1"/>
@@ -10450,7 +9920,7 @@
           <a:blip r:embed="rId2">
             <a:extLst>
               <a:ext uri="{28A0092B-C50C-407E-A947-70E740481C1C}">
-                <a14:useLocalDpi xmlns:a14="http://schemas.microsoft.com/office/drawing/2010/main" xmlns="" val="0"/>
+                <a14:useLocalDpi xmlns="" xmlns:a14="http://schemas.microsoft.com/office/drawing/2010/main" val="0"/>
               </a:ext>
             </a:extLst>
           </a:blip>
@@ -10461,7 +9931,7 @@
         </p:blipFill>
         <p:spPr bwMode="auto">
           <a:xfrm>
-            <a:off x="1056239" y="1868628"/>
+            <a:off x="1267256" y="2110154"/>
             <a:ext cx="4163951" cy="3460717"/>
           </a:xfrm>
           <a:prstGeom prst="rect">
@@ -10483,7 +9953,7 @@
           <a:blip r:embed="rId3" cstate="print">
             <a:extLst>
               <a:ext uri="{28A0092B-C50C-407E-A947-70E740481C1C}">
-                <a14:useLocalDpi xmlns:a14="http://schemas.microsoft.com/office/drawing/2010/main" xmlns="" val="0"/>
+                <a14:useLocalDpi xmlns="" xmlns:a14="http://schemas.microsoft.com/office/drawing/2010/main" val="0"/>
               </a:ext>
             </a:extLst>
           </a:blip>
@@ -10494,7 +9964,7 @@
         </p:blipFill>
         <p:spPr bwMode="auto">
           <a:xfrm>
-            <a:off x="7186811" y="1500002"/>
+            <a:off x="6882471" y="1907966"/>
             <a:ext cx="3987165" cy="3604260"/>
           </a:xfrm>
           <a:prstGeom prst="rect">
@@ -10509,7 +9979,7 @@
     </p:spTree>
     <p:extLst>
       <p:ext uri="{BB962C8B-B14F-4D97-AF65-F5344CB8AC3E}">
-        <p14:creationId xmlns:p14="http://schemas.microsoft.com/office/powerpoint/2010/main" xmlns="" val="2818140150"/>
+        <p14:creationId xmlns="" xmlns:p14="http://schemas.microsoft.com/office/powerpoint/2010/main" val="2818140150"/>
       </p:ext>
     </p:extLst>
   </p:cSld>
@@ -10627,7 +10097,7 @@
           <a:blip r:embed="rId2" cstate="print">
             <a:extLst>
               <a:ext uri="{28A0092B-C50C-407E-A947-70E740481C1C}">
-                <a14:useLocalDpi xmlns:a14="http://schemas.microsoft.com/office/drawing/2010/main" xmlns="" val="0"/>
+                <a14:useLocalDpi xmlns="" xmlns:a14="http://schemas.microsoft.com/office/drawing/2010/main" val="0"/>
               </a:ext>
             </a:extLst>
           </a:blip>
@@ -10648,7 +10118,7 @@
     </p:spTree>
     <p:extLst>
       <p:ext uri="{BB962C8B-B14F-4D97-AF65-F5344CB8AC3E}">
-        <p14:creationId xmlns:p14="http://schemas.microsoft.com/office/powerpoint/2010/main" xmlns="" val="2225064651"/>
+        <p14:creationId xmlns="" xmlns:p14="http://schemas.microsoft.com/office/powerpoint/2010/main" val="2225064651"/>
       </p:ext>
     </p:extLst>
   </p:cSld>
@@ -10684,25 +10154,6 @@
       </p:grpSpPr>
       <p:sp>
         <p:nvSpPr>
-          <p:cNvPr id="6" name="5 Marcador de contenido"/>
-          <p:cNvSpPr>
-            <a:spLocks noGrp="1"/>
-          </p:cNvSpPr>
-          <p:nvPr>
-            <p:ph idx="1"/>
-          </p:nvPr>
-        </p:nvSpPr>
-        <p:spPr/>
-        <p:txBody>
-          <a:bodyPr/>
-          <a:lstStyle/>
-          <a:p>
-            <a:endParaRPr lang="es-AR" dirty="0"/>
-          </a:p>
-        </p:txBody>
-      </p:sp>
-      <p:sp>
-        <p:nvSpPr>
           <p:cNvPr id="4" name="Título 3"/>
           <p:cNvSpPr>
             <a:spLocks noGrp="1"/>
@@ -10781,7 +10232,7 @@
           <a:blip r:embed="rId2" cstate="print">
             <a:extLst>
               <a:ext uri="{28A0092B-C50C-407E-A947-70E740481C1C}">
-                <a14:useLocalDpi xmlns:a14="http://schemas.microsoft.com/office/drawing/2010/main" xmlns="" val="0"/>
+                <a14:useLocalDpi xmlns="" xmlns:a14="http://schemas.microsoft.com/office/drawing/2010/main" val="0"/>
               </a:ext>
             </a:extLst>
           </a:blip>
@@ -10791,8 +10242,8 @@
         </p:blipFill>
         <p:spPr>
           <a:xfrm>
-            <a:off x="551543" y="1484182"/>
-            <a:ext cx="11208928" cy="4867659"/>
+            <a:off x="661181" y="1491175"/>
+            <a:ext cx="11113358" cy="4846600"/>
           </a:xfrm>
           <a:prstGeom prst="rect">
             <a:avLst/>
@@ -10802,7 +10253,7 @@
     </p:spTree>
     <p:extLst>
       <p:ext uri="{BB962C8B-B14F-4D97-AF65-F5344CB8AC3E}">
-        <p14:creationId xmlns:p14="http://schemas.microsoft.com/office/powerpoint/2010/main" xmlns="" val="3803746841"/>
+        <p14:creationId xmlns="" xmlns:p14="http://schemas.microsoft.com/office/powerpoint/2010/main" val="3803746841"/>
       </p:ext>
     </p:extLst>
   </p:cSld>
@@ -10838,6 +10289,29 @@
       </p:grpSpPr>
       <p:sp>
         <p:nvSpPr>
+          <p:cNvPr id="4" name="Título 3"/>
+          <p:cNvSpPr>
+            <a:spLocks noGrp="1"/>
+          </p:cNvSpPr>
+          <p:nvPr>
+            <p:ph type="title"/>
+          </p:nvPr>
+        </p:nvSpPr>
+        <p:spPr/>
+        <p:txBody>
+          <a:bodyPr/>
+          <a:lstStyle/>
+          <a:p>
+            <a:r>
+              <a:rPr lang="es-AR" dirty="0" smtClean="0"/>
+              <a:t>Proceso actual</a:t>
+            </a:r>
+            <a:endParaRPr lang="es-AR" dirty="0"/>
+          </a:p>
+        </p:txBody>
+      </p:sp>
+      <p:sp>
+        <p:nvSpPr>
           <p:cNvPr id="2" name="Marcador de pie de página 1"/>
           <p:cNvSpPr>
             <a:spLocks noGrp="1"/>
@@ -10879,29 +10353,6 @@
               <a:pPr/>
               <a:t>6</a:t>
             </a:fld>
-            <a:endParaRPr lang="es-AR" dirty="0"/>
-          </a:p>
-        </p:txBody>
-      </p:sp>
-      <p:sp>
-        <p:nvSpPr>
-          <p:cNvPr id="4" name="Título 3"/>
-          <p:cNvSpPr>
-            <a:spLocks noGrp="1"/>
-          </p:cNvSpPr>
-          <p:nvPr>
-            <p:ph type="title"/>
-          </p:nvPr>
-        </p:nvSpPr>
-        <p:spPr/>
-        <p:txBody>
-          <a:bodyPr/>
-          <a:lstStyle/>
-          <a:p>
-            <a:r>
-              <a:rPr lang="es-AR" dirty="0" smtClean="0"/>
-              <a:t>Proceso actual</a:t>
-            </a:r>
             <a:endParaRPr lang="es-AR" dirty="0"/>
           </a:p>
         </p:txBody>
@@ -10916,7 +10367,7 @@
           <a:blip r:embed="rId2" cstate="print">
             <a:extLst>
               <a:ext uri="{28A0092B-C50C-407E-A947-70E740481C1C}">
-                <a14:useLocalDpi xmlns:a14="http://schemas.microsoft.com/office/drawing/2010/main" xmlns="" val="0"/>
+                <a14:useLocalDpi xmlns="" xmlns:a14="http://schemas.microsoft.com/office/drawing/2010/main" val="0"/>
               </a:ext>
             </a:extLst>
           </a:blip>
@@ -10926,7 +10377,7 @@
         </p:blipFill>
         <p:spPr>
           <a:xfrm>
-            <a:off x="491536" y="914399"/>
+            <a:off x="563437" y="1501222"/>
             <a:ext cx="11208928" cy="4929203"/>
           </a:xfrm>
           <a:prstGeom prst="rect">
@@ -10937,7 +10388,7 @@
     </p:spTree>
     <p:extLst>
       <p:ext uri="{BB962C8B-B14F-4D97-AF65-F5344CB8AC3E}">
-        <p14:creationId xmlns:p14="http://schemas.microsoft.com/office/powerpoint/2010/main" xmlns="" val="207308504"/>
+        <p14:creationId xmlns="" xmlns:p14="http://schemas.microsoft.com/office/powerpoint/2010/main" val="207308504"/>
       </p:ext>
     </p:extLst>
   </p:cSld>
@@ -10973,6 +10424,29 @@
       </p:grpSpPr>
       <p:sp>
         <p:nvSpPr>
+          <p:cNvPr id="4" name="Título 3"/>
+          <p:cNvSpPr>
+            <a:spLocks noGrp="1"/>
+          </p:cNvSpPr>
+          <p:nvPr>
+            <p:ph type="title"/>
+          </p:nvPr>
+        </p:nvSpPr>
+        <p:spPr/>
+        <p:txBody>
+          <a:bodyPr/>
+          <a:lstStyle/>
+          <a:p>
+            <a:r>
+              <a:rPr lang="es-AR" dirty="0" smtClean="0"/>
+              <a:t>Planificación</a:t>
+            </a:r>
+            <a:endParaRPr lang="es-AR" dirty="0"/>
+          </a:p>
+        </p:txBody>
+      </p:sp>
+      <p:sp>
+        <p:nvSpPr>
           <p:cNvPr id="2" name="Marcador de pie de página 1"/>
           <p:cNvSpPr>
             <a:spLocks noGrp="1"/>
@@ -11014,29 +10488,6 @@
               <a:pPr/>
               <a:t>7</a:t>
             </a:fld>
-            <a:endParaRPr lang="es-AR" dirty="0"/>
-          </a:p>
-        </p:txBody>
-      </p:sp>
-      <p:sp>
-        <p:nvSpPr>
-          <p:cNvPr id="4" name="Título 3"/>
-          <p:cNvSpPr>
-            <a:spLocks noGrp="1"/>
-          </p:cNvSpPr>
-          <p:nvPr>
-            <p:ph type="title"/>
-          </p:nvPr>
-        </p:nvSpPr>
-        <p:spPr/>
-        <p:txBody>
-          <a:bodyPr/>
-          <a:lstStyle/>
-          <a:p>
-            <a:r>
-              <a:rPr lang="es-AR" dirty="0" smtClean="0"/>
-              <a:t>Planificación</a:t>
-            </a:r>
             <a:endParaRPr lang="es-AR" dirty="0"/>
           </a:p>
         </p:txBody>
@@ -11051,7 +10502,7 @@
           <a:blip r:embed="rId2" cstate="print">
             <a:extLst>
               <a:ext uri="{28A0092B-C50C-407E-A947-70E740481C1C}">
-                <a14:useLocalDpi xmlns:a14="http://schemas.microsoft.com/office/drawing/2010/main" xmlns="" val="0"/>
+                <a14:useLocalDpi xmlns="" xmlns:a14="http://schemas.microsoft.com/office/drawing/2010/main" val="0"/>
               </a:ext>
             </a:extLst>
           </a:blip>
@@ -11061,8 +10512,8 @@
         </p:blipFill>
         <p:spPr>
           <a:xfrm>
-            <a:off x="1624852" y="843411"/>
-            <a:ext cx="8004451" cy="5428230"/>
+            <a:off x="1322363" y="1429770"/>
+            <a:ext cx="9594165" cy="5055436"/>
           </a:xfrm>
           <a:prstGeom prst="rect">
             <a:avLst/>
@@ -11072,7 +10523,7 @@
     </p:spTree>
     <p:extLst>
       <p:ext uri="{BB962C8B-B14F-4D97-AF65-F5344CB8AC3E}">
-        <p14:creationId xmlns:p14="http://schemas.microsoft.com/office/powerpoint/2010/main" xmlns="" val="1778773683"/>
+        <p14:creationId xmlns="" xmlns:p14="http://schemas.microsoft.com/office/powerpoint/2010/main" val="1778773683"/>
       </p:ext>
     </p:extLst>
   </p:cSld>
@@ -11108,6 +10559,48 @@
       </p:grpSpPr>
       <p:sp>
         <p:nvSpPr>
+          <p:cNvPr id="7" name="6 Marcador de contenido"/>
+          <p:cNvSpPr>
+            <a:spLocks noGrp="1"/>
+          </p:cNvSpPr>
+          <p:nvPr>
+            <p:ph idx="1"/>
+          </p:nvPr>
+        </p:nvSpPr>
+        <p:spPr/>
+        <p:txBody>
+          <a:bodyPr/>
+          <a:lstStyle/>
+          <a:p>
+            <a:endParaRPr lang="es-AR"/>
+          </a:p>
+        </p:txBody>
+      </p:sp>
+      <p:sp>
+        <p:nvSpPr>
+          <p:cNvPr id="4" name="3 Título"/>
+          <p:cNvSpPr>
+            <a:spLocks noGrp="1"/>
+          </p:cNvSpPr>
+          <p:nvPr>
+            <p:ph type="title"/>
+          </p:nvPr>
+        </p:nvSpPr>
+        <p:spPr/>
+        <p:txBody>
+          <a:bodyPr/>
+          <a:lstStyle/>
+          <a:p>
+            <a:r>
+              <a:rPr lang="es-AR" dirty="0" smtClean="0"/>
+              <a:t>Planificación</a:t>
+            </a:r>
+            <a:endParaRPr lang="es-AR" dirty="0"/>
+          </a:p>
+        </p:txBody>
+      </p:sp>
+      <p:sp>
+        <p:nvSpPr>
           <p:cNvPr id="2" name="1 Marcador de pie de página"/>
           <p:cNvSpPr>
             <a:spLocks noGrp="1"/>
@@ -11150,48 +10643,6 @@
               <a:t>8</a:t>
             </a:fld>
             <a:endParaRPr lang="es-AR" dirty="0"/>
-          </a:p>
-        </p:txBody>
-      </p:sp>
-      <p:sp>
-        <p:nvSpPr>
-          <p:cNvPr id="4" name="3 Título"/>
-          <p:cNvSpPr>
-            <a:spLocks noGrp="1"/>
-          </p:cNvSpPr>
-          <p:nvPr>
-            <p:ph type="title"/>
-          </p:nvPr>
-        </p:nvSpPr>
-        <p:spPr/>
-        <p:txBody>
-          <a:bodyPr/>
-          <a:lstStyle/>
-          <a:p>
-            <a:r>
-              <a:rPr lang="es-AR" dirty="0" smtClean="0"/>
-              <a:t>Planificación</a:t>
-            </a:r>
-            <a:endParaRPr lang="es-AR" dirty="0"/>
-          </a:p>
-        </p:txBody>
-      </p:sp>
-      <p:sp>
-        <p:nvSpPr>
-          <p:cNvPr id="6" name="5 Marcador de contenido"/>
-          <p:cNvSpPr>
-            <a:spLocks noGrp="1"/>
-          </p:cNvSpPr>
-          <p:nvPr>
-            <p:ph idx="1"/>
-          </p:nvPr>
-        </p:nvSpPr>
-        <p:spPr/>
-        <p:txBody>
-          <a:bodyPr/>
-          <a:lstStyle/>
-          <a:p>
-            <a:endParaRPr lang="es-AR"/>
           </a:p>
         </p:txBody>
       </p:sp>
@@ -11222,6 +10673,29 @@
       </p:grpSpPr>
       <p:sp>
         <p:nvSpPr>
+          <p:cNvPr id="4" name="Título 3"/>
+          <p:cNvSpPr>
+            <a:spLocks noGrp="1"/>
+          </p:cNvSpPr>
+          <p:nvPr>
+            <p:ph type="title"/>
+          </p:nvPr>
+        </p:nvSpPr>
+        <p:spPr/>
+        <p:txBody>
+          <a:bodyPr/>
+          <a:lstStyle/>
+          <a:p>
+            <a:r>
+              <a:rPr lang="es-AR" dirty="0" smtClean="0"/>
+              <a:t>Estimación</a:t>
+            </a:r>
+            <a:endParaRPr lang="es-AR" dirty="0"/>
+          </a:p>
+        </p:txBody>
+      </p:sp>
+      <p:sp>
+        <p:nvSpPr>
           <p:cNvPr id="2" name="Marcador de pie de página 1"/>
           <p:cNvSpPr>
             <a:spLocks noGrp="1"/>
@@ -11263,29 +10737,6 @@
               <a:pPr/>
               <a:t>9</a:t>
             </a:fld>
-            <a:endParaRPr lang="es-AR" dirty="0"/>
-          </a:p>
-        </p:txBody>
-      </p:sp>
-      <p:sp>
-        <p:nvSpPr>
-          <p:cNvPr id="4" name="Título 3"/>
-          <p:cNvSpPr>
-            <a:spLocks noGrp="1"/>
-          </p:cNvSpPr>
-          <p:nvPr>
-            <p:ph type="title"/>
-          </p:nvPr>
-        </p:nvSpPr>
-        <p:spPr/>
-        <p:txBody>
-          <a:bodyPr/>
-          <a:lstStyle/>
-          <a:p>
-            <a:r>
-              <a:rPr lang="es-AR" dirty="0" smtClean="0"/>
-              <a:t>Estimación</a:t>
-            </a:r>
             <a:endParaRPr lang="es-AR" dirty="0"/>
           </a:p>
         </p:txBody>
@@ -11300,7 +10751,7 @@
           <a:blip r:embed="rId2">
             <a:extLst>
               <a:ext uri="{28A0092B-C50C-407E-A947-70E740481C1C}">
-                <a14:useLocalDpi xmlns:a14="http://schemas.microsoft.com/office/drawing/2010/main" xmlns="" val="0"/>
+                <a14:useLocalDpi xmlns="" xmlns:a14="http://schemas.microsoft.com/office/drawing/2010/main" val="0"/>
               </a:ext>
             </a:extLst>
           </a:blip>
@@ -11309,7 +10760,7 @@
         </p:blipFill>
         <p:spPr>
           <a:xfrm>
-            <a:off x="1" y="1706476"/>
+            <a:off x="323558" y="1889356"/>
             <a:ext cx="6108154" cy="2883740"/>
           </a:xfrm>
           <a:prstGeom prst="rect">
@@ -11327,7 +10778,7 @@
           <a:blip r:embed="rId2">
             <a:extLst>
               <a:ext uri="{28A0092B-C50C-407E-A947-70E740481C1C}">
-                <a14:useLocalDpi xmlns:a14="http://schemas.microsoft.com/office/drawing/2010/main" xmlns="" val="0"/>
+                <a14:useLocalDpi xmlns="" xmlns:a14="http://schemas.microsoft.com/office/drawing/2010/main" val="0"/>
               </a:ext>
             </a:extLst>
           </a:blip>
@@ -11336,7 +10787,7 @@
         </p:blipFill>
         <p:spPr>
           <a:xfrm>
-            <a:off x="6096000" y="1747056"/>
+            <a:off x="6096000" y="1944004"/>
             <a:ext cx="5902256" cy="2883740"/>
           </a:xfrm>
           <a:prstGeom prst="rect">
@@ -11347,7 +10798,7 @@
     </p:spTree>
     <p:extLst>
       <p:ext uri="{BB962C8B-B14F-4D97-AF65-F5344CB8AC3E}">
-        <p14:creationId xmlns:p14="http://schemas.microsoft.com/office/powerpoint/2010/main" xmlns="" val="1710719604"/>
+        <p14:creationId xmlns="" xmlns:p14="http://schemas.microsoft.com/office/powerpoint/2010/main" val="1710719604"/>
       </p:ext>
     </p:extLst>
   </p:cSld>
@@ -11619,7 +11070,7 @@
   <a:extraClrSchemeLst/>
   <a:extLst>
     <a:ext uri="{05A4C25C-085E-4340-85A3-A5531E510DB2}">
-      <thm15:themeFamily xmlns:thm15="http://schemas.microsoft.com/office/thememl/2012/main" xmlns="" name="Depth" id="{7BEAFC2A-325C-49C4-AC08-2B765DA903F9}" vid="{1735E755-43E6-43AA-ABA2-C989ECC79AF5}"/>
+      <thm15:themeFamily xmlns="" xmlns:thm15="http://schemas.microsoft.com/office/thememl/2012/main" name="Depth" id="{7BEAFC2A-325C-49C4-AC08-2B765DA903F9}" vid="{1735E755-43E6-43AA-ABA2-C989ECC79AF5}"/>
     </a:ext>
   </a:extLst>
 </a:theme>

--- a/08. Presentaciones/Presentación 11.pptx
+++ b/08. Presentaciones/Presentación 11.pptx
@@ -5,10 +5,10 @@
     <p:sldMasterId id="2147483696" r:id="rId1"/>
   </p:sldMasterIdLst>
   <p:notesMasterIdLst>
-    <p:notesMasterId r:id="rId18"/>
+    <p:notesMasterId r:id="rId20"/>
   </p:notesMasterIdLst>
   <p:handoutMasterIdLst>
-    <p:handoutMasterId r:id="rId19"/>
+    <p:handoutMasterId r:id="rId21"/>
   </p:handoutMasterIdLst>
   <p:sldIdLst>
     <p:sldId id="277" r:id="rId2"/>
@@ -22,11 +22,13 @@
     <p:sldId id="367" r:id="rId10"/>
     <p:sldId id="371" r:id="rId11"/>
     <p:sldId id="372" r:id="rId12"/>
-    <p:sldId id="373" r:id="rId13"/>
-    <p:sldId id="376" r:id="rId14"/>
-    <p:sldId id="378" r:id="rId15"/>
-    <p:sldId id="374" r:id="rId16"/>
-    <p:sldId id="302" r:id="rId17"/>
+    <p:sldId id="379" r:id="rId13"/>
+    <p:sldId id="380" r:id="rId14"/>
+    <p:sldId id="373" r:id="rId15"/>
+    <p:sldId id="376" r:id="rId16"/>
+    <p:sldId id="378" r:id="rId17"/>
+    <p:sldId id="374" r:id="rId18"/>
+    <p:sldId id="302" r:id="rId19"/>
   </p:sldIdLst>
   <p:sldSz cx="12192000" cy="6858000"/>
   <p:notesSz cx="6858000" cy="9144000"/>
@@ -127,7 +129,7 @@
   </p:defaultTextStyle>
   <p:extLst>
     <p:ext uri="{EFAFB233-063F-42B5-8137-9DF3F51BA10A}">
-      <p15:sldGuideLst xmlns="" xmlns:p15="http://schemas.microsoft.com/office/powerpoint/2012/main">
+      <p15:sldGuideLst xmlns:p15="http://schemas.microsoft.com/office/powerpoint/2012/main" xmlns="">
         <p15:guide id="1" orient="horz" pos="2160">
           <p15:clr>
             <a:srgbClr val="A4A3A4"/>
@@ -306,7 +308,7 @@
     </p:spTree>
     <p:extLst>
       <p:ext uri="{BB962C8B-B14F-4D97-AF65-F5344CB8AC3E}">
-        <p14:creationId xmlns="" xmlns:p14="http://schemas.microsoft.com/office/powerpoint/2010/main" val="2830949299"/>
+        <p14:creationId xmlns:p14="http://schemas.microsoft.com/office/powerpoint/2010/main" xmlns="" val="2830949299"/>
       </p:ext>
     </p:extLst>
   </p:cSld>
@@ -570,7 +572,7 @@
     </p:spTree>
     <p:extLst>
       <p:ext uri="{BB962C8B-B14F-4D97-AF65-F5344CB8AC3E}">
-        <p14:creationId xmlns="" xmlns:p14="http://schemas.microsoft.com/office/powerpoint/2010/main" val="3361875708"/>
+        <p14:creationId xmlns:p14="http://schemas.microsoft.com/office/powerpoint/2010/main" xmlns="" val="3361875708"/>
       </p:ext>
     </p:extLst>
   </p:cSld>
@@ -1024,7 +1026,7 @@
           <a:blip r:embed="rId2">
             <a:extLst>
               <a:ext uri="{28A0092B-C50C-407E-A947-70E740481C1C}">
-                <a14:useLocalDpi xmlns="" xmlns:a14="http://schemas.microsoft.com/office/drawing/2010/main" val="0"/>
+                <a14:useLocalDpi xmlns:a14="http://schemas.microsoft.com/office/drawing/2010/main" xmlns="" val="0"/>
               </a:ext>
             </a:extLst>
           </a:blip>
@@ -1054,7 +1056,7 @@
           <a:blip r:embed="rId3" cstate="print">
             <a:extLst>
               <a:ext uri="{28A0092B-C50C-407E-A947-70E740481C1C}">
-                <a14:useLocalDpi xmlns="" xmlns:a14="http://schemas.microsoft.com/office/drawing/2010/main" val="0"/>
+                <a14:useLocalDpi xmlns:a14="http://schemas.microsoft.com/office/drawing/2010/main" xmlns="" val="0"/>
               </a:ext>
             </a:extLst>
           </a:blip>
@@ -1084,7 +1086,7 @@
           <a:blip r:embed="rId4" cstate="print">
             <a:extLst>
               <a:ext uri="{28A0092B-C50C-407E-A947-70E740481C1C}">
-                <a14:useLocalDpi xmlns="" xmlns:a14="http://schemas.microsoft.com/office/drawing/2010/main" val="0"/>
+                <a14:useLocalDpi xmlns:a14="http://schemas.microsoft.com/office/drawing/2010/main" xmlns="" val="0"/>
               </a:ext>
             </a:extLst>
           </a:blip>
@@ -1105,7 +1107,7 @@
     </p:spTree>
     <p:extLst>
       <p:ext uri="{BB962C8B-B14F-4D97-AF65-F5344CB8AC3E}">
-        <p14:creationId xmlns="" xmlns:p14="http://schemas.microsoft.com/office/powerpoint/2010/main" val="1987851363"/>
+        <p14:creationId xmlns:p14="http://schemas.microsoft.com/office/powerpoint/2010/main" xmlns="" val="1987851363"/>
       </p:ext>
     </p:extLst>
   </p:cSld>
@@ -1391,7 +1393,7 @@
     </p:spTree>
     <p:extLst>
       <p:ext uri="{BB962C8B-B14F-4D97-AF65-F5344CB8AC3E}">
-        <p14:creationId xmlns="" xmlns:p14="http://schemas.microsoft.com/office/powerpoint/2010/main" val="3444745824"/>
+        <p14:creationId xmlns:p14="http://schemas.microsoft.com/office/powerpoint/2010/main" xmlns="" val="3444745824"/>
       </p:ext>
     </p:extLst>
   </p:cSld>
@@ -1588,7 +1590,7 @@
     </p:spTree>
     <p:extLst>
       <p:ext uri="{BB962C8B-B14F-4D97-AF65-F5344CB8AC3E}">
-        <p14:creationId xmlns="" xmlns:p14="http://schemas.microsoft.com/office/powerpoint/2010/main" val="2217620014"/>
+        <p14:creationId xmlns:p14="http://schemas.microsoft.com/office/powerpoint/2010/main" xmlns="" val="2217620014"/>
       </p:ext>
     </p:extLst>
   </p:cSld>
@@ -2086,7 +2088,7 @@
     </p:spTree>
     <p:extLst>
       <p:ext uri="{BB962C8B-B14F-4D97-AF65-F5344CB8AC3E}">
-        <p14:creationId xmlns="" xmlns:p14="http://schemas.microsoft.com/office/powerpoint/2010/main" val="2136429344"/>
+        <p14:creationId xmlns:p14="http://schemas.microsoft.com/office/powerpoint/2010/main" xmlns="" val="2136429344"/>
       </p:ext>
     </p:extLst>
   </p:cSld>
@@ -2285,7 +2287,7 @@
     </p:spTree>
     <p:extLst>
       <p:ext uri="{BB962C8B-B14F-4D97-AF65-F5344CB8AC3E}">
-        <p14:creationId xmlns="" xmlns:p14="http://schemas.microsoft.com/office/powerpoint/2010/main" val="1401297368"/>
+        <p14:creationId xmlns:p14="http://schemas.microsoft.com/office/powerpoint/2010/main" xmlns="" val="1401297368"/>
       </p:ext>
     </p:extLst>
   </p:cSld>
@@ -2836,7 +2838,7 @@
     </p:spTree>
     <p:extLst>
       <p:ext uri="{BB962C8B-B14F-4D97-AF65-F5344CB8AC3E}">
-        <p14:creationId xmlns="" xmlns:p14="http://schemas.microsoft.com/office/powerpoint/2010/main" val="3581304418"/>
+        <p14:creationId xmlns:p14="http://schemas.microsoft.com/office/powerpoint/2010/main" xmlns="" val="3581304418"/>
       </p:ext>
     </p:extLst>
   </p:cSld>
@@ -3672,7 +3674,7 @@
     </p:spTree>
     <p:extLst>
       <p:ext uri="{BB962C8B-B14F-4D97-AF65-F5344CB8AC3E}">
-        <p14:creationId xmlns="" xmlns:p14="http://schemas.microsoft.com/office/powerpoint/2010/main" val="2434754427"/>
+        <p14:creationId xmlns:p14="http://schemas.microsoft.com/office/powerpoint/2010/main" xmlns="" val="2434754427"/>
       </p:ext>
     </p:extLst>
   </p:cSld>
@@ -3847,7 +3849,7 @@
     </p:spTree>
     <p:extLst>
       <p:ext uri="{BB962C8B-B14F-4D97-AF65-F5344CB8AC3E}">
-        <p14:creationId xmlns="" xmlns:p14="http://schemas.microsoft.com/office/powerpoint/2010/main" val="796553577"/>
+        <p14:creationId xmlns:p14="http://schemas.microsoft.com/office/powerpoint/2010/main" xmlns="" val="796553577"/>
       </p:ext>
     </p:extLst>
   </p:cSld>
@@ -4032,7 +4034,7 @@
     </p:spTree>
     <p:extLst>
       <p:ext uri="{BB962C8B-B14F-4D97-AF65-F5344CB8AC3E}">
-        <p14:creationId xmlns="" xmlns:p14="http://schemas.microsoft.com/office/powerpoint/2010/main" val="2178378210"/>
+        <p14:creationId xmlns:p14="http://schemas.microsoft.com/office/powerpoint/2010/main" xmlns="" val="2178378210"/>
       </p:ext>
     </p:extLst>
   </p:cSld>
@@ -4131,7 +4133,7 @@
           <a:blip r:embed="rId2" cstate="print">
             <a:extLst>
               <a:ext uri="{28A0092B-C50C-407E-A947-70E740481C1C}">
-                <a14:useLocalDpi xmlns="" xmlns:a14="http://schemas.microsoft.com/office/drawing/2010/main" val="0"/>
+                <a14:useLocalDpi xmlns:a14="http://schemas.microsoft.com/office/drawing/2010/main" xmlns="" val="0"/>
               </a:ext>
             </a:extLst>
           </a:blip>
@@ -4326,7 +4328,7 @@
           <a:blip r:embed="rId3" cstate="print">
             <a:extLst>
               <a:ext uri="{28A0092B-C50C-407E-A947-70E740481C1C}">
-                <a14:useLocalDpi xmlns="" xmlns:a14="http://schemas.microsoft.com/office/drawing/2010/main" val="0"/>
+                <a14:useLocalDpi xmlns:a14="http://schemas.microsoft.com/office/drawing/2010/main" xmlns="" val="0"/>
               </a:ext>
             </a:extLst>
           </a:blip>
@@ -4453,7 +4455,7 @@
     </p:spTree>
     <p:extLst>
       <p:ext uri="{BB962C8B-B14F-4D97-AF65-F5344CB8AC3E}">
-        <p14:creationId xmlns="" xmlns:p14="http://schemas.microsoft.com/office/powerpoint/2010/main" val="1072273061"/>
+        <p14:creationId xmlns:p14="http://schemas.microsoft.com/office/powerpoint/2010/main" xmlns="" val="1072273061"/>
       </p:ext>
     </p:extLst>
   </p:cSld>
@@ -4715,7 +4717,7 @@
     </p:spTree>
     <p:extLst>
       <p:ext uri="{BB962C8B-B14F-4D97-AF65-F5344CB8AC3E}">
-        <p14:creationId xmlns="" xmlns:p14="http://schemas.microsoft.com/office/powerpoint/2010/main" val="2343256160"/>
+        <p14:creationId xmlns:p14="http://schemas.microsoft.com/office/powerpoint/2010/main" xmlns="" val="2343256160"/>
       </p:ext>
     </p:extLst>
   </p:cSld>
@@ -4952,7 +4954,7 @@
     </p:spTree>
     <p:extLst>
       <p:ext uri="{BB962C8B-B14F-4D97-AF65-F5344CB8AC3E}">
-        <p14:creationId xmlns="" xmlns:p14="http://schemas.microsoft.com/office/powerpoint/2010/main" val="492701131"/>
+        <p14:creationId xmlns:p14="http://schemas.microsoft.com/office/powerpoint/2010/main" xmlns="" val="492701131"/>
       </p:ext>
     </p:extLst>
   </p:cSld>
@@ -5350,7 +5352,7 @@
     </p:spTree>
     <p:extLst>
       <p:ext uri="{BB962C8B-B14F-4D97-AF65-F5344CB8AC3E}">
-        <p14:creationId xmlns="" xmlns:p14="http://schemas.microsoft.com/office/powerpoint/2010/main" val="1192843996"/>
+        <p14:creationId xmlns:p14="http://schemas.microsoft.com/office/powerpoint/2010/main" xmlns="" val="1192843996"/>
       </p:ext>
     </p:extLst>
   </p:cSld>
@@ -5473,7 +5475,7 @@
     </p:spTree>
     <p:extLst>
       <p:ext uri="{BB962C8B-B14F-4D97-AF65-F5344CB8AC3E}">
-        <p14:creationId xmlns="" xmlns:p14="http://schemas.microsoft.com/office/powerpoint/2010/main" val="1497457452"/>
+        <p14:creationId xmlns:p14="http://schemas.microsoft.com/office/powerpoint/2010/main" xmlns="" val="1497457452"/>
       </p:ext>
     </p:extLst>
   </p:cSld>
@@ -5573,7 +5575,7 @@
     </p:spTree>
     <p:extLst>
       <p:ext uri="{BB962C8B-B14F-4D97-AF65-F5344CB8AC3E}">
-        <p14:creationId xmlns="" xmlns:p14="http://schemas.microsoft.com/office/powerpoint/2010/main" val="3150583799"/>
+        <p14:creationId xmlns:p14="http://schemas.microsoft.com/office/powerpoint/2010/main" xmlns="" val="3150583799"/>
       </p:ext>
     </p:extLst>
   </p:cSld>
@@ -5851,7 +5853,7 @@
     </p:spTree>
     <p:extLst>
       <p:ext uri="{BB962C8B-B14F-4D97-AF65-F5344CB8AC3E}">
-        <p14:creationId xmlns="" xmlns:p14="http://schemas.microsoft.com/office/powerpoint/2010/main" val="3101053053"/>
+        <p14:creationId xmlns:p14="http://schemas.microsoft.com/office/powerpoint/2010/main" xmlns="" val="3101053053"/>
       </p:ext>
     </p:extLst>
   </p:cSld>
@@ -6137,7 +6139,7 @@
     </p:spTree>
     <p:extLst>
       <p:ext uri="{BB962C8B-B14F-4D97-AF65-F5344CB8AC3E}">
-        <p14:creationId xmlns="" xmlns:p14="http://schemas.microsoft.com/office/powerpoint/2010/main" val="3053301401"/>
+        <p14:creationId xmlns:p14="http://schemas.microsoft.com/office/powerpoint/2010/main" xmlns="" val="3053301401"/>
       </p:ext>
     </p:extLst>
   </p:cSld>
@@ -6450,7 +6452,7 @@
     </p:spTree>
     <p:extLst>
       <p:ext uri="{BB962C8B-B14F-4D97-AF65-F5344CB8AC3E}">
-        <p14:creationId xmlns="" xmlns:p14="http://schemas.microsoft.com/office/powerpoint/2010/main" val="1640675034"/>
+        <p14:creationId xmlns:p14="http://schemas.microsoft.com/office/powerpoint/2010/main" xmlns="" val="1640675034"/>
       </p:ext>
     </p:extLst>
   </p:cSld>
@@ -7036,7 +7038,7 @@
           <a:blip r:embed="rId2" cstate="print">
             <a:extLst>
               <a:ext uri="{28A0092B-C50C-407E-A947-70E740481C1C}">
-                <a14:useLocalDpi xmlns="" xmlns:a14="http://schemas.microsoft.com/office/drawing/2010/main" val="0"/>
+                <a14:useLocalDpi xmlns:a14="http://schemas.microsoft.com/office/drawing/2010/main" xmlns="" val="0"/>
               </a:ext>
             </a:extLst>
           </a:blip>
@@ -7066,7 +7068,7 @@
           <a:blip r:embed="rId3" cstate="print">
             <a:extLst>
               <a:ext uri="{28A0092B-C50C-407E-A947-70E740481C1C}">
-                <a14:useLocalDpi xmlns="" xmlns:a14="http://schemas.microsoft.com/office/drawing/2010/main" val="0"/>
+                <a14:useLocalDpi xmlns:a14="http://schemas.microsoft.com/office/drawing/2010/main" xmlns="" val="0"/>
               </a:ext>
             </a:extLst>
           </a:blip>
@@ -7096,7 +7098,7 @@
           <a:blip r:embed="rId4" cstate="print">
             <a:extLst>
               <a:ext uri="{28A0092B-C50C-407E-A947-70E740481C1C}">
-                <a14:useLocalDpi xmlns="" xmlns:a14="http://schemas.microsoft.com/office/drawing/2010/main" val="0"/>
+                <a14:useLocalDpi xmlns:a14="http://schemas.microsoft.com/office/drawing/2010/main" xmlns="" val="0"/>
               </a:ext>
             </a:extLst>
           </a:blip>
@@ -7117,7 +7119,7 @@
     </p:spTree>
     <p:extLst>
       <p:ext uri="{BB962C8B-B14F-4D97-AF65-F5344CB8AC3E}">
-        <p14:creationId xmlns="" xmlns:p14="http://schemas.microsoft.com/office/powerpoint/2010/main" val="2194547385"/>
+        <p14:creationId xmlns:p14="http://schemas.microsoft.com/office/powerpoint/2010/main" xmlns="" val="2194547385"/>
       </p:ext>
     </p:extLst>
   </p:cSld>
@@ -7125,7 +7127,7 @@
     <a:masterClrMapping/>
   </p:clrMapOvr>
   <mc:AlternateContent xmlns:mc="http://schemas.openxmlformats.org/markup-compatibility/2006">
-    <mc:Choice xmlns="" xmlns:p14="http://schemas.microsoft.com/office/powerpoint/2010/main" Requires="p14">
+    <mc:Choice xmlns:p14="http://schemas.microsoft.com/office/powerpoint/2010/main" xmlns="" Requires="p14">
       <p:transition spd="med" p14:dur="700">
         <p:fade/>
       </p:transition>
@@ -7305,6 +7307,39 @@
           </a:p>
         </p:txBody>
       </p:sp>
+      <p:pic>
+        <p:nvPicPr>
+          <p:cNvPr id="1027" name="Picture 3"/>
+          <p:cNvPicPr>
+            <a:picLocks noChangeAspect="1" noChangeArrowheads="1"/>
+          </p:cNvPicPr>
+          <p:nvPr/>
+        </p:nvPicPr>
+        <p:blipFill>
+          <a:blip r:embed="rId2"/>
+          <a:srcRect/>
+          <a:stretch>
+            <a:fillRect/>
+          </a:stretch>
+        </p:blipFill>
+        <p:spPr bwMode="auto">
+          <a:xfrm>
+            <a:off x="4149969" y="1856935"/>
+            <a:ext cx="6217919" cy="3432517"/>
+          </a:xfrm>
+          <a:prstGeom prst="rect">
+            <a:avLst/>
+          </a:prstGeom>
+          <a:noFill/>
+          <a:ln w="9525">
+            <a:noFill/>
+            <a:miter lim="800000"/>
+            <a:headEnd/>
+            <a:tailEnd/>
+          </a:ln>
+          <a:effectLst/>
+        </p:spPr>
+      </p:pic>
     </p:spTree>
   </p:cSld>
   <p:clrMapOvr>
@@ -7428,6 +7463,39 @@
           </a:p>
         </p:txBody>
       </p:sp>
+      <p:pic>
+        <p:nvPicPr>
+          <p:cNvPr id="2050" name="Picture 2"/>
+          <p:cNvPicPr>
+            <a:picLocks noChangeAspect="1" noChangeArrowheads="1"/>
+          </p:cNvPicPr>
+          <p:nvPr/>
+        </p:nvPicPr>
+        <p:blipFill>
+          <a:blip r:embed="rId2"/>
+          <a:srcRect/>
+          <a:stretch>
+            <a:fillRect/>
+          </a:stretch>
+        </p:blipFill>
+        <p:spPr bwMode="auto">
+          <a:xfrm>
+            <a:off x="3509743" y="2236323"/>
+            <a:ext cx="5200650" cy="3257550"/>
+          </a:xfrm>
+          <a:prstGeom prst="rect">
+            <a:avLst/>
+          </a:prstGeom>
+          <a:noFill/>
+          <a:ln w="9525">
+            <a:noFill/>
+            <a:miter lim="800000"/>
+            <a:headEnd/>
+            <a:tailEnd/>
+          </a:ln>
+          <a:effectLst/>
+        </p:spPr>
+      </p:pic>
     </p:spTree>
   </p:cSld>
   <p:clrMapOvr>
@@ -7455,7 +7523,7 @@
       </p:grpSpPr>
       <p:sp>
         <p:nvSpPr>
-          <p:cNvPr id="5" name="4 Marcador de contenido"/>
+          <p:cNvPr id="7" name="6 Marcador de contenido"/>
           <p:cNvSpPr>
             <a:spLocks noGrp="1"/>
           </p:cNvSpPr>
@@ -7468,10 +7536,60 @@
           <a:bodyPr/>
           <a:lstStyle/>
           <a:p>
-            <a:endParaRPr lang="es-AR" dirty="0" smtClean="0"/>
-          </a:p>
-          <a:p>
-            <a:endParaRPr lang="es-AR" dirty="0" smtClean="0"/>
+            <a:pPr lvl="0"/>
+            <a:endParaRPr lang="es-MX" dirty="0" smtClean="0"/>
+          </a:p>
+          <a:p>
+            <a:pPr lvl="0"/>
+            <a:r>
+              <a:rPr lang="es-MX" dirty="0" smtClean="0"/>
+              <a:t>Encontrar </a:t>
+            </a:r>
+            <a:r>
+              <a:rPr lang="es-MX" dirty="0" smtClean="0"/>
+              <a:t>tantos errores como sea posible.</a:t>
+            </a:r>
+            <a:endParaRPr lang="es-AR" b="1" dirty="0" smtClean="0"/>
+          </a:p>
+          <a:p>
+            <a:pPr lvl="0"/>
+            <a:r>
+              <a:rPr lang="es-MX" dirty="0" smtClean="0"/>
+              <a:t>Supervisar si se cumple las especificaciones de diseño.</a:t>
+            </a:r>
+            <a:endParaRPr lang="es-AR" b="1" dirty="0" smtClean="0"/>
+          </a:p>
+          <a:p>
+            <a:pPr lvl="0"/>
+            <a:r>
+              <a:rPr lang="es-MX" dirty="0" smtClean="0"/>
+              <a:t>Supervisar si se cumple los requisitos del análisis. </a:t>
+            </a:r>
+            <a:endParaRPr lang="es-AR" b="1" dirty="0" smtClean="0"/>
+          </a:p>
+          <a:p>
+            <a:pPr lvl="0"/>
+            <a:r>
+              <a:rPr lang="es-MX" dirty="0" smtClean="0"/>
+              <a:t>Realizar pruebas de rendimiento y capacidad.</a:t>
+            </a:r>
+            <a:endParaRPr lang="es-AR" b="1" dirty="0" smtClean="0"/>
+          </a:p>
+          <a:p>
+            <a:pPr lvl="0"/>
+            <a:r>
+              <a:rPr lang="es-MX" dirty="0" smtClean="0"/>
+              <a:t>Encontrar los problemas importantes y determinar los riesgos percibidos de la calidad.</a:t>
+            </a:r>
+            <a:endParaRPr lang="es-AR" b="1" dirty="0" smtClean="0"/>
+          </a:p>
+          <a:p>
+            <a:pPr lvl="0"/>
+            <a:r>
+              <a:rPr lang="es-MX" dirty="0" smtClean="0"/>
+              <a:t>Otros.</a:t>
+            </a:r>
+            <a:endParaRPr lang="es-AR" b="1" dirty="0" smtClean="0"/>
           </a:p>
           <a:p>
             <a:endParaRPr lang="es-AR" dirty="0"/>
@@ -7480,7 +7598,7 @@
       </p:sp>
       <p:sp>
         <p:nvSpPr>
-          <p:cNvPr id="4" name="3 Título"/>
+          <p:cNvPr id="6" name="5 Título"/>
           <p:cNvSpPr>
             <a:spLocks noGrp="1"/>
           </p:cNvSpPr>
@@ -7495,18 +7613,8 @@
           <a:p>
             <a:r>
               <a:rPr lang="es-AR" dirty="0" smtClean="0"/>
-              <a:t/>
-            </a:r>
-            <a:br>
-              <a:rPr lang="es-AR" dirty="0" smtClean="0"/>
-            </a:br>
-            <a:r>
-              <a:rPr lang="es-AR" dirty="0" smtClean="0"/>
-              <a:t>Plan de Pruebas </a:t>
-            </a:r>
-            <a:br>
-              <a:rPr lang="es-AR" dirty="0" smtClean="0"/>
-            </a:br>
+              <a:t>Plan de Pruebas</a:t>
+            </a:r>
             <a:endParaRPr lang="es-AR" dirty="0"/>
           </a:p>
         </p:txBody>
@@ -7558,6 +7666,273 @@
           </a:p>
         </p:txBody>
       </p:sp>
+    </p:spTree>
+  </p:cSld>
+  <p:clrMapOvr>
+    <a:masterClrMapping/>
+  </p:clrMapOvr>
+</p:sld>
+</file>
+
+<file path=ppt/slides/slide13.xml><?xml version="1.0" encoding="utf-8"?>
+<p:sld xmlns:a="http://schemas.openxmlformats.org/drawingml/2006/main" xmlns:r="http://schemas.openxmlformats.org/officeDocument/2006/relationships" xmlns:p="http://schemas.openxmlformats.org/presentationml/2006/main">
+  <p:cSld>
+    <p:spTree>
+      <p:nvGrpSpPr>
+        <p:cNvPr id="1" name=""/>
+        <p:cNvGrpSpPr/>
+        <p:nvPr/>
+      </p:nvGrpSpPr>
+      <p:grpSpPr>
+        <a:xfrm>
+          <a:off x="0" y="0"/>
+          <a:ext cx="0" cy="0"/>
+          <a:chOff x="0" y="0"/>
+          <a:chExt cx="0" cy="0"/>
+        </a:xfrm>
+      </p:grpSpPr>
+      <p:sp>
+        <p:nvSpPr>
+          <p:cNvPr id="6" name="5 Título"/>
+          <p:cNvSpPr>
+            <a:spLocks noGrp="1"/>
+          </p:cNvSpPr>
+          <p:nvPr>
+            <p:ph type="title"/>
+          </p:nvPr>
+        </p:nvSpPr>
+        <p:spPr/>
+        <p:txBody>
+          <a:bodyPr/>
+          <a:lstStyle/>
+          <a:p>
+            <a:r>
+              <a:rPr lang="es-AR" dirty="0" smtClean="0"/>
+              <a:t>Gestión de Riesgo </a:t>
+            </a:r>
+            <a:endParaRPr lang="es-AR" dirty="0"/>
+          </a:p>
+        </p:txBody>
+      </p:sp>
+      <p:sp>
+        <p:nvSpPr>
+          <p:cNvPr id="2" name="1 Marcador de pie de página"/>
+          <p:cNvSpPr>
+            <a:spLocks noGrp="1"/>
+          </p:cNvSpPr>
+          <p:nvPr>
+            <p:ph type="ftr" sz="quarter" idx="11"/>
+          </p:nvPr>
+        </p:nvSpPr>
+        <p:spPr/>
+        <p:txBody>
+          <a:bodyPr/>
+          <a:lstStyle/>
+          <a:p>
+            <a:r>
+              <a:rPr lang="es-AR" smtClean="0"/>
+              <a:t>OYARZO Mariela – QUIROGA Sandra – MÁRQUEZ Emanuel</a:t>
+            </a:r>
+            <a:endParaRPr lang="es-AR" dirty="0"/>
+          </a:p>
+        </p:txBody>
+      </p:sp>
+      <p:sp>
+        <p:nvSpPr>
+          <p:cNvPr id="3" name="2 Marcador de número de diapositiva"/>
+          <p:cNvSpPr>
+            <a:spLocks noGrp="1"/>
+          </p:cNvSpPr>
+          <p:nvPr>
+            <p:ph type="sldNum" sz="quarter" idx="12"/>
+          </p:nvPr>
+        </p:nvSpPr>
+        <p:spPr/>
+        <p:txBody>
+          <a:bodyPr/>
+          <a:lstStyle/>
+          <a:p>
+            <a:fld id="{779E3280-5C43-43EF-BE7D-8C553A58A779}" type="slidenum">
+              <a:rPr lang="es-AR" smtClean="0"/>
+              <a:pPr/>
+              <a:t>13</a:t>
+            </a:fld>
+            <a:endParaRPr lang="es-AR" dirty="0"/>
+          </a:p>
+        </p:txBody>
+      </p:sp>
+      <p:pic>
+        <p:nvPicPr>
+          <p:cNvPr id="3075" name="Picture 3"/>
+          <p:cNvPicPr>
+            <a:picLocks noGrp="1" noChangeAspect="1" noChangeArrowheads="1"/>
+          </p:cNvPicPr>
+          <p:nvPr>
+            <p:ph idx="1"/>
+          </p:nvPr>
+        </p:nvPicPr>
+        <p:blipFill>
+          <a:blip r:embed="rId2"/>
+          <a:srcRect/>
+          <a:stretch>
+            <a:fillRect/>
+          </a:stretch>
+        </p:blipFill>
+        <p:spPr bwMode="auto">
+          <a:xfrm>
+            <a:off x="3765550" y="1518444"/>
+            <a:ext cx="4752975" cy="4905375"/>
+          </a:xfrm>
+          <a:prstGeom prst="rect">
+            <a:avLst/>
+          </a:prstGeom>
+          <a:noFill/>
+          <a:ln w="9525">
+            <a:noFill/>
+            <a:miter lim="800000"/>
+            <a:headEnd/>
+            <a:tailEnd/>
+          </a:ln>
+          <a:effectLst/>
+        </p:spPr>
+      </p:pic>
+    </p:spTree>
+  </p:cSld>
+  <p:clrMapOvr>
+    <a:masterClrMapping/>
+  </p:clrMapOvr>
+  <p:timing>
+    <p:tnLst>
+      <p:par>
+        <p:cTn id="1" dur="indefinite" restart="never" nodeType="tmRoot"/>
+      </p:par>
+    </p:tnLst>
+  </p:timing>
+</p:sld>
+</file>
+
+<file path=ppt/slides/slide14.xml><?xml version="1.0" encoding="utf-8"?>
+<p:sld xmlns:a="http://schemas.openxmlformats.org/drawingml/2006/main" xmlns:r="http://schemas.openxmlformats.org/officeDocument/2006/relationships" xmlns:p="http://schemas.openxmlformats.org/presentationml/2006/main">
+  <p:cSld>
+    <p:spTree>
+      <p:nvGrpSpPr>
+        <p:cNvPr id="1" name=""/>
+        <p:cNvGrpSpPr/>
+        <p:nvPr/>
+      </p:nvGrpSpPr>
+      <p:grpSpPr>
+        <a:xfrm>
+          <a:off x="0" y="0"/>
+          <a:ext cx="0" cy="0"/>
+          <a:chOff x="0" y="0"/>
+          <a:chExt cx="0" cy="0"/>
+        </a:xfrm>
+      </p:grpSpPr>
+      <p:sp>
+        <p:nvSpPr>
+          <p:cNvPr id="5" name="4 Marcador de contenido"/>
+          <p:cNvSpPr>
+            <a:spLocks noGrp="1"/>
+          </p:cNvSpPr>
+          <p:nvPr>
+            <p:ph idx="1"/>
+          </p:nvPr>
+        </p:nvSpPr>
+        <p:spPr/>
+        <p:txBody>
+          <a:bodyPr/>
+          <a:lstStyle/>
+          <a:p>
+            <a:endParaRPr lang="es-AR" dirty="0" smtClean="0"/>
+          </a:p>
+          <a:p>
+            <a:endParaRPr lang="es-AR" dirty="0" smtClean="0"/>
+          </a:p>
+          <a:p>
+            <a:endParaRPr lang="es-AR" dirty="0"/>
+          </a:p>
+        </p:txBody>
+      </p:sp>
+      <p:sp>
+        <p:nvSpPr>
+          <p:cNvPr id="4" name="3 Título"/>
+          <p:cNvSpPr>
+            <a:spLocks noGrp="1"/>
+          </p:cNvSpPr>
+          <p:nvPr>
+            <p:ph type="title"/>
+          </p:nvPr>
+        </p:nvSpPr>
+        <p:spPr/>
+        <p:txBody>
+          <a:bodyPr/>
+          <a:lstStyle/>
+          <a:p>
+            <a:r>
+              <a:rPr lang="es-AR" dirty="0" smtClean="0"/>
+              <a:t/>
+            </a:r>
+            <a:br>
+              <a:rPr lang="es-AR" dirty="0" smtClean="0"/>
+            </a:br>
+            <a:r>
+              <a:rPr lang="es-AR" dirty="0" smtClean="0"/>
+              <a:t>Plan de Pruebas </a:t>
+            </a:r>
+            <a:br>
+              <a:rPr lang="es-AR" dirty="0" smtClean="0"/>
+            </a:br>
+            <a:endParaRPr lang="es-AR" dirty="0"/>
+          </a:p>
+        </p:txBody>
+      </p:sp>
+      <p:sp>
+        <p:nvSpPr>
+          <p:cNvPr id="2" name="1 Marcador de pie de página"/>
+          <p:cNvSpPr>
+            <a:spLocks noGrp="1"/>
+          </p:cNvSpPr>
+          <p:nvPr>
+            <p:ph type="ftr" sz="quarter" idx="11"/>
+          </p:nvPr>
+        </p:nvSpPr>
+        <p:spPr/>
+        <p:txBody>
+          <a:bodyPr/>
+          <a:lstStyle/>
+          <a:p>
+            <a:r>
+              <a:rPr lang="es-AR" smtClean="0"/>
+              <a:t>OYARZO Mariela – QUIROGA Sandra – MÁRQUEZ Emanuel</a:t>
+            </a:r>
+            <a:endParaRPr lang="es-AR" dirty="0"/>
+          </a:p>
+        </p:txBody>
+      </p:sp>
+      <p:sp>
+        <p:nvSpPr>
+          <p:cNvPr id="3" name="2 Marcador de número de diapositiva"/>
+          <p:cNvSpPr>
+            <a:spLocks noGrp="1"/>
+          </p:cNvSpPr>
+          <p:nvPr>
+            <p:ph type="sldNum" sz="quarter" idx="12"/>
+          </p:nvPr>
+        </p:nvSpPr>
+        <p:spPr/>
+        <p:txBody>
+          <a:bodyPr/>
+          <a:lstStyle/>
+          <a:p>
+            <a:fld id="{779E3280-5C43-43EF-BE7D-8C553A58A779}" type="slidenum">
+              <a:rPr lang="es-AR" smtClean="0"/>
+              <a:pPr/>
+              <a:t>14</a:t>
+            </a:fld>
+            <a:endParaRPr lang="es-AR" dirty="0"/>
+          </a:p>
+        </p:txBody>
+      </p:sp>
       <p:graphicFrame>
         <p:nvGraphicFramePr>
           <p:cNvPr id="6" name="Marcador de contenido 12"/>
@@ -7567,7 +7942,7 @@
           <p:nvPr>
             <p:extLst>
               <p:ext uri="{D42A27DB-BD31-4B8C-83A1-F6EECF244321}">
-                <p14:modId xmlns:p14="http://schemas.microsoft.com/office/powerpoint/2010/main" xmlns="" val="3049683362"/>
+                <p14:modId xmlns="" xmlns:p14="http://schemas.microsoft.com/office/powerpoint/2010/main" val="3049683362"/>
               </p:ext>
             </p:extLst>
           </p:nvPr>
@@ -8312,10 +8687,17 @@
   <p:clrMapOvr>
     <a:masterClrMapping/>
   </p:clrMapOvr>
+  <p:timing>
+    <p:tnLst>
+      <p:par>
+        <p:cTn id="1" dur="indefinite" restart="never" nodeType="tmRoot"/>
+      </p:par>
+    </p:tnLst>
+  </p:timing>
 </p:sld>
 </file>
 
-<file path=ppt/slides/slide13.xml><?xml version="1.0" encoding="utf-8"?>
+<file path=ppt/slides/slide15.xml><?xml version="1.0" encoding="utf-8"?>
 <p:sld xmlns:a="http://schemas.openxmlformats.org/drawingml/2006/main" xmlns:r="http://schemas.openxmlformats.org/officeDocument/2006/relationships" xmlns:p="http://schemas.openxmlformats.org/presentationml/2006/main">
   <p:cSld>
     <p:spTree>
@@ -8396,7 +8778,7 @@
             <a:fld id="{779E3280-5C43-43EF-BE7D-8C553A58A779}" type="slidenum">
               <a:rPr lang="es-AR" smtClean="0"/>
               <a:pPr/>
-              <a:t>13</a:t>
+              <a:t>15</a:t>
             </a:fld>
             <a:endParaRPr lang="es-AR" dirty="0"/>
           </a:p>
@@ -9241,7 +9623,7 @@
     </p:spTree>
     <p:extLst>
       <p:ext uri="{BB962C8B-B14F-4D97-AF65-F5344CB8AC3E}">
-        <p14:creationId xmlns:p14="http://schemas.microsoft.com/office/powerpoint/2010/main" xmlns="" val="556564343"/>
+        <p14:creationId xmlns="" xmlns:p14="http://schemas.microsoft.com/office/powerpoint/2010/main" val="556564343"/>
       </p:ext>
     </p:extLst>
   </p:cSld>
@@ -9249,7 +9631,7 @@
     <a:masterClrMapping/>
   </p:clrMapOvr>
   <mc:AlternateContent xmlns:mc="http://schemas.openxmlformats.org/markup-compatibility/2006">
-    <mc:Choice xmlns:p14="http://schemas.microsoft.com/office/powerpoint/2010/main" xmlns="" Requires="p14">
+    <mc:Choice xmlns="" xmlns:p14="http://schemas.microsoft.com/office/powerpoint/2010/main" Requires="p14">
       <p:transition spd="slow">
         <p14:reveal/>
       </p:transition>
@@ -9270,7 +9652,7 @@
 </p:sld>
 </file>
 
-<file path=ppt/slides/slide14.xml><?xml version="1.0" encoding="utf-8"?>
+<file path=ppt/slides/slide16.xml><?xml version="1.0" encoding="utf-8"?>
 <p:sld xmlns:a="http://schemas.openxmlformats.org/drawingml/2006/main" xmlns:r="http://schemas.openxmlformats.org/officeDocument/2006/relationships" xmlns:p="http://schemas.openxmlformats.org/presentationml/2006/main">
   <p:cSld>
     <p:spTree>
@@ -9351,7 +9733,7 @@
             <a:fld id="{779E3280-5C43-43EF-BE7D-8C553A58A779}" type="slidenum">
               <a:rPr lang="es-AR" smtClean="0"/>
               <a:pPr/>
-              <a:t>14</a:t>
+              <a:t>16</a:t>
             </a:fld>
             <a:endParaRPr lang="es-AR" dirty="0"/>
           </a:p>
@@ -9406,7 +9788,7 @@
     </p:spTree>
     <p:extLst>
       <p:ext uri="{BB962C8B-B14F-4D97-AF65-F5344CB8AC3E}">
-        <p14:creationId xmlns:p14="http://schemas.microsoft.com/office/powerpoint/2010/main" xmlns="" val="564010918"/>
+        <p14:creationId xmlns="" xmlns:p14="http://schemas.microsoft.com/office/powerpoint/2010/main" val="564010918"/>
       </p:ext>
     </p:extLst>
   </p:cSld>
@@ -9414,7 +9796,7 @@
     <a:masterClrMapping/>
   </p:clrMapOvr>
   <mc:AlternateContent xmlns:mc="http://schemas.openxmlformats.org/markup-compatibility/2006">
-    <mc:Choice xmlns:p14="http://schemas.microsoft.com/office/powerpoint/2010/main" xmlns="" Requires="p14">
+    <mc:Choice xmlns="" xmlns:p14="http://schemas.microsoft.com/office/powerpoint/2010/main" Requires="p14">
       <p:transition spd="slow">
         <p14:reveal/>
       </p:transition>
@@ -9435,7 +9817,7 @@
 </p:sld>
 </file>
 
-<file path=ppt/slides/slide15.xml><?xml version="1.0" encoding="utf-8"?>
+<file path=ppt/slides/slide17.xml><?xml version="1.0" encoding="utf-8"?>
 <p:sld xmlns:a="http://schemas.openxmlformats.org/drawingml/2006/main" xmlns:r="http://schemas.openxmlformats.org/officeDocument/2006/relationships" xmlns:p="http://schemas.openxmlformats.org/presentationml/2006/main">
   <p:cSld>
     <p:spTree>
@@ -9550,7 +9932,7 @@
             <a:fld id="{779E3280-5C43-43EF-BE7D-8C553A58A779}" type="slidenum">
               <a:rPr lang="es-AR" smtClean="0"/>
               <a:pPr/>
-              <a:t>15</a:t>
+              <a:t>17</a:t>
             </a:fld>
             <a:endParaRPr lang="es-AR" dirty="0"/>
           </a:p>
@@ -9564,7 +9946,7 @@
 </p:sld>
 </file>
 
-<file path=ppt/slides/slide16.xml><?xml version="1.0" encoding="utf-8"?>
+<file path=ppt/slides/slide18.xml><?xml version="1.0" encoding="utf-8"?>
 <p:sld xmlns:a="http://schemas.openxmlformats.org/drawingml/2006/main" xmlns:r="http://schemas.openxmlformats.org/officeDocument/2006/relationships" xmlns:p="http://schemas.openxmlformats.org/presentationml/2006/main">
   <p:cSld>
     <p:spTree>
@@ -9645,7 +10027,7 @@
             <a:fld id="{779E3280-5C43-43EF-BE7D-8C553A58A779}" type="slidenum">
               <a:rPr lang="es-AR" smtClean="0"/>
               <a:pPr/>
-              <a:t>16</a:t>
+              <a:t>18</a:t>
             </a:fld>
             <a:endParaRPr lang="es-AR" dirty="0"/>
           </a:p>
@@ -9663,7 +10045,7 @@
           <a:blip r:embed="rId2" cstate="print">
             <a:extLst>
               <a:ext uri="{28A0092B-C50C-407E-A947-70E740481C1C}">
-                <a14:useLocalDpi xmlns="" xmlns:a14="http://schemas.microsoft.com/office/drawing/2010/main" val="0"/>
+                <a14:useLocalDpi xmlns:a14="http://schemas.microsoft.com/office/drawing/2010/main" xmlns="" val="0"/>
               </a:ext>
             </a:extLst>
           </a:blip>
@@ -9684,7 +10066,7 @@
     </p:spTree>
     <p:extLst>
       <p:ext uri="{BB962C8B-B14F-4D97-AF65-F5344CB8AC3E}">
-        <p14:creationId xmlns="" xmlns:p14="http://schemas.microsoft.com/office/powerpoint/2010/main" val="2777136503"/>
+        <p14:creationId xmlns:p14="http://schemas.microsoft.com/office/powerpoint/2010/main" xmlns="" val="2777136503"/>
       </p:ext>
     </p:extLst>
   </p:cSld>
@@ -9692,7 +10074,7 @@
     <a:masterClrMapping/>
   </p:clrMapOvr>
   <mc:AlternateContent xmlns:mc="http://schemas.openxmlformats.org/markup-compatibility/2006">
-    <mc:Choice xmlns="" xmlns:p14="http://schemas.microsoft.com/office/powerpoint/2010/main" Requires="p14">
+    <mc:Choice xmlns:p14="http://schemas.microsoft.com/office/powerpoint/2010/main" xmlns="" Requires="p14">
       <p:transition spd="slow">
         <p14:reveal/>
       </p:transition>
@@ -9920,7 +10302,7 @@
           <a:blip r:embed="rId2">
             <a:extLst>
               <a:ext uri="{28A0092B-C50C-407E-A947-70E740481C1C}">
-                <a14:useLocalDpi xmlns="" xmlns:a14="http://schemas.microsoft.com/office/drawing/2010/main" val="0"/>
+                <a14:useLocalDpi xmlns:a14="http://schemas.microsoft.com/office/drawing/2010/main" xmlns="" val="0"/>
               </a:ext>
             </a:extLst>
           </a:blip>
@@ -9953,7 +10335,7 @@
           <a:blip r:embed="rId3" cstate="print">
             <a:extLst>
               <a:ext uri="{28A0092B-C50C-407E-A947-70E740481C1C}">
-                <a14:useLocalDpi xmlns="" xmlns:a14="http://schemas.microsoft.com/office/drawing/2010/main" val="0"/>
+                <a14:useLocalDpi xmlns:a14="http://schemas.microsoft.com/office/drawing/2010/main" xmlns="" val="0"/>
               </a:ext>
             </a:extLst>
           </a:blip>
@@ -9979,7 +10361,7 @@
     </p:spTree>
     <p:extLst>
       <p:ext uri="{BB962C8B-B14F-4D97-AF65-F5344CB8AC3E}">
-        <p14:creationId xmlns="" xmlns:p14="http://schemas.microsoft.com/office/powerpoint/2010/main" val="2818140150"/>
+        <p14:creationId xmlns:p14="http://schemas.microsoft.com/office/powerpoint/2010/main" xmlns="" val="2818140150"/>
       </p:ext>
     </p:extLst>
   </p:cSld>
@@ -10097,7 +10479,7 @@
           <a:blip r:embed="rId2" cstate="print">
             <a:extLst>
               <a:ext uri="{28A0092B-C50C-407E-A947-70E740481C1C}">
-                <a14:useLocalDpi xmlns="" xmlns:a14="http://schemas.microsoft.com/office/drawing/2010/main" val="0"/>
+                <a14:useLocalDpi xmlns:a14="http://schemas.microsoft.com/office/drawing/2010/main" xmlns="" val="0"/>
               </a:ext>
             </a:extLst>
           </a:blip>
@@ -10118,7 +10500,7 @@
     </p:spTree>
     <p:extLst>
       <p:ext uri="{BB962C8B-B14F-4D97-AF65-F5344CB8AC3E}">
-        <p14:creationId xmlns="" xmlns:p14="http://schemas.microsoft.com/office/powerpoint/2010/main" val="2225064651"/>
+        <p14:creationId xmlns:p14="http://schemas.microsoft.com/office/powerpoint/2010/main" xmlns="" val="2225064651"/>
       </p:ext>
     </p:extLst>
   </p:cSld>
@@ -10232,7 +10614,7 @@
           <a:blip r:embed="rId2" cstate="print">
             <a:extLst>
               <a:ext uri="{28A0092B-C50C-407E-A947-70E740481C1C}">
-                <a14:useLocalDpi xmlns="" xmlns:a14="http://schemas.microsoft.com/office/drawing/2010/main" val="0"/>
+                <a14:useLocalDpi xmlns:a14="http://schemas.microsoft.com/office/drawing/2010/main" xmlns="" val="0"/>
               </a:ext>
             </a:extLst>
           </a:blip>
@@ -10253,7 +10635,7 @@
     </p:spTree>
     <p:extLst>
       <p:ext uri="{BB962C8B-B14F-4D97-AF65-F5344CB8AC3E}">
-        <p14:creationId xmlns="" xmlns:p14="http://schemas.microsoft.com/office/powerpoint/2010/main" val="3803746841"/>
+        <p14:creationId xmlns:p14="http://schemas.microsoft.com/office/powerpoint/2010/main" xmlns="" val="3803746841"/>
       </p:ext>
     </p:extLst>
   </p:cSld>
@@ -10367,7 +10749,7 @@
           <a:blip r:embed="rId2" cstate="print">
             <a:extLst>
               <a:ext uri="{28A0092B-C50C-407E-A947-70E740481C1C}">
-                <a14:useLocalDpi xmlns="" xmlns:a14="http://schemas.microsoft.com/office/drawing/2010/main" val="0"/>
+                <a14:useLocalDpi xmlns:a14="http://schemas.microsoft.com/office/drawing/2010/main" xmlns="" val="0"/>
               </a:ext>
             </a:extLst>
           </a:blip>
@@ -10388,7 +10770,7 @@
     </p:spTree>
     <p:extLst>
       <p:ext uri="{BB962C8B-B14F-4D97-AF65-F5344CB8AC3E}">
-        <p14:creationId xmlns="" xmlns:p14="http://schemas.microsoft.com/office/powerpoint/2010/main" val="207308504"/>
+        <p14:creationId xmlns:p14="http://schemas.microsoft.com/office/powerpoint/2010/main" xmlns="" val="207308504"/>
       </p:ext>
     </p:extLst>
   </p:cSld>
@@ -10502,7 +10884,7 @@
           <a:blip r:embed="rId2" cstate="print">
             <a:extLst>
               <a:ext uri="{28A0092B-C50C-407E-A947-70E740481C1C}">
-                <a14:useLocalDpi xmlns="" xmlns:a14="http://schemas.microsoft.com/office/drawing/2010/main" val="0"/>
+                <a14:useLocalDpi xmlns:a14="http://schemas.microsoft.com/office/drawing/2010/main" xmlns="" val="0"/>
               </a:ext>
             </a:extLst>
           </a:blip>
@@ -10523,7 +10905,7 @@
     </p:spTree>
     <p:extLst>
       <p:ext uri="{BB962C8B-B14F-4D97-AF65-F5344CB8AC3E}">
-        <p14:creationId xmlns="" xmlns:p14="http://schemas.microsoft.com/office/powerpoint/2010/main" val="1778773683"/>
+        <p14:creationId xmlns:p14="http://schemas.microsoft.com/office/powerpoint/2010/main" xmlns="" val="1778773683"/>
       </p:ext>
     </p:extLst>
   </p:cSld>
@@ -10751,7 +11133,7 @@
           <a:blip r:embed="rId2">
             <a:extLst>
               <a:ext uri="{28A0092B-C50C-407E-A947-70E740481C1C}">
-                <a14:useLocalDpi xmlns="" xmlns:a14="http://schemas.microsoft.com/office/drawing/2010/main" val="0"/>
+                <a14:useLocalDpi xmlns:a14="http://schemas.microsoft.com/office/drawing/2010/main" xmlns="" val="0"/>
               </a:ext>
             </a:extLst>
           </a:blip>
@@ -10778,7 +11160,7 @@
           <a:blip r:embed="rId2">
             <a:extLst>
               <a:ext uri="{28A0092B-C50C-407E-A947-70E740481C1C}">
-                <a14:useLocalDpi xmlns="" xmlns:a14="http://schemas.microsoft.com/office/drawing/2010/main" val="0"/>
+                <a14:useLocalDpi xmlns:a14="http://schemas.microsoft.com/office/drawing/2010/main" xmlns="" val="0"/>
               </a:ext>
             </a:extLst>
           </a:blip>
@@ -10798,7 +11180,7 @@
     </p:spTree>
     <p:extLst>
       <p:ext uri="{BB962C8B-B14F-4D97-AF65-F5344CB8AC3E}">
-        <p14:creationId xmlns="" xmlns:p14="http://schemas.microsoft.com/office/powerpoint/2010/main" val="1710719604"/>
+        <p14:creationId xmlns:p14="http://schemas.microsoft.com/office/powerpoint/2010/main" xmlns="" val="1710719604"/>
       </p:ext>
     </p:extLst>
   </p:cSld>
@@ -11070,7 +11452,7 @@
   <a:extraClrSchemeLst/>
   <a:extLst>
     <a:ext uri="{05A4C25C-085E-4340-85A3-A5531E510DB2}">
-      <thm15:themeFamily xmlns="" xmlns:thm15="http://schemas.microsoft.com/office/thememl/2012/main" name="Depth" id="{7BEAFC2A-325C-49C4-AC08-2B765DA903F9}" vid="{1735E755-43E6-43AA-ABA2-C989ECC79AF5}"/>
+      <thm15:themeFamily xmlns:thm15="http://schemas.microsoft.com/office/thememl/2012/main" xmlns="" name="Depth" id="{7BEAFC2A-325C-49C4-AC08-2B765DA903F9}" vid="{1735E755-43E6-43AA-ABA2-C989ECC79AF5}"/>
     </a:ext>
   </a:extLst>
 </a:theme>

--- a/08. Presentaciones/Presentación 11.pptx
+++ b/08. Presentaciones/Presentación 11.pptx
@@ -18,12 +18,12 @@
     <p:sldId id="363" r:id="rId6"/>
     <p:sldId id="364" r:id="rId7"/>
     <p:sldId id="366" r:id="rId8"/>
-    <p:sldId id="368" r:id="rId9"/>
-    <p:sldId id="367" r:id="rId10"/>
-    <p:sldId id="371" r:id="rId11"/>
-    <p:sldId id="372" r:id="rId12"/>
-    <p:sldId id="379" r:id="rId13"/>
-    <p:sldId id="380" r:id="rId14"/>
+    <p:sldId id="367" r:id="rId9"/>
+    <p:sldId id="371" r:id="rId10"/>
+    <p:sldId id="372" r:id="rId11"/>
+    <p:sldId id="380" r:id="rId12"/>
+    <p:sldId id="381" r:id="rId13"/>
+    <p:sldId id="379" r:id="rId14"/>
     <p:sldId id="373" r:id="rId15"/>
     <p:sldId id="376" r:id="rId16"/>
     <p:sldId id="378" r:id="rId17"/>
@@ -129,7 +129,7 @@
   </p:defaultTextStyle>
   <p:extLst>
     <p:ext uri="{EFAFB233-063F-42B5-8137-9DF3F51BA10A}">
-      <p15:sldGuideLst xmlns:p15="http://schemas.microsoft.com/office/powerpoint/2012/main" xmlns="">
+      <p15:sldGuideLst xmlns:p15="http://schemas.microsoft.com/office/powerpoint/2012/main">
         <p15:guide id="1" orient="horz" pos="2160">
           <p15:clr>
             <a:srgbClr val="A4A3A4"/>
@@ -232,7 +232,7 @@
             <a:fld id="{47F7A525-2E97-4D11-852B-BF2E493721D5}" type="datetimeFigureOut">
               <a:rPr lang="es-AR" smtClean="0"/>
               <a:pPr/>
-              <a:t>16/2/2021</a:t>
+              <a:t>17/02/2021</a:t>
             </a:fld>
             <a:endParaRPr lang="es-AR"/>
           </a:p>
@@ -308,7 +308,7 @@
     </p:spTree>
     <p:extLst>
       <p:ext uri="{BB962C8B-B14F-4D97-AF65-F5344CB8AC3E}">
-        <p14:creationId xmlns:p14="http://schemas.microsoft.com/office/powerpoint/2010/main" xmlns="" val="2830949299"/>
+        <p14:creationId xmlns:p14="http://schemas.microsoft.com/office/powerpoint/2010/main" val="2830949299"/>
       </p:ext>
     </p:extLst>
   </p:cSld>
@@ -403,7 +403,7 @@
             <a:fld id="{0E639192-A93D-48A4-B281-8DA3B2AD5F46}" type="datetimeFigureOut">
               <a:rPr lang="es-AR" smtClean="0"/>
               <a:pPr/>
-              <a:t>16/2/2021</a:t>
+              <a:t>17/02/2021</a:t>
             </a:fld>
             <a:endParaRPr lang="es-AR"/>
           </a:p>
@@ -572,7 +572,7 @@
     </p:spTree>
     <p:extLst>
       <p:ext uri="{BB962C8B-B14F-4D97-AF65-F5344CB8AC3E}">
-        <p14:creationId xmlns:p14="http://schemas.microsoft.com/office/powerpoint/2010/main" xmlns="" val="3361875708"/>
+        <p14:creationId xmlns:p14="http://schemas.microsoft.com/office/powerpoint/2010/main" val="3361875708"/>
       </p:ext>
     </p:extLst>
   </p:cSld>
@@ -1026,7 +1026,7 @@
           <a:blip r:embed="rId2">
             <a:extLst>
               <a:ext uri="{28A0092B-C50C-407E-A947-70E740481C1C}">
-                <a14:useLocalDpi xmlns:a14="http://schemas.microsoft.com/office/drawing/2010/main" xmlns="" val="0"/>
+                <a14:useLocalDpi xmlns:a14="http://schemas.microsoft.com/office/drawing/2010/main" val="0"/>
               </a:ext>
             </a:extLst>
           </a:blip>
@@ -1056,7 +1056,7 @@
           <a:blip r:embed="rId3" cstate="print">
             <a:extLst>
               <a:ext uri="{28A0092B-C50C-407E-A947-70E740481C1C}">
-                <a14:useLocalDpi xmlns:a14="http://schemas.microsoft.com/office/drawing/2010/main" xmlns="" val="0"/>
+                <a14:useLocalDpi xmlns:a14="http://schemas.microsoft.com/office/drawing/2010/main" val="0"/>
               </a:ext>
             </a:extLst>
           </a:blip>
@@ -1086,7 +1086,7 @@
           <a:blip r:embed="rId4" cstate="print">
             <a:extLst>
               <a:ext uri="{28A0092B-C50C-407E-A947-70E740481C1C}">
-                <a14:useLocalDpi xmlns:a14="http://schemas.microsoft.com/office/drawing/2010/main" xmlns="" val="0"/>
+                <a14:useLocalDpi xmlns:a14="http://schemas.microsoft.com/office/drawing/2010/main" val="0"/>
               </a:ext>
             </a:extLst>
           </a:blip>
@@ -1107,7 +1107,7 @@
     </p:spTree>
     <p:extLst>
       <p:ext uri="{BB962C8B-B14F-4D97-AF65-F5344CB8AC3E}">
-        <p14:creationId xmlns:p14="http://schemas.microsoft.com/office/powerpoint/2010/main" xmlns="" val="1987851363"/>
+        <p14:creationId xmlns:p14="http://schemas.microsoft.com/office/powerpoint/2010/main" val="1987851363"/>
       </p:ext>
     </p:extLst>
   </p:cSld>
@@ -1338,7 +1338,7 @@
             <a:fld id="{BC50A678-796C-47FE-8727-A3AAF49E2D10}" type="datetime1">
               <a:rPr lang="es-AR" smtClean="0"/>
               <a:pPr/>
-              <a:t>16/2/2021</a:t>
+              <a:t>17/02/2021</a:t>
             </a:fld>
             <a:endParaRPr lang="es-AR"/>
           </a:p>
@@ -1393,7 +1393,7 @@
     </p:spTree>
     <p:extLst>
       <p:ext uri="{BB962C8B-B14F-4D97-AF65-F5344CB8AC3E}">
-        <p14:creationId xmlns:p14="http://schemas.microsoft.com/office/powerpoint/2010/main" xmlns="" val="3444745824"/>
+        <p14:creationId xmlns:p14="http://schemas.microsoft.com/office/powerpoint/2010/main" val="3444745824"/>
       </p:ext>
     </p:extLst>
   </p:cSld>
@@ -1535,7 +1535,7 @@
             <a:fld id="{A7AFFB43-0057-44A6-B675-62CD4F9F4EB1}" type="datetime1">
               <a:rPr lang="es-AR" smtClean="0"/>
               <a:pPr/>
-              <a:t>16/2/2021</a:t>
+              <a:t>17/02/2021</a:t>
             </a:fld>
             <a:endParaRPr lang="es-AR"/>
           </a:p>
@@ -1590,7 +1590,7 @@
     </p:spTree>
     <p:extLst>
       <p:ext uri="{BB962C8B-B14F-4D97-AF65-F5344CB8AC3E}">
-        <p14:creationId xmlns:p14="http://schemas.microsoft.com/office/powerpoint/2010/main" xmlns="" val="2217620014"/>
+        <p14:creationId xmlns:p14="http://schemas.microsoft.com/office/powerpoint/2010/main" val="2217620014"/>
       </p:ext>
     </p:extLst>
   </p:cSld>
@@ -1801,7 +1801,7 @@
             <a:fld id="{5107EDD2-3A41-45F7-9798-5F0A42B67A10}" type="datetime1">
               <a:rPr lang="es-AR" smtClean="0"/>
               <a:pPr/>
-              <a:t>16/2/2021</a:t>
+              <a:t>17/02/2021</a:t>
             </a:fld>
             <a:endParaRPr lang="es-AR"/>
           </a:p>
@@ -2088,7 +2088,7 @@
     </p:spTree>
     <p:extLst>
       <p:ext uri="{BB962C8B-B14F-4D97-AF65-F5344CB8AC3E}">
-        <p14:creationId xmlns:p14="http://schemas.microsoft.com/office/powerpoint/2010/main" xmlns="" val="2136429344"/>
+        <p14:creationId xmlns:p14="http://schemas.microsoft.com/office/powerpoint/2010/main" val="2136429344"/>
       </p:ext>
     </p:extLst>
   </p:cSld>
@@ -2232,7 +2232,7 @@
             <a:fld id="{81A405EA-7F97-484B-BB35-211055BB771A}" type="datetime1">
               <a:rPr lang="es-AR" smtClean="0"/>
               <a:pPr/>
-              <a:t>16/2/2021</a:t>
+              <a:t>17/02/2021</a:t>
             </a:fld>
             <a:endParaRPr lang="es-AR"/>
           </a:p>
@@ -2287,7 +2287,7 @@
     </p:spTree>
     <p:extLst>
       <p:ext uri="{BB962C8B-B14F-4D97-AF65-F5344CB8AC3E}">
-        <p14:creationId xmlns:p14="http://schemas.microsoft.com/office/powerpoint/2010/main" xmlns="" val="1401297368"/>
+        <p14:creationId xmlns:p14="http://schemas.microsoft.com/office/powerpoint/2010/main" val="1401297368"/>
       </p:ext>
     </p:extLst>
   </p:cSld>
@@ -2783,7 +2783,7 @@
             <a:fld id="{F7023107-FE31-4245-9D9D-4DAB5BB365BD}" type="datetime1">
               <a:rPr lang="es-AR" smtClean="0"/>
               <a:pPr/>
-              <a:t>16/2/2021</a:t>
+              <a:t>17/02/2021</a:t>
             </a:fld>
             <a:endParaRPr lang="es-AR"/>
           </a:p>
@@ -2838,7 +2838,7 @@
     </p:spTree>
     <p:extLst>
       <p:ext uri="{BB962C8B-B14F-4D97-AF65-F5344CB8AC3E}">
-        <p14:creationId xmlns:p14="http://schemas.microsoft.com/office/powerpoint/2010/main" xmlns="" val="3581304418"/>
+        <p14:creationId xmlns:p14="http://schemas.microsoft.com/office/powerpoint/2010/main" val="3581304418"/>
       </p:ext>
     </p:extLst>
   </p:cSld>
@@ -3619,7 +3619,7 @@
             <a:fld id="{081FCDBA-D78B-4D74-B477-EFCB1BCA6C42}" type="datetime1">
               <a:rPr lang="es-AR" smtClean="0"/>
               <a:pPr/>
-              <a:t>16/2/2021</a:t>
+              <a:t>17/02/2021</a:t>
             </a:fld>
             <a:endParaRPr lang="es-AR"/>
           </a:p>
@@ -3674,7 +3674,7 @@
     </p:spTree>
     <p:extLst>
       <p:ext uri="{BB962C8B-B14F-4D97-AF65-F5344CB8AC3E}">
-        <p14:creationId xmlns:p14="http://schemas.microsoft.com/office/powerpoint/2010/main" xmlns="" val="2434754427"/>
+        <p14:creationId xmlns:p14="http://schemas.microsoft.com/office/powerpoint/2010/main" val="2434754427"/>
       </p:ext>
     </p:extLst>
   </p:cSld>
@@ -3794,7 +3794,7 @@
             <a:fld id="{20EA1D54-2625-4090-9DAD-29AF83AD3B36}" type="datetime1">
               <a:rPr lang="es-AR" smtClean="0"/>
               <a:pPr/>
-              <a:t>16/2/2021</a:t>
+              <a:t>17/02/2021</a:t>
             </a:fld>
             <a:endParaRPr lang="es-AR"/>
           </a:p>
@@ -3849,7 +3849,7 @@
     </p:spTree>
     <p:extLst>
       <p:ext uri="{BB962C8B-B14F-4D97-AF65-F5344CB8AC3E}">
-        <p14:creationId xmlns:p14="http://schemas.microsoft.com/office/powerpoint/2010/main" xmlns="" val="796553577"/>
+        <p14:creationId xmlns:p14="http://schemas.microsoft.com/office/powerpoint/2010/main" val="796553577"/>
       </p:ext>
     </p:extLst>
   </p:cSld>
@@ -3979,7 +3979,7 @@
             <a:fld id="{FCD0E364-B94A-4338-BC1C-A73E1F081813}" type="datetime1">
               <a:rPr lang="es-AR" smtClean="0"/>
               <a:pPr/>
-              <a:t>16/2/2021</a:t>
+              <a:t>17/02/2021</a:t>
             </a:fld>
             <a:endParaRPr lang="es-AR"/>
           </a:p>
@@ -4034,7 +4034,7 @@
     </p:spTree>
     <p:extLst>
       <p:ext uri="{BB962C8B-B14F-4D97-AF65-F5344CB8AC3E}">
-        <p14:creationId xmlns:p14="http://schemas.microsoft.com/office/powerpoint/2010/main" xmlns="" val="2178378210"/>
+        <p14:creationId xmlns:p14="http://schemas.microsoft.com/office/powerpoint/2010/main" val="2178378210"/>
       </p:ext>
     </p:extLst>
   </p:cSld>
@@ -4133,7 +4133,7 @@
           <a:blip r:embed="rId2" cstate="print">
             <a:extLst>
               <a:ext uri="{28A0092B-C50C-407E-A947-70E740481C1C}">
-                <a14:useLocalDpi xmlns:a14="http://schemas.microsoft.com/office/drawing/2010/main" xmlns="" val="0"/>
+                <a14:useLocalDpi xmlns:a14="http://schemas.microsoft.com/office/drawing/2010/main" val="0"/>
               </a:ext>
             </a:extLst>
           </a:blip>
@@ -4328,7 +4328,7 @@
           <a:blip r:embed="rId3" cstate="print">
             <a:extLst>
               <a:ext uri="{28A0092B-C50C-407E-A947-70E740481C1C}">
-                <a14:useLocalDpi xmlns:a14="http://schemas.microsoft.com/office/drawing/2010/main" xmlns="" val="0"/>
+                <a14:useLocalDpi xmlns:a14="http://schemas.microsoft.com/office/drawing/2010/main" val="0"/>
               </a:ext>
             </a:extLst>
           </a:blip>
@@ -4455,7 +4455,7 @@
     </p:spTree>
     <p:extLst>
       <p:ext uri="{BB962C8B-B14F-4D97-AF65-F5344CB8AC3E}">
-        <p14:creationId xmlns:p14="http://schemas.microsoft.com/office/powerpoint/2010/main" xmlns="" val="1072273061"/>
+        <p14:creationId xmlns:p14="http://schemas.microsoft.com/office/powerpoint/2010/main" val="1072273061"/>
       </p:ext>
     </p:extLst>
   </p:cSld>
@@ -4662,7 +4662,7 @@
             <a:fld id="{0FF6B326-0FEE-47B3-9F77-2568F820D807}" type="datetime1">
               <a:rPr lang="es-AR" smtClean="0"/>
               <a:pPr/>
-              <a:t>16/2/2021</a:t>
+              <a:t>17/02/2021</a:t>
             </a:fld>
             <a:endParaRPr lang="es-AR"/>
           </a:p>
@@ -4717,7 +4717,7 @@
     </p:spTree>
     <p:extLst>
       <p:ext uri="{BB962C8B-B14F-4D97-AF65-F5344CB8AC3E}">
-        <p14:creationId xmlns:p14="http://schemas.microsoft.com/office/powerpoint/2010/main" xmlns="" val="2343256160"/>
+        <p14:creationId xmlns:p14="http://schemas.microsoft.com/office/powerpoint/2010/main" val="2343256160"/>
       </p:ext>
     </p:extLst>
   </p:cSld>
@@ -4899,7 +4899,7 @@
             <a:fld id="{913DAB84-C826-40B0-8ED0-39F2ECE4A200}" type="datetime1">
               <a:rPr lang="es-AR" smtClean="0"/>
               <a:pPr/>
-              <a:t>16/2/2021</a:t>
+              <a:t>17/02/2021</a:t>
             </a:fld>
             <a:endParaRPr lang="es-AR"/>
           </a:p>
@@ -4954,7 +4954,7 @@
     </p:spTree>
     <p:extLst>
       <p:ext uri="{BB962C8B-B14F-4D97-AF65-F5344CB8AC3E}">
-        <p14:creationId xmlns:p14="http://schemas.microsoft.com/office/powerpoint/2010/main" xmlns="" val="492701131"/>
+        <p14:creationId xmlns:p14="http://schemas.microsoft.com/office/powerpoint/2010/main" val="492701131"/>
       </p:ext>
     </p:extLst>
   </p:cSld>
@@ -5297,7 +5297,7 @@
             <a:fld id="{8C0226C2-DAEC-4136-9DE8-09FC5E3E671E}" type="datetime1">
               <a:rPr lang="es-AR" smtClean="0"/>
               <a:pPr/>
-              <a:t>16/2/2021</a:t>
+              <a:t>17/02/2021</a:t>
             </a:fld>
             <a:endParaRPr lang="es-AR"/>
           </a:p>
@@ -5352,7 +5352,7 @@
     </p:spTree>
     <p:extLst>
       <p:ext uri="{BB962C8B-B14F-4D97-AF65-F5344CB8AC3E}">
-        <p14:creationId xmlns:p14="http://schemas.microsoft.com/office/powerpoint/2010/main" xmlns="" val="1192843996"/>
+        <p14:creationId xmlns:p14="http://schemas.microsoft.com/office/powerpoint/2010/main" val="1192843996"/>
       </p:ext>
     </p:extLst>
   </p:cSld>
@@ -5420,7 +5420,7 @@
             <a:fld id="{53EE9993-8E0B-4913-A57B-F99EBF98A309}" type="datetime1">
               <a:rPr lang="es-AR" smtClean="0"/>
               <a:pPr/>
-              <a:t>16/2/2021</a:t>
+              <a:t>17/02/2021</a:t>
             </a:fld>
             <a:endParaRPr lang="es-AR"/>
           </a:p>
@@ -5475,7 +5475,7 @@
     </p:spTree>
     <p:extLst>
       <p:ext uri="{BB962C8B-B14F-4D97-AF65-F5344CB8AC3E}">
-        <p14:creationId xmlns:p14="http://schemas.microsoft.com/office/powerpoint/2010/main" xmlns="" val="1497457452"/>
+        <p14:creationId xmlns:p14="http://schemas.microsoft.com/office/powerpoint/2010/main" val="1497457452"/>
       </p:ext>
     </p:extLst>
   </p:cSld>
@@ -5520,7 +5520,7 @@
             <a:fld id="{7FC65BA5-BE01-42C7-88A0-5D66E4C25C69}" type="datetime1">
               <a:rPr lang="es-AR" smtClean="0"/>
               <a:pPr/>
-              <a:t>16/2/2021</a:t>
+              <a:t>17/02/2021</a:t>
             </a:fld>
             <a:endParaRPr lang="es-AR"/>
           </a:p>
@@ -5575,7 +5575,7 @@
     </p:spTree>
     <p:extLst>
       <p:ext uri="{BB962C8B-B14F-4D97-AF65-F5344CB8AC3E}">
-        <p14:creationId xmlns:p14="http://schemas.microsoft.com/office/powerpoint/2010/main" xmlns="" val="3150583799"/>
+        <p14:creationId xmlns:p14="http://schemas.microsoft.com/office/powerpoint/2010/main" val="3150583799"/>
       </p:ext>
     </p:extLst>
   </p:cSld>
@@ -5798,7 +5798,7 @@
             <a:fld id="{E3D3AADB-2F64-4CF7-83E3-78E84AD4D110}" type="datetime1">
               <a:rPr lang="es-AR" smtClean="0"/>
               <a:pPr/>
-              <a:t>16/2/2021</a:t>
+              <a:t>17/02/2021</a:t>
             </a:fld>
             <a:endParaRPr lang="es-AR"/>
           </a:p>
@@ -5853,7 +5853,7 @@
     </p:spTree>
     <p:extLst>
       <p:ext uri="{BB962C8B-B14F-4D97-AF65-F5344CB8AC3E}">
-        <p14:creationId xmlns:p14="http://schemas.microsoft.com/office/powerpoint/2010/main" xmlns="" val="3101053053"/>
+        <p14:creationId xmlns:p14="http://schemas.microsoft.com/office/powerpoint/2010/main" val="3101053053"/>
       </p:ext>
     </p:extLst>
   </p:cSld>
@@ -6084,7 +6084,7 @@
             <a:fld id="{C77D2D86-4208-4F35-BB55-BE3504C41488}" type="datetime1">
               <a:rPr lang="es-AR" smtClean="0"/>
               <a:pPr/>
-              <a:t>16/2/2021</a:t>
+              <a:t>17/02/2021</a:t>
             </a:fld>
             <a:endParaRPr lang="es-AR"/>
           </a:p>
@@ -6139,7 +6139,7 @@
     </p:spTree>
     <p:extLst>
       <p:ext uri="{BB962C8B-B14F-4D97-AF65-F5344CB8AC3E}">
-        <p14:creationId xmlns:p14="http://schemas.microsoft.com/office/powerpoint/2010/main" xmlns="" val="3053301401"/>
+        <p14:creationId xmlns:p14="http://schemas.microsoft.com/office/powerpoint/2010/main" val="3053301401"/>
       </p:ext>
     </p:extLst>
   </p:cSld>
@@ -6325,7 +6325,7 @@
             <a:fld id="{1EA277BA-E2F3-4C3D-9E58-E2E890DB98B1}" type="datetime1">
               <a:rPr lang="es-AR" smtClean="0"/>
               <a:pPr/>
-              <a:t>16/2/2021</a:t>
+              <a:t>17/02/2021</a:t>
             </a:fld>
             <a:endParaRPr lang="es-AR"/>
           </a:p>
@@ -6452,7 +6452,7 @@
     </p:spTree>
     <p:extLst>
       <p:ext uri="{BB962C8B-B14F-4D97-AF65-F5344CB8AC3E}">
-        <p14:creationId xmlns:p14="http://schemas.microsoft.com/office/powerpoint/2010/main" xmlns="" val="1640675034"/>
+        <p14:creationId xmlns:p14="http://schemas.microsoft.com/office/powerpoint/2010/main" val="1640675034"/>
       </p:ext>
     </p:extLst>
   </p:cSld>
@@ -7038,7 +7038,7 @@
           <a:blip r:embed="rId2" cstate="print">
             <a:extLst>
               <a:ext uri="{28A0092B-C50C-407E-A947-70E740481C1C}">
-                <a14:useLocalDpi xmlns:a14="http://schemas.microsoft.com/office/drawing/2010/main" xmlns="" val="0"/>
+                <a14:useLocalDpi xmlns:a14="http://schemas.microsoft.com/office/drawing/2010/main" val="0"/>
               </a:ext>
             </a:extLst>
           </a:blip>
@@ -7068,7 +7068,7 @@
           <a:blip r:embed="rId3" cstate="print">
             <a:extLst>
               <a:ext uri="{28A0092B-C50C-407E-A947-70E740481C1C}">
-                <a14:useLocalDpi xmlns:a14="http://schemas.microsoft.com/office/drawing/2010/main" xmlns="" val="0"/>
+                <a14:useLocalDpi xmlns:a14="http://schemas.microsoft.com/office/drawing/2010/main" val="0"/>
               </a:ext>
             </a:extLst>
           </a:blip>
@@ -7098,7 +7098,7 @@
           <a:blip r:embed="rId4" cstate="print">
             <a:extLst>
               <a:ext uri="{28A0092B-C50C-407E-A947-70E740481C1C}">
-                <a14:useLocalDpi xmlns:a14="http://schemas.microsoft.com/office/drawing/2010/main" xmlns="" val="0"/>
+                <a14:useLocalDpi xmlns:a14="http://schemas.microsoft.com/office/drawing/2010/main" val="0"/>
               </a:ext>
             </a:extLst>
           </a:blip>
@@ -7119,20 +7119,20 @@
     </p:spTree>
     <p:extLst>
       <p:ext uri="{BB962C8B-B14F-4D97-AF65-F5344CB8AC3E}">
-        <p14:creationId xmlns:p14="http://schemas.microsoft.com/office/powerpoint/2010/main" xmlns="" val="2194547385"/>
+        <p14:creationId xmlns:p14="http://schemas.microsoft.com/office/powerpoint/2010/main" val="2194547385"/>
       </p:ext>
     </p:extLst>
   </p:cSld>
   <p:clrMapOvr>
     <a:masterClrMapping/>
   </p:clrMapOvr>
-  <mc:AlternateContent xmlns:mc="http://schemas.openxmlformats.org/markup-compatibility/2006">
-    <mc:Choice xmlns:p14="http://schemas.microsoft.com/office/powerpoint/2010/main" xmlns="" Requires="p14">
+  <mc:AlternateContent xmlns:mc="http://schemas.openxmlformats.org/markup-compatibility/2006" xmlns:p14="http://schemas.microsoft.com/office/powerpoint/2010/main">
+    <mc:Choice Requires="p14">
       <p:transition spd="med" p14:dur="700">
         <p:fade/>
       </p:transition>
     </mc:Choice>
-    <mc:Fallback>
+    <mc:Fallback xmlns="">
       <p:transition spd="med">
         <p:fade/>
       </p:transition>
@@ -7167,101 +7167,6 @@
       </p:grpSpPr>
       <p:sp>
         <p:nvSpPr>
-          <p:cNvPr id="5" name="4 Marcador de contenido"/>
-          <p:cNvSpPr>
-            <a:spLocks noGrp="1"/>
-          </p:cNvSpPr>
-          <p:nvPr>
-            <p:ph idx="1"/>
-          </p:nvPr>
-        </p:nvSpPr>
-        <p:spPr/>
-        <p:txBody>
-          <a:bodyPr>
-            <a:normAutofit lnSpcReduction="10000"/>
-          </a:bodyPr>
-          <a:lstStyle/>
-          <a:p>
-            <a:r>
-              <a:rPr lang="es-AR" sz="2600" dirty="0" smtClean="0"/>
-              <a:t>Fase de Inicio Iteración 1:  se planifico la redacción de plan de riesgos</a:t>
-            </a:r>
-          </a:p>
-          <a:p>
-            <a:r>
-              <a:rPr lang="es-AR" sz="2600" dirty="0" smtClean="0"/>
-              <a:t>Fase de  Inicio Iteración 2:</a:t>
-            </a:r>
-          </a:p>
-          <a:p>
-            <a:endParaRPr lang="es-AR" dirty="0" smtClean="0"/>
-          </a:p>
-          <a:p>
-            <a:endParaRPr lang="es-AR" sz="2400" dirty="0" smtClean="0"/>
-          </a:p>
-          <a:p>
-            <a:endParaRPr lang="es-AR" sz="2400" dirty="0" smtClean="0"/>
-          </a:p>
-          <a:p>
-            <a:endParaRPr lang="es-AR" sz="2400" dirty="0" smtClean="0"/>
-          </a:p>
-          <a:p>
-            <a:endParaRPr lang="es-AR" sz="2400" dirty="0" smtClean="0"/>
-          </a:p>
-          <a:p>
-            <a:pPr>
-              <a:buNone/>
-            </a:pPr>
-            <a:endParaRPr lang="es-AR" sz="2400" dirty="0" smtClean="0"/>
-          </a:p>
-          <a:p>
-            <a:pPr>
-              <a:buNone/>
-            </a:pPr>
-            <a:endParaRPr lang="es-AR" sz="2400" dirty="0" smtClean="0"/>
-          </a:p>
-          <a:p>
-            <a:r>
-              <a:rPr lang="es-AR" sz="2600" dirty="0" smtClean="0"/>
-              <a:t>Fase de  Elaboración: No se realizo gestión de riesgos, ya que priorizamos otras actividades. Sin embargo, esto no implicó que las soluciones propuestas de los riesgos no se llevarán a cabo. </a:t>
-            </a:r>
-          </a:p>
-          <a:p>
-            <a:pPr>
-              <a:buNone/>
-            </a:pPr>
-            <a:endParaRPr lang="es-AR" sz="2400" dirty="0" smtClean="0"/>
-          </a:p>
-          <a:p>
-            <a:endParaRPr lang="es-AR" sz="2400" dirty="0" smtClean="0"/>
-          </a:p>
-        </p:txBody>
-      </p:sp>
-      <p:sp>
-        <p:nvSpPr>
-          <p:cNvPr id="4" name="3 Título"/>
-          <p:cNvSpPr>
-            <a:spLocks noGrp="1"/>
-          </p:cNvSpPr>
-          <p:nvPr>
-            <p:ph type="title"/>
-          </p:nvPr>
-        </p:nvSpPr>
-        <p:spPr/>
-        <p:txBody>
-          <a:bodyPr/>
-          <a:lstStyle/>
-          <a:p>
-            <a:r>
-              <a:rPr lang="es-AR" dirty="0" smtClean="0"/>
-              <a:t>Gestión de Riesgos</a:t>
-            </a:r>
-            <a:endParaRPr lang="es-AR" dirty="0"/>
-          </a:p>
-        </p:txBody>
-      </p:sp>
-      <p:sp>
-        <p:nvSpPr>
           <p:cNvPr id="2" name="1 Marcador de pie de página"/>
           <p:cNvSpPr>
             <a:spLocks noGrp="1"/>
@@ -7307,64 +7212,29 @@
           </a:p>
         </p:txBody>
       </p:sp>
-      <p:pic>
-        <p:nvPicPr>
-          <p:cNvPr id="1027" name="Picture 3"/>
-          <p:cNvPicPr>
-            <a:picLocks noChangeAspect="1" noChangeArrowheads="1"/>
-          </p:cNvPicPr>
-          <p:nvPr/>
-        </p:nvPicPr>
-        <p:blipFill>
-          <a:blip r:embed="rId2"/>
-          <a:srcRect/>
-          <a:stretch>
-            <a:fillRect/>
-          </a:stretch>
-        </p:blipFill>
-        <p:spPr bwMode="auto">
-          <a:xfrm>
-            <a:off x="4149969" y="1856935"/>
-            <a:ext cx="6217919" cy="3432517"/>
-          </a:xfrm>
-          <a:prstGeom prst="rect">
-            <a:avLst/>
-          </a:prstGeom>
-          <a:noFill/>
-          <a:ln w="9525">
-            <a:noFill/>
-            <a:miter lim="800000"/>
-            <a:headEnd/>
-            <a:tailEnd/>
-          </a:ln>
-          <a:effectLst/>
-        </p:spPr>
-      </p:pic>
-    </p:spTree>
-  </p:cSld>
-  <p:clrMapOvr>
-    <a:masterClrMapping/>
-  </p:clrMapOvr>
-</p:sld>
-</file>
-
-<file path=ppt/slides/slide11.xml><?xml version="1.0" encoding="utf-8"?>
-<p:sld xmlns:a="http://schemas.openxmlformats.org/drawingml/2006/main" xmlns:r="http://schemas.openxmlformats.org/officeDocument/2006/relationships" xmlns:p="http://schemas.openxmlformats.org/presentationml/2006/main">
-  <p:cSld>
-    <p:spTree>
-      <p:nvGrpSpPr>
-        <p:cNvPr id="1" name=""/>
-        <p:cNvGrpSpPr/>
-        <p:nvPr/>
-      </p:nvGrpSpPr>
-      <p:grpSpPr>
-        <a:xfrm>
-          <a:off x="0" y="0"/>
-          <a:ext cx="0" cy="0"/>
-          <a:chOff x="0" y="0"/>
-          <a:chExt cx="0" cy="0"/>
-        </a:xfrm>
-      </p:grpSpPr>
+      <p:sp>
+        <p:nvSpPr>
+          <p:cNvPr id="4" name="3 Título"/>
+          <p:cNvSpPr>
+            <a:spLocks noGrp="1"/>
+          </p:cNvSpPr>
+          <p:nvPr>
+            <p:ph type="title"/>
+          </p:nvPr>
+        </p:nvSpPr>
+        <p:spPr/>
+        <p:txBody>
+          <a:bodyPr/>
+          <a:lstStyle/>
+          <a:p>
+            <a:r>
+              <a:rPr lang="es-AR" dirty="0" smtClean="0"/>
+              <a:t>Gestión de riesgos </a:t>
+            </a:r>
+            <a:endParaRPr lang="es-AR" dirty="0"/>
+          </a:p>
+        </p:txBody>
+      </p:sp>
       <p:sp>
         <p:nvSpPr>
           <p:cNvPr id="5" name="4 Marcador de contenido"/>
@@ -7389,76 +7259,6 @@
             <a:endParaRPr lang="es-AR" dirty="0" smtClean="0"/>
           </a:p>
           <a:p>
-            <a:endParaRPr lang="es-AR" dirty="0"/>
-          </a:p>
-        </p:txBody>
-      </p:sp>
-      <p:sp>
-        <p:nvSpPr>
-          <p:cNvPr id="4" name="3 Título"/>
-          <p:cNvSpPr>
-            <a:spLocks noGrp="1"/>
-          </p:cNvSpPr>
-          <p:nvPr>
-            <p:ph type="title"/>
-          </p:nvPr>
-        </p:nvSpPr>
-        <p:spPr/>
-        <p:txBody>
-          <a:bodyPr/>
-          <a:lstStyle/>
-          <a:p>
-            <a:r>
-              <a:rPr lang="es-AR" dirty="0" smtClean="0"/>
-              <a:t>Gestión de riesgos </a:t>
-            </a:r>
-            <a:endParaRPr lang="es-AR" dirty="0"/>
-          </a:p>
-        </p:txBody>
-      </p:sp>
-      <p:sp>
-        <p:nvSpPr>
-          <p:cNvPr id="2" name="1 Marcador de pie de página"/>
-          <p:cNvSpPr>
-            <a:spLocks noGrp="1"/>
-          </p:cNvSpPr>
-          <p:nvPr>
-            <p:ph type="ftr" sz="quarter" idx="11"/>
-          </p:nvPr>
-        </p:nvSpPr>
-        <p:spPr/>
-        <p:txBody>
-          <a:bodyPr/>
-          <a:lstStyle/>
-          <a:p>
-            <a:r>
-              <a:rPr lang="es-AR" smtClean="0"/>
-              <a:t>OYARZO Mariela – QUIROGA Sandra – MÁRQUEZ Emanuel</a:t>
-            </a:r>
-            <a:endParaRPr lang="es-AR" dirty="0"/>
-          </a:p>
-        </p:txBody>
-      </p:sp>
-      <p:sp>
-        <p:nvSpPr>
-          <p:cNvPr id="3" name="2 Marcador de número de diapositiva"/>
-          <p:cNvSpPr>
-            <a:spLocks noGrp="1"/>
-          </p:cNvSpPr>
-          <p:nvPr>
-            <p:ph type="sldNum" sz="quarter" idx="12"/>
-          </p:nvPr>
-        </p:nvSpPr>
-        <p:spPr/>
-        <p:txBody>
-          <a:bodyPr/>
-          <a:lstStyle/>
-          <a:p>
-            <a:fld id="{779E3280-5C43-43EF-BE7D-8C553A58A779}" type="slidenum">
-              <a:rPr lang="es-AR" smtClean="0"/>
-              <a:pPr/>
-              <a:t>11</a:t>
-            </a:fld>
             <a:endParaRPr lang="es-AR" dirty="0"/>
           </a:p>
         </p:txBody>
@@ -7501,6 +7301,132 @@
   <p:clrMapOvr>
     <a:masterClrMapping/>
   </p:clrMapOvr>
+  <p:timing>
+    <p:tnLst>
+      <p:par>
+        <p:cTn id="1" dur="indefinite" restart="never" nodeType="tmRoot"/>
+      </p:par>
+    </p:tnLst>
+  </p:timing>
+</p:sld>
+</file>
+
+<file path=ppt/slides/slide11.xml><?xml version="1.0" encoding="utf-8"?>
+<p:sld xmlns:a="http://schemas.openxmlformats.org/drawingml/2006/main" xmlns:r="http://schemas.openxmlformats.org/officeDocument/2006/relationships" xmlns:p="http://schemas.openxmlformats.org/presentationml/2006/main">
+  <p:cSld>
+    <p:spTree>
+      <p:nvGrpSpPr>
+        <p:cNvPr id="1" name=""/>
+        <p:cNvGrpSpPr/>
+        <p:nvPr/>
+      </p:nvGrpSpPr>
+      <p:grpSpPr>
+        <a:xfrm>
+          <a:off x="0" y="0"/>
+          <a:ext cx="0" cy="0"/>
+          <a:chOff x="0" y="0"/>
+          <a:chExt cx="0" cy="0"/>
+        </a:xfrm>
+      </p:grpSpPr>
+      <p:sp>
+        <p:nvSpPr>
+          <p:cNvPr id="2" name="Marcador de pie de página 1"/>
+          <p:cNvSpPr>
+            <a:spLocks noGrp="1"/>
+          </p:cNvSpPr>
+          <p:nvPr>
+            <p:ph type="ftr" sz="quarter" idx="11"/>
+          </p:nvPr>
+        </p:nvSpPr>
+        <p:spPr/>
+        <p:txBody>
+          <a:bodyPr/>
+          <a:lstStyle/>
+          <a:p>
+            <a:r>
+              <a:rPr lang="es-AR" smtClean="0"/>
+              <a:t>OYARZO Mariela – QUIROGA Sandra – MÁRQUEZ Emanuel</a:t>
+            </a:r>
+            <a:endParaRPr lang="es-AR" dirty="0"/>
+          </a:p>
+        </p:txBody>
+      </p:sp>
+      <p:sp>
+        <p:nvSpPr>
+          <p:cNvPr id="3" name="Marcador de número de diapositiva 2"/>
+          <p:cNvSpPr>
+            <a:spLocks noGrp="1"/>
+          </p:cNvSpPr>
+          <p:nvPr>
+            <p:ph type="sldNum" sz="quarter" idx="12"/>
+          </p:nvPr>
+        </p:nvSpPr>
+        <p:spPr/>
+        <p:txBody>
+          <a:bodyPr/>
+          <a:lstStyle/>
+          <a:p>
+            <a:fld id="{779E3280-5C43-43EF-BE7D-8C553A58A779}" type="slidenum">
+              <a:rPr lang="es-AR" smtClean="0"/>
+              <a:pPr/>
+              <a:t>11</a:t>
+            </a:fld>
+            <a:endParaRPr lang="es-AR" dirty="0"/>
+          </a:p>
+        </p:txBody>
+      </p:sp>
+      <p:sp>
+        <p:nvSpPr>
+          <p:cNvPr id="4" name="Título 3"/>
+          <p:cNvSpPr>
+            <a:spLocks noGrp="1"/>
+          </p:cNvSpPr>
+          <p:nvPr>
+            <p:ph type="title"/>
+          </p:nvPr>
+        </p:nvSpPr>
+        <p:spPr/>
+        <p:txBody>
+          <a:bodyPr/>
+          <a:lstStyle/>
+          <a:p>
+            <a:r>
+              <a:rPr lang="es-AR" dirty="0" smtClean="0"/>
+              <a:t>Modelo</a:t>
+            </a:r>
+            <a:endParaRPr lang="es-AR" dirty="0"/>
+          </a:p>
+        </p:txBody>
+      </p:sp>
+      <p:sp>
+        <p:nvSpPr>
+          <p:cNvPr id="5" name="Marcador de contenido 4"/>
+          <p:cNvSpPr>
+            <a:spLocks noGrp="1"/>
+          </p:cNvSpPr>
+          <p:nvPr>
+            <p:ph idx="1"/>
+          </p:nvPr>
+        </p:nvSpPr>
+        <p:spPr/>
+        <p:txBody>
+          <a:bodyPr/>
+          <a:lstStyle/>
+          <a:p>
+            <a:endParaRPr lang="es-AR" dirty="0"/>
+          </a:p>
+        </p:txBody>
+      </p:sp>
+    </p:spTree>
+    <p:extLst>
+      <p:ext uri="{BB962C8B-B14F-4D97-AF65-F5344CB8AC3E}">
+        <p14:creationId xmlns:p14="http://schemas.microsoft.com/office/powerpoint/2010/main" val="3699479930"/>
+      </p:ext>
+    </p:extLst>
+  </p:cSld>
+  <p:clrMapOvr>
+    <a:masterClrMapping/>
+  </p:clrMapOvr>
 </p:sld>
 </file>
 
@@ -7523,105 +7449,7 @@
       </p:grpSpPr>
       <p:sp>
         <p:nvSpPr>
-          <p:cNvPr id="7" name="6 Marcador de contenido"/>
-          <p:cNvSpPr>
-            <a:spLocks noGrp="1"/>
-          </p:cNvSpPr>
-          <p:nvPr>
-            <p:ph idx="1"/>
-          </p:nvPr>
-        </p:nvSpPr>
-        <p:spPr/>
-        <p:txBody>
-          <a:bodyPr/>
-          <a:lstStyle/>
-          <a:p>
-            <a:pPr lvl="0"/>
-            <a:endParaRPr lang="es-MX" dirty="0" smtClean="0"/>
-          </a:p>
-          <a:p>
-            <a:pPr lvl="0"/>
-            <a:r>
-              <a:rPr lang="es-MX" dirty="0" smtClean="0"/>
-              <a:t>Encontrar </a:t>
-            </a:r>
-            <a:r>
-              <a:rPr lang="es-MX" dirty="0" smtClean="0"/>
-              <a:t>tantos errores como sea posible.</a:t>
-            </a:r>
-            <a:endParaRPr lang="es-AR" b="1" dirty="0" smtClean="0"/>
-          </a:p>
-          <a:p>
-            <a:pPr lvl="0"/>
-            <a:r>
-              <a:rPr lang="es-MX" dirty="0" smtClean="0"/>
-              <a:t>Supervisar si se cumple las especificaciones de diseño.</a:t>
-            </a:r>
-            <a:endParaRPr lang="es-AR" b="1" dirty="0" smtClean="0"/>
-          </a:p>
-          <a:p>
-            <a:pPr lvl="0"/>
-            <a:r>
-              <a:rPr lang="es-MX" dirty="0" smtClean="0"/>
-              <a:t>Supervisar si se cumple los requisitos del análisis. </a:t>
-            </a:r>
-            <a:endParaRPr lang="es-AR" b="1" dirty="0" smtClean="0"/>
-          </a:p>
-          <a:p>
-            <a:pPr lvl="0"/>
-            <a:r>
-              <a:rPr lang="es-MX" dirty="0" smtClean="0"/>
-              <a:t>Realizar pruebas de rendimiento y capacidad.</a:t>
-            </a:r>
-            <a:endParaRPr lang="es-AR" b="1" dirty="0" smtClean="0"/>
-          </a:p>
-          <a:p>
-            <a:pPr lvl="0"/>
-            <a:r>
-              <a:rPr lang="es-MX" dirty="0" smtClean="0"/>
-              <a:t>Encontrar los problemas importantes y determinar los riesgos percibidos de la calidad.</a:t>
-            </a:r>
-            <a:endParaRPr lang="es-AR" b="1" dirty="0" smtClean="0"/>
-          </a:p>
-          <a:p>
-            <a:pPr lvl="0"/>
-            <a:r>
-              <a:rPr lang="es-MX" dirty="0" smtClean="0"/>
-              <a:t>Otros.</a:t>
-            </a:r>
-            <a:endParaRPr lang="es-AR" b="1" dirty="0" smtClean="0"/>
-          </a:p>
-          <a:p>
-            <a:endParaRPr lang="es-AR" dirty="0"/>
-          </a:p>
-        </p:txBody>
-      </p:sp>
-      <p:sp>
-        <p:nvSpPr>
-          <p:cNvPr id="6" name="5 Título"/>
-          <p:cNvSpPr>
-            <a:spLocks noGrp="1"/>
-          </p:cNvSpPr>
-          <p:nvPr>
-            <p:ph type="title"/>
-          </p:nvPr>
-        </p:nvSpPr>
-        <p:spPr/>
-        <p:txBody>
-          <a:bodyPr/>
-          <a:lstStyle/>
-          <a:p>
-            <a:r>
-              <a:rPr lang="es-AR" dirty="0" smtClean="0"/>
-              <a:t>Plan de Pruebas</a:t>
-            </a:r>
-            <a:endParaRPr lang="es-AR" dirty="0"/>
-          </a:p>
-        </p:txBody>
-      </p:sp>
-      <p:sp>
-        <p:nvSpPr>
-          <p:cNvPr id="2" name="1 Marcador de pie de página"/>
+          <p:cNvPr id="2" name="Marcador de pie de página 1"/>
           <p:cNvSpPr>
             <a:spLocks noGrp="1"/>
           </p:cNvSpPr>
@@ -7644,7 +7472,7 @@
       </p:sp>
       <p:sp>
         <p:nvSpPr>
-          <p:cNvPr id="3" name="2 Marcador de número de diapositiva"/>
+          <p:cNvPr id="3" name="Marcador de número de diapositiva 2"/>
           <p:cNvSpPr>
             <a:spLocks noGrp="1"/>
           </p:cNvSpPr>
@@ -7666,7 +7494,54 @@
           </a:p>
         </p:txBody>
       </p:sp>
+      <p:sp>
+        <p:nvSpPr>
+          <p:cNvPr id="4" name="Título 3"/>
+          <p:cNvSpPr>
+            <a:spLocks noGrp="1"/>
+          </p:cNvSpPr>
+          <p:nvPr>
+            <p:ph type="title"/>
+          </p:nvPr>
+        </p:nvSpPr>
+        <p:spPr/>
+        <p:txBody>
+          <a:bodyPr/>
+          <a:lstStyle/>
+          <a:p>
+            <a:r>
+              <a:rPr lang="es-AR" dirty="0" smtClean="0"/>
+              <a:t>Implementación</a:t>
+            </a:r>
+            <a:endParaRPr lang="es-AR" dirty="0"/>
+          </a:p>
+        </p:txBody>
+      </p:sp>
+      <p:sp>
+        <p:nvSpPr>
+          <p:cNvPr id="5" name="Marcador de contenido 4"/>
+          <p:cNvSpPr>
+            <a:spLocks noGrp="1"/>
+          </p:cNvSpPr>
+          <p:nvPr>
+            <p:ph idx="1"/>
+          </p:nvPr>
+        </p:nvSpPr>
+        <p:spPr/>
+        <p:txBody>
+          <a:bodyPr/>
+          <a:lstStyle/>
+          <a:p>
+            <a:endParaRPr lang="es-AR" dirty="0"/>
+          </a:p>
+        </p:txBody>
+      </p:sp>
     </p:spTree>
+    <p:extLst>
+      <p:ext uri="{BB962C8B-B14F-4D97-AF65-F5344CB8AC3E}">
+        <p14:creationId xmlns:p14="http://schemas.microsoft.com/office/powerpoint/2010/main" val="2724477999"/>
+      </p:ext>
+    </p:extLst>
   </p:cSld>
   <p:clrMapOvr>
     <a:masterClrMapping/>
@@ -7693,6 +7568,77 @@
       </p:grpSpPr>
       <p:sp>
         <p:nvSpPr>
+          <p:cNvPr id="7" name="6 Marcador de contenido"/>
+          <p:cNvSpPr>
+            <a:spLocks noGrp="1"/>
+          </p:cNvSpPr>
+          <p:nvPr>
+            <p:ph idx="1"/>
+          </p:nvPr>
+        </p:nvSpPr>
+        <p:spPr/>
+        <p:txBody>
+          <a:bodyPr/>
+          <a:lstStyle/>
+          <a:p>
+            <a:pPr lvl="0"/>
+            <a:endParaRPr lang="es-MX" dirty="0" smtClean="0"/>
+          </a:p>
+          <a:p>
+            <a:pPr lvl="0"/>
+            <a:r>
+              <a:rPr lang="es-MX" dirty="0" smtClean="0"/>
+              <a:t>Encontrar tantos errores como sea posible.</a:t>
+            </a:r>
+            <a:endParaRPr lang="es-AR" b="1" dirty="0" smtClean="0"/>
+          </a:p>
+          <a:p>
+            <a:pPr lvl="0"/>
+            <a:r>
+              <a:rPr lang="es-MX" dirty="0" smtClean="0"/>
+              <a:t>Supervisar si se cumple las especificaciones de diseño.</a:t>
+            </a:r>
+            <a:endParaRPr lang="es-AR" b="1" dirty="0" smtClean="0"/>
+          </a:p>
+          <a:p>
+            <a:pPr lvl="0"/>
+            <a:r>
+              <a:rPr lang="es-MX" dirty="0" smtClean="0"/>
+              <a:t>Supervisar si se cumple los requisitos del análisis. </a:t>
+            </a:r>
+            <a:endParaRPr lang="es-AR" b="1" dirty="0" smtClean="0"/>
+          </a:p>
+          <a:p>
+            <a:pPr lvl="0"/>
+            <a:r>
+              <a:rPr lang="es-MX" dirty="0" smtClean="0"/>
+              <a:t>Realizar pruebas de rendimiento y capacidad.</a:t>
+            </a:r>
+            <a:endParaRPr lang="es-AR" b="1" dirty="0" smtClean="0"/>
+          </a:p>
+          <a:p>
+            <a:pPr lvl="0"/>
+            <a:r>
+              <a:rPr lang="es-MX" dirty="0" smtClean="0"/>
+              <a:t>Encontrar los problemas importantes y determinar los riesgos percibidos de la calidad.</a:t>
+            </a:r>
+            <a:endParaRPr lang="es-AR" b="1" dirty="0" smtClean="0"/>
+          </a:p>
+          <a:p>
+            <a:pPr lvl="0"/>
+            <a:r>
+              <a:rPr lang="es-MX" dirty="0" smtClean="0"/>
+              <a:t>Otros.</a:t>
+            </a:r>
+            <a:endParaRPr lang="es-AR" b="1" dirty="0" smtClean="0"/>
+          </a:p>
+          <a:p>
+            <a:endParaRPr lang="es-AR" dirty="0"/>
+          </a:p>
+        </p:txBody>
+      </p:sp>
+      <p:sp>
+        <p:nvSpPr>
           <p:cNvPr id="6" name="5 Título"/>
           <p:cNvSpPr>
             <a:spLocks noGrp="1"/>
@@ -7708,7 +7654,7 @@
           <a:p>
             <a:r>
               <a:rPr lang="es-AR" dirty="0" smtClean="0"/>
-              <a:t>Gestión de Riesgo </a:t>
+              <a:t>Plan de Pruebas</a:t>
             </a:r>
             <a:endParaRPr lang="es-AR" dirty="0"/>
           </a:p>
@@ -7761,41 +7707,6 @@
           </a:p>
         </p:txBody>
       </p:sp>
-      <p:pic>
-        <p:nvPicPr>
-          <p:cNvPr id="3075" name="Picture 3"/>
-          <p:cNvPicPr>
-            <a:picLocks noGrp="1" noChangeAspect="1" noChangeArrowheads="1"/>
-          </p:cNvPicPr>
-          <p:nvPr>
-            <p:ph idx="1"/>
-          </p:nvPr>
-        </p:nvPicPr>
-        <p:blipFill>
-          <a:blip r:embed="rId2"/>
-          <a:srcRect/>
-          <a:stretch>
-            <a:fillRect/>
-          </a:stretch>
-        </p:blipFill>
-        <p:spPr bwMode="auto">
-          <a:xfrm>
-            <a:off x="3765550" y="1518444"/>
-            <a:ext cx="4752975" cy="4905375"/>
-          </a:xfrm>
-          <a:prstGeom prst="rect">
-            <a:avLst/>
-          </a:prstGeom>
-          <a:noFill/>
-          <a:ln w="9525">
-            <a:noFill/>
-            <a:miter lim="800000"/>
-            <a:headEnd/>
-            <a:tailEnd/>
-          </a:ln>
-          <a:effectLst/>
-        </p:spPr>
-      </p:pic>
     </p:spTree>
   </p:cSld>
   <p:clrMapOvr>
@@ -7942,7 +7853,7 @@
           <p:nvPr>
             <p:extLst>
               <p:ext uri="{D42A27DB-BD31-4B8C-83A1-F6EECF244321}">
-                <p14:modId xmlns="" xmlns:p14="http://schemas.microsoft.com/office/powerpoint/2010/main" val="3049683362"/>
+                <p14:modId xmlns:p14="http://schemas.microsoft.com/office/powerpoint/2010/main" val="3049683362"/>
               </p:ext>
             </p:extLst>
           </p:nvPr>
@@ -9623,20 +9534,20 @@
     </p:spTree>
     <p:extLst>
       <p:ext uri="{BB962C8B-B14F-4D97-AF65-F5344CB8AC3E}">
-        <p14:creationId xmlns="" xmlns:p14="http://schemas.microsoft.com/office/powerpoint/2010/main" val="556564343"/>
+        <p14:creationId xmlns:p14="http://schemas.microsoft.com/office/powerpoint/2010/main" val="556564343"/>
       </p:ext>
     </p:extLst>
   </p:cSld>
   <p:clrMapOvr>
     <a:masterClrMapping/>
   </p:clrMapOvr>
-  <mc:AlternateContent xmlns:mc="http://schemas.openxmlformats.org/markup-compatibility/2006">
-    <mc:Choice xmlns="" xmlns:p14="http://schemas.microsoft.com/office/powerpoint/2010/main" Requires="p14">
+  <mc:AlternateContent xmlns:mc="http://schemas.openxmlformats.org/markup-compatibility/2006" xmlns:p14="http://schemas.microsoft.com/office/powerpoint/2010/main">
+    <mc:Choice Requires="p14">
       <p:transition spd="slow">
         <p14:reveal/>
       </p:transition>
     </mc:Choice>
-    <mc:Fallback>
+    <mc:Fallback xmlns="">
       <p:transition spd="slow">
         <p:fade/>
       </p:transition>
@@ -9777,7 +9688,7 @@
         </p:blipFill>
         <p:spPr>
           <a:xfrm>
-            <a:off x="286600" y="1907068"/>
+            <a:off x="286600" y="1983097"/>
             <a:ext cx="5868540" cy="3680770"/>
           </a:xfrm>
           <a:prstGeom prst="rect">
@@ -9788,20 +9699,20 @@
     </p:spTree>
     <p:extLst>
       <p:ext uri="{BB962C8B-B14F-4D97-AF65-F5344CB8AC3E}">
-        <p14:creationId xmlns="" xmlns:p14="http://schemas.microsoft.com/office/powerpoint/2010/main" val="564010918"/>
+        <p14:creationId xmlns:p14="http://schemas.microsoft.com/office/powerpoint/2010/main" val="564010918"/>
       </p:ext>
     </p:extLst>
   </p:cSld>
   <p:clrMapOvr>
     <a:masterClrMapping/>
   </p:clrMapOvr>
-  <mc:AlternateContent xmlns:mc="http://schemas.openxmlformats.org/markup-compatibility/2006">
-    <mc:Choice xmlns="" xmlns:p14="http://schemas.microsoft.com/office/powerpoint/2010/main" Requires="p14">
+  <mc:AlternateContent xmlns:mc="http://schemas.openxmlformats.org/markup-compatibility/2006" xmlns:p14="http://schemas.microsoft.com/office/powerpoint/2010/main">
+    <mc:Choice Requires="p14">
       <p:transition spd="slow">
         <p14:reveal/>
       </p:transition>
     </mc:Choice>
-    <mc:Fallback>
+    <mc:Fallback xmlns="">
       <p:transition spd="slow">
         <p:fade/>
       </p:transition>
@@ -9943,6 +9854,13 @@
   <p:clrMapOvr>
     <a:masterClrMapping/>
   </p:clrMapOvr>
+  <p:timing>
+    <p:tnLst>
+      <p:par>
+        <p:cTn id="1" dur="indefinite" restart="never" nodeType="tmRoot"/>
+      </p:par>
+    </p:tnLst>
+  </p:timing>
 </p:sld>
 </file>
 
@@ -10045,7 +9963,7 @@
           <a:blip r:embed="rId2" cstate="print">
             <a:extLst>
               <a:ext uri="{28A0092B-C50C-407E-A947-70E740481C1C}">
-                <a14:useLocalDpi xmlns:a14="http://schemas.microsoft.com/office/drawing/2010/main" xmlns="" val="0"/>
+                <a14:useLocalDpi xmlns:a14="http://schemas.microsoft.com/office/drawing/2010/main" val="0"/>
               </a:ext>
             </a:extLst>
           </a:blip>
@@ -10066,20 +9984,20 @@
     </p:spTree>
     <p:extLst>
       <p:ext uri="{BB962C8B-B14F-4D97-AF65-F5344CB8AC3E}">
-        <p14:creationId xmlns:p14="http://schemas.microsoft.com/office/powerpoint/2010/main" xmlns="" val="2777136503"/>
+        <p14:creationId xmlns:p14="http://schemas.microsoft.com/office/powerpoint/2010/main" val="2777136503"/>
       </p:ext>
     </p:extLst>
   </p:cSld>
   <p:clrMapOvr>
     <a:masterClrMapping/>
   </p:clrMapOvr>
-  <mc:AlternateContent xmlns:mc="http://schemas.openxmlformats.org/markup-compatibility/2006">
-    <mc:Choice xmlns:p14="http://schemas.microsoft.com/office/powerpoint/2010/main" xmlns="" Requires="p14">
+  <mc:AlternateContent xmlns:mc="http://schemas.openxmlformats.org/markup-compatibility/2006" xmlns:p14="http://schemas.microsoft.com/office/powerpoint/2010/main">
+    <mc:Choice Requires="p14">
       <p:transition spd="slow">
         <p14:reveal/>
       </p:transition>
     </mc:Choice>
-    <mc:Fallback>
+    <mc:Fallback xmlns="">
       <p:transition spd="slow">
         <p:fade/>
       </p:transition>
@@ -10193,7 +10111,155 @@
           <a:bodyPr/>
           <a:lstStyle/>
           <a:p>
-            <a:endParaRPr lang="es-AR"/>
+            <a:pPr marL="514350" indent="-514350">
+              <a:buFont typeface="+mj-lt"/>
+              <a:buAutoNum type="arabicPeriod"/>
+            </a:pPr>
+            <a:r>
+              <a:rPr lang="es-AR" dirty="0" smtClean="0"/>
+              <a:t>Sobre el grupo de desarrollo. </a:t>
+            </a:r>
+            <a:r>
+              <a:rPr lang="es-AR" b="1" dirty="0" smtClean="0"/>
+              <a:t>Sandrita</a:t>
+            </a:r>
+          </a:p>
+          <a:p>
+            <a:pPr marL="514350" indent="-514350">
+              <a:buFont typeface="+mj-lt"/>
+              <a:buAutoNum type="arabicPeriod"/>
+            </a:pPr>
+            <a:r>
+              <a:rPr lang="es-AR" dirty="0" smtClean="0"/>
+              <a:t>Sobre la comunicación. </a:t>
+            </a:r>
+            <a:r>
+              <a:rPr lang="es-AR" b="1" dirty="0" err="1" smtClean="0"/>
+              <a:t>Sandri</a:t>
+            </a:r>
+            <a:r>
+              <a:rPr lang="es-AR" b="1" dirty="0" smtClean="0"/>
+              <a:t>.</a:t>
+            </a:r>
+          </a:p>
+          <a:p>
+            <a:pPr marL="514350" indent="-514350">
+              <a:buFont typeface="+mj-lt"/>
+              <a:buAutoNum type="arabicPeriod"/>
+            </a:pPr>
+            <a:r>
+              <a:rPr lang="es-AR" dirty="0" smtClean="0"/>
+              <a:t>Sobre los procesos actuales. </a:t>
+            </a:r>
+            <a:r>
+              <a:rPr lang="es-AR" b="1" dirty="0" smtClean="0"/>
+              <a:t>Ema</a:t>
+            </a:r>
+            <a:r>
+              <a:rPr lang="es-AR" dirty="0" smtClean="0"/>
+              <a:t>.</a:t>
+            </a:r>
+          </a:p>
+          <a:p>
+            <a:pPr marL="514350" indent="-514350">
+              <a:buFont typeface="+mj-lt"/>
+              <a:buAutoNum type="arabicPeriod"/>
+            </a:pPr>
+            <a:r>
+              <a:rPr lang="es-AR" dirty="0" smtClean="0"/>
+              <a:t>Planificación. </a:t>
+            </a:r>
+            <a:r>
+              <a:rPr lang="es-AR" b="1" dirty="0" smtClean="0"/>
+              <a:t>Mariela.</a:t>
+            </a:r>
+          </a:p>
+          <a:p>
+            <a:pPr marL="514350" indent="-514350">
+              <a:buFont typeface="+mj-lt"/>
+              <a:buAutoNum type="arabicPeriod"/>
+            </a:pPr>
+            <a:r>
+              <a:rPr lang="es-AR" dirty="0" smtClean="0"/>
+              <a:t>Estimación. </a:t>
+            </a:r>
+            <a:r>
+              <a:rPr lang="es-AR" b="1" dirty="0" err="1" smtClean="0"/>
+              <a:t>Sandri</a:t>
+            </a:r>
+            <a:r>
+              <a:rPr lang="es-AR" b="1" dirty="0" smtClean="0"/>
+              <a:t>.</a:t>
+            </a:r>
+          </a:p>
+          <a:p>
+            <a:pPr marL="514350" indent="-514350">
+              <a:buFont typeface="+mj-lt"/>
+              <a:buAutoNum type="arabicPeriod"/>
+            </a:pPr>
+            <a:r>
+              <a:rPr lang="es-AR" dirty="0" smtClean="0"/>
+              <a:t>Gestión de riesgo. </a:t>
+            </a:r>
+            <a:r>
+              <a:rPr lang="es-AR" b="1" dirty="0" smtClean="0"/>
+              <a:t>Mariela</a:t>
+            </a:r>
+            <a:r>
+              <a:rPr lang="es-AR" dirty="0" smtClean="0"/>
+              <a:t>.</a:t>
+            </a:r>
+          </a:p>
+          <a:p>
+            <a:pPr marL="514350" indent="-514350">
+              <a:buFont typeface="+mj-lt"/>
+              <a:buAutoNum type="arabicPeriod"/>
+            </a:pPr>
+            <a:r>
+              <a:rPr lang="es-AR" dirty="0" smtClean="0"/>
+              <a:t>Modelos. </a:t>
+            </a:r>
+            <a:r>
+              <a:rPr lang="es-AR" b="1" dirty="0" smtClean="0"/>
+              <a:t>Ema</a:t>
+            </a:r>
+            <a:r>
+              <a:rPr lang="es-AR" dirty="0" smtClean="0"/>
+              <a:t>.</a:t>
+            </a:r>
+          </a:p>
+          <a:p>
+            <a:pPr marL="514350" indent="-514350">
+              <a:buFont typeface="+mj-lt"/>
+              <a:buAutoNum type="arabicPeriod"/>
+            </a:pPr>
+            <a:r>
+              <a:rPr lang="es-AR" dirty="0" smtClean="0"/>
+              <a:t>Implementación. </a:t>
+            </a:r>
+            <a:r>
+              <a:rPr lang="es-AR" b="1" dirty="0" smtClean="0"/>
+              <a:t>Ema</a:t>
+            </a:r>
+            <a:r>
+              <a:rPr lang="es-AR" dirty="0" smtClean="0"/>
+              <a:t>.</a:t>
+            </a:r>
+          </a:p>
+          <a:p>
+            <a:pPr marL="514350" indent="-514350">
+              <a:buFont typeface="+mj-lt"/>
+              <a:buAutoNum type="arabicPeriod"/>
+            </a:pPr>
+            <a:r>
+              <a:rPr lang="es-AR" dirty="0" smtClean="0"/>
+              <a:t>Pruebas. </a:t>
+            </a:r>
+            <a:r>
+              <a:rPr lang="es-AR" b="1" dirty="0" smtClean="0"/>
+              <a:t>Mariela.</a:t>
+            </a:r>
+            <a:endParaRPr lang="es-AR" b="1" dirty="0"/>
           </a:p>
         </p:txBody>
       </p:sp>
@@ -10202,6 +10268,13 @@
   <p:clrMapOvr>
     <a:masterClrMapping/>
   </p:clrMapOvr>
+  <p:timing>
+    <p:tnLst>
+      <p:par>
+        <p:cTn id="1" dur="indefinite" restart="never" nodeType="tmRoot"/>
+      </p:par>
+    </p:tnLst>
+  </p:timing>
 </p:sld>
 </file>
 
@@ -10224,29 +10297,6 @@
       </p:grpSpPr>
       <p:sp>
         <p:nvSpPr>
-          <p:cNvPr id="4" name="Título 3"/>
-          <p:cNvSpPr>
-            <a:spLocks noGrp="1"/>
-          </p:cNvSpPr>
-          <p:nvPr>
-            <p:ph type="title"/>
-          </p:nvPr>
-        </p:nvSpPr>
-        <p:spPr/>
-        <p:txBody>
-          <a:bodyPr/>
-          <a:lstStyle/>
-          <a:p>
-            <a:r>
-              <a:rPr lang="es-AR" dirty="0" smtClean="0"/>
-              <a:t>Grupo de desarrollo</a:t>
-            </a:r>
-            <a:endParaRPr lang="es-AR" dirty="0"/>
-          </a:p>
-        </p:txBody>
-      </p:sp>
-      <p:sp>
-        <p:nvSpPr>
           <p:cNvPr id="2" name="Marcador de pie de página 1"/>
           <p:cNvSpPr>
             <a:spLocks noGrp="1"/>
@@ -10288,6 +10338,29 @@
               <a:pPr/>
               <a:t>3</a:t>
             </a:fld>
+            <a:endParaRPr lang="es-AR" dirty="0"/>
+          </a:p>
+        </p:txBody>
+      </p:sp>
+      <p:sp>
+        <p:nvSpPr>
+          <p:cNvPr id="4" name="Título 3"/>
+          <p:cNvSpPr>
+            <a:spLocks noGrp="1"/>
+          </p:cNvSpPr>
+          <p:nvPr>
+            <p:ph type="title"/>
+          </p:nvPr>
+        </p:nvSpPr>
+        <p:spPr/>
+        <p:txBody>
+          <a:bodyPr/>
+          <a:lstStyle/>
+          <a:p>
+            <a:r>
+              <a:rPr lang="es-AR" dirty="0" smtClean="0"/>
+              <a:t>Grupo de desarrollo</a:t>
+            </a:r>
             <a:endParaRPr lang="es-AR" dirty="0"/>
           </a:p>
         </p:txBody>
@@ -10302,7 +10375,7 @@
           <a:blip r:embed="rId2">
             <a:extLst>
               <a:ext uri="{28A0092B-C50C-407E-A947-70E740481C1C}">
-                <a14:useLocalDpi xmlns:a14="http://schemas.microsoft.com/office/drawing/2010/main" xmlns="" val="0"/>
+                <a14:useLocalDpi xmlns:a14="http://schemas.microsoft.com/office/drawing/2010/main" val="0"/>
               </a:ext>
             </a:extLst>
           </a:blip>
@@ -10335,7 +10408,7 @@
           <a:blip r:embed="rId3" cstate="print">
             <a:extLst>
               <a:ext uri="{28A0092B-C50C-407E-A947-70E740481C1C}">
-                <a14:useLocalDpi xmlns:a14="http://schemas.microsoft.com/office/drawing/2010/main" xmlns="" val="0"/>
+                <a14:useLocalDpi xmlns:a14="http://schemas.microsoft.com/office/drawing/2010/main" val="0"/>
               </a:ext>
             </a:extLst>
           </a:blip>
@@ -10361,7 +10434,7 @@
     </p:spTree>
     <p:extLst>
       <p:ext uri="{BB962C8B-B14F-4D97-AF65-F5344CB8AC3E}">
-        <p14:creationId xmlns:p14="http://schemas.microsoft.com/office/powerpoint/2010/main" xmlns="" val="2818140150"/>
+        <p14:creationId xmlns:p14="http://schemas.microsoft.com/office/powerpoint/2010/main" val="2818140150"/>
       </p:ext>
     </p:extLst>
   </p:cSld>
@@ -10397,29 +10470,6 @@
       </p:grpSpPr>
       <p:sp>
         <p:nvSpPr>
-          <p:cNvPr id="4" name="Título 3"/>
-          <p:cNvSpPr>
-            <a:spLocks noGrp="1"/>
-          </p:cNvSpPr>
-          <p:nvPr>
-            <p:ph type="title"/>
-          </p:nvPr>
-        </p:nvSpPr>
-        <p:spPr/>
-        <p:txBody>
-          <a:bodyPr/>
-          <a:lstStyle/>
-          <a:p>
-            <a:r>
-              <a:rPr lang="es-AR" dirty="0" smtClean="0"/>
-              <a:t>Comunicación</a:t>
-            </a:r>
-            <a:endParaRPr lang="es-AR" dirty="0"/>
-          </a:p>
-        </p:txBody>
-      </p:sp>
-      <p:sp>
-        <p:nvSpPr>
           <p:cNvPr id="2" name="Marcador de pie de página 1"/>
           <p:cNvSpPr>
             <a:spLocks noGrp="1"/>
@@ -10465,6 +10515,29 @@
           </a:p>
         </p:txBody>
       </p:sp>
+      <p:sp>
+        <p:nvSpPr>
+          <p:cNvPr id="4" name="Título 3"/>
+          <p:cNvSpPr>
+            <a:spLocks noGrp="1"/>
+          </p:cNvSpPr>
+          <p:nvPr>
+            <p:ph type="title"/>
+          </p:nvPr>
+        </p:nvSpPr>
+        <p:spPr/>
+        <p:txBody>
+          <a:bodyPr/>
+          <a:lstStyle/>
+          <a:p>
+            <a:r>
+              <a:rPr lang="es-AR" dirty="0" smtClean="0"/>
+              <a:t>Comunicación</a:t>
+            </a:r>
+            <a:endParaRPr lang="es-AR" dirty="0"/>
+          </a:p>
+        </p:txBody>
+      </p:sp>
       <p:pic>
         <p:nvPicPr>
           <p:cNvPr id="8" name="Imagen 5"/>
@@ -10479,7 +10552,7 @@
           <a:blip r:embed="rId2" cstate="print">
             <a:extLst>
               <a:ext uri="{28A0092B-C50C-407E-A947-70E740481C1C}">
-                <a14:useLocalDpi xmlns:a14="http://schemas.microsoft.com/office/drawing/2010/main" xmlns="" val="0"/>
+                <a14:useLocalDpi xmlns:a14="http://schemas.microsoft.com/office/drawing/2010/main" val="0"/>
               </a:ext>
             </a:extLst>
           </a:blip>
@@ -10489,8 +10562,8 @@
         </p:blipFill>
         <p:spPr>
           <a:xfrm>
-            <a:off x="1266092" y="1871003"/>
-            <a:ext cx="9819250" cy="3615397"/>
+            <a:off x="164349" y="785272"/>
+            <a:ext cx="11863301" cy="5438109"/>
           </a:xfrm>
           <a:prstGeom prst="rect">
             <a:avLst/>
@@ -10500,7 +10573,7 @@
     </p:spTree>
     <p:extLst>
       <p:ext uri="{BB962C8B-B14F-4D97-AF65-F5344CB8AC3E}">
-        <p14:creationId xmlns:p14="http://schemas.microsoft.com/office/powerpoint/2010/main" xmlns="" val="2225064651"/>
+        <p14:creationId xmlns:p14="http://schemas.microsoft.com/office/powerpoint/2010/main" val="2225064651"/>
       </p:ext>
     </p:extLst>
   </p:cSld>
@@ -10536,29 +10609,6 @@
       </p:grpSpPr>
       <p:sp>
         <p:nvSpPr>
-          <p:cNvPr id="4" name="Título 3"/>
-          <p:cNvSpPr>
-            <a:spLocks noGrp="1"/>
-          </p:cNvSpPr>
-          <p:nvPr>
-            <p:ph type="title"/>
-          </p:nvPr>
-        </p:nvSpPr>
-        <p:spPr/>
-        <p:txBody>
-          <a:bodyPr/>
-          <a:lstStyle/>
-          <a:p>
-            <a:r>
-              <a:rPr lang="es-AR" dirty="0" smtClean="0"/>
-              <a:t>Proceso actual</a:t>
-            </a:r>
-            <a:endParaRPr lang="es-AR" dirty="0"/>
-          </a:p>
-        </p:txBody>
-      </p:sp>
-      <p:sp>
-        <p:nvSpPr>
           <p:cNvPr id="2" name="Marcador de pie de página 1"/>
           <p:cNvSpPr>
             <a:spLocks noGrp="1"/>
@@ -10600,6 +10650,33 @@
               <a:pPr/>
               <a:t>5</a:t>
             </a:fld>
+            <a:endParaRPr lang="es-AR" dirty="0"/>
+          </a:p>
+        </p:txBody>
+      </p:sp>
+      <p:sp>
+        <p:nvSpPr>
+          <p:cNvPr id="4" name="Título 3"/>
+          <p:cNvSpPr>
+            <a:spLocks noGrp="1"/>
+          </p:cNvSpPr>
+          <p:nvPr>
+            <p:ph type="title"/>
+          </p:nvPr>
+        </p:nvSpPr>
+        <p:spPr/>
+        <p:txBody>
+          <a:bodyPr/>
+          <a:lstStyle/>
+          <a:p>
+            <a:r>
+              <a:rPr lang="es-AR" dirty="0" smtClean="0"/>
+              <a:t>Proceso </a:t>
+            </a:r>
+            <a:r>
+              <a:rPr lang="es-AR" dirty="0" smtClean="0"/>
+              <a:t>actual – Horarios de cursada</a:t>
+            </a:r>
             <a:endParaRPr lang="es-AR" dirty="0"/>
           </a:p>
         </p:txBody>
@@ -10614,7 +10691,7 @@
           <a:blip r:embed="rId2" cstate="print">
             <a:extLst>
               <a:ext uri="{28A0092B-C50C-407E-A947-70E740481C1C}">
-                <a14:useLocalDpi xmlns:a14="http://schemas.microsoft.com/office/drawing/2010/main" xmlns="" val="0"/>
+                <a14:useLocalDpi xmlns:a14="http://schemas.microsoft.com/office/drawing/2010/main" val="0"/>
               </a:ext>
             </a:extLst>
           </a:blip>
@@ -10624,8 +10701,8 @@
         </p:blipFill>
         <p:spPr>
           <a:xfrm>
-            <a:off x="661181" y="1491175"/>
-            <a:ext cx="11113358" cy="4846600"/>
+            <a:off x="154116" y="962672"/>
+            <a:ext cx="11883767" cy="5182580"/>
           </a:xfrm>
           <a:prstGeom prst="rect">
             <a:avLst/>
@@ -10635,7 +10712,7 @@
     </p:spTree>
     <p:extLst>
       <p:ext uri="{BB962C8B-B14F-4D97-AF65-F5344CB8AC3E}">
-        <p14:creationId xmlns:p14="http://schemas.microsoft.com/office/powerpoint/2010/main" xmlns="" val="3803746841"/>
+        <p14:creationId xmlns:p14="http://schemas.microsoft.com/office/powerpoint/2010/main" val="3803746841"/>
       </p:ext>
     </p:extLst>
   </p:cSld>
@@ -10671,29 +10748,6 @@
       </p:grpSpPr>
       <p:sp>
         <p:nvSpPr>
-          <p:cNvPr id="4" name="Título 3"/>
-          <p:cNvSpPr>
-            <a:spLocks noGrp="1"/>
-          </p:cNvSpPr>
-          <p:nvPr>
-            <p:ph type="title"/>
-          </p:nvPr>
-        </p:nvSpPr>
-        <p:spPr/>
-        <p:txBody>
-          <a:bodyPr/>
-          <a:lstStyle/>
-          <a:p>
-            <a:r>
-              <a:rPr lang="es-AR" dirty="0" smtClean="0"/>
-              <a:t>Proceso actual</a:t>
-            </a:r>
-            <a:endParaRPr lang="es-AR" dirty="0"/>
-          </a:p>
-        </p:txBody>
-      </p:sp>
-      <p:sp>
-        <p:nvSpPr>
           <p:cNvPr id="2" name="Marcador de pie de página 1"/>
           <p:cNvSpPr>
             <a:spLocks noGrp="1"/>
@@ -10735,6 +10789,33 @@
               <a:pPr/>
               <a:t>6</a:t>
             </a:fld>
+            <a:endParaRPr lang="es-AR" dirty="0"/>
+          </a:p>
+        </p:txBody>
+      </p:sp>
+      <p:sp>
+        <p:nvSpPr>
+          <p:cNvPr id="4" name="Título 3"/>
+          <p:cNvSpPr>
+            <a:spLocks noGrp="1"/>
+          </p:cNvSpPr>
+          <p:nvPr>
+            <p:ph type="title"/>
+          </p:nvPr>
+        </p:nvSpPr>
+        <p:spPr/>
+        <p:txBody>
+          <a:bodyPr/>
+          <a:lstStyle/>
+          <a:p>
+            <a:r>
+              <a:rPr lang="es-AR" dirty="0" smtClean="0"/>
+              <a:t>Proceso </a:t>
+            </a:r>
+            <a:r>
+              <a:rPr lang="es-AR" dirty="0" smtClean="0"/>
+              <a:t>actual – Mesas de examen</a:t>
+            </a:r>
             <a:endParaRPr lang="es-AR" dirty="0"/>
           </a:p>
         </p:txBody>
@@ -10749,7 +10830,7 @@
           <a:blip r:embed="rId2" cstate="print">
             <a:extLst>
               <a:ext uri="{28A0092B-C50C-407E-A947-70E740481C1C}">
-                <a14:useLocalDpi xmlns:a14="http://schemas.microsoft.com/office/drawing/2010/main" xmlns="" val="0"/>
+                <a14:useLocalDpi xmlns:a14="http://schemas.microsoft.com/office/drawing/2010/main" val="0"/>
               </a:ext>
             </a:extLst>
           </a:blip>
@@ -10759,8 +10840,8 @@
         </p:blipFill>
         <p:spPr>
           <a:xfrm>
-            <a:off x="563437" y="1501222"/>
-            <a:ext cx="11208928" cy="4929203"/>
+            <a:off x="88120" y="919083"/>
+            <a:ext cx="12015760" cy="5284013"/>
           </a:xfrm>
           <a:prstGeom prst="rect">
             <a:avLst/>
@@ -10770,7 +10851,7 @@
     </p:spTree>
     <p:extLst>
       <p:ext uri="{BB962C8B-B14F-4D97-AF65-F5344CB8AC3E}">
-        <p14:creationId xmlns:p14="http://schemas.microsoft.com/office/powerpoint/2010/main" xmlns="" val="207308504"/>
+        <p14:creationId xmlns:p14="http://schemas.microsoft.com/office/powerpoint/2010/main" val="207308504"/>
       </p:ext>
     </p:extLst>
   </p:cSld>
@@ -10806,29 +10887,6 @@
       </p:grpSpPr>
       <p:sp>
         <p:nvSpPr>
-          <p:cNvPr id="4" name="Título 3"/>
-          <p:cNvSpPr>
-            <a:spLocks noGrp="1"/>
-          </p:cNvSpPr>
-          <p:nvPr>
-            <p:ph type="title"/>
-          </p:nvPr>
-        </p:nvSpPr>
-        <p:spPr/>
-        <p:txBody>
-          <a:bodyPr/>
-          <a:lstStyle/>
-          <a:p>
-            <a:r>
-              <a:rPr lang="es-AR" dirty="0" smtClean="0"/>
-              <a:t>Planificación</a:t>
-            </a:r>
-            <a:endParaRPr lang="es-AR" dirty="0"/>
-          </a:p>
-        </p:txBody>
-      </p:sp>
-      <p:sp>
-        <p:nvSpPr>
           <p:cNvPr id="2" name="Marcador de pie de página 1"/>
           <p:cNvSpPr>
             <a:spLocks noGrp="1"/>
@@ -10870,6 +10928,29 @@
               <a:pPr/>
               <a:t>7</a:t>
             </a:fld>
+            <a:endParaRPr lang="es-AR" dirty="0"/>
+          </a:p>
+        </p:txBody>
+      </p:sp>
+      <p:sp>
+        <p:nvSpPr>
+          <p:cNvPr id="4" name="Título 3"/>
+          <p:cNvSpPr>
+            <a:spLocks noGrp="1"/>
+          </p:cNvSpPr>
+          <p:nvPr>
+            <p:ph type="title"/>
+          </p:nvPr>
+        </p:nvSpPr>
+        <p:spPr/>
+        <p:txBody>
+          <a:bodyPr/>
+          <a:lstStyle/>
+          <a:p>
+            <a:r>
+              <a:rPr lang="es-AR" dirty="0" smtClean="0"/>
+              <a:t>Planificación</a:t>
+            </a:r>
             <a:endParaRPr lang="es-AR" dirty="0"/>
           </a:p>
         </p:txBody>
@@ -10884,7 +10965,7 @@
           <a:blip r:embed="rId2" cstate="print">
             <a:extLst>
               <a:ext uri="{28A0092B-C50C-407E-A947-70E740481C1C}">
-                <a14:useLocalDpi xmlns:a14="http://schemas.microsoft.com/office/drawing/2010/main" xmlns="" val="0"/>
+                <a14:useLocalDpi xmlns:a14="http://schemas.microsoft.com/office/drawing/2010/main" val="0"/>
               </a:ext>
             </a:extLst>
           </a:blip>
@@ -10894,18 +10975,26 @@
         </p:blipFill>
         <p:spPr>
           <a:xfrm>
-            <a:off x="1322363" y="1429770"/>
-            <a:ext cx="9594165" cy="5055436"/>
+            <a:off x="1225588" y="703384"/>
+            <a:ext cx="8802979" cy="5567707"/>
           </a:xfrm>
           <a:prstGeom prst="rect">
             <a:avLst/>
           </a:prstGeom>
+          <a:solidFill>
+            <a:srgbClr val="FF0000"/>
+          </a:solidFill>
+          <a:ln w="38100">
+            <a:solidFill>
+              <a:srgbClr val="FF0000"/>
+            </a:solidFill>
+          </a:ln>
         </p:spPr>
       </p:pic>
     </p:spTree>
     <p:extLst>
       <p:ext uri="{BB962C8B-B14F-4D97-AF65-F5344CB8AC3E}">
-        <p14:creationId xmlns:p14="http://schemas.microsoft.com/office/powerpoint/2010/main" xmlns="" val="1778773683"/>
+        <p14:creationId xmlns:p14="http://schemas.microsoft.com/office/powerpoint/2010/main" val="1778773683"/>
       </p:ext>
     </p:extLst>
   </p:cSld>
@@ -10941,49 +11030,7 @@
       </p:grpSpPr>
       <p:sp>
         <p:nvSpPr>
-          <p:cNvPr id="7" name="6 Marcador de contenido"/>
-          <p:cNvSpPr>
-            <a:spLocks noGrp="1"/>
-          </p:cNvSpPr>
-          <p:nvPr>
-            <p:ph idx="1"/>
-          </p:nvPr>
-        </p:nvSpPr>
-        <p:spPr/>
-        <p:txBody>
-          <a:bodyPr/>
-          <a:lstStyle/>
-          <a:p>
-            <a:endParaRPr lang="es-AR"/>
-          </a:p>
-        </p:txBody>
-      </p:sp>
-      <p:sp>
-        <p:nvSpPr>
-          <p:cNvPr id="4" name="3 Título"/>
-          <p:cNvSpPr>
-            <a:spLocks noGrp="1"/>
-          </p:cNvSpPr>
-          <p:nvPr>
-            <p:ph type="title"/>
-          </p:nvPr>
-        </p:nvSpPr>
-        <p:spPr/>
-        <p:txBody>
-          <a:bodyPr/>
-          <a:lstStyle/>
-          <a:p>
-            <a:r>
-              <a:rPr lang="es-AR" dirty="0" smtClean="0"/>
-              <a:t>Planificación</a:t>
-            </a:r>
-            <a:endParaRPr lang="es-AR" dirty="0"/>
-          </a:p>
-        </p:txBody>
-      </p:sp>
-      <p:sp>
-        <p:nvSpPr>
-          <p:cNvPr id="2" name="1 Marcador de pie de página"/>
+          <p:cNvPr id="2" name="Marcador de pie de página 1"/>
           <p:cNvSpPr>
             <a:spLocks noGrp="1"/>
           </p:cNvSpPr>
@@ -11006,7 +11053,7 @@
       </p:sp>
       <p:sp>
         <p:nvSpPr>
-          <p:cNvPr id="3" name="2 Marcador de número de diapositiva"/>
+          <p:cNvPr id="3" name="Marcador de número de diapositiva 2"/>
           <p:cNvSpPr>
             <a:spLocks noGrp="1"/>
           </p:cNvSpPr>
@@ -11028,11 +11075,100 @@
           </a:p>
         </p:txBody>
       </p:sp>
+      <p:sp>
+        <p:nvSpPr>
+          <p:cNvPr id="4" name="Título 3"/>
+          <p:cNvSpPr>
+            <a:spLocks noGrp="1"/>
+          </p:cNvSpPr>
+          <p:nvPr>
+            <p:ph type="title"/>
+          </p:nvPr>
+        </p:nvSpPr>
+        <p:spPr/>
+        <p:txBody>
+          <a:bodyPr/>
+          <a:lstStyle/>
+          <a:p>
+            <a:r>
+              <a:rPr lang="es-AR" dirty="0" smtClean="0"/>
+              <a:t>Estimación</a:t>
+            </a:r>
+            <a:endParaRPr lang="es-AR" dirty="0"/>
+          </a:p>
+        </p:txBody>
+      </p:sp>
+      <p:pic>
+        <p:nvPicPr>
+          <p:cNvPr id="6" name="Imagen 5"/>
+          <p:cNvPicPr/>
+          <p:nvPr/>
+        </p:nvPicPr>
+        <p:blipFill rotWithShape="1">
+          <a:blip r:embed="rId2">
+            <a:extLst>
+              <a:ext uri="{28A0092B-C50C-407E-A947-70E740481C1C}">
+                <a14:useLocalDpi xmlns:a14="http://schemas.microsoft.com/office/drawing/2010/main" val="0"/>
+              </a:ext>
+            </a:extLst>
+          </a:blip>
+          <a:srcRect b="52659"/>
+          <a:stretch/>
+        </p:blipFill>
+        <p:spPr>
+          <a:xfrm>
+            <a:off x="118839" y="845438"/>
+            <a:ext cx="6108154" cy="2883740"/>
+          </a:xfrm>
+          <a:prstGeom prst="rect">
+            <a:avLst/>
+          </a:prstGeom>
+        </p:spPr>
+      </p:pic>
+      <p:pic>
+        <p:nvPicPr>
+          <p:cNvPr id="8" name="Imagen 7"/>
+          <p:cNvPicPr/>
+          <p:nvPr/>
+        </p:nvPicPr>
+        <p:blipFill rotWithShape="1">
+          <a:blip r:embed="rId2">
+            <a:extLst>
+              <a:ext uri="{28A0092B-C50C-407E-A947-70E740481C1C}">
+                <a14:useLocalDpi xmlns:a14="http://schemas.microsoft.com/office/drawing/2010/main" val="0"/>
+              </a:ext>
+            </a:extLst>
+          </a:blip>
+          <a:srcRect t="51810"/>
+          <a:stretch/>
+        </p:blipFill>
+        <p:spPr>
+          <a:xfrm>
+            <a:off x="6096000" y="900030"/>
+            <a:ext cx="5902256" cy="2883740"/>
+          </a:xfrm>
+          <a:prstGeom prst="rect">
+            <a:avLst/>
+          </a:prstGeom>
+        </p:spPr>
+      </p:pic>
     </p:spTree>
+    <p:extLst>
+      <p:ext uri="{BB962C8B-B14F-4D97-AF65-F5344CB8AC3E}">
+        <p14:creationId xmlns:p14="http://schemas.microsoft.com/office/powerpoint/2010/main" val="1710719604"/>
+      </p:ext>
+    </p:extLst>
   </p:cSld>
   <p:clrMapOvr>
     <a:masterClrMapping/>
   </p:clrMapOvr>
+  <p:timing>
+    <p:tnLst>
+      <p:par>
+        <p:cTn id="1" dur="indefinite" restart="never" nodeType="tmRoot"/>
+      </p:par>
+    </p:tnLst>
+  </p:timing>
 </p:sld>
 </file>
 
@@ -11055,30 +11191,7 @@
       </p:grpSpPr>
       <p:sp>
         <p:nvSpPr>
-          <p:cNvPr id="4" name="Título 3"/>
-          <p:cNvSpPr>
-            <a:spLocks noGrp="1"/>
-          </p:cNvSpPr>
-          <p:nvPr>
-            <p:ph type="title"/>
-          </p:nvPr>
-        </p:nvSpPr>
-        <p:spPr/>
-        <p:txBody>
-          <a:bodyPr/>
-          <a:lstStyle/>
-          <a:p>
-            <a:r>
-              <a:rPr lang="es-AR" dirty="0" smtClean="0"/>
-              <a:t>Estimación</a:t>
-            </a:r>
-            <a:endParaRPr lang="es-AR" dirty="0"/>
-          </a:p>
-        </p:txBody>
-      </p:sp>
-      <p:sp>
-        <p:nvSpPr>
-          <p:cNvPr id="2" name="Marcador de pie de página 1"/>
+          <p:cNvPr id="2" name="1 Marcador de pie de página"/>
           <p:cNvSpPr>
             <a:spLocks noGrp="1"/>
           </p:cNvSpPr>
@@ -11101,7 +11214,7 @@
       </p:sp>
       <p:sp>
         <p:nvSpPr>
-          <p:cNvPr id="3" name="Marcador de número de diapositiva 2"/>
+          <p:cNvPr id="3" name="2 Marcador de número de diapositiva"/>
           <p:cNvSpPr>
             <a:spLocks noGrp="1"/>
           </p:cNvSpPr>
@@ -11123,66 +11236,142 @@
           </a:p>
         </p:txBody>
       </p:sp>
+      <p:sp>
+        <p:nvSpPr>
+          <p:cNvPr id="4" name="3 Título"/>
+          <p:cNvSpPr>
+            <a:spLocks noGrp="1"/>
+          </p:cNvSpPr>
+          <p:nvPr>
+            <p:ph type="title"/>
+          </p:nvPr>
+        </p:nvSpPr>
+        <p:spPr/>
+        <p:txBody>
+          <a:bodyPr/>
+          <a:lstStyle/>
+          <a:p>
+            <a:r>
+              <a:rPr lang="es-AR" dirty="0" smtClean="0"/>
+              <a:t>Gestión de </a:t>
+            </a:r>
+            <a:r>
+              <a:rPr lang="es-AR" dirty="0" smtClean="0"/>
+              <a:t>riesgos</a:t>
+            </a:r>
+            <a:endParaRPr lang="es-AR" dirty="0"/>
+          </a:p>
+        </p:txBody>
+      </p:sp>
+      <p:sp>
+        <p:nvSpPr>
+          <p:cNvPr id="5" name="4 Marcador de contenido"/>
+          <p:cNvSpPr>
+            <a:spLocks noGrp="1"/>
+          </p:cNvSpPr>
+          <p:nvPr>
+            <p:ph idx="1"/>
+          </p:nvPr>
+        </p:nvSpPr>
+        <p:spPr>
+          <a:xfrm>
+            <a:off x="150126" y="3439235"/>
+            <a:ext cx="12152018" cy="1813733"/>
+          </a:xfrm>
+        </p:spPr>
+        <p:txBody>
+          <a:bodyPr>
+            <a:normAutofit fontScale="25000" lnSpcReduction="20000"/>
+          </a:bodyPr>
+          <a:lstStyle/>
+          <a:p>
+            <a:r>
+              <a:rPr lang="es-AR" sz="2600" dirty="0" smtClean="0"/>
+              <a:t>Fase de Inicio Iteración 1:  se planifico la redacción de plan de riesgos</a:t>
+            </a:r>
+          </a:p>
+          <a:p>
+            <a:r>
+              <a:rPr lang="es-AR" sz="2600" dirty="0" smtClean="0"/>
+              <a:t>Fase de  Inicio Iteración 2:</a:t>
+            </a:r>
+          </a:p>
+          <a:p>
+            <a:endParaRPr lang="es-AR" dirty="0" smtClean="0"/>
+          </a:p>
+          <a:p>
+            <a:endParaRPr lang="es-AR" sz="2400" dirty="0" smtClean="0"/>
+          </a:p>
+          <a:p>
+            <a:endParaRPr lang="es-AR" sz="2400" dirty="0" smtClean="0"/>
+          </a:p>
+          <a:p>
+            <a:endParaRPr lang="es-AR" sz="2400" dirty="0" smtClean="0"/>
+          </a:p>
+          <a:p>
+            <a:endParaRPr lang="es-AR" sz="2400" dirty="0" smtClean="0"/>
+          </a:p>
+          <a:p>
+            <a:pPr>
+              <a:buNone/>
+            </a:pPr>
+            <a:endParaRPr lang="es-AR" sz="2400" dirty="0" smtClean="0"/>
+          </a:p>
+          <a:p>
+            <a:pPr>
+              <a:buNone/>
+            </a:pPr>
+            <a:endParaRPr lang="es-AR" sz="2400" dirty="0" smtClean="0"/>
+          </a:p>
+          <a:p>
+            <a:r>
+              <a:rPr lang="es-AR" sz="2600" dirty="0" smtClean="0"/>
+              <a:t>Fase de  Elaboración: No se realizo gestión de riesgos, ya que priorizamos otras actividades. Sin embargo, esto no implicó que las soluciones propuestas de los riesgos no se llevarán a cabo. </a:t>
+            </a:r>
+          </a:p>
+          <a:p>
+            <a:pPr>
+              <a:buNone/>
+            </a:pPr>
+            <a:endParaRPr lang="es-AR" sz="2400" dirty="0" smtClean="0"/>
+          </a:p>
+          <a:p>
+            <a:endParaRPr lang="es-AR" sz="2400" dirty="0" smtClean="0"/>
+          </a:p>
+        </p:txBody>
+      </p:sp>
       <p:pic>
         <p:nvPicPr>
-          <p:cNvPr id="6" name="Imagen 5"/>
-          <p:cNvPicPr/>
+          <p:cNvPr id="1027" name="Picture 3"/>
+          <p:cNvPicPr>
+            <a:picLocks noChangeAspect="1" noChangeArrowheads="1"/>
+          </p:cNvPicPr>
           <p:nvPr/>
         </p:nvPicPr>
         <p:blipFill rotWithShape="1">
-          <a:blip r:embed="rId2">
-            <a:extLst>
-              <a:ext uri="{28A0092B-C50C-407E-A947-70E740481C1C}">
-                <a14:useLocalDpi xmlns:a14="http://schemas.microsoft.com/office/drawing/2010/main" xmlns="" val="0"/>
-              </a:ext>
-            </a:extLst>
-          </a:blip>
-          <a:srcRect b="52659"/>
+          <a:blip r:embed="rId2"/>
+          <a:srcRect l="12714" t="6735" r="9367" b="4600"/>
           <a:stretch/>
         </p:blipFill>
-        <p:spPr>
+        <p:spPr bwMode="auto">
           <a:xfrm>
-            <a:off x="323558" y="1889356"/>
-            <a:ext cx="6108154" cy="2883740"/>
+            <a:off x="450376" y="865796"/>
+            <a:ext cx="4844955" cy="3043451"/>
           </a:xfrm>
           <a:prstGeom prst="rect">
             <a:avLst/>
           </a:prstGeom>
-        </p:spPr>
-      </p:pic>
-      <p:pic>
-        <p:nvPicPr>
-          <p:cNvPr id="8" name="Imagen 7"/>
-          <p:cNvPicPr/>
-          <p:nvPr/>
-        </p:nvPicPr>
-        <p:blipFill rotWithShape="1">
-          <a:blip r:embed="rId2">
-            <a:extLst>
-              <a:ext uri="{28A0092B-C50C-407E-A947-70E740481C1C}">
-                <a14:useLocalDpi xmlns:a14="http://schemas.microsoft.com/office/drawing/2010/main" xmlns="" val="0"/>
-              </a:ext>
-            </a:extLst>
-          </a:blip>
-          <a:srcRect t="51810"/>
-          <a:stretch/>
-        </p:blipFill>
-        <p:spPr>
-          <a:xfrm>
-            <a:off x="6096000" y="1944004"/>
-            <a:ext cx="5902256" cy="2883740"/>
-          </a:xfrm>
-          <a:prstGeom prst="rect">
-            <a:avLst/>
-          </a:prstGeom>
+          <a:noFill/>
+          <a:ln w="9525">
+            <a:noFill/>
+            <a:miter lim="800000"/>
+            <a:headEnd/>
+            <a:tailEnd/>
+          </a:ln>
+          <a:effectLst/>
         </p:spPr>
       </p:pic>
     </p:spTree>
-    <p:extLst>
-      <p:ext uri="{BB962C8B-B14F-4D97-AF65-F5344CB8AC3E}">
-        <p14:creationId xmlns:p14="http://schemas.microsoft.com/office/powerpoint/2010/main" xmlns="" val="1710719604"/>
-      </p:ext>
-    </p:extLst>
   </p:cSld>
   <p:clrMapOvr>
     <a:masterClrMapping/>
@@ -11452,7 +11641,7 @@
   <a:extraClrSchemeLst/>
   <a:extLst>
     <a:ext uri="{05A4C25C-085E-4340-85A3-A5531E510DB2}">
-      <thm15:themeFamily xmlns:thm15="http://schemas.microsoft.com/office/thememl/2012/main" xmlns="" name="Depth" id="{7BEAFC2A-325C-49C4-AC08-2B765DA903F9}" vid="{1735E755-43E6-43AA-ABA2-C989ECC79AF5}"/>
+      <thm15:themeFamily xmlns:thm15="http://schemas.microsoft.com/office/thememl/2012/main" name="Depth" id="{7BEAFC2A-325C-49C4-AC08-2B765DA903F9}" vid="{1735E755-43E6-43AA-ABA2-C989ECC79AF5}"/>
     </a:ext>
   </a:extLst>
 </a:theme>

--- a/08. Presentaciones/Presentación 11.pptx
+++ b/08. Presentaciones/Presentación 11.pptx
@@ -5,10 +5,10 @@
     <p:sldMasterId id="2147483696" r:id="rId1"/>
   </p:sldMasterIdLst>
   <p:notesMasterIdLst>
-    <p:notesMasterId r:id="rId20"/>
+    <p:notesMasterId r:id="rId16"/>
   </p:notesMasterIdLst>
   <p:handoutMasterIdLst>
-    <p:handoutMasterId r:id="rId21"/>
+    <p:handoutMasterId r:id="rId17"/>
   </p:handoutMasterIdLst>
   <p:sldIdLst>
     <p:sldId id="277" r:id="rId2"/>
@@ -20,15 +20,11 @@
     <p:sldId id="366" r:id="rId8"/>
     <p:sldId id="367" r:id="rId9"/>
     <p:sldId id="371" r:id="rId10"/>
-    <p:sldId id="372" r:id="rId11"/>
-    <p:sldId id="380" r:id="rId12"/>
-    <p:sldId id="381" r:id="rId13"/>
-    <p:sldId id="379" r:id="rId14"/>
-    <p:sldId id="373" r:id="rId15"/>
-    <p:sldId id="376" r:id="rId16"/>
-    <p:sldId id="378" r:id="rId17"/>
-    <p:sldId id="374" r:id="rId18"/>
-    <p:sldId id="302" r:id="rId19"/>
+    <p:sldId id="380" r:id="rId11"/>
+    <p:sldId id="381" r:id="rId12"/>
+    <p:sldId id="378" r:id="rId13"/>
+    <p:sldId id="374" r:id="rId14"/>
+    <p:sldId id="302" r:id="rId15"/>
   </p:sldIdLst>
   <p:sldSz cx="12192000" cy="6858000"/>
   <p:notesSz cx="6858000" cy="9144000"/>
@@ -232,7 +228,7 @@
             <a:fld id="{47F7A525-2E97-4D11-852B-BF2E493721D5}" type="datetimeFigureOut">
               <a:rPr lang="es-AR" smtClean="0"/>
               <a:pPr/>
-              <a:t>17/02/2021</a:t>
+              <a:t>18/02/2021</a:t>
             </a:fld>
             <a:endParaRPr lang="es-AR"/>
           </a:p>
@@ -403,7 +399,7 @@
             <a:fld id="{0E639192-A93D-48A4-B281-8DA3B2AD5F46}" type="datetimeFigureOut">
               <a:rPr lang="es-AR" smtClean="0"/>
               <a:pPr/>
-              <a:t>17/02/2021</a:t>
+              <a:t>18/02/2021</a:t>
             </a:fld>
             <a:endParaRPr lang="es-AR"/>
           </a:p>
@@ -1338,7 +1334,7 @@
             <a:fld id="{BC50A678-796C-47FE-8727-A3AAF49E2D10}" type="datetime1">
               <a:rPr lang="es-AR" smtClean="0"/>
               <a:pPr/>
-              <a:t>17/02/2021</a:t>
+              <a:t>18/02/2021</a:t>
             </a:fld>
             <a:endParaRPr lang="es-AR"/>
           </a:p>
@@ -1535,7 +1531,7 @@
             <a:fld id="{A7AFFB43-0057-44A6-B675-62CD4F9F4EB1}" type="datetime1">
               <a:rPr lang="es-AR" smtClean="0"/>
               <a:pPr/>
-              <a:t>17/02/2021</a:t>
+              <a:t>18/02/2021</a:t>
             </a:fld>
             <a:endParaRPr lang="es-AR"/>
           </a:p>
@@ -1801,7 +1797,7 @@
             <a:fld id="{5107EDD2-3A41-45F7-9798-5F0A42B67A10}" type="datetime1">
               <a:rPr lang="es-AR" smtClean="0"/>
               <a:pPr/>
-              <a:t>17/02/2021</a:t>
+              <a:t>18/02/2021</a:t>
             </a:fld>
             <a:endParaRPr lang="es-AR"/>
           </a:p>
@@ -2232,7 +2228,7 @@
             <a:fld id="{81A405EA-7F97-484B-BB35-211055BB771A}" type="datetime1">
               <a:rPr lang="es-AR" smtClean="0"/>
               <a:pPr/>
-              <a:t>17/02/2021</a:t>
+              <a:t>18/02/2021</a:t>
             </a:fld>
             <a:endParaRPr lang="es-AR"/>
           </a:p>
@@ -2783,7 +2779,7 @@
             <a:fld id="{F7023107-FE31-4245-9D9D-4DAB5BB365BD}" type="datetime1">
               <a:rPr lang="es-AR" smtClean="0"/>
               <a:pPr/>
-              <a:t>17/02/2021</a:t>
+              <a:t>18/02/2021</a:t>
             </a:fld>
             <a:endParaRPr lang="es-AR"/>
           </a:p>
@@ -3619,7 +3615,7 @@
             <a:fld id="{081FCDBA-D78B-4D74-B477-EFCB1BCA6C42}" type="datetime1">
               <a:rPr lang="es-AR" smtClean="0"/>
               <a:pPr/>
-              <a:t>17/02/2021</a:t>
+              <a:t>18/02/2021</a:t>
             </a:fld>
             <a:endParaRPr lang="es-AR"/>
           </a:p>
@@ -3794,7 +3790,7 @@
             <a:fld id="{20EA1D54-2625-4090-9DAD-29AF83AD3B36}" type="datetime1">
               <a:rPr lang="es-AR" smtClean="0"/>
               <a:pPr/>
-              <a:t>17/02/2021</a:t>
+              <a:t>18/02/2021</a:t>
             </a:fld>
             <a:endParaRPr lang="es-AR"/>
           </a:p>
@@ -3979,7 +3975,7 @@
             <a:fld id="{FCD0E364-B94A-4338-BC1C-A73E1F081813}" type="datetime1">
               <a:rPr lang="es-AR" smtClean="0"/>
               <a:pPr/>
-              <a:t>17/02/2021</a:t>
+              <a:t>18/02/2021</a:t>
             </a:fld>
             <a:endParaRPr lang="es-AR"/>
           </a:p>
@@ -4662,7 +4658,7 @@
             <a:fld id="{0FF6B326-0FEE-47B3-9F77-2568F820D807}" type="datetime1">
               <a:rPr lang="es-AR" smtClean="0"/>
               <a:pPr/>
-              <a:t>17/02/2021</a:t>
+              <a:t>18/02/2021</a:t>
             </a:fld>
             <a:endParaRPr lang="es-AR"/>
           </a:p>
@@ -4899,7 +4895,7 @@
             <a:fld id="{913DAB84-C826-40B0-8ED0-39F2ECE4A200}" type="datetime1">
               <a:rPr lang="es-AR" smtClean="0"/>
               <a:pPr/>
-              <a:t>17/02/2021</a:t>
+              <a:t>18/02/2021</a:t>
             </a:fld>
             <a:endParaRPr lang="es-AR"/>
           </a:p>
@@ -5297,7 +5293,7 @@
             <a:fld id="{8C0226C2-DAEC-4136-9DE8-09FC5E3E671E}" type="datetime1">
               <a:rPr lang="es-AR" smtClean="0"/>
               <a:pPr/>
-              <a:t>17/02/2021</a:t>
+              <a:t>18/02/2021</a:t>
             </a:fld>
             <a:endParaRPr lang="es-AR"/>
           </a:p>
@@ -5420,7 +5416,7 @@
             <a:fld id="{53EE9993-8E0B-4913-A57B-F99EBF98A309}" type="datetime1">
               <a:rPr lang="es-AR" smtClean="0"/>
               <a:pPr/>
-              <a:t>17/02/2021</a:t>
+              <a:t>18/02/2021</a:t>
             </a:fld>
             <a:endParaRPr lang="es-AR"/>
           </a:p>
@@ -5520,7 +5516,7 @@
             <a:fld id="{7FC65BA5-BE01-42C7-88A0-5D66E4C25C69}" type="datetime1">
               <a:rPr lang="es-AR" smtClean="0"/>
               <a:pPr/>
-              <a:t>17/02/2021</a:t>
+              <a:t>18/02/2021</a:t>
             </a:fld>
             <a:endParaRPr lang="es-AR"/>
           </a:p>
@@ -5798,7 +5794,7 @@
             <a:fld id="{E3D3AADB-2F64-4CF7-83E3-78E84AD4D110}" type="datetime1">
               <a:rPr lang="es-AR" smtClean="0"/>
               <a:pPr/>
-              <a:t>17/02/2021</a:t>
+              <a:t>18/02/2021</a:t>
             </a:fld>
             <a:endParaRPr lang="es-AR"/>
           </a:p>
@@ -6084,7 +6080,7 @@
             <a:fld id="{C77D2D86-4208-4F35-BB55-BE3504C41488}" type="datetime1">
               <a:rPr lang="es-AR" smtClean="0"/>
               <a:pPr/>
-              <a:t>17/02/2021</a:t>
+              <a:t>18/02/2021</a:t>
             </a:fld>
             <a:endParaRPr lang="es-AR"/>
           </a:p>
@@ -6325,7 +6321,7 @@
             <a:fld id="{1EA277BA-E2F3-4C3D-9E58-E2E890DB98B1}" type="datetime1">
               <a:rPr lang="es-AR" smtClean="0"/>
               <a:pPr/>
-              <a:t>17/02/2021</a:t>
+              <a:t>18/02/2021</a:t>
             </a:fld>
             <a:endParaRPr lang="es-AR"/>
           </a:p>
@@ -7167,7 +7163,7 @@
       </p:grpSpPr>
       <p:sp>
         <p:nvSpPr>
-          <p:cNvPr id="2" name="1 Marcador de pie de página"/>
+          <p:cNvPr id="2" name="Marcador de pie de página 1"/>
           <p:cNvSpPr>
             <a:spLocks noGrp="1"/>
           </p:cNvSpPr>
@@ -7190,7 +7186,7 @@
       </p:sp>
       <p:sp>
         <p:nvSpPr>
-          <p:cNvPr id="3" name="2 Marcador de número de diapositiva"/>
+          <p:cNvPr id="3" name="Marcador de número de diapositiva 2"/>
           <p:cNvSpPr>
             <a:spLocks noGrp="1"/>
           </p:cNvSpPr>
@@ -7214,7 +7210,7 @@
       </p:sp>
       <p:sp>
         <p:nvSpPr>
-          <p:cNvPr id="4" name="3 Título"/>
+          <p:cNvPr id="4" name="Título 3"/>
           <p:cNvSpPr>
             <a:spLocks noGrp="1"/>
           </p:cNvSpPr>
@@ -7229,7 +7225,7 @@
           <a:p>
             <a:r>
               <a:rPr lang="es-AR" dirty="0" smtClean="0"/>
-              <a:t>Gestión de riesgos </a:t>
+              <a:t>Modelo</a:t>
             </a:r>
             <a:endParaRPr lang="es-AR" dirty="0"/>
           </a:p>
@@ -7237,7 +7233,7 @@
       </p:sp>
       <p:sp>
         <p:nvSpPr>
-          <p:cNvPr id="5" name="4 Marcador de contenido"/>
+          <p:cNvPr id="5" name="Marcador de contenido 4"/>
           <p:cNvSpPr>
             <a:spLocks noGrp="1"/>
           </p:cNvSpPr>
@@ -7250,53 +7246,16 @@
           <a:bodyPr/>
           <a:lstStyle/>
           <a:p>
-            <a:r>
-              <a:rPr lang="es-AR" sz="2600" dirty="0" smtClean="0"/>
-              <a:t>Fase de Construcción iteración  8</a:t>
-            </a:r>
-          </a:p>
-          <a:p>
-            <a:endParaRPr lang="es-AR" dirty="0" smtClean="0"/>
-          </a:p>
-          <a:p>
             <a:endParaRPr lang="es-AR" dirty="0"/>
           </a:p>
         </p:txBody>
       </p:sp>
-      <p:pic>
-        <p:nvPicPr>
-          <p:cNvPr id="2050" name="Picture 2"/>
-          <p:cNvPicPr>
-            <a:picLocks noChangeAspect="1" noChangeArrowheads="1"/>
-          </p:cNvPicPr>
-          <p:nvPr/>
-        </p:nvPicPr>
-        <p:blipFill>
-          <a:blip r:embed="rId2"/>
-          <a:srcRect/>
-          <a:stretch>
-            <a:fillRect/>
-          </a:stretch>
-        </p:blipFill>
-        <p:spPr bwMode="auto">
-          <a:xfrm>
-            <a:off x="3509743" y="2236323"/>
-            <a:ext cx="5200650" cy="3257550"/>
-          </a:xfrm>
-          <a:prstGeom prst="rect">
-            <a:avLst/>
-          </a:prstGeom>
-          <a:noFill/>
-          <a:ln w="9525">
-            <a:noFill/>
-            <a:miter lim="800000"/>
-            <a:headEnd/>
-            <a:tailEnd/>
-          </a:ln>
-          <a:effectLst/>
-        </p:spPr>
-      </p:pic>
     </p:spTree>
+    <p:extLst>
+      <p:ext uri="{BB962C8B-B14F-4D97-AF65-F5344CB8AC3E}">
+        <p14:creationId xmlns:p14="http://schemas.microsoft.com/office/powerpoint/2010/main" val="3699479930"/>
+      </p:ext>
+    </p:extLst>
   </p:cSld>
   <p:clrMapOvr>
     <a:masterClrMapping/>
@@ -7392,7 +7351,7 @@
           <a:p>
             <a:r>
               <a:rPr lang="es-AR" dirty="0" smtClean="0"/>
-              <a:t>Modelo</a:t>
+              <a:t>Implementación</a:t>
             </a:r>
             <a:endParaRPr lang="es-AR" dirty="0"/>
           </a:p>
@@ -7420,13 +7379,20 @@
     </p:spTree>
     <p:extLst>
       <p:ext uri="{BB962C8B-B14F-4D97-AF65-F5344CB8AC3E}">
-        <p14:creationId xmlns:p14="http://schemas.microsoft.com/office/powerpoint/2010/main" val="3699479930"/>
+        <p14:creationId xmlns:p14="http://schemas.microsoft.com/office/powerpoint/2010/main" val="2724477999"/>
       </p:ext>
     </p:extLst>
   </p:cSld>
   <p:clrMapOvr>
     <a:masterClrMapping/>
   </p:clrMapOvr>
+  <p:timing>
+    <p:tnLst>
+      <p:par>
+        <p:cTn id="1" dur="indefinite" restart="never" nodeType="tmRoot"/>
+      </p:par>
+    </p:tnLst>
+  </p:timing>
 </p:sld>
 </file>
 
@@ -7449,7 +7415,30 @@
       </p:grpSpPr>
       <p:sp>
         <p:nvSpPr>
-          <p:cNvPr id="2" name="Marcador de pie de página 1"/>
+          <p:cNvPr id="3" name="Título 2"/>
+          <p:cNvSpPr>
+            <a:spLocks noGrp="1"/>
+          </p:cNvSpPr>
+          <p:nvPr>
+            <p:ph type="title"/>
+          </p:nvPr>
+        </p:nvSpPr>
+        <p:spPr/>
+        <p:txBody>
+          <a:bodyPr/>
+          <a:lstStyle/>
+          <a:p>
+            <a:r>
+              <a:rPr lang="es-AR" dirty="0" smtClean="0"/>
+              <a:t>Plan de Prueba</a:t>
+            </a:r>
+            <a:endParaRPr lang="es-AR" dirty="0"/>
+          </a:p>
+        </p:txBody>
+      </p:sp>
+      <p:sp>
+        <p:nvSpPr>
+          <p:cNvPr id="4" name="Marcador de pie de página 3"/>
           <p:cNvSpPr>
             <a:spLocks noGrp="1"/>
           </p:cNvSpPr>
@@ -7464,7 +7453,7 @@
           <a:p>
             <a:r>
               <a:rPr lang="es-AR" smtClean="0"/>
-              <a:t>OYARZO Mariela – QUIROGA Sandra – MÁRQUEZ Emanuel</a:t>
+              <a:t>OYARZO Mariela – QUIROGA Sandra – MÁRQUEZ EMANUEL</a:t>
             </a:r>
             <a:endParaRPr lang="es-AR" dirty="0"/>
           </a:p>
@@ -7472,7 +7461,7 @@
       </p:sp>
       <p:sp>
         <p:nvSpPr>
-          <p:cNvPr id="3" name="Marcador de número de diapositiva 2"/>
+          <p:cNvPr id="5" name="Marcador de número de diapositiva 4"/>
           <p:cNvSpPr>
             <a:spLocks noGrp="1"/>
           </p:cNvSpPr>
@@ -7489,2162 +7478,6 @@
               <a:rPr lang="es-AR" smtClean="0"/>
               <a:pPr/>
               <a:t>12</a:t>
-            </a:fld>
-            <a:endParaRPr lang="es-AR" dirty="0"/>
-          </a:p>
-        </p:txBody>
-      </p:sp>
-      <p:sp>
-        <p:nvSpPr>
-          <p:cNvPr id="4" name="Título 3"/>
-          <p:cNvSpPr>
-            <a:spLocks noGrp="1"/>
-          </p:cNvSpPr>
-          <p:nvPr>
-            <p:ph type="title"/>
-          </p:nvPr>
-        </p:nvSpPr>
-        <p:spPr/>
-        <p:txBody>
-          <a:bodyPr/>
-          <a:lstStyle/>
-          <a:p>
-            <a:r>
-              <a:rPr lang="es-AR" dirty="0" smtClean="0"/>
-              <a:t>Implementación</a:t>
-            </a:r>
-            <a:endParaRPr lang="es-AR" dirty="0"/>
-          </a:p>
-        </p:txBody>
-      </p:sp>
-      <p:sp>
-        <p:nvSpPr>
-          <p:cNvPr id="5" name="Marcador de contenido 4"/>
-          <p:cNvSpPr>
-            <a:spLocks noGrp="1"/>
-          </p:cNvSpPr>
-          <p:nvPr>
-            <p:ph idx="1"/>
-          </p:nvPr>
-        </p:nvSpPr>
-        <p:spPr/>
-        <p:txBody>
-          <a:bodyPr/>
-          <a:lstStyle/>
-          <a:p>
-            <a:endParaRPr lang="es-AR" dirty="0"/>
-          </a:p>
-        </p:txBody>
-      </p:sp>
-    </p:spTree>
-    <p:extLst>
-      <p:ext uri="{BB962C8B-B14F-4D97-AF65-F5344CB8AC3E}">
-        <p14:creationId xmlns:p14="http://schemas.microsoft.com/office/powerpoint/2010/main" val="2724477999"/>
-      </p:ext>
-    </p:extLst>
-  </p:cSld>
-  <p:clrMapOvr>
-    <a:masterClrMapping/>
-  </p:clrMapOvr>
-</p:sld>
-</file>
-
-<file path=ppt/slides/slide13.xml><?xml version="1.0" encoding="utf-8"?>
-<p:sld xmlns:a="http://schemas.openxmlformats.org/drawingml/2006/main" xmlns:r="http://schemas.openxmlformats.org/officeDocument/2006/relationships" xmlns:p="http://schemas.openxmlformats.org/presentationml/2006/main">
-  <p:cSld>
-    <p:spTree>
-      <p:nvGrpSpPr>
-        <p:cNvPr id="1" name=""/>
-        <p:cNvGrpSpPr/>
-        <p:nvPr/>
-      </p:nvGrpSpPr>
-      <p:grpSpPr>
-        <a:xfrm>
-          <a:off x="0" y="0"/>
-          <a:ext cx="0" cy="0"/>
-          <a:chOff x="0" y="0"/>
-          <a:chExt cx="0" cy="0"/>
-        </a:xfrm>
-      </p:grpSpPr>
-      <p:sp>
-        <p:nvSpPr>
-          <p:cNvPr id="7" name="6 Marcador de contenido"/>
-          <p:cNvSpPr>
-            <a:spLocks noGrp="1"/>
-          </p:cNvSpPr>
-          <p:nvPr>
-            <p:ph idx="1"/>
-          </p:nvPr>
-        </p:nvSpPr>
-        <p:spPr/>
-        <p:txBody>
-          <a:bodyPr/>
-          <a:lstStyle/>
-          <a:p>
-            <a:pPr lvl="0"/>
-            <a:endParaRPr lang="es-MX" dirty="0" smtClean="0"/>
-          </a:p>
-          <a:p>
-            <a:pPr lvl="0"/>
-            <a:r>
-              <a:rPr lang="es-MX" dirty="0" smtClean="0"/>
-              <a:t>Encontrar tantos errores como sea posible.</a:t>
-            </a:r>
-            <a:endParaRPr lang="es-AR" b="1" dirty="0" smtClean="0"/>
-          </a:p>
-          <a:p>
-            <a:pPr lvl="0"/>
-            <a:r>
-              <a:rPr lang="es-MX" dirty="0" smtClean="0"/>
-              <a:t>Supervisar si se cumple las especificaciones de diseño.</a:t>
-            </a:r>
-            <a:endParaRPr lang="es-AR" b="1" dirty="0" smtClean="0"/>
-          </a:p>
-          <a:p>
-            <a:pPr lvl="0"/>
-            <a:r>
-              <a:rPr lang="es-MX" dirty="0" smtClean="0"/>
-              <a:t>Supervisar si se cumple los requisitos del análisis. </a:t>
-            </a:r>
-            <a:endParaRPr lang="es-AR" b="1" dirty="0" smtClean="0"/>
-          </a:p>
-          <a:p>
-            <a:pPr lvl="0"/>
-            <a:r>
-              <a:rPr lang="es-MX" dirty="0" smtClean="0"/>
-              <a:t>Realizar pruebas de rendimiento y capacidad.</a:t>
-            </a:r>
-            <a:endParaRPr lang="es-AR" b="1" dirty="0" smtClean="0"/>
-          </a:p>
-          <a:p>
-            <a:pPr lvl="0"/>
-            <a:r>
-              <a:rPr lang="es-MX" dirty="0" smtClean="0"/>
-              <a:t>Encontrar los problemas importantes y determinar los riesgos percibidos de la calidad.</a:t>
-            </a:r>
-            <a:endParaRPr lang="es-AR" b="1" dirty="0" smtClean="0"/>
-          </a:p>
-          <a:p>
-            <a:pPr lvl="0"/>
-            <a:r>
-              <a:rPr lang="es-MX" dirty="0" smtClean="0"/>
-              <a:t>Otros.</a:t>
-            </a:r>
-            <a:endParaRPr lang="es-AR" b="1" dirty="0" smtClean="0"/>
-          </a:p>
-          <a:p>
-            <a:endParaRPr lang="es-AR" dirty="0"/>
-          </a:p>
-        </p:txBody>
-      </p:sp>
-      <p:sp>
-        <p:nvSpPr>
-          <p:cNvPr id="6" name="5 Título"/>
-          <p:cNvSpPr>
-            <a:spLocks noGrp="1"/>
-          </p:cNvSpPr>
-          <p:nvPr>
-            <p:ph type="title"/>
-          </p:nvPr>
-        </p:nvSpPr>
-        <p:spPr/>
-        <p:txBody>
-          <a:bodyPr/>
-          <a:lstStyle/>
-          <a:p>
-            <a:r>
-              <a:rPr lang="es-AR" dirty="0" smtClean="0"/>
-              <a:t>Plan de Pruebas</a:t>
-            </a:r>
-            <a:endParaRPr lang="es-AR" dirty="0"/>
-          </a:p>
-        </p:txBody>
-      </p:sp>
-      <p:sp>
-        <p:nvSpPr>
-          <p:cNvPr id="2" name="1 Marcador de pie de página"/>
-          <p:cNvSpPr>
-            <a:spLocks noGrp="1"/>
-          </p:cNvSpPr>
-          <p:nvPr>
-            <p:ph type="ftr" sz="quarter" idx="11"/>
-          </p:nvPr>
-        </p:nvSpPr>
-        <p:spPr/>
-        <p:txBody>
-          <a:bodyPr/>
-          <a:lstStyle/>
-          <a:p>
-            <a:r>
-              <a:rPr lang="es-AR" smtClean="0"/>
-              <a:t>OYARZO Mariela – QUIROGA Sandra – MÁRQUEZ Emanuel</a:t>
-            </a:r>
-            <a:endParaRPr lang="es-AR" dirty="0"/>
-          </a:p>
-        </p:txBody>
-      </p:sp>
-      <p:sp>
-        <p:nvSpPr>
-          <p:cNvPr id="3" name="2 Marcador de número de diapositiva"/>
-          <p:cNvSpPr>
-            <a:spLocks noGrp="1"/>
-          </p:cNvSpPr>
-          <p:nvPr>
-            <p:ph type="sldNum" sz="quarter" idx="12"/>
-          </p:nvPr>
-        </p:nvSpPr>
-        <p:spPr/>
-        <p:txBody>
-          <a:bodyPr/>
-          <a:lstStyle/>
-          <a:p>
-            <a:fld id="{779E3280-5C43-43EF-BE7D-8C553A58A779}" type="slidenum">
-              <a:rPr lang="es-AR" smtClean="0"/>
-              <a:pPr/>
-              <a:t>13</a:t>
-            </a:fld>
-            <a:endParaRPr lang="es-AR" dirty="0"/>
-          </a:p>
-        </p:txBody>
-      </p:sp>
-    </p:spTree>
-  </p:cSld>
-  <p:clrMapOvr>
-    <a:masterClrMapping/>
-  </p:clrMapOvr>
-  <p:timing>
-    <p:tnLst>
-      <p:par>
-        <p:cTn id="1" dur="indefinite" restart="never" nodeType="tmRoot"/>
-      </p:par>
-    </p:tnLst>
-  </p:timing>
-</p:sld>
-</file>
-
-<file path=ppt/slides/slide14.xml><?xml version="1.0" encoding="utf-8"?>
-<p:sld xmlns:a="http://schemas.openxmlformats.org/drawingml/2006/main" xmlns:r="http://schemas.openxmlformats.org/officeDocument/2006/relationships" xmlns:p="http://schemas.openxmlformats.org/presentationml/2006/main">
-  <p:cSld>
-    <p:spTree>
-      <p:nvGrpSpPr>
-        <p:cNvPr id="1" name=""/>
-        <p:cNvGrpSpPr/>
-        <p:nvPr/>
-      </p:nvGrpSpPr>
-      <p:grpSpPr>
-        <a:xfrm>
-          <a:off x="0" y="0"/>
-          <a:ext cx="0" cy="0"/>
-          <a:chOff x="0" y="0"/>
-          <a:chExt cx="0" cy="0"/>
-        </a:xfrm>
-      </p:grpSpPr>
-      <p:sp>
-        <p:nvSpPr>
-          <p:cNvPr id="5" name="4 Marcador de contenido"/>
-          <p:cNvSpPr>
-            <a:spLocks noGrp="1"/>
-          </p:cNvSpPr>
-          <p:nvPr>
-            <p:ph idx="1"/>
-          </p:nvPr>
-        </p:nvSpPr>
-        <p:spPr/>
-        <p:txBody>
-          <a:bodyPr/>
-          <a:lstStyle/>
-          <a:p>
-            <a:endParaRPr lang="es-AR" dirty="0" smtClean="0"/>
-          </a:p>
-          <a:p>
-            <a:endParaRPr lang="es-AR" dirty="0" smtClean="0"/>
-          </a:p>
-          <a:p>
-            <a:endParaRPr lang="es-AR" dirty="0"/>
-          </a:p>
-        </p:txBody>
-      </p:sp>
-      <p:sp>
-        <p:nvSpPr>
-          <p:cNvPr id="4" name="3 Título"/>
-          <p:cNvSpPr>
-            <a:spLocks noGrp="1"/>
-          </p:cNvSpPr>
-          <p:nvPr>
-            <p:ph type="title"/>
-          </p:nvPr>
-        </p:nvSpPr>
-        <p:spPr/>
-        <p:txBody>
-          <a:bodyPr/>
-          <a:lstStyle/>
-          <a:p>
-            <a:r>
-              <a:rPr lang="es-AR" dirty="0" smtClean="0"/>
-              <a:t/>
-            </a:r>
-            <a:br>
-              <a:rPr lang="es-AR" dirty="0" smtClean="0"/>
-            </a:br>
-            <a:r>
-              <a:rPr lang="es-AR" dirty="0" smtClean="0"/>
-              <a:t>Plan de Pruebas </a:t>
-            </a:r>
-            <a:br>
-              <a:rPr lang="es-AR" dirty="0" smtClean="0"/>
-            </a:br>
-            <a:endParaRPr lang="es-AR" dirty="0"/>
-          </a:p>
-        </p:txBody>
-      </p:sp>
-      <p:sp>
-        <p:nvSpPr>
-          <p:cNvPr id="2" name="1 Marcador de pie de página"/>
-          <p:cNvSpPr>
-            <a:spLocks noGrp="1"/>
-          </p:cNvSpPr>
-          <p:nvPr>
-            <p:ph type="ftr" sz="quarter" idx="11"/>
-          </p:nvPr>
-        </p:nvSpPr>
-        <p:spPr/>
-        <p:txBody>
-          <a:bodyPr/>
-          <a:lstStyle/>
-          <a:p>
-            <a:r>
-              <a:rPr lang="es-AR" smtClean="0"/>
-              <a:t>OYARZO Mariela – QUIROGA Sandra – MÁRQUEZ Emanuel</a:t>
-            </a:r>
-            <a:endParaRPr lang="es-AR" dirty="0"/>
-          </a:p>
-        </p:txBody>
-      </p:sp>
-      <p:sp>
-        <p:nvSpPr>
-          <p:cNvPr id="3" name="2 Marcador de número de diapositiva"/>
-          <p:cNvSpPr>
-            <a:spLocks noGrp="1"/>
-          </p:cNvSpPr>
-          <p:nvPr>
-            <p:ph type="sldNum" sz="quarter" idx="12"/>
-          </p:nvPr>
-        </p:nvSpPr>
-        <p:spPr/>
-        <p:txBody>
-          <a:bodyPr/>
-          <a:lstStyle/>
-          <a:p>
-            <a:fld id="{779E3280-5C43-43EF-BE7D-8C553A58A779}" type="slidenum">
-              <a:rPr lang="es-AR" smtClean="0"/>
-              <a:pPr/>
-              <a:t>14</a:t>
-            </a:fld>
-            <a:endParaRPr lang="es-AR" dirty="0"/>
-          </a:p>
-        </p:txBody>
-      </p:sp>
-      <p:graphicFrame>
-        <p:nvGraphicFramePr>
-          <p:cNvPr id="6" name="Marcador de contenido 12"/>
-          <p:cNvGraphicFramePr>
-            <a:graphicFrameLocks/>
-          </p:cNvGraphicFramePr>
-          <p:nvPr>
-            <p:extLst>
-              <p:ext uri="{D42A27DB-BD31-4B8C-83A1-F6EECF244321}">
-                <p14:modId xmlns:p14="http://schemas.microsoft.com/office/powerpoint/2010/main" val="3049683362"/>
-              </p:ext>
-            </p:extLst>
-          </p:nvPr>
-        </p:nvGraphicFramePr>
-        <p:xfrm>
-          <a:off x="1842869" y="1842867"/>
-          <a:ext cx="7680958" cy="4248443"/>
-        </p:xfrm>
-        <a:graphic>
-          <a:graphicData uri="http://schemas.openxmlformats.org/drawingml/2006/table">
-            <a:tbl>
-              <a:tblPr/>
-              <a:tblGrid>
-                <a:gridCol w="1858541"/>
-                <a:gridCol w="2685123"/>
-                <a:gridCol w="3137294"/>
-              </a:tblGrid>
-              <a:tr h="197211">
-                <a:tc>
-                  <a:txBody>
-                    <a:bodyPr/>
-                    <a:lstStyle/>
-                    <a:p>
-                      <a:pPr algn="ctr" fontAlgn="b"/>
-                      <a:r>
-                        <a:rPr lang="es-AR" sz="1100" b="1" i="0" u="none" strike="noStrike" dirty="0">
-                          <a:solidFill>
-                            <a:srgbClr val="000000"/>
-                          </a:solidFill>
-                          <a:effectLst/>
-                          <a:latin typeface="Calibri" panose="020F0502020204030204" pitchFamily="34" charset="0"/>
-                        </a:rPr>
-                        <a:t>PRUEBAS</a:t>
-                      </a:r>
-                    </a:p>
-                  </a:txBody>
-                  <a:tcPr marL="9525" marR="9525" marT="9525" marB="0" anchor="b">
-                    <a:lnL w="6350" cap="flat" cmpd="sng" algn="ctr">
-                      <a:solidFill>
-                        <a:srgbClr val="000000"/>
-                      </a:solidFill>
-                      <a:prstDash val="solid"/>
-                      <a:round/>
-                      <a:headEnd type="none" w="med" len="med"/>
-                      <a:tailEnd type="none" w="med" len="med"/>
-                    </a:lnL>
-                    <a:lnR w="6350" cap="flat" cmpd="sng" algn="ctr">
-                      <a:solidFill>
-                        <a:srgbClr val="000000"/>
-                      </a:solidFill>
-                      <a:prstDash val="solid"/>
-                      <a:round/>
-                      <a:headEnd type="none" w="med" len="med"/>
-                      <a:tailEnd type="none" w="med" len="med"/>
-                    </a:lnR>
-                    <a:lnT w="6350" cap="flat" cmpd="sng" algn="ctr">
-                      <a:solidFill>
-                        <a:srgbClr val="000000"/>
-                      </a:solidFill>
-                      <a:prstDash val="solid"/>
-                      <a:round/>
-                      <a:headEnd type="none" w="med" len="med"/>
-                      <a:tailEnd type="none" w="med" len="med"/>
-                    </a:lnT>
-                    <a:lnB w="6350" cap="flat" cmpd="sng" algn="ctr">
-                      <a:solidFill>
-                        <a:srgbClr val="000000"/>
-                      </a:solidFill>
-                      <a:prstDash val="solid"/>
-                      <a:round/>
-                      <a:headEnd type="none" w="med" len="med"/>
-                      <a:tailEnd type="none" w="med" len="med"/>
-                    </a:lnB>
-                    <a:solidFill>
-                      <a:srgbClr val="BDD7EE"/>
-                    </a:solidFill>
-                  </a:tcPr>
-                </a:tc>
-                <a:tc>
-                  <a:txBody>
-                    <a:bodyPr/>
-                    <a:lstStyle/>
-                    <a:p>
-                      <a:pPr algn="ctr" fontAlgn="b"/>
-                      <a:r>
-                        <a:rPr lang="es-AR" sz="1100" b="1" i="0" u="none" strike="noStrike">
-                          <a:solidFill>
-                            <a:srgbClr val="000000"/>
-                          </a:solidFill>
-                          <a:effectLst/>
-                          <a:latin typeface="Calibri" panose="020F0502020204030204" pitchFamily="34" charset="0"/>
-                        </a:rPr>
-                        <a:t>DESCRIPCIÓN</a:t>
-                      </a:r>
-                    </a:p>
-                  </a:txBody>
-                  <a:tcPr marL="9525" marR="9525" marT="9525" marB="0" anchor="b">
-                    <a:lnL w="6350" cap="flat" cmpd="sng" algn="ctr">
-                      <a:solidFill>
-                        <a:srgbClr val="000000"/>
-                      </a:solidFill>
-                      <a:prstDash val="solid"/>
-                      <a:round/>
-                      <a:headEnd type="none" w="med" len="med"/>
-                      <a:tailEnd type="none" w="med" len="med"/>
-                    </a:lnL>
-                    <a:lnR w="6350" cap="flat" cmpd="sng" algn="ctr">
-                      <a:solidFill>
-                        <a:srgbClr val="000000"/>
-                      </a:solidFill>
-                      <a:prstDash val="solid"/>
-                      <a:round/>
-                      <a:headEnd type="none" w="med" len="med"/>
-                      <a:tailEnd type="none" w="med" len="med"/>
-                    </a:lnR>
-                    <a:lnT w="6350" cap="flat" cmpd="sng" algn="ctr">
-                      <a:solidFill>
-                        <a:srgbClr val="000000"/>
-                      </a:solidFill>
-                      <a:prstDash val="solid"/>
-                      <a:round/>
-                      <a:headEnd type="none" w="med" len="med"/>
-                      <a:tailEnd type="none" w="med" len="med"/>
-                    </a:lnT>
-                    <a:lnB w="6350" cap="flat" cmpd="sng" algn="ctr">
-                      <a:solidFill>
-                        <a:srgbClr val="000000"/>
-                      </a:solidFill>
-                      <a:prstDash val="solid"/>
-                      <a:round/>
-                      <a:headEnd type="none" w="med" len="med"/>
-                      <a:tailEnd type="none" w="med" len="med"/>
-                    </a:lnB>
-                    <a:solidFill>
-                      <a:srgbClr val="BDD7EE"/>
-                    </a:solidFill>
-                  </a:tcPr>
-                </a:tc>
-                <a:tc>
-                  <a:txBody>
-                    <a:bodyPr/>
-                    <a:lstStyle/>
-                    <a:p>
-                      <a:pPr algn="ctr" fontAlgn="b"/>
-                      <a:r>
-                        <a:rPr lang="es-AR" sz="1100" b="1" i="0" u="none" strike="noStrike">
-                          <a:solidFill>
-                            <a:srgbClr val="000000"/>
-                          </a:solidFill>
-                          <a:effectLst/>
-                          <a:latin typeface="Calibri" panose="020F0502020204030204" pitchFamily="34" charset="0"/>
-                        </a:rPr>
-                        <a:t>CONSIDERACIONES</a:t>
-                      </a:r>
-                    </a:p>
-                  </a:txBody>
-                  <a:tcPr marL="9525" marR="9525" marT="9525" marB="0" anchor="b">
-                    <a:lnL w="6350" cap="flat" cmpd="sng" algn="ctr">
-                      <a:solidFill>
-                        <a:srgbClr val="000000"/>
-                      </a:solidFill>
-                      <a:prstDash val="solid"/>
-                      <a:round/>
-                      <a:headEnd type="none" w="med" len="med"/>
-                      <a:tailEnd type="none" w="med" len="med"/>
-                    </a:lnL>
-                    <a:lnR w="6350" cap="flat" cmpd="sng" algn="ctr">
-                      <a:solidFill>
-                        <a:srgbClr val="000000"/>
-                      </a:solidFill>
-                      <a:prstDash val="solid"/>
-                      <a:round/>
-                      <a:headEnd type="none" w="med" len="med"/>
-                      <a:tailEnd type="none" w="med" len="med"/>
-                    </a:lnR>
-                    <a:lnT w="6350" cap="flat" cmpd="sng" algn="ctr">
-                      <a:solidFill>
-                        <a:srgbClr val="000000"/>
-                      </a:solidFill>
-                      <a:prstDash val="solid"/>
-                      <a:round/>
-                      <a:headEnd type="none" w="med" len="med"/>
-                      <a:tailEnd type="none" w="med" len="med"/>
-                    </a:lnT>
-                    <a:lnB w="6350" cap="flat" cmpd="sng" algn="ctr">
-                      <a:solidFill>
-                        <a:srgbClr val="000000"/>
-                      </a:solidFill>
-                      <a:prstDash val="solid"/>
-                      <a:round/>
-                      <a:headEnd type="none" w="med" len="med"/>
-                      <a:tailEnd type="none" w="med" len="med"/>
-                    </a:lnB>
-                    <a:solidFill>
-                      <a:srgbClr val="BDD7EE"/>
-                    </a:solidFill>
-                  </a:tcPr>
-                </a:tc>
-              </a:tr>
-              <a:tr h="1924575">
-                <a:tc>
-                  <a:txBody>
-                    <a:bodyPr/>
-                    <a:lstStyle/>
-                    <a:p>
-                      <a:pPr algn="ctr" fontAlgn="ctr"/>
-                      <a:r>
-                        <a:rPr lang="es-AR" sz="1100" b="0" i="0" u="none" strike="noStrike" dirty="0">
-                          <a:solidFill>
-                            <a:srgbClr val="000000"/>
-                          </a:solidFill>
-                          <a:effectLst/>
-                          <a:latin typeface="Calibri" panose="020F0502020204030204" pitchFamily="34" charset="0"/>
-                        </a:rPr>
-                        <a:t>Unitarias</a:t>
-                      </a:r>
-                    </a:p>
-                  </a:txBody>
-                  <a:tcPr marL="9525" marR="9525" marT="9525" marB="0" anchor="ctr">
-                    <a:lnL w="6350" cap="flat" cmpd="sng" algn="ctr">
-                      <a:solidFill>
-                        <a:srgbClr val="000000"/>
-                      </a:solidFill>
-                      <a:prstDash val="solid"/>
-                      <a:round/>
-                      <a:headEnd type="none" w="med" len="med"/>
-                      <a:tailEnd type="none" w="med" len="med"/>
-                    </a:lnL>
-                    <a:lnR w="6350" cap="flat" cmpd="sng" algn="ctr">
-                      <a:solidFill>
-                        <a:srgbClr val="000000"/>
-                      </a:solidFill>
-                      <a:prstDash val="solid"/>
-                      <a:round/>
-                      <a:headEnd type="none" w="med" len="med"/>
-                      <a:tailEnd type="none" w="med" len="med"/>
-                    </a:lnR>
-                    <a:lnT w="6350" cap="flat" cmpd="sng" algn="ctr">
-                      <a:solidFill>
-                        <a:srgbClr val="000000"/>
-                      </a:solidFill>
-                      <a:prstDash val="solid"/>
-                      <a:round/>
-                      <a:headEnd type="none" w="med" len="med"/>
-                      <a:tailEnd type="none" w="med" len="med"/>
-                    </a:lnT>
-                    <a:lnB w="6350" cap="flat" cmpd="sng" algn="ctr">
-                      <a:solidFill>
-                        <a:srgbClr val="000000"/>
-                      </a:solidFill>
-                      <a:prstDash val="solid"/>
-                      <a:round/>
-                      <a:headEnd type="none" w="med" len="med"/>
-                      <a:tailEnd type="none" w="med" len="med"/>
-                    </a:lnB>
-                  </a:tcPr>
-                </a:tc>
-                <a:tc>
-                  <a:txBody>
-                    <a:bodyPr/>
-                    <a:lstStyle/>
-                    <a:p>
-                      <a:pPr algn="ctr" fontAlgn="ctr"/>
-                      <a:r>
-                        <a:rPr lang="es-AR" sz="1100" b="0" i="0" u="none" strike="noStrike" dirty="0">
-                          <a:solidFill>
-                            <a:srgbClr val="000000"/>
-                          </a:solidFill>
-                          <a:effectLst/>
-                          <a:latin typeface="Calibri" panose="020F0502020204030204" pitchFamily="34" charset="0"/>
-                        </a:rPr>
-                        <a:t>Comprobar el correcto funcionamiento de una unidad de </a:t>
-                      </a:r>
-                      <a:r>
-                        <a:rPr lang="es-AR" sz="1100" b="0" i="0" u="none" strike="noStrike" dirty="0" smtClean="0">
-                          <a:solidFill>
-                            <a:srgbClr val="000000"/>
-                          </a:solidFill>
-                          <a:effectLst/>
-                          <a:latin typeface="Calibri" panose="020F0502020204030204" pitchFamily="34" charset="0"/>
-                        </a:rPr>
-                        <a:t>código</a:t>
-                      </a:r>
-                      <a:endParaRPr lang="es-AR" sz="1100" b="0" i="0" u="none" strike="noStrike" dirty="0">
-                        <a:solidFill>
-                          <a:srgbClr val="000000"/>
-                        </a:solidFill>
-                        <a:effectLst/>
-                        <a:latin typeface="Calibri" panose="020F0502020204030204" pitchFamily="34" charset="0"/>
-                      </a:endParaRPr>
-                    </a:p>
-                  </a:txBody>
-                  <a:tcPr marL="9525" marR="9525" marT="9525" marB="0" anchor="ctr">
-                    <a:lnL w="6350" cap="flat" cmpd="sng" algn="ctr">
-                      <a:solidFill>
-                        <a:srgbClr val="000000"/>
-                      </a:solidFill>
-                      <a:prstDash val="solid"/>
-                      <a:round/>
-                      <a:headEnd type="none" w="med" len="med"/>
-                      <a:tailEnd type="none" w="med" len="med"/>
-                    </a:lnL>
-                    <a:lnR w="6350" cap="flat" cmpd="sng" algn="ctr">
-                      <a:solidFill>
-                        <a:srgbClr val="000000"/>
-                      </a:solidFill>
-                      <a:prstDash val="solid"/>
-                      <a:round/>
-                      <a:headEnd type="none" w="med" len="med"/>
-                      <a:tailEnd type="none" w="med" len="med"/>
-                    </a:lnR>
-                    <a:lnT w="6350" cap="flat" cmpd="sng" algn="ctr">
-                      <a:solidFill>
-                        <a:srgbClr val="000000"/>
-                      </a:solidFill>
-                      <a:prstDash val="solid"/>
-                      <a:round/>
-                      <a:headEnd type="none" w="med" len="med"/>
-                      <a:tailEnd type="none" w="med" len="med"/>
-                    </a:lnT>
-                    <a:lnB w="6350" cap="flat" cmpd="sng" algn="ctr">
-                      <a:solidFill>
-                        <a:srgbClr val="000000"/>
-                      </a:solidFill>
-                      <a:prstDash val="solid"/>
-                      <a:round/>
-                      <a:headEnd type="none" w="med" len="med"/>
-                      <a:tailEnd type="none" w="med" len="med"/>
-                    </a:lnB>
-                  </a:tcPr>
-                </a:tc>
-                <a:tc>
-                  <a:txBody>
-                    <a:bodyPr/>
-                    <a:lstStyle/>
-                    <a:p>
-                      <a:pPr algn="l" fontAlgn="ctr"/>
-                      <a:r>
-                        <a:rPr lang="es-AR" sz="1100" b="0" i="0" u="none" strike="noStrike" dirty="0">
-                          <a:solidFill>
-                            <a:srgbClr val="000000"/>
-                          </a:solidFill>
-                          <a:effectLst/>
-                          <a:latin typeface="Calibri" panose="020F0502020204030204" pitchFamily="34" charset="0"/>
-                        </a:rPr>
-                        <a:t>*Los datos almacenados en la base de datos deben estar correctamente cargados.                                                     *El archivo debe contener las siguientes características (valido, no vacío, columnas no vacías y en el orden definido, datos  de tipo correctos y no duplicados).                                         *Los errores y advertencias  deben ser comunicados al usuario. </a:t>
-                      </a:r>
-                    </a:p>
-                  </a:txBody>
-                  <a:tcPr marL="9525" marR="9525" marT="9525" marB="0" anchor="ctr">
-                    <a:lnL w="6350" cap="flat" cmpd="sng" algn="ctr">
-                      <a:solidFill>
-                        <a:srgbClr val="000000"/>
-                      </a:solidFill>
-                      <a:prstDash val="solid"/>
-                      <a:round/>
-                      <a:headEnd type="none" w="med" len="med"/>
-                      <a:tailEnd type="none" w="med" len="med"/>
-                    </a:lnL>
-                    <a:lnR w="6350" cap="flat" cmpd="sng" algn="ctr">
-                      <a:solidFill>
-                        <a:srgbClr val="000000"/>
-                      </a:solidFill>
-                      <a:prstDash val="solid"/>
-                      <a:round/>
-                      <a:headEnd type="none" w="med" len="med"/>
-                      <a:tailEnd type="none" w="med" len="med"/>
-                    </a:lnR>
-                    <a:lnT w="6350" cap="flat" cmpd="sng" algn="ctr">
-                      <a:solidFill>
-                        <a:srgbClr val="000000"/>
-                      </a:solidFill>
-                      <a:prstDash val="solid"/>
-                      <a:round/>
-                      <a:headEnd type="none" w="med" len="med"/>
-                      <a:tailEnd type="none" w="med" len="med"/>
-                    </a:lnT>
-                    <a:lnB w="6350" cap="flat" cmpd="sng" algn="ctr">
-                      <a:solidFill>
-                        <a:srgbClr val="000000"/>
-                      </a:solidFill>
-                      <a:prstDash val="solid"/>
-                      <a:round/>
-                      <a:headEnd type="none" w="med" len="med"/>
-                      <a:tailEnd type="none" w="med" len="med"/>
-                    </a:lnB>
-                  </a:tcPr>
-                </a:tc>
-              </a:tr>
-              <a:tr h="981534">
-                <a:tc>
-                  <a:txBody>
-                    <a:bodyPr/>
-                    <a:lstStyle/>
-                    <a:p>
-                      <a:pPr algn="ctr" fontAlgn="ctr"/>
-                      <a:r>
-                        <a:rPr lang="es-AR" sz="1100" b="0" i="0" u="none" strike="noStrike">
-                          <a:solidFill>
-                            <a:srgbClr val="000000"/>
-                          </a:solidFill>
-                          <a:effectLst/>
-                          <a:latin typeface="Calibri" panose="020F0502020204030204" pitchFamily="34" charset="0"/>
-                        </a:rPr>
-                        <a:t>Integración</a:t>
-                      </a:r>
-                    </a:p>
-                  </a:txBody>
-                  <a:tcPr marL="9525" marR="9525" marT="9525" marB="0" anchor="ctr">
-                    <a:lnL w="6350" cap="flat" cmpd="sng" algn="ctr">
-                      <a:solidFill>
-                        <a:srgbClr val="000000"/>
-                      </a:solidFill>
-                      <a:prstDash val="solid"/>
-                      <a:round/>
-                      <a:headEnd type="none" w="med" len="med"/>
-                      <a:tailEnd type="none" w="med" len="med"/>
-                    </a:lnL>
-                    <a:lnR w="6350" cap="flat" cmpd="sng" algn="ctr">
-                      <a:solidFill>
-                        <a:srgbClr val="000000"/>
-                      </a:solidFill>
-                      <a:prstDash val="solid"/>
-                      <a:round/>
-                      <a:headEnd type="none" w="med" len="med"/>
-                      <a:tailEnd type="none" w="med" len="med"/>
-                    </a:lnR>
-                    <a:lnT w="6350" cap="flat" cmpd="sng" algn="ctr">
-                      <a:solidFill>
-                        <a:srgbClr val="000000"/>
-                      </a:solidFill>
-                      <a:prstDash val="solid"/>
-                      <a:round/>
-                      <a:headEnd type="none" w="med" len="med"/>
-                      <a:tailEnd type="none" w="med" len="med"/>
-                    </a:lnT>
-                    <a:lnB w="6350" cap="flat" cmpd="sng" algn="ctr">
-                      <a:solidFill>
-                        <a:srgbClr val="000000"/>
-                      </a:solidFill>
-                      <a:prstDash val="solid"/>
-                      <a:round/>
-                      <a:headEnd type="none" w="med" len="med"/>
-                      <a:tailEnd type="none" w="med" len="med"/>
-                    </a:lnB>
-                  </a:tcPr>
-                </a:tc>
-                <a:tc>
-                  <a:txBody>
-                    <a:bodyPr/>
-                    <a:lstStyle/>
-                    <a:p>
-                      <a:pPr algn="l" fontAlgn="ctr"/>
-                      <a:r>
-                        <a:rPr lang="es-AR" sz="1100" b="0" i="0" u="none" strike="noStrike" dirty="0">
-                          <a:solidFill>
-                            <a:srgbClr val="000000"/>
-                          </a:solidFill>
-                          <a:effectLst/>
-                          <a:latin typeface="Calibri" panose="020F0502020204030204" pitchFamily="34" charset="0"/>
-                        </a:rPr>
-                        <a:t>Comprobar el correcto funcionamiento de varios módulos en forma conjunta, con el fin de verificar las interfaces entre ellos.</a:t>
-                      </a:r>
-                    </a:p>
-                  </a:txBody>
-                  <a:tcPr marL="9525" marR="9525" marT="9525" marB="0" anchor="ctr">
-                    <a:lnL w="6350" cap="flat" cmpd="sng" algn="ctr">
-                      <a:solidFill>
-                        <a:srgbClr val="000000"/>
-                      </a:solidFill>
-                      <a:prstDash val="solid"/>
-                      <a:round/>
-                      <a:headEnd type="none" w="med" len="med"/>
-                      <a:tailEnd type="none" w="med" len="med"/>
-                    </a:lnL>
-                    <a:lnR w="6350" cap="flat" cmpd="sng" algn="ctr">
-                      <a:solidFill>
-                        <a:srgbClr val="000000"/>
-                      </a:solidFill>
-                      <a:prstDash val="solid"/>
-                      <a:round/>
-                      <a:headEnd type="none" w="med" len="med"/>
-                      <a:tailEnd type="none" w="med" len="med"/>
-                    </a:lnR>
-                    <a:lnT w="6350" cap="flat" cmpd="sng" algn="ctr">
-                      <a:solidFill>
-                        <a:srgbClr val="000000"/>
-                      </a:solidFill>
-                      <a:prstDash val="solid"/>
-                      <a:round/>
-                      <a:headEnd type="none" w="med" len="med"/>
-                      <a:tailEnd type="none" w="med" len="med"/>
-                    </a:lnT>
-                    <a:lnB w="6350" cap="flat" cmpd="sng" algn="ctr">
-                      <a:solidFill>
-                        <a:srgbClr val="000000"/>
-                      </a:solidFill>
-                      <a:prstDash val="solid"/>
-                      <a:round/>
-                      <a:headEnd type="none" w="med" len="med"/>
-                      <a:tailEnd type="none" w="med" len="med"/>
-                    </a:lnB>
-                  </a:tcPr>
-                </a:tc>
-                <a:tc>
-                  <a:txBody>
-                    <a:bodyPr/>
-                    <a:lstStyle/>
-                    <a:p>
-                      <a:pPr algn="l" fontAlgn="ctr"/>
-                      <a:r>
-                        <a:rPr lang="es-AR" sz="1100" b="0" i="0" u="none" strike="noStrike">
-                          <a:solidFill>
-                            <a:srgbClr val="000000"/>
-                          </a:solidFill>
-                          <a:effectLst/>
-                          <a:latin typeface="Calibri" panose="020F0502020204030204" pitchFamily="34" charset="0"/>
-                        </a:rPr>
-                        <a:t>Correcta comunicación entre los distintos componentes. Como se encuentra en los diagramas de secuencia. </a:t>
-                      </a:r>
-                    </a:p>
-                  </a:txBody>
-                  <a:tcPr marL="9525" marR="9525" marT="9525" marB="0" anchor="ctr">
-                    <a:lnL w="6350" cap="flat" cmpd="sng" algn="ctr">
-                      <a:solidFill>
-                        <a:srgbClr val="000000"/>
-                      </a:solidFill>
-                      <a:prstDash val="solid"/>
-                      <a:round/>
-                      <a:headEnd type="none" w="med" len="med"/>
-                      <a:tailEnd type="none" w="med" len="med"/>
-                    </a:lnL>
-                    <a:lnR w="6350" cap="flat" cmpd="sng" algn="ctr">
-                      <a:solidFill>
-                        <a:srgbClr val="000000"/>
-                      </a:solidFill>
-                      <a:prstDash val="solid"/>
-                      <a:round/>
-                      <a:headEnd type="none" w="med" len="med"/>
-                      <a:tailEnd type="none" w="med" len="med"/>
-                    </a:lnR>
-                    <a:lnT w="6350" cap="flat" cmpd="sng" algn="ctr">
-                      <a:solidFill>
-                        <a:srgbClr val="000000"/>
-                      </a:solidFill>
-                      <a:prstDash val="solid"/>
-                      <a:round/>
-                      <a:headEnd type="none" w="med" len="med"/>
-                      <a:tailEnd type="none" w="med" len="med"/>
-                    </a:lnT>
-                    <a:lnB w="6350" cap="flat" cmpd="sng" algn="ctr">
-                      <a:solidFill>
-                        <a:srgbClr val="000000"/>
-                      </a:solidFill>
-                      <a:prstDash val="solid"/>
-                      <a:round/>
-                      <a:headEnd type="none" w="med" len="med"/>
-                      <a:tailEnd type="none" w="med" len="med"/>
-                    </a:lnB>
-                  </a:tcPr>
-                </a:tc>
-              </a:tr>
-              <a:tr h="1145123">
-                <a:tc>
-                  <a:txBody>
-                    <a:bodyPr/>
-                    <a:lstStyle/>
-                    <a:p>
-                      <a:pPr algn="ctr" fontAlgn="ctr"/>
-                      <a:r>
-                        <a:rPr lang="es-AR" sz="1100" b="0" i="0" u="none" strike="noStrike">
-                          <a:solidFill>
-                            <a:srgbClr val="000000"/>
-                          </a:solidFill>
-                          <a:effectLst/>
-                          <a:latin typeface="Calibri" panose="020F0502020204030204" pitchFamily="34" charset="0"/>
-                        </a:rPr>
-                        <a:t>Funcionamiento</a:t>
-                      </a:r>
-                    </a:p>
-                  </a:txBody>
-                  <a:tcPr marL="9525" marR="9525" marT="9525" marB="0" anchor="ctr">
-                    <a:lnL w="6350" cap="flat" cmpd="sng" algn="ctr">
-                      <a:solidFill>
-                        <a:srgbClr val="000000"/>
-                      </a:solidFill>
-                      <a:prstDash val="solid"/>
-                      <a:round/>
-                      <a:headEnd type="none" w="med" len="med"/>
-                      <a:tailEnd type="none" w="med" len="med"/>
-                    </a:lnL>
-                    <a:lnR w="6350" cap="flat" cmpd="sng" algn="ctr">
-                      <a:solidFill>
-                        <a:srgbClr val="000000"/>
-                      </a:solidFill>
-                      <a:prstDash val="solid"/>
-                      <a:round/>
-                      <a:headEnd type="none" w="med" len="med"/>
-                      <a:tailEnd type="none" w="med" len="med"/>
-                    </a:lnR>
-                    <a:lnT w="6350" cap="flat" cmpd="sng" algn="ctr">
-                      <a:solidFill>
-                        <a:srgbClr val="000000"/>
-                      </a:solidFill>
-                      <a:prstDash val="solid"/>
-                      <a:round/>
-                      <a:headEnd type="none" w="med" len="med"/>
-                      <a:tailEnd type="none" w="med" len="med"/>
-                    </a:lnT>
-                    <a:lnB w="6350" cap="flat" cmpd="sng" algn="ctr">
-                      <a:solidFill>
-                        <a:srgbClr val="000000"/>
-                      </a:solidFill>
-                      <a:prstDash val="solid"/>
-                      <a:round/>
-                      <a:headEnd type="none" w="med" len="med"/>
-                      <a:tailEnd type="none" w="med" len="med"/>
-                    </a:lnB>
-                  </a:tcPr>
-                </a:tc>
-                <a:tc>
-                  <a:txBody>
-                    <a:bodyPr/>
-                    <a:lstStyle/>
-                    <a:p>
-                      <a:pPr algn="l" fontAlgn="ctr"/>
-                      <a:r>
-                        <a:rPr lang="es-AR" sz="1100" b="0" i="0" u="none" strike="noStrike">
-                          <a:solidFill>
-                            <a:srgbClr val="000000"/>
-                          </a:solidFill>
-                          <a:effectLst/>
-                          <a:latin typeface="Calibri" panose="020F0502020204030204" pitchFamily="34" charset="0"/>
-                        </a:rPr>
-                        <a:t>Probar es que el programa realice las funciones especificadas por el cliente en el documento de especificación de requerimiento.</a:t>
-                      </a:r>
-                    </a:p>
-                  </a:txBody>
-                  <a:tcPr marL="9525" marR="9525" marT="9525" marB="0" anchor="ctr">
-                    <a:lnL w="6350" cap="flat" cmpd="sng" algn="ctr">
-                      <a:solidFill>
-                        <a:srgbClr val="000000"/>
-                      </a:solidFill>
-                      <a:prstDash val="solid"/>
-                      <a:round/>
-                      <a:headEnd type="none" w="med" len="med"/>
-                      <a:tailEnd type="none" w="med" len="med"/>
-                    </a:lnL>
-                    <a:lnR w="6350" cap="flat" cmpd="sng" algn="ctr">
-                      <a:solidFill>
-                        <a:srgbClr val="000000"/>
-                      </a:solidFill>
-                      <a:prstDash val="solid"/>
-                      <a:round/>
-                      <a:headEnd type="none" w="med" len="med"/>
-                      <a:tailEnd type="none" w="med" len="med"/>
-                    </a:lnR>
-                    <a:lnT w="6350" cap="flat" cmpd="sng" algn="ctr">
-                      <a:solidFill>
-                        <a:srgbClr val="000000"/>
-                      </a:solidFill>
-                      <a:prstDash val="solid"/>
-                      <a:round/>
-                      <a:headEnd type="none" w="med" len="med"/>
-                      <a:tailEnd type="none" w="med" len="med"/>
-                    </a:lnT>
-                    <a:lnB w="6350" cap="flat" cmpd="sng" algn="ctr">
-                      <a:solidFill>
-                        <a:srgbClr val="000000"/>
-                      </a:solidFill>
-                      <a:prstDash val="solid"/>
-                      <a:round/>
-                      <a:headEnd type="none" w="med" len="med"/>
-                      <a:tailEnd type="none" w="med" len="med"/>
-                    </a:lnB>
-                  </a:tcPr>
-                </a:tc>
-                <a:tc>
-                  <a:txBody>
-                    <a:bodyPr/>
-                    <a:lstStyle/>
-                    <a:p>
-                      <a:pPr algn="l" fontAlgn="ctr"/>
-                      <a:r>
-                        <a:rPr lang="es-AR" sz="1100" b="0" i="0" u="none" strike="noStrike" dirty="0">
-                          <a:solidFill>
-                            <a:srgbClr val="000000"/>
-                          </a:solidFill>
-                          <a:effectLst/>
-                          <a:latin typeface="Calibri" panose="020F0502020204030204" pitchFamily="34" charset="0"/>
-                        </a:rPr>
-                        <a:t>No deben existir faltas ortográficas y debe existir concordancia en los términos. Los botones funcionarán adecuadamente si cada uno cumple con el propósito establecido en el diseño.</a:t>
-                      </a:r>
-                    </a:p>
-                  </a:txBody>
-                  <a:tcPr marL="9525" marR="9525" marT="9525" marB="0" anchor="ctr">
-                    <a:lnL w="6350" cap="flat" cmpd="sng" algn="ctr">
-                      <a:solidFill>
-                        <a:srgbClr val="000000"/>
-                      </a:solidFill>
-                      <a:prstDash val="solid"/>
-                      <a:round/>
-                      <a:headEnd type="none" w="med" len="med"/>
-                      <a:tailEnd type="none" w="med" len="med"/>
-                    </a:lnL>
-                    <a:lnR w="6350" cap="flat" cmpd="sng" algn="ctr">
-                      <a:solidFill>
-                        <a:srgbClr val="000000"/>
-                      </a:solidFill>
-                      <a:prstDash val="solid"/>
-                      <a:round/>
-                      <a:headEnd type="none" w="med" len="med"/>
-                      <a:tailEnd type="none" w="med" len="med"/>
-                    </a:lnR>
-                    <a:lnT w="6350" cap="flat" cmpd="sng" algn="ctr">
-                      <a:solidFill>
-                        <a:srgbClr val="000000"/>
-                      </a:solidFill>
-                      <a:prstDash val="solid"/>
-                      <a:round/>
-                      <a:headEnd type="none" w="med" len="med"/>
-                      <a:tailEnd type="none" w="med" len="med"/>
-                    </a:lnT>
-                    <a:lnB w="6350" cap="flat" cmpd="sng" algn="ctr">
-                      <a:solidFill>
-                        <a:srgbClr val="000000"/>
-                      </a:solidFill>
-                      <a:prstDash val="solid"/>
-                      <a:round/>
-                      <a:headEnd type="none" w="med" len="med"/>
-                      <a:tailEnd type="none" w="med" len="med"/>
-                    </a:lnB>
-                  </a:tcPr>
-                </a:tc>
-              </a:tr>
-            </a:tbl>
-          </a:graphicData>
-        </a:graphic>
-      </p:graphicFrame>
-    </p:spTree>
-  </p:cSld>
-  <p:clrMapOvr>
-    <a:masterClrMapping/>
-  </p:clrMapOvr>
-  <p:timing>
-    <p:tnLst>
-      <p:par>
-        <p:cTn id="1" dur="indefinite" restart="never" nodeType="tmRoot"/>
-      </p:par>
-    </p:tnLst>
-  </p:timing>
-</p:sld>
-</file>
-
-<file path=ppt/slides/slide15.xml><?xml version="1.0" encoding="utf-8"?>
-<p:sld xmlns:a="http://schemas.openxmlformats.org/drawingml/2006/main" xmlns:r="http://schemas.openxmlformats.org/officeDocument/2006/relationships" xmlns:p="http://schemas.openxmlformats.org/presentationml/2006/main">
-  <p:cSld>
-    <p:spTree>
-      <p:nvGrpSpPr>
-        <p:cNvPr id="1" name=""/>
-        <p:cNvGrpSpPr/>
-        <p:nvPr/>
-      </p:nvGrpSpPr>
-      <p:grpSpPr>
-        <a:xfrm>
-          <a:off x="0" y="0"/>
-          <a:ext cx="0" cy="0"/>
-          <a:chOff x="0" y="0"/>
-          <a:chExt cx="0" cy="0"/>
-        </a:xfrm>
-      </p:grpSpPr>
-      <p:sp>
-        <p:nvSpPr>
-          <p:cNvPr id="3" name="Título 2"/>
-          <p:cNvSpPr>
-            <a:spLocks noGrp="1"/>
-          </p:cNvSpPr>
-          <p:nvPr>
-            <p:ph type="title"/>
-          </p:nvPr>
-        </p:nvSpPr>
-        <p:spPr/>
-        <p:txBody>
-          <a:bodyPr/>
-          <a:lstStyle/>
-          <a:p>
-            <a:r>
-              <a:rPr lang="es-AR" dirty="0" smtClean="0"/>
-              <a:t>Plan de Prueba</a:t>
-            </a:r>
-            <a:endParaRPr lang="es-AR" dirty="0"/>
-          </a:p>
-        </p:txBody>
-      </p:sp>
-      <p:sp>
-        <p:nvSpPr>
-          <p:cNvPr id="4" name="Marcador de pie de página 3"/>
-          <p:cNvSpPr>
-            <a:spLocks noGrp="1"/>
-          </p:cNvSpPr>
-          <p:nvPr>
-            <p:ph type="ftr" sz="quarter" idx="11"/>
-          </p:nvPr>
-        </p:nvSpPr>
-        <p:spPr/>
-        <p:txBody>
-          <a:bodyPr/>
-          <a:lstStyle/>
-          <a:p>
-            <a:r>
-              <a:rPr lang="es-AR" smtClean="0"/>
-              <a:t>OYARZO Mariela – QUIROGA Sandra – MÁRQUEZ EMANUEL</a:t>
-            </a:r>
-            <a:endParaRPr lang="es-AR" dirty="0"/>
-          </a:p>
-        </p:txBody>
-      </p:sp>
-      <p:sp>
-        <p:nvSpPr>
-          <p:cNvPr id="5" name="Marcador de número de diapositiva 4"/>
-          <p:cNvSpPr>
-            <a:spLocks noGrp="1"/>
-          </p:cNvSpPr>
-          <p:nvPr>
-            <p:ph type="sldNum" sz="quarter" idx="12"/>
-          </p:nvPr>
-        </p:nvSpPr>
-        <p:spPr/>
-        <p:txBody>
-          <a:bodyPr/>
-          <a:lstStyle/>
-          <a:p>
-            <a:fld id="{779E3280-5C43-43EF-BE7D-8C553A58A779}" type="slidenum">
-              <a:rPr lang="es-AR" smtClean="0"/>
-              <a:pPr/>
-              <a:t>15</a:t>
-            </a:fld>
-            <a:endParaRPr lang="es-AR" dirty="0"/>
-          </a:p>
-        </p:txBody>
-      </p:sp>
-      <p:graphicFrame>
-        <p:nvGraphicFramePr>
-          <p:cNvPr id="8" name="Marcador de contenido 7"/>
-          <p:cNvGraphicFramePr>
-            <a:graphicFrameLocks noGrp="1"/>
-          </p:cNvGraphicFramePr>
-          <p:nvPr>
-            <p:ph idx="1"/>
-          </p:nvPr>
-        </p:nvGraphicFramePr>
-        <p:xfrm>
-          <a:off x="2152357" y="2067951"/>
-          <a:ext cx="7821637" cy="3245427"/>
-        </p:xfrm>
-        <a:graphic>
-          <a:graphicData uri="http://schemas.openxmlformats.org/drawingml/2006/table">
-            <a:tbl>
-              <a:tblPr/>
-              <a:tblGrid>
-                <a:gridCol w="1778470"/>
-                <a:gridCol w="2867329"/>
-                <a:gridCol w="3175838"/>
-              </a:tblGrid>
-              <a:tr h="187605">
-                <a:tc>
-                  <a:txBody>
-                    <a:bodyPr/>
-                    <a:lstStyle/>
-                    <a:p>
-                      <a:pPr algn="ctr" fontAlgn="b"/>
-                      <a:r>
-                        <a:rPr lang="es-AR" sz="1100" b="1" i="0" u="none" strike="noStrike" dirty="0">
-                          <a:solidFill>
-                            <a:srgbClr val="000000"/>
-                          </a:solidFill>
-                          <a:effectLst/>
-                          <a:latin typeface="Calibri" panose="020F0502020204030204" pitchFamily="34" charset="0"/>
-                        </a:rPr>
-                        <a:t>PRUEBAS</a:t>
-                      </a:r>
-                    </a:p>
-                  </a:txBody>
-                  <a:tcPr marL="9525" marR="9525" marT="9525" marB="0" anchor="b">
-                    <a:lnL w="6350" cap="flat" cmpd="sng" algn="ctr">
-                      <a:solidFill>
-                        <a:srgbClr val="000000"/>
-                      </a:solidFill>
-                      <a:prstDash val="solid"/>
-                      <a:round/>
-                      <a:headEnd type="none" w="med" len="med"/>
-                      <a:tailEnd type="none" w="med" len="med"/>
-                    </a:lnL>
-                    <a:lnR w="6350" cap="flat" cmpd="sng" algn="ctr">
-                      <a:solidFill>
-                        <a:srgbClr val="000000"/>
-                      </a:solidFill>
-                      <a:prstDash val="solid"/>
-                      <a:round/>
-                      <a:headEnd type="none" w="med" len="med"/>
-                      <a:tailEnd type="none" w="med" len="med"/>
-                    </a:lnR>
-                    <a:lnT w="6350" cap="flat" cmpd="sng" algn="ctr">
-                      <a:solidFill>
-                        <a:srgbClr val="000000"/>
-                      </a:solidFill>
-                      <a:prstDash val="solid"/>
-                      <a:round/>
-                      <a:headEnd type="none" w="med" len="med"/>
-                      <a:tailEnd type="none" w="med" len="med"/>
-                    </a:lnT>
-                    <a:lnB w="6350" cap="flat" cmpd="sng" algn="ctr">
-                      <a:solidFill>
-                        <a:srgbClr val="000000"/>
-                      </a:solidFill>
-                      <a:prstDash val="solid"/>
-                      <a:round/>
-                      <a:headEnd type="none" w="med" len="med"/>
-                      <a:tailEnd type="none" w="med" len="med"/>
-                    </a:lnB>
-                    <a:solidFill>
-                      <a:srgbClr val="BDD7EE"/>
-                    </a:solidFill>
-                  </a:tcPr>
-                </a:tc>
-                <a:tc>
-                  <a:txBody>
-                    <a:bodyPr/>
-                    <a:lstStyle/>
-                    <a:p>
-                      <a:pPr algn="ctr" fontAlgn="b"/>
-                      <a:r>
-                        <a:rPr lang="es-AR" sz="1100" b="1" i="0" u="none" strike="noStrike" dirty="0">
-                          <a:solidFill>
-                            <a:srgbClr val="000000"/>
-                          </a:solidFill>
-                          <a:effectLst/>
-                          <a:latin typeface="Calibri" panose="020F0502020204030204" pitchFamily="34" charset="0"/>
-                        </a:rPr>
-                        <a:t>DESCRIPCIÓN</a:t>
-                      </a:r>
-                    </a:p>
-                  </a:txBody>
-                  <a:tcPr marL="9525" marR="9525" marT="9525" marB="0" anchor="b">
-                    <a:lnL w="6350" cap="flat" cmpd="sng" algn="ctr">
-                      <a:solidFill>
-                        <a:srgbClr val="000000"/>
-                      </a:solidFill>
-                      <a:prstDash val="solid"/>
-                      <a:round/>
-                      <a:headEnd type="none" w="med" len="med"/>
-                      <a:tailEnd type="none" w="med" len="med"/>
-                    </a:lnL>
-                    <a:lnR w="6350" cap="flat" cmpd="sng" algn="ctr">
-                      <a:solidFill>
-                        <a:srgbClr val="000000"/>
-                      </a:solidFill>
-                      <a:prstDash val="solid"/>
-                      <a:round/>
-                      <a:headEnd type="none" w="med" len="med"/>
-                      <a:tailEnd type="none" w="med" len="med"/>
-                    </a:lnR>
-                    <a:lnT w="6350" cap="flat" cmpd="sng" algn="ctr">
-                      <a:solidFill>
-                        <a:srgbClr val="000000"/>
-                      </a:solidFill>
-                      <a:prstDash val="solid"/>
-                      <a:round/>
-                      <a:headEnd type="none" w="med" len="med"/>
-                      <a:tailEnd type="none" w="med" len="med"/>
-                    </a:lnT>
-                    <a:lnB w="6350" cap="flat" cmpd="sng" algn="ctr">
-                      <a:solidFill>
-                        <a:srgbClr val="000000"/>
-                      </a:solidFill>
-                      <a:prstDash val="solid"/>
-                      <a:round/>
-                      <a:headEnd type="none" w="med" len="med"/>
-                      <a:tailEnd type="none" w="med" len="med"/>
-                    </a:lnB>
-                    <a:solidFill>
-                      <a:srgbClr val="BDD7EE"/>
-                    </a:solidFill>
-                  </a:tcPr>
-                </a:tc>
-                <a:tc>
-                  <a:txBody>
-                    <a:bodyPr/>
-                    <a:lstStyle/>
-                    <a:p>
-                      <a:pPr algn="ctr" fontAlgn="b"/>
-                      <a:r>
-                        <a:rPr lang="es-AR" sz="1100" b="1" i="0" u="none" strike="noStrike">
-                          <a:solidFill>
-                            <a:srgbClr val="000000"/>
-                          </a:solidFill>
-                          <a:effectLst/>
-                          <a:latin typeface="Calibri" panose="020F0502020204030204" pitchFamily="34" charset="0"/>
-                        </a:rPr>
-                        <a:t>CONSIDERACIONES</a:t>
-                      </a:r>
-                    </a:p>
-                  </a:txBody>
-                  <a:tcPr marL="9525" marR="9525" marT="9525" marB="0" anchor="b">
-                    <a:lnL w="6350" cap="flat" cmpd="sng" algn="ctr">
-                      <a:solidFill>
-                        <a:srgbClr val="000000"/>
-                      </a:solidFill>
-                      <a:prstDash val="solid"/>
-                      <a:round/>
-                      <a:headEnd type="none" w="med" len="med"/>
-                      <a:tailEnd type="none" w="med" len="med"/>
-                    </a:lnL>
-                    <a:lnR w="6350" cap="flat" cmpd="sng" algn="ctr">
-                      <a:solidFill>
-                        <a:srgbClr val="000000"/>
-                      </a:solidFill>
-                      <a:prstDash val="solid"/>
-                      <a:round/>
-                      <a:headEnd type="none" w="med" len="med"/>
-                      <a:tailEnd type="none" w="med" len="med"/>
-                    </a:lnR>
-                    <a:lnT w="6350" cap="flat" cmpd="sng" algn="ctr">
-                      <a:solidFill>
-                        <a:srgbClr val="000000"/>
-                      </a:solidFill>
-                      <a:prstDash val="solid"/>
-                      <a:round/>
-                      <a:headEnd type="none" w="med" len="med"/>
-                      <a:tailEnd type="none" w="med" len="med"/>
-                    </a:lnT>
-                    <a:lnB w="6350" cap="flat" cmpd="sng" algn="ctr">
-                      <a:solidFill>
-                        <a:srgbClr val="000000"/>
-                      </a:solidFill>
-                      <a:prstDash val="solid"/>
-                      <a:round/>
-                      <a:headEnd type="none" w="med" len="med"/>
-                      <a:tailEnd type="none" w="med" len="med"/>
-                    </a:lnB>
-                    <a:solidFill>
-                      <a:srgbClr val="BDD7EE"/>
-                    </a:solidFill>
-                  </a:tcPr>
-                </a:tc>
-              </a:tr>
-              <a:tr h="1252714">
-                <a:tc>
-                  <a:txBody>
-                    <a:bodyPr/>
-                    <a:lstStyle/>
-                    <a:p>
-                      <a:pPr algn="ctr" fontAlgn="ctr"/>
-                      <a:r>
-                        <a:rPr lang="es-AR" sz="1100" b="0" i="0" u="none" strike="noStrike" dirty="0">
-                          <a:solidFill>
-                            <a:srgbClr val="000000"/>
-                          </a:solidFill>
-                          <a:effectLst/>
-                          <a:latin typeface="Calibri" panose="020F0502020204030204" pitchFamily="34" charset="0"/>
-                        </a:rPr>
-                        <a:t>Sistema</a:t>
-                      </a:r>
-                    </a:p>
-                  </a:txBody>
-                  <a:tcPr marL="9525" marR="9525" marT="9525" marB="0" anchor="ctr">
-                    <a:lnL w="6350" cap="flat" cmpd="sng" algn="ctr">
-                      <a:solidFill>
-                        <a:srgbClr val="000000"/>
-                      </a:solidFill>
-                      <a:prstDash val="solid"/>
-                      <a:round/>
-                      <a:headEnd type="none" w="med" len="med"/>
-                      <a:tailEnd type="none" w="med" len="med"/>
-                    </a:lnL>
-                    <a:lnR w="6350" cap="flat" cmpd="sng" algn="ctr">
-                      <a:solidFill>
-                        <a:srgbClr val="000000"/>
-                      </a:solidFill>
-                      <a:prstDash val="solid"/>
-                      <a:round/>
-                      <a:headEnd type="none" w="med" len="med"/>
-                      <a:tailEnd type="none" w="med" len="med"/>
-                    </a:lnR>
-                    <a:lnT w="6350" cap="flat" cmpd="sng" algn="ctr">
-                      <a:solidFill>
-                        <a:srgbClr val="000000"/>
-                      </a:solidFill>
-                      <a:prstDash val="solid"/>
-                      <a:round/>
-                      <a:headEnd type="none" w="med" len="med"/>
-                      <a:tailEnd type="none" w="med" len="med"/>
-                    </a:lnT>
-                    <a:lnB w="6350" cap="flat" cmpd="sng" algn="ctr">
-                      <a:solidFill>
-                        <a:srgbClr val="000000"/>
-                      </a:solidFill>
-                      <a:prstDash val="solid"/>
-                      <a:round/>
-                      <a:headEnd type="none" w="med" len="med"/>
-                      <a:tailEnd type="none" w="med" len="med"/>
-                    </a:lnB>
-                  </a:tcPr>
-                </a:tc>
-                <a:tc>
-                  <a:txBody>
-                    <a:bodyPr/>
-                    <a:lstStyle/>
-                    <a:p>
-                      <a:pPr algn="l" fontAlgn="ctr"/>
-                      <a:r>
-                        <a:rPr lang="es-AR" sz="1100" b="0" i="0" u="none" strike="noStrike" dirty="0">
-                          <a:solidFill>
-                            <a:srgbClr val="000000"/>
-                          </a:solidFill>
-                          <a:effectLst/>
-                          <a:latin typeface="Calibri" panose="020F0502020204030204" pitchFamily="34" charset="0"/>
-                        </a:rPr>
-                        <a:t>Identificar diferencias entre el sistema y sus requerimientos originales(requerimientos funcionales y no funcionales)</a:t>
-                      </a:r>
-                    </a:p>
-                  </a:txBody>
-                  <a:tcPr marL="9525" marR="9525" marT="9525" marB="0" anchor="ctr">
-                    <a:lnL w="6350" cap="flat" cmpd="sng" algn="ctr">
-                      <a:solidFill>
-                        <a:srgbClr val="000000"/>
-                      </a:solidFill>
-                      <a:prstDash val="solid"/>
-                      <a:round/>
-                      <a:headEnd type="none" w="med" len="med"/>
-                      <a:tailEnd type="none" w="med" len="med"/>
-                    </a:lnL>
-                    <a:lnR w="6350" cap="flat" cmpd="sng" algn="ctr">
-                      <a:solidFill>
-                        <a:srgbClr val="000000"/>
-                      </a:solidFill>
-                      <a:prstDash val="solid"/>
-                      <a:round/>
-                      <a:headEnd type="none" w="med" len="med"/>
-                      <a:tailEnd type="none" w="med" len="med"/>
-                    </a:lnR>
-                    <a:lnT w="6350" cap="flat" cmpd="sng" algn="ctr">
-                      <a:solidFill>
-                        <a:srgbClr val="000000"/>
-                      </a:solidFill>
-                      <a:prstDash val="solid"/>
-                      <a:round/>
-                      <a:headEnd type="none" w="med" len="med"/>
-                      <a:tailEnd type="none" w="med" len="med"/>
-                    </a:lnT>
-                    <a:lnB w="6350" cap="flat" cmpd="sng" algn="ctr">
-                      <a:solidFill>
-                        <a:srgbClr val="000000"/>
-                      </a:solidFill>
-                      <a:prstDash val="solid"/>
-                      <a:round/>
-                      <a:headEnd type="none" w="med" len="med"/>
-                      <a:tailEnd type="none" w="med" len="med"/>
-                    </a:lnB>
-                  </a:tcPr>
-                </a:tc>
-                <a:tc>
-                  <a:txBody>
-                    <a:bodyPr/>
-                    <a:lstStyle/>
-                    <a:p>
-                      <a:pPr algn="l" fontAlgn="ctr"/>
-                      <a:r>
-                        <a:rPr lang="es-AR" sz="1100" b="1" i="1" u="sng" strike="noStrike">
-                          <a:solidFill>
-                            <a:srgbClr val="000000"/>
-                          </a:solidFill>
-                          <a:effectLst/>
-                          <a:latin typeface="Calibri" panose="020F0502020204030204" pitchFamily="34" charset="0"/>
-                        </a:rPr>
-                        <a:t>Volumen</a:t>
-                      </a:r>
-                      <a:r>
-                        <a:rPr lang="es-AR" sz="1100" b="0" i="0" u="none" strike="noStrike">
-                          <a:solidFill>
-                            <a:srgbClr val="000000"/>
-                          </a:solidFill>
-                          <a:effectLst/>
-                          <a:latin typeface="Calibri" panose="020F0502020204030204" pitchFamily="34" charset="0"/>
-                        </a:rPr>
-                        <a:t>: tiene como objetivo verificar que el sistema soporta los volúmenes máximos definidos en los requerimientos para las capacidades de procesamiento y almacenamiento previstas.                                    </a:t>
-                      </a:r>
-                      <a:r>
-                        <a:rPr lang="es-AR" sz="1100" b="1" i="1" u="sng" strike="noStrike">
-                          <a:solidFill>
-                            <a:srgbClr val="000000"/>
-                          </a:solidFill>
-                          <a:effectLst/>
-                          <a:latin typeface="Calibri" panose="020F0502020204030204" pitchFamily="34" charset="0"/>
-                        </a:rPr>
-                        <a:t>Instalación</a:t>
-                      </a:r>
-                      <a:r>
-                        <a:rPr lang="es-AR" sz="1100" b="0" i="0" u="none" strike="noStrike">
-                          <a:solidFill>
-                            <a:srgbClr val="000000"/>
-                          </a:solidFill>
-                          <a:effectLst/>
-                          <a:latin typeface="Calibri" panose="020F0502020204030204" pitchFamily="34" charset="0"/>
-                        </a:rPr>
-                        <a:t>: instalación de sistemas para las distintos sistemas operativos (Android, ios)</a:t>
-                      </a:r>
-                    </a:p>
-                  </a:txBody>
-                  <a:tcPr marL="9525" marR="9525" marT="9525" marB="0" anchor="ctr">
-                    <a:lnL w="6350" cap="flat" cmpd="sng" algn="ctr">
-                      <a:solidFill>
-                        <a:srgbClr val="000000"/>
-                      </a:solidFill>
-                      <a:prstDash val="solid"/>
-                      <a:round/>
-                      <a:headEnd type="none" w="med" len="med"/>
-                      <a:tailEnd type="none" w="med" len="med"/>
-                    </a:lnL>
-                    <a:lnR w="6350" cap="flat" cmpd="sng" algn="ctr">
-                      <a:solidFill>
-                        <a:srgbClr val="000000"/>
-                      </a:solidFill>
-                      <a:prstDash val="solid"/>
-                      <a:round/>
-                      <a:headEnd type="none" w="med" len="med"/>
-                      <a:tailEnd type="none" w="med" len="med"/>
-                    </a:lnR>
-                    <a:lnT w="6350" cap="flat" cmpd="sng" algn="ctr">
-                      <a:solidFill>
-                        <a:srgbClr val="000000"/>
-                      </a:solidFill>
-                      <a:prstDash val="solid"/>
-                      <a:round/>
-                      <a:headEnd type="none" w="med" len="med"/>
-                      <a:tailEnd type="none" w="med" len="med"/>
-                    </a:lnT>
-                    <a:lnB w="6350" cap="flat" cmpd="sng" algn="ctr">
-                      <a:solidFill>
-                        <a:srgbClr val="000000"/>
-                      </a:solidFill>
-                      <a:prstDash val="solid"/>
-                      <a:round/>
-                      <a:headEnd type="none" w="med" len="med"/>
-                      <a:tailEnd type="none" w="med" len="med"/>
-                    </a:lnB>
-                  </a:tcPr>
-                </a:tc>
-              </a:tr>
-              <a:tr h="542641">
-                <a:tc>
-                  <a:txBody>
-                    <a:bodyPr/>
-                    <a:lstStyle/>
-                    <a:p>
-                      <a:pPr algn="ctr" fontAlgn="ctr"/>
-                      <a:r>
-                        <a:rPr lang="es-AR" sz="1100" b="0" i="0" u="none" strike="noStrike">
-                          <a:solidFill>
-                            <a:srgbClr val="000000"/>
-                          </a:solidFill>
-                          <a:effectLst/>
-                          <a:latin typeface="Calibri" panose="020F0502020204030204" pitchFamily="34" charset="0"/>
-                        </a:rPr>
-                        <a:t>Aceptación</a:t>
-                      </a:r>
-                    </a:p>
-                  </a:txBody>
-                  <a:tcPr marL="9525" marR="9525" marT="9525" marB="0" anchor="ctr">
-                    <a:lnL w="6350" cap="flat" cmpd="sng" algn="ctr">
-                      <a:solidFill>
-                        <a:srgbClr val="000000"/>
-                      </a:solidFill>
-                      <a:prstDash val="solid"/>
-                      <a:round/>
-                      <a:headEnd type="none" w="med" len="med"/>
-                      <a:tailEnd type="none" w="med" len="med"/>
-                    </a:lnL>
-                    <a:lnR w="6350" cap="flat" cmpd="sng" algn="ctr">
-                      <a:solidFill>
-                        <a:srgbClr val="000000"/>
-                      </a:solidFill>
-                      <a:prstDash val="solid"/>
-                      <a:round/>
-                      <a:headEnd type="none" w="med" len="med"/>
-                      <a:tailEnd type="none" w="med" len="med"/>
-                    </a:lnR>
-                    <a:lnT w="6350" cap="flat" cmpd="sng" algn="ctr">
-                      <a:solidFill>
-                        <a:srgbClr val="000000"/>
-                      </a:solidFill>
-                      <a:prstDash val="solid"/>
-                      <a:round/>
-                      <a:headEnd type="none" w="med" len="med"/>
-                      <a:tailEnd type="none" w="med" len="med"/>
-                    </a:lnT>
-                    <a:lnB w="6350" cap="flat" cmpd="sng" algn="ctr">
-                      <a:solidFill>
-                        <a:srgbClr val="000000"/>
-                      </a:solidFill>
-                      <a:prstDash val="solid"/>
-                      <a:round/>
-                      <a:headEnd type="none" w="med" len="med"/>
-                      <a:tailEnd type="none" w="med" len="med"/>
-                    </a:lnB>
-                  </a:tcPr>
-                </a:tc>
-                <a:tc>
-                  <a:txBody>
-                    <a:bodyPr/>
-                    <a:lstStyle/>
-                    <a:p>
-                      <a:pPr algn="l" fontAlgn="ctr"/>
-                      <a:r>
-                        <a:rPr lang="es-AR" sz="1100" b="0" i="0" u="none" strike="noStrike" dirty="0">
-                          <a:solidFill>
-                            <a:srgbClr val="000000"/>
-                          </a:solidFill>
-                          <a:effectLst/>
-                          <a:latin typeface="Calibri" panose="020F0502020204030204" pitchFamily="34" charset="0"/>
-                        </a:rPr>
-                        <a:t>Verificar que el producto esté listo para su implementación y utilización, bajo criterios definidos por los usuarios.</a:t>
-                      </a:r>
-                    </a:p>
-                  </a:txBody>
-                  <a:tcPr marL="9525" marR="9525" marT="9525" marB="0" anchor="ctr">
-                    <a:lnL w="6350" cap="flat" cmpd="sng" algn="ctr">
-                      <a:solidFill>
-                        <a:srgbClr val="000000"/>
-                      </a:solidFill>
-                      <a:prstDash val="solid"/>
-                      <a:round/>
-                      <a:headEnd type="none" w="med" len="med"/>
-                      <a:tailEnd type="none" w="med" len="med"/>
-                    </a:lnL>
-                    <a:lnR w="6350" cap="flat" cmpd="sng" algn="ctr">
-                      <a:solidFill>
-                        <a:srgbClr val="000000"/>
-                      </a:solidFill>
-                      <a:prstDash val="solid"/>
-                      <a:round/>
-                      <a:headEnd type="none" w="med" len="med"/>
-                      <a:tailEnd type="none" w="med" len="med"/>
-                    </a:lnR>
-                    <a:lnT w="6350" cap="flat" cmpd="sng" algn="ctr">
-                      <a:solidFill>
-                        <a:srgbClr val="000000"/>
-                      </a:solidFill>
-                      <a:prstDash val="solid"/>
-                      <a:round/>
-                      <a:headEnd type="none" w="med" len="med"/>
-                      <a:tailEnd type="none" w="med" len="med"/>
-                    </a:lnT>
-                    <a:lnB w="6350" cap="flat" cmpd="sng" algn="ctr">
-                      <a:solidFill>
-                        <a:srgbClr val="000000"/>
-                      </a:solidFill>
-                      <a:prstDash val="solid"/>
-                      <a:round/>
-                      <a:headEnd type="none" w="med" len="med"/>
-                      <a:tailEnd type="none" w="med" len="med"/>
-                    </a:lnB>
-                  </a:tcPr>
-                </a:tc>
-                <a:tc>
-                  <a:txBody>
-                    <a:bodyPr/>
-                    <a:lstStyle/>
-                    <a:p>
-                      <a:pPr algn="l" fontAlgn="ctr"/>
-                      <a:r>
-                        <a:rPr lang="es-AR" sz="1100" b="0" i="0" u="none" strike="noStrike" dirty="0">
-                          <a:solidFill>
-                            <a:srgbClr val="000000"/>
-                          </a:solidFill>
-                          <a:effectLst/>
-                          <a:latin typeface="Calibri" panose="020F0502020204030204" pitchFamily="34" charset="0"/>
-                        </a:rPr>
-                        <a:t>El usuario confía en el sistema y se ejecutan exitosamente condiciones y casos seleccionados.</a:t>
-                      </a:r>
-                    </a:p>
-                  </a:txBody>
-                  <a:tcPr marL="9525" marR="9525" marT="9525" marB="0" anchor="ctr">
-                    <a:lnL w="6350" cap="flat" cmpd="sng" algn="ctr">
-                      <a:solidFill>
-                        <a:srgbClr val="000000"/>
-                      </a:solidFill>
-                      <a:prstDash val="solid"/>
-                      <a:round/>
-                      <a:headEnd type="none" w="med" len="med"/>
-                      <a:tailEnd type="none" w="med" len="med"/>
-                    </a:lnL>
-                    <a:lnR w="6350" cap="flat" cmpd="sng" algn="ctr">
-                      <a:solidFill>
-                        <a:srgbClr val="000000"/>
-                      </a:solidFill>
-                      <a:prstDash val="solid"/>
-                      <a:round/>
-                      <a:headEnd type="none" w="med" len="med"/>
-                      <a:tailEnd type="none" w="med" len="med"/>
-                    </a:lnR>
-                    <a:lnT w="6350" cap="flat" cmpd="sng" algn="ctr">
-                      <a:solidFill>
-                        <a:srgbClr val="000000"/>
-                      </a:solidFill>
-                      <a:prstDash val="solid"/>
-                      <a:round/>
-                      <a:headEnd type="none" w="med" len="med"/>
-                      <a:tailEnd type="none" w="med" len="med"/>
-                    </a:lnT>
-                    <a:lnB w="6350" cap="flat" cmpd="sng" algn="ctr">
-                      <a:solidFill>
-                        <a:srgbClr val="000000"/>
-                      </a:solidFill>
-                      <a:prstDash val="solid"/>
-                      <a:round/>
-                      <a:headEnd type="none" w="med" len="med"/>
-                      <a:tailEnd type="none" w="med" len="med"/>
-                    </a:lnB>
-                  </a:tcPr>
-                </a:tc>
-              </a:tr>
-              <a:tr h="1262467">
-                <a:tc>
-                  <a:txBody>
-                    <a:bodyPr/>
-                    <a:lstStyle/>
-                    <a:p>
-                      <a:pPr algn="ctr" fontAlgn="ctr"/>
-                      <a:r>
-                        <a:rPr lang="es-AR" sz="1100" b="0" i="0" u="none" strike="noStrike">
-                          <a:solidFill>
-                            <a:srgbClr val="000000"/>
-                          </a:solidFill>
-                          <a:effectLst/>
-                          <a:latin typeface="Calibri" panose="020F0502020204030204" pitchFamily="34" charset="0"/>
-                        </a:rPr>
-                        <a:t>Usabilidad</a:t>
-                      </a:r>
-                    </a:p>
-                  </a:txBody>
-                  <a:tcPr marL="9525" marR="9525" marT="9525" marB="0" anchor="ctr">
-                    <a:lnL w="6350" cap="flat" cmpd="sng" algn="ctr">
-                      <a:solidFill>
-                        <a:srgbClr val="000000"/>
-                      </a:solidFill>
-                      <a:prstDash val="solid"/>
-                      <a:round/>
-                      <a:headEnd type="none" w="med" len="med"/>
-                      <a:tailEnd type="none" w="med" len="med"/>
-                    </a:lnL>
-                    <a:lnR w="6350" cap="flat" cmpd="sng" algn="ctr">
-                      <a:solidFill>
-                        <a:srgbClr val="000000"/>
-                      </a:solidFill>
-                      <a:prstDash val="solid"/>
-                      <a:round/>
-                      <a:headEnd type="none" w="med" len="med"/>
-                      <a:tailEnd type="none" w="med" len="med"/>
-                    </a:lnR>
-                    <a:lnT w="6350" cap="flat" cmpd="sng" algn="ctr">
-                      <a:solidFill>
-                        <a:srgbClr val="000000"/>
-                      </a:solidFill>
-                      <a:prstDash val="solid"/>
-                      <a:round/>
-                      <a:headEnd type="none" w="med" len="med"/>
-                      <a:tailEnd type="none" w="med" len="med"/>
-                    </a:lnT>
-                    <a:lnB w="6350" cap="flat" cmpd="sng" algn="ctr">
-                      <a:solidFill>
-                        <a:srgbClr val="000000"/>
-                      </a:solidFill>
-                      <a:prstDash val="solid"/>
-                      <a:round/>
-                      <a:headEnd type="none" w="med" len="med"/>
-                      <a:tailEnd type="none" w="med" len="med"/>
-                    </a:lnB>
-                  </a:tcPr>
-                </a:tc>
-                <a:tc>
-                  <a:txBody>
-                    <a:bodyPr/>
-                    <a:lstStyle/>
-                    <a:p>
-                      <a:pPr algn="l" fontAlgn="ctr"/>
-                      <a:r>
-                        <a:rPr lang="es-AR" sz="1100" b="0" i="0" u="none" strike="noStrike" dirty="0">
-                          <a:solidFill>
-                            <a:srgbClr val="000000"/>
-                          </a:solidFill>
-                          <a:effectLst/>
-                          <a:latin typeface="Calibri" panose="020F0502020204030204" pitchFamily="34" charset="0"/>
-                          <a:ea typeface="Symbol" panose="05050102010706020507" pitchFamily="18" charset="2"/>
-                          <a:cs typeface="Symbol" panose="05050102010706020507" pitchFamily="18" charset="2"/>
-                        </a:rPr>
-                        <a:t> Confirmar que se cumplan las expectativas de los usuarios.      Verificar que se pueda operar adecuadamente.</a:t>
-                      </a:r>
-                      <a:endParaRPr lang="es-AR" sz="1100" b="0" i="0" u="none" strike="noStrike" dirty="0">
-                        <a:solidFill>
-                          <a:srgbClr val="000000"/>
-                        </a:solidFill>
-                        <a:effectLst/>
-                        <a:latin typeface="Calibri" panose="020F0502020204030204" pitchFamily="34" charset="0"/>
-                      </a:endParaRPr>
-                    </a:p>
-                  </a:txBody>
-                  <a:tcPr marL="9525" marR="9525" marT="9525" marB="0" anchor="ctr">
-                    <a:lnL w="6350" cap="flat" cmpd="sng" algn="ctr">
-                      <a:solidFill>
-                        <a:srgbClr val="000000"/>
-                      </a:solidFill>
-                      <a:prstDash val="solid"/>
-                      <a:round/>
-                      <a:headEnd type="none" w="med" len="med"/>
-                      <a:tailEnd type="none" w="med" len="med"/>
-                    </a:lnL>
-                    <a:lnR w="6350" cap="flat" cmpd="sng" algn="ctr">
-                      <a:solidFill>
-                        <a:srgbClr val="000000"/>
-                      </a:solidFill>
-                      <a:prstDash val="solid"/>
-                      <a:round/>
-                      <a:headEnd type="none" w="med" len="med"/>
-                      <a:tailEnd type="none" w="med" len="med"/>
-                    </a:lnR>
-                    <a:lnT w="6350" cap="flat" cmpd="sng" algn="ctr">
-                      <a:solidFill>
-                        <a:srgbClr val="000000"/>
-                      </a:solidFill>
-                      <a:prstDash val="solid"/>
-                      <a:round/>
-                      <a:headEnd type="none" w="med" len="med"/>
-                      <a:tailEnd type="none" w="med" len="med"/>
-                    </a:lnT>
-                    <a:lnB w="6350" cap="flat" cmpd="sng" algn="ctr">
-                      <a:solidFill>
-                        <a:srgbClr val="000000"/>
-                      </a:solidFill>
-                      <a:prstDash val="solid"/>
-                      <a:round/>
-                      <a:headEnd type="none" w="med" len="med"/>
-                      <a:tailEnd type="none" w="med" len="med"/>
-                    </a:lnB>
-                  </a:tcPr>
-                </a:tc>
-                <a:tc>
-                  <a:txBody>
-                    <a:bodyPr/>
-                    <a:lstStyle/>
-                    <a:p>
-                      <a:pPr algn="l" fontAlgn="ctr"/>
-                      <a:r>
-                        <a:rPr lang="es-AR" sz="1100" b="1" i="1" u="sng" strike="noStrike" dirty="0">
-                          <a:solidFill>
-                            <a:srgbClr val="000000"/>
-                          </a:solidFill>
-                          <a:effectLst/>
-                          <a:latin typeface="Calibri" panose="020F0502020204030204" pitchFamily="34" charset="0"/>
-                          <a:ea typeface="Symbol" panose="05050102010706020507" pitchFamily="18" charset="2"/>
-                          <a:cs typeface="Symbol" panose="05050102010706020507" pitchFamily="18" charset="2"/>
-                        </a:rPr>
-                        <a:t>Accesibilidad y respuesta: </a:t>
-                      </a:r>
-                      <a:r>
-                        <a:rPr lang="es-AR" sz="1100" b="0" i="0" u="none" strike="noStrike" dirty="0">
-                          <a:solidFill>
-                            <a:srgbClr val="000000"/>
-                          </a:solidFill>
-                          <a:effectLst/>
-                          <a:latin typeface="Calibri" panose="020F0502020204030204" pitchFamily="34" charset="0"/>
-                          <a:ea typeface="Symbol" panose="05050102010706020507" pitchFamily="18" charset="2"/>
-                          <a:cs typeface="Symbol" panose="05050102010706020507" pitchFamily="18" charset="2"/>
-                        </a:rPr>
-                        <a:t>facilidad de ingreso y navegación; se puede hacer lo que se quiere, cuando se quiere, con resultados claros.    </a:t>
-                      </a:r>
-                      <a:r>
-                        <a:rPr lang="es-AR" sz="1100" b="1" i="1" u="sng" strike="noStrike" dirty="0" err="1">
-                          <a:solidFill>
-                            <a:srgbClr val="000000"/>
-                          </a:solidFill>
-                          <a:effectLst/>
-                          <a:latin typeface="Calibri" panose="020F0502020204030204" pitchFamily="34" charset="0"/>
-                          <a:ea typeface="Symbol" panose="05050102010706020507" pitchFamily="18" charset="2"/>
-                          <a:cs typeface="Symbol" panose="05050102010706020507" pitchFamily="18" charset="2"/>
-                        </a:rPr>
-                        <a:t>Efciencia</a:t>
-                      </a:r>
-                      <a:r>
-                        <a:rPr lang="es-AR" sz="1100" b="0" i="0" u="none" strike="noStrike" dirty="0">
-                          <a:solidFill>
-                            <a:srgbClr val="000000"/>
-                          </a:solidFill>
-                          <a:effectLst/>
-                          <a:latin typeface="Calibri" panose="020F0502020204030204" pitchFamily="34" charset="0"/>
-                          <a:ea typeface="Symbol" panose="05050102010706020507" pitchFamily="18" charset="2"/>
-                          <a:cs typeface="Symbol" panose="05050102010706020507" pitchFamily="18" charset="2"/>
-                        </a:rPr>
-                        <a:t>: cantidad de pasos y tiempo.                                                        </a:t>
-                      </a:r>
-                      <a:r>
-                        <a:rPr lang="es-AR" sz="1100" b="1" i="1" u="sng" strike="noStrike" dirty="0">
-                          <a:solidFill>
-                            <a:srgbClr val="000000"/>
-                          </a:solidFill>
-                          <a:effectLst/>
-                          <a:latin typeface="Calibri" panose="020F0502020204030204" pitchFamily="34" charset="0"/>
-                          <a:ea typeface="Symbol" panose="05050102010706020507" pitchFamily="18" charset="2"/>
-                          <a:cs typeface="Symbol" panose="05050102010706020507" pitchFamily="18" charset="2"/>
-                        </a:rPr>
-                        <a:t>Facilidad de comprensión por parte del usuario:</a:t>
-                      </a:r>
-                      <a:r>
-                        <a:rPr lang="es-AR" sz="1100" b="0" i="0" u="none" strike="noStrike" dirty="0">
-                          <a:solidFill>
-                            <a:srgbClr val="000000"/>
-                          </a:solidFill>
-                          <a:effectLst/>
-                          <a:latin typeface="Calibri" panose="020F0502020204030204" pitchFamily="34" charset="0"/>
-                          <a:ea typeface="Symbol" panose="05050102010706020507" pitchFamily="18" charset="2"/>
-                          <a:cs typeface="Symbol" panose="05050102010706020507" pitchFamily="18" charset="2"/>
-                        </a:rPr>
-                        <a:t> de la estructura del producto, su documentación y ayudas.</a:t>
-                      </a:r>
-                      <a:endParaRPr lang="es-AR" sz="1100" b="0" i="0" u="none" strike="noStrike" dirty="0">
-                        <a:solidFill>
-                          <a:srgbClr val="000000"/>
-                        </a:solidFill>
-                        <a:effectLst/>
-                        <a:latin typeface="Calibri" panose="020F0502020204030204" pitchFamily="34" charset="0"/>
-                      </a:endParaRPr>
-                    </a:p>
-                  </a:txBody>
-                  <a:tcPr marL="9525" marR="9525" marT="9525" marB="0" anchor="ctr">
-                    <a:lnL w="6350" cap="flat" cmpd="sng" algn="ctr">
-                      <a:solidFill>
-                        <a:srgbClr val="000000"/>
-                      </a:solidFill>
-                      <a:prstDash val="solid"/>
-                      <a:round/>
-                      <a:headEnd type="none" w="med" len="med"/>
-                      <a:tailEnd type="none" w="med" len="med"/>
-                    </a:lnL>
-                    <a:lnR w="6350" cap="flat" cmpd="sng" algn="ctr">
-                      <a:solidFill>
-                        <a:srgbClr val="000000"/>
-                      </a:solidFill>
-                      <a:prstDash val="solid"/>
-                      <a:round/>
-                      <a:headEnd type="none" w="med" len="med"/>
-                      <a:tailEnd type="none" w="med" len="med"/>
-                    </a:lnR>
-                    <a:lnT w="6350" cap="flat" cmpd="sng" algn="ctr">
-                      <a:solidFill>
-                        <a:srgbClr val="000000"/>
-                      </a:solidFill>
-                      <a:prstDash val="solid"/>
-                      <a:round/>
-                      <a:headEnd type="none" w="med" len="med"/>
-                      <a:tailEnd type="none" w="med" len="med"/>
-                    </a:lnT>
-                    <a:lnB w="6350" cap="flat" cmpd="sng" algn="ctr">
-                      <a:solidFill>
-                        <a:srgbClr val="000000"/>
-                      </a:solidFill>
-                      <a:prstDash val="solid"/>
-                      <a:round/>
-                      <a:headEnd type="none" w="med" len="med"/>
-                      <a:tailEnd type="none" w="med" len="med"/>
-                    </a:lnB>
-                  </a:tcPr>
-                </a:tc>
-              </a:tr>
-            </a:tbl>
-          </a:graphicData>
-        </a:graphic>
-      </p:graphicFrame>
-    </p:spTree>
-    <p:extLst>
-      <p:ext uri="{BB962C8B-B14F-4D97-AF65-F5344CB8AC3E}">
-        <p14:creationId xmlns:p14="http://schemas.microsoft.com/office/powerpoint/2010/main" val="556564343"/>
-      </p:ext>
-    </p:extLst>
-  </p:cSld>
-  <p:clrMapOvr>
-    <a:masterClrMapping/>
-  </p:clrMapOvr>
-  <mc:AlternateContent xmlns:mc="http://schemas.openxmlformats.org/markup-compatibility/2006" xmlns:p14="http://schemas.microsoft.com/office/powerpoint/2010/main">
-    <mc:Choice Requires="p14">
-      <p:transition spd="slow">
-        <p14:reveal/>
-      </p:transition>
-    </mc:Choice>
-    <mc:Fallback xmlns="">
-      <p:transition spd="slow">
-        <p:fade/>
-      </p:transition>
-    </mc:Fallback>
-  </mc:AlternateContent>
-  <p:timing>
-    <p:tnLst>
-      <p:par>
-        <p:cTn id="1" dur="indefinite" restart="never" nodeType="tmRoot"/>
-      </p:par>
-    </p:tnLst>
-  </p:timing>
-</p:sld>
-</file>
-
-<file path=ppt/slides/slide16.xml><?xml version="1.0" encoding="utf-8"?>
-<p:sld xmlns:a="http://schemas.openxmlformats.org/drawingml/2006/main" xmlns:r="http://schemas.openxmlformats.org/officeDocument/2006/relationships" xmlns:p="http://schemas.openxmlformats.org/presentationml/2006/main">
-  <p:cSld>
-    <p:spTree>
-      <p:nvGrpSpPr>
-        <p:cNvPr id="1" name=""/>
-        <p:cNvGrpSpPr/>
-        <p:nvPr/>
-      </p:nvGrpSpPr>
-      <p:grpSpPr>
-        <a:xfrm>
-          <a:off x="0" y="0"/>
-          <a:ext cx="0" cy="0"/>
-          <a:chOff x="0" y="0"/>
-          <a:chExt cx="0" cy="0"/>
-        </a:xfrm>
-      </p:grpSpPr>
-      <p:sp>
-        <p:nvSpPr>
-          <p:cNvPr id="3" name="Título 2"/>
-          <p:cNvSpPr>
-            <a:spLocks noGrp="1"/>
-          </p:cNvSpPr>
-          <p:nvPr>
-            <p:ph type="title"/>
-          </p:nvPr>
-        </p:nvSpPr>
-        <p:spPr/>
-        <p:txBody>
-          <a:bodyPr/>
-          <a:lstStyle/>
-          <a:p>
-            <a:r>
-              <a:rPr lang="es-AR" dirty="0" smtClean="0"/>
-              <a:t>Plan de Prueba</a:t>
-            </a:r>
-            <a:endParaRPr lang="es-AR" dirty="0"/>
-          </a:p>
-        </p:txBody>
-      </p:sp>
-      <p:sp>
-        <p:nvSpPr>
-          <p:cNvPr id="4" name="Marcador de pie de página 3"/>
-          <p:cNvSpPr>
-            <a:spLocks noGrp="1"/>
-          </p:cNvSpPr>
-          <p:nvPr>
-            <p:ph type="ftr" sz="quarter" idx="11"/>
-          </p:nvPr>
-        </p:nvSpPr>
-        <p:spPr/>
-        <p:txBody>
-          <a:bodyPr/>
-          <a:lstStyle/>
-          <a:p>
-            <a:r>
-              <a:rPr lang="es-AR" smtClean="0"/>
-              <a:t>OYARZO Mariela – QUIROGA Sandra – MÁRQUEZ EMANUEL</a:t>
-            </a:r>
-            <a:endParaRPr lang="es-AR" dirty="0"/>
-          </a:p>
-        </p:txBody>
-      </p:sp>
-      <p:sp>
-        <p:nvSpPr>
-          <p:cNvPr id="5" name="Marcador de número de diapositiva 4"/>
-          <p:cNvSpPr>
-            <a:spLocks noGrp="1"/>
-          </p:cNvSpPr>
-          <p:nvPr>
-            <p:ph type="sldNum" sz="quarter" idx="12"/>
-          </p:nvPr>
-        </p:nvSpPr>
-        <p:spPr/>
-        <p:txBody>
-          <a:bodyPr/>
-          <a:lstStyle/>
-          <a:p>
-            <a:fld id="{779E3280-5C43-43EF-BE7D-8C553A58A779}" type="slidenum">
-              <a:rPr lang="es-AR" smtClean="0"/>
-              <a:pPr/>
-              <a:t>16</a:t>
             </a:fld>
             <a:endParaRPr lang="es-AR" dirty="0"/>
           </a:p>
@@ -9728,7 +7561,7 @@
 </p:sld>
 </file>
 
-<file path=ppt/slides/slide17.xml><?xml version="1.0" encoding="utf-8"?>
+<file path=ppt/slides/slide13.xml><?xml version="1.0" encoding="utf-8"?>
 <p:sld xmlns:a="http://schemas.openxmlformats.org/drawingml/2006/main" xmlns:r="http://schemas.openxmlformats.org/officeDocument/2006/relationships" xmlns:p="http://schemas.openxmlformats.org/presentationml/2006/main">
   <p:cSld>
     <p:spTree>
@@ -9843,7 +7676,7 @@
             <a:fld id="{779E3280-5C43-43EF-BE7D-8C553A58A779}" type="slidenum">
               <a:rPr lang="es-AR" smtClean="0"/>
               <a:pPr/>
-              <a:t>17</a:t>
+              <a:t>13</a:t>
             </a:fld>
             <a:endParaRPr lang="es-AR" dirty="0"/>
           </a:p>
@@ -9864,7 +7697,7 @@
 </p:sld>
 </file>
 
-<file path=ppt/slides/slide18.xml><?xml version="1.0" encoding="utf-8"?>
+<file path=ppt/slides/slide14.xml><?xml version="1.0" encoding="utf-8"?>
 <p:sld xmlns:a="http://schemas.openxmlformats.org/drawingml/2006/main" xmlns:r="http://schemas.openxmlformats.org/officeDocument/2006/relationships" xmlns:p="http://schemas.openxmlformats.org/presentationml/2006/main">
   <p:cSld>
     <p:spTree>
@@ -9945,7 +7778,7 @@
             <a:fld id="{779E3280-5C43-43EF-BE7D-8C553A58A779}" type="slidenum">
               <a:rPr lang="es-AR" smtClean="0"/>
               <a:pPr/>
-              <a:t>18</a:t>
+              <a:t>14</a:t>
             </a:fld>
             <a:endParaRPr lang="es-AR" dirty="0"/>
           </a:p>
@@ -10671,11 +8504,7 @@
           <a:p>
             <a:r>
               <a:rPr lang="es-AR" dirty="0" smtClean="0"/>
-              <a:t>Proceso </a:t>
-            </a:r>
-            <a:r>
-              <a:rPr lang="es-AR" dirty="0" smtClean="0"/>
-              <a:t>actual – Horarios de cursada</a:t>
+              <a:t>Proceso actual – Horarios de cursada</a:t>
             </a:r>
             <a:endParaRPr lang="es-AR" dirty="0"/>
           </a:p>
@@ -10810,11 +8639,7 @@
           <a:p>
             <a:r>
               <a:rPr lang="es-AR" dirty="0" smtClean="0"/>
-              <a:t>Proceso </a:t>
-            </a:r>
-            <a:r>
-              <a:rPr lang="es-AR" dirty="0" smtClean="0"/>
-              <a:t>actual – Mesas de examen</a:t>
+              <a:t>Proceso actual – Mesas de examen</a:t>
             </a:r>
             <a:endParaRPr lang="es-AR" dirty="0"/>
           </a:p>
@@ -10957,12 +8782,14 @@
       </p:sp>
       <p:pic>
         <p:nvPicPr>
-          <p:cNvPr id="7" name="Imagen 6"/>
-          <p:cNvPicPr/>
+          <p:cNvPr id="5" name="Imagen 4"/>
+          <p:cNvPicPr>
+            <a:picLocks noChangeAspect="1"/>
+          </p:cNvPicPr>
           <p:nvPr/>
         </p:nvPicPr>
         <p:blipFill>
-          <a:blip r:embed="rId2" cstate="print">
+          <a:blip r:embed="rId2">
             <a:extLst>
               <a:ext uri="{28A0092B-C50C-407E-A947-70E740481C1C}">
                 <a14:useLocalDpi xmlns:a14="http://schemas.microsoft.com/office/drawing/2010/main" val="0"/>
@@ -10975,20 +8802,12 @@
         </p:blipFill>
         <p:spPr>
           <a:xfrm>
-            <a:off x="1225588" y="703384"/>
-            <a:ext cx="8802979" cy="5567707"/>
+            <a:off x="1547289" y="763408"/>
+            <a:ext cx="8159577" cy="5533643"/>
           </a:xfrm>
           <a:prstGeom prst="rect">
             <a:avLst/>
           </a:prstGeom>
-          <a:solidFill>
-            <a:srgbClr val="FF0000"/>
-          </a:solidFill>
-          <a:ln w="38100">
-            <a:solidFill>
-              <a:srgbClr val="FF0000"/>
-            </a:solidFill>
-          </a:ln>
         </p:spPr>
       </p:pic>
     </p:spTree>
@@ -11162,6 +8981,14 @@
   <p:clrMapOvr>
     <a:masterClrMapping/>
   </p:clrMapOvr>
+  <mc:AlternateContent xmlns:mc="http://schemas.openxmlformats.org/markup-compatibility/2006">
+    <mc:Choice xmlns:p14="http://schemas.microsoft.com/office/powerpoint/2010/main" Requires="p14">
+      <p:transition p14:dur="10"/>
+    </mc:Choice>
+    <mc:Fallback>
+      <p:transition/>
+    </mc:Fallback>
+  </mc:AlternateContent>
   <p:timing>
     <p:tnLst>
       <p:par>
@@ -11253,122 +9080,40 @@
           <a:p>
             <a:r>
               <a:rPr lang="es-AR" dirty="0" smtClean="0"/>
-              <a:t>Gestión de </a:t>
-            </a:r>
-            <a:r>
-              <a:rPr lang="es-AR" dirty="0" smtClean="0"/>
-              <a:t>riesgos</a:t>
+              <a:t>Gestión de riesgos</a:t>
             </a:r>
             <a:endParaRPr lang="es-AR" dirty="0"/>
-          </a:p>
-        </p:txBody>
-      </p:sp>
-      <p:sp>
-        <p:nvSpPr>
-          <p:cNvPr id="5" name="4 Marcador de contenido"/>
-          <p:cNvSpPr>
-            <a:spLocks noGrp="1"/>
-          </p:cNvSpPr>
-          <p:nvPr>
-            <p:ph idx="1"/>
-          </p:nvPr>
-        </p:nvSpPr>
-        <p:spPr>
-          <a:xfrm>
-            <a:off x="150126" y="3439235"/>
-            <a:ext cx="12152018" cy="1813733"/>
-          </a:xfrm>
-        </p:spPr>
-        <p:txBody>
-          <a:bodyPr>
-            <a:normAutofit fontScale="25000" lnSpcReduction="20000"/>
-          </a:bodyPr>
-          <a:lstStyle/>
-          <a:p>
-            <a:r>
-              <a:rPr lang="es-AR" sz="2600" dirty="0" smtClean="0"/>
-              <a:t>Fase de Inicio Iteración 1:  se planifico la redacción de plan de riesgos</a:t>
-            </a:r>
-          </a:p>
-          <a:p>
-            <a:r>
-              <a:rPr lang="es-AR" sz="2600" dirty="0" smtClean="0"/>
-              <a:t>Fase de  Inicio Iteración 2:</a:t>
-            </a:r>
-          </a:p>
-          <a:p>
-            <a:endParaRPr lang="es-AR" dirty="0" smtClean="0"/>
-          </a:p>
-          <a:p>
-            <a:endParaRPr lang="es-AR" sz="2400" dirty="0" smtClean="0"/>
-          </a:p>
-          <a:p>
-            <a:endParaRPr lang="es-AR" sz="2400" dirty="0" smtClean="0"/>
-          </a:p>
-          <a:p>
-            <a:endParaRPr lang="es-AR" sz="2400" dirty="0" smtClean="0"/>
-          </a:p>
-          <a:p>
-            <a:endParaRPr lang="es-AR" sz="2400" dirty="0" smtClean="0"/>
-          </a:p>
-          <a:p>
-            <a:pPr>
-              <a:buNone/>
-            </a:pPr>
-            <a:endParaRPr lang="es-AR" sz="2400" dirty="0" smtClean="0"/>
-          </a:p>
-          <a:p>
-            <a:pPr>
-              <a:buNone/>
-            </a:pPr>
-            <a:endParaRPr lang="es-AR" sz="2400" dirty="0" smtClean="0"/>
-          </a:p>
-          <a:p>
-            <a:r>
-              <a:rPr lang="es-AR" sz="2600" dirty="0" smtClean="0"/>
-              <a:t>Fase de  Elaboración: No se realizo gestión de riesgos, ya que priorizamos otras actividades. Sin embargo, esto no implicó que las soluciones propuestas de los riesgos no se llevarán a cabo. </a:t>
-            </a:r>
-          </a:p>
-          <a:p>
-            <a:pPr>
-              <a:buNone/>
-            </a:pPr>
-            <a:endParaRPr lang="es-AR" sz="2400" dirty="0" smtClean="0"/>
-          </a:p>
-          <a:p>
-            <a:endParaRPr lang="es-AR" sz="2400" dirty="0" smtClean="0"/>
           </a:p>
         </p:txBody>
       </p:sp>
       <p:pic>
         <p:nvPicPr>
-          <p:cNvPr id="1027" name="Picture 3"/>
+          <p:cNvPr id="8" name="Imagen 7"/>
           <p:cNvPicPr>
-            <a:picLocks noChangeAspect="1" noChangeArrowheads="1"/>
+            <a:picLocks noChangeAspect="1"/>
           </p:cNvPicPr>
           <p:nvPr/>
         </p:nvPicPr>
-        <p:blipFill rotWithShape="1">
-          <a:blip r:embed="rId2"/>
-          <a:srcRect l="12714" t="6735" r="9367" b="4600"/>
-          <a:stretch/>
+        <p:blipFill>
+          <a:blip r:embed="rId2">
+            <a:extLst>
+              <a:ext uri="{28A0092B-C50C-407E-A947-70E740481C1C}">
+                <a14:useLocalDpi xmlns:a14="http://schemas.microsoft.com/office/drawing/2010/main" val="0"/>
+              </a:ext>
+            </a:extLst>
+          </a:blip>
+          <a:stretch>
+            <a:fillRect/>
+          </a:stretch>
         </p:blipFill>
-        <p:spPr bwMode="auto">
+        <p:spPr>
           <a:xfrm>
-            <a:off x="450376" y="865796"/>
-            <a:ext cx="4844955" cy="3043451"/>
+            <a:off x="662169" y="753324"/>
+            <a:ext cx="10867661" cy="5533643"/>
           </a:xfrm>
           <a:prstGeom prst="rect">
             <a:avLst/>
           </a:prstGeom>
-          <a:noFill/>
-          <a:ln w="9525">
-            <a:noFill/>
-            <a:miter lim="800000"/>
-            <a:headEnd/>
-            <a:tailEnd/>
-          </a:ln>
-          <a:effectLst/>
         </p:spPr>
       </p:pic>
     </p:spTree>
@@ -11376,6 +9121,7 @@
   <p:clrMapOvr>
     <a:masterClrMapping/>
   </p:clrMapOvr>
+  <p:transition spd="slow"/>
   <p:timing>
     <p:tnLst>
       <p:par>

--- a/08. Presentaciones/Presentación 11.pptx
+++ b/08. Presentaciones/Presentación 11.pptx
@@ -5,10 +5,10 @@
     <p:sldMasterId id="2147483696" r:id="rId1"/>
   </p:sldMasterIdLst>
   <p:notesMasterIdLst>
-    <p:notesMasterId r:id="rId16"/>
+    <p:notesMasterId r:id="rId15"/>
   </p:notesMasterIdLst>
   <p:handoutMasterIdLst>
-    <p:handoutMasterId r:id="rId17"/>
+    <p:handoutMasterId r:id="rId16"/>
   </p:handoutMasterIdLst>
   <p:sldIdLst>
     <p:sldId id="277" r:id="rId2"/>
@@ -23,8 +23,7 @@
     <p:sldId id="380" r:id="rId11"/>
     <p:sldId id="381" r:id="rId12"/>
     <p:sldId id="378" r:id="rId13"/>
-    <p:sldId id="374" r:id="rId14"/>
-    <p:sldId id="302" r:id="rId15"/>
+    <p:sldId id="302" r:id="rId14"/>
   </p:sldIdLst>
   <p:sldSz cx="12192000" cy="6858000"/>
   <p:notesSz cx="6858000" cy="9144000"/>
@@ -228,7 +227,7 @@
             <a:fld id="{47F7A525-2E97-4D11-852B-BF2E493721D5}" type="datetimeFigureOut">
               <a:rPr lang="es-AR" smtClean="0"/>
               <a:pPr/>
-              <a:t>18/02/2021</a:t>
+              <a:t>20/02/2021</a:t>
             </a:fld>
             <a:endParaRPr lang="es-AR"/>
           </a:p>
@@ -399,7 +398,7 @@
             <a:fld id="{0E639192-A93D-48A4-B281-8DA3B2AD5F46}" type="datetimeFigureOut">
               <a:rPr lang="es-AR" smtClean="0"/>
               <a:pPr/>
-              <a:t>18/02/2021</a:t>
+              <a:t>20/02/2021</a:t>
             </a:fld>
             <a:endParaRPr lang="es-AR"/>
           </a:p>
@@ -1334,7 +1333,7 @@
             <a:fld id="{BC50A678-796C-47FE-8727-A3AAF49E2D10}" type="datetime1">
               <a:rPr lang="es-AR" smtClean="0"/>
               <a:pPr/>
-              <a:t>18/02/2021</a:t>
+              <a:t>20/02/2021</a:t>
             </a:fld>
             <a:endParaRPr lang="es-AR"/>
           </a:p>
@@ -1531,7 +1530,7 @@
             <a:fld id="{A7AFFB43-0057-44A6-B675-62CD4F9F4EB1}" type="datetime1">
               <a:rPr lang="es-AR" smtClean="0"/>
               <a:pPr/>
-              <a:t>18/02/2021</a:t>
+              <a:t>20/02/2021</a:t>
             </a:fld>
             <a:endParaRPr lang="es-AR"/>
           </a:p>
@@ -1797,7 +1796,7 @@
             <a:fld id="{5107EDD2-3A41-45F7-9798-5F0A42B67A10}" type="datetime1">
               <a:rPr lang="es-AR" smtClean="0"/>
               <a:pPr/>
-              <a:t>18/02/2021</a:t>
+              <a:t>20/02/2021</a:t>
             </a:fld>
             <a:endParaRPr lang="es-AR"/>
           </a:p>
@@ -2228,7 +2227,7 @@
             <a:fld id="{81A405EA-7F97-484B-BB35-211055BB771A}" type="datetime1">
               <a:rPr lang="es-AR" smtClean="0"/>
               <a:pPr/>
-              <a:t>18/02/2021</a:t>
+              <a:t>20/02/2021</a:t>
             </a:fld>
             <a:endParaRPr lang="es-AR"/>
           </a:p>
@@ -2779,7 +2778,7 @@
             <a:fld id="{F7023107-FE31-4245-9D9D-4DAB5BB365BD}" type="datetime1">
               <a:rPr lang="es-AR" smtClean="0"/>
               <a:pPr/>
-              <a:t>18/02/2021</a:t>
+              <a:t>20/02/2021</a:t>
             </a:fld>
             <a:endParaRPr lang="es-AR"/>
           </a:p>
@@ -3615,7 +3614,7 @@
             <a:fld id="{081FCDBA-D78B-4D74-B477-EFCB1BCA6C42}" type="datetime1">
               <a:rPr lang="es-AR" smtClean="0"/>
               <a:pPr/>
-              <a:t>18/02/2021</a:t>
+              <a:t>20/02/2021</a:t>
             </a:fld>
             <a:endParaRPr lang="es-AR"/>
           </a:p>
@@ -3790,7 +3789,7 @@
             <a:fld id="{20EA1D54-2625-4090-9DAD-29AF83AD3B36}" type="datetime1">
               <a:rPr lang="es-AR" smtClean="0"/>
               <a:pPr/>
-              <a:t>18/02/2021</a:t>
+              <a:t>20/02/2021</a:t>
             </a:fld>
             <a:endParaRPr lang="es-AR"/>
           </a:p>
@@ -3975,7 +3974,7 @@
             <a:fld id="{FCD0E364-B94A-4338-BC1C-A73E1F081813}" type="datetime1">
               <a:rPr lang="es-AR" smtClean="0"/>
               <a:pPr/>
-              <a:t>18/02/2021</a:t>
+              <a:t>20/02/2021</a:t>
             </a:fld>
             <a:endParaRPr lang="es-AR"/>
           </a:p>
@@ -4658,7 +4657,7 @@
             <a:fld id="{0FF6B326-0FEE-47B3-9F77-2568F820D807}" type="datetime1">
               <a:rPr lang="es-AR" smtClean="0"/>
               <a:pPr/>
-              <a:t>18/02/2021</a:t>
+              <a:t>20/02/2021</a:t>
             </a:fld>
             <a:endParaRPr lang="es-AR"/>
           </a:p>
@@ -4895,7 +4894,7 @@
             <a:fld id="{913DAB84-C826-40B0-8ED0-39F2ECE4A200}" type="datetime1">
               <a:rPr lang="es-AR" smtClean="0"/>
               <a:pPr/>
-              <a:t>18/02/2021</a:t>
+              <a:t>20/02/2021</a:t>
             </a:fld>
             <a:endParaRPr lang="es-AR"/>
           </a:p>
@@ -5293,7 +5292,7 @@
             <a:fld id="{8C0226C2-DAEC-4136-9DE8-09FC5E3E671E}" type="datetime1">
               <a:rPr lang="es-AR" smtClean="0"/>
               <a:pPr/>
-              <a:t>18/02/2021</a:t>
+              <a:t>20/02/2021</a:t>
             </a:fld>
             <a:endParaRPr lang="es-AR"/>
           </a:p>
@@ -5416,7 +5415,7 @@
             <a:fld id="{53EE9993-8E0B-4913-A57B-F99EBF98A309}" type="datetime1">
               <a:rPr lang="es-AR" smtClean="0"/>
               <a:pPr/>
-              <a:t>18/02/2021</a:t>
+              <a:t>20/02/2021</a:t>
             </a:fld>
             <a:endParaRPr lang="es-AR"/>
           </a:p>
@@ -5516,7 +5515,7 @@
             <a:fld id="{7FC65BA5-BE01-42C7-88A0-5D66E4C25C69}" type="datetime1">
               <a:rPr lang="es-AR" smtClean="0"/>
               <a:pPr/>
-              <a:t>18/02/2021</a:t>
+              <a:t>20/02/2021</a:t>
             </a:fld>
             <a:endParaRPr lang="es-AR"/>
           </a:p>
@@ -5794,7 +5793,7 @@
             <a:fld id="{E3D3AADB-2F64-4CF7-83E3-78E84AD4D110}" type="datetime1">
               <a:rPr lang="es-AR" smtClean="0"/>
               <a:pPr/>
-              <a:t>18/02/2021</a:t>
+              <a:t>20/02/2021</a:t>
             </a:fld>
             <a:endParaRPr lang="es-AR"/>
           </a:p>
@@ -6080,7 +6079,7 @@
             <a:fld id="{C77D2D86-4208-4F35-BB55-BE3504C41488}" type="datetime1">
               <a:rPr lang="es-AR" smtClean="0"/>
               <a:pPr/>
-              <a:t>18/02/2021</a:t>
+              <a:t>20/02/2021</a:t>
             </a:fld>
             <a:endParaRPr lang="es-AR"/>
           </a:p>
@@ -6321,7 +6320,7 @@
             <a:fld id="{1EA277BA-E2F3-4C3D-9E58-E2E890DB98B1}" type="datetime1">
               <a:rPr lang="es-AR" smtClean="0"/>
               <a:pPr/>
-              <a:t>18/02/2021</a:t>
+              <a:t>20/02/2021</a:t>
             </a:fld>
             <a:endParaRPr lang="es-AR"/>
           </a:p>
@@ -7415,29 +7414,6 @@
       </p:grpSpPr>
       <p:sp>
         <p:nvSpPr>
-          <p:cNvPr id="3" name="Título 2"/>
-          <p:cNvSpPr>
-            <a:spLocks noGrp="1"/>
-          </p:cNvSpPr>
-          <p:nvPr>
-            <p:ph type="title"/>
-          </p:nvPr>
-        </p:nvSpPr>
-        <p:spPr/>
-        <p:txBody>
-          <a:bodyPr/>
-          <a:lstStyle/>
-          <a:p>
-            <a:r>
-              <a:rPr lang="es-AR" dirty="0" smtClean="0"/>
-              <a:t>Plan de Prueba</a:t>
-            </a:r>
-            <a:endParaRPr lang="es-AR" dirty="0"/>
-          </a:p>
-        </p:txBody>
-      </p:sp>
-      <p:sp>
-        <p:nvSpPr>
           <p:cNvPr id="4" name="Marcador de pie de página 3"/>
           <p:cNvSpPr>
             <a:spLocks noGrp="1"/>
@@ -7483,46 +7459,52 @@
           </a:p>
         </p:txBody>
       </p:sp>
+      <p:sp>
+        <p:nvSpPr>
+          <p:cNvPr id="3" name="Título 2"/>
+          <p:cNvSpPr>
+            <a:spLocks noGrp="1"/>
+          </p:cNvSpPr>
+          <p:nvPr>
+            <p:ph type="title"/>
+          </p:nvPr>
+        </p:nvSpPr>
+        <p:spPr/>
+        <p:txBody>
+          <a:bodyPr/>
+          <a:lstStyle/>
+          <a:p>
+            <a:r>
+              <a:rPr lang="es-AR" dirty="0" smtClean="0"/>
+              <a:t>Plan de Prueba</a:t>
+            </a:r>
+            <a:endParaRPr lang="es-AR" dirty="0"/>
+          </a:p>
+        </p:txBody>
+      </p:sp>
       <p:pic>
         <p:nvPicPr>
-          <p:cNvPr id="6" name="Imagen 5"/>
+          <p:cNvPr id="10" name="Imagen 9"/>
           <p:cNvPicPr>
             <a:picLocks noChangeAspect="1"/>
           </p:cNvPicPr>
           <p:nvPr/>
         </p:nvPicPr>
         <p:blipFill rotWithShape="1">
-          <a:blip r:embed="rId2"/>
-          <a:srcRect l="24291" t="13316" r="36754" b="34718"/>
+          <a:blip r:embed="rId2">
+            <a:extLst>
+              <a:ext uri="{28A0092B-C50C-407E-A947-70E740481C1C}">
+                <a14:useLocalDpi xmlns:a14="http://schemas.microsoft.com/office/drawing/2010/main" val="0"/>
+              </a:ext>
+            </a:extLst>
+          </a:blip>
+          <a:srcRect t="2876" b="2723"/>
           <a:stretch/>
         </p:blipFill>
         <p:spPr>
           <a:xfrm>
-            <a:off x="6155140" y="1907068"/>
-            <a:ext cx="5349926" cy="4012444"/>
-          </a:xfrm>
-          <a:prstGeom prst="rect">
-            <a:avLst/>
-          </a:prstGeom>
-        </p:spPr>
-      </p:pic>
-      <p:pic>
-        <p:nvPicPr>
-          <p:cNvPr id="7" name="Imagen 6"/>
-          <p:cNvPicPr>
-            <a:picLocks noChangeAspect="1"/>
-          </p:cNvPicPr>
-          <p:nvPr/>
-        </p:nvPicPr>
-        <p:blipFill rotWithShape="1">
-          <a:blip r:embed="rId3"/>
-          <a:srcRect l="27202" t="24267" r="28357" b="26157"/>
-          <a:stretch/>
-        </p:blipFill>
-        <p:spPr>
-          <a:xfrm>
-            <a:off x="286600" y="1983097"/>
-            <a:ext cx="5868540" cy="3680770"/>
+            <a:off x="1066800" y="735699"/>
+            <a:ext cx="10058400" cy="5581934"/>
           </a:xfrm>
           <a:prstGeom prst="rect">
             <a:avLst/>
@@ -7578,43 +7560,9 @@
           <a:chExt cx="0" cy="0"/>
         </a:xfrm>
       </p:grpSpPr>
-      <p:pic>
-        <p:nvPicPr>
-          <p:cNvPr id="1026" name="Picture 2"/>
-          <p:cNvPicPr>
-            <a:picLocks noGrp="1" noChangeAspect="1" noChangeArrowheads="1"/>
-          </p:cNvPicPr>
-          <p:nvPr>
-            <p:ph idx="1"/>
-          </p:nvPr>
-        </p:nvPicPr>
-        <p:blipFill>
-          <a:blip r:embed="rId2"/>
-          <a:stretch>
-            <a:fillRect/>
-          </a:stretch>
-        </p:blipFill>
-        <p:spPr bwMode="auto">
-          <a:xfrm>
-            <a:off x="3217863" y="1613694"/>
-            <a:ext cx="5848350" cy="4714875"/>
-          </a:xfrm>
-          <a:prstGeom prst="rect">
-            <a:avLst/>
-          </a:prstGeom>
-          <a:noFill/>
-          <a:ln w="9525">
-            <a:noFill/>
-            <a:miter lim="800000"/>
-            <a:headEnd/>
-            <a:tailEnd/>
-          </a:ln>
-          <a:effectLst/>
-        </p:spPr>
-      </p:pic>
-      <p:sp>
-        <p:nvSpPr>
-          <p:cNvPr id="4" name="3 Título"/>
+      <p:sp>
+        <p:nvSpPr>
+          <p:cNvPr id="3" name="Título 2"/>
           <p:cNvSpPr>
             <a:spLocks noGrp="1"/>
           </p:cNvSpPr>
@@ -7629,7 +7577,7 @@
           <a:p>
             <a:r>
               <a:rPr lang="es-AR" dirty="0" smtClean="0"/>
-              <a:t>Pruebas</a:t>
+              <a:t>Fin de presentación</a:t>
             </a:r>
             <a:endParaRPr lang="es-AR" dirty="0"/>
           </a:p>
@@ -7637,7 +7585,7 @@
       </p:sp>
       <p:sp>
         <p:nvSpPr>
-          <p:cNvPr id="2" name="1 Marcador de pie de página"/>
+          <p:cNvPr id="4" name="Marcador de pie de página 3"/>
           <p:cNvSpPr>
             <a:spLocks noGrp="1"/>
           </p:cNvSpPr>
@@ -7652,7 +7600,7 @@
           <a:p>
             <a:r>
               <a:rPr lang="es-AR" smtClean="0"/>
-              <a:t>OYARZO Mariela – QUIROGA Sandra – MÁRQUEZ Emanuel</a:t>
+              <a:t>OYARZO Mariela – QUIROGA Sandra – MÁRQUEZ EMANUEL</a:t>
             </a:r>
             <a:endParaRPr lang="es-AR" dirty="0"/>
           </a:p>
@@ -7660,7 +7608,7 @@
       </p:sp>
       <p:sp>
         <p:nvSpPr>
-          <p:cNvPr id="3" name="2 Marcador de número de diapositiva"/>
+          <p:cNvPr id="5" name="Marcador de número de diapositiva 4"/>
           <p:cNvSpPr>
             <a:spLocks noGrp="1"/>
           </p:cNvSpPr>
@@ -7677,108 +7625,6 @@
               <a:rPr lang="es-AR" smtClean="0"/>
               <a:pPr/>
               <a:t>13</a:t>
-            </a:fld>
-            <a:endParaRPr lang="es-AR" dirty="0"/>
-          </a:p>
-        </p:txBody>
-      </p:sp>
-    </p:spTree>
-  </p:cSld>
-  <p:clrMapOvr>
-    <a:masterClrMapping/>
-  </p:clrMapOvr>
-  <p:timing>
-    <p:tnLst>
-      <p:par>
-        <p:cTn id="1" dur="indefinite" restart="never" nodeType="tmRoot"/>
-      </p:par>
-    </p:tnLst>
-  </p:timing>
-</p:sld>
-</file>
-
-<file path=ppt/slides/slide14.xml><?xml version="1.0" encoding="utf-8"?>
-<p:sld xmlns:a="http://schemas.openxmlformats.org/drawingml/2006/main" xmlns:r="http://schemas.openxmlformats.org/officeDocument/2006/relationships" xmlns:p="http://schemas.openxmlformats.org/presentationml/2006/main">
-  <p:cSld>
-    <p:spTree>
-      <p:nvGrpSpPr>
-        <p:cNvPr id="1" name=""/>
-        <p:cNvGrpSpPr/>
-        <p:nvPr/>
-      </p:nvGrpSpPr>
-      <p:grpSpPr>
-        <a:xfrm>
-          <a:off x="0" y="0"/>
-          <a:ext cx="0" cy="0"/>
-          <a:chOff x="0" y="0"/>
-          <a:chExt cx="0" cy="0"/>
-        </a:xfrm>
-      </p:grpSpPr>
-      <p:sp>
-        <p:nvSpPr>
-          <p:cNvPr id="3" name="Título 2"/>
-          <p:cNvSpPr>
-            <a:spLocks noGrp="1"/>
-          </p:cNvSpPr>
-          <p:nvPr>
-            <p:ph type="title"/>
-          </p:nvPr>
-        </p:nvSpPr>
-        <p:spPr/>
-        <p:txBody>
-          <a:bodyPr/>
-          <a:lstStyle/>
-          <a:p>
-            <a:r>
-              <a:rPr lang="es-AR" dirty="0" smtClean="0"/>
-              <a:t>Fin de presentación</a:t>
-            </a:r>
-            <a:endParaRPr lang="es-AR" dirty="0"/>
-          </a:p>
-        </p:txBody>
-      </p:sp>
-      <p:sp>
-        <p:nvSpPr>
-          <p:cNvPr id="4" name="Marcador de pie de página 3"/>
-          <p:cNvSpPr>
-            <a:spLocks noGrp="1"/>
-          </p:cNvSpPr>
-          <p:nvPr>
-            <p:ph type="ftr" sz="quarter" idx="11"/>
-          </p:nvPr>
-        </p:nvSpPr>
-        <p:spPr/>
-        <p:txBody>
-          <a:bodyPr/>
-          <a:lstStyle/>
-          <a:p>
-            <a:r>
-              <a:rPr lang="es-AR" smtClean="0"/>
-              <a:t>OYARZO Mariela – QUIROGA Sandra – MÁRQUEZ EMANUEL</a:t>
-            </a:r>
-            <a:endParaRPr lang="es-AR" dirty="0"/>
-          </a:p>
-        </p:txBody>
-      </p:sp>
-      <p:sp>
-        <p:nvSpPr>
-          <p:cNvPr id="5" name="Marcador de número de diapositiva 4"/>
-          <p:cNvSpPr>
-            <a:spLocks noGrp="1"/>
-          </p:cNvSpPr>
-          <p:nvPr>
-            <p:ph type="sldNum" sz="quarter" idx="12"/>
-          </p:nvPr>
-        </p:nvSpPr>
-        <p:spPr/>
-        <p:txBody>
-          <a:bodyPr/>
-          <a:lstStyle/>
-          <a:p>
-            <a:fld id="{779E3280-5C43-43EF-BE7D-8C553A58A779}" type="slidenum">
-              <a:rPr lang="es-AR" smtClean="0"/>
-              <a:pPr/>
-              <a:t>14</a:t>
             </a:fld>
             <a:endParaRPr lang="es-AR" dirty="0"/>
           </a:p>
@@ -8981,11 +8827,11 @@
   <p:clrMapOvr>
     <a:masterClrMapping/>
   </p:clrMapOvr>
-  <mc:AlternateContent xmlns:mc="http://schemas.openxmlformats.org/markup-compatibility/2006">
-    <mc:Choice xmlns:p14="http://schemas.microsoft.com/office/powerpoint/2010/main" Requires="p14">
+  <mc:AlternateContent xmlns:mc="http://schemas.openxmlformats.org/markup-compatibility/2006" xmlns:p14="http://schemas.microsoft.com/office/powerpoint/2010/main">
+    <mc:Choice Requires="p14">
       <p:transition p14:dur="10"/>
     </mc:Choice>
-    <mc:Fallback>
+    <mc:Fallback xmlns="">
       <p:transition/>
     </mc:Fallback>
   </mc:AlternateContent>

--- a/08. Presentaciones/Presentación 11.pptx
+++ b/08. Presentaciones/Presentación 11.pptx
@@ -5,10 +5,10 @@
     <p:sldMasterId id="2147483696" r:id="rId1"/>
   </p:sldMasterIdLst>
   <p:notesMasterIdLst>
-    <p:notesMasterId r:id="rId15"/>
+    <p:notesMasterId r:id="rId16"/>
   </p:notesMasterIdLst>
   <p:handoutMasterIdLst>
-    <p:handoutMasterId r:id="rId16"/>
+    <p:handoutMasterId r:id="rId17"/>
   </p:handoutMasterIdLst>
   <p:sldIdLst>
     <p:sldId id="277" r:id="rId2"/>
@@ -23,7 +23,8 @@
     <p:sldId id="380" r:id="rId11"/>
     <p:sldId id="381" r:id="rId12"/>
     <p:sldId id="378" r:id="rId13"/>
-    <p:sldId id="302" r:id="rId14"/>
+    <p:sldId id="382" r:id="rId14"/>
+    <p:sldId id="302" r:id="rId15"/>
   </p:sldIdLst>
   <p:sldSz cx="12192000" cy="6858000"/>
   <p:notesSz cx="6858000" cy="9144000"/>
@@ -6958,7 +6959,7 @@
         <p:spPr>
           <a:xfrm>
             <a:off x="529390" y="4443660"/>
-            <a:ext cx="11213432" cy="1077218"/>
+            <a:ext cx="11213432" cy="1415772"/>
           </a:xfrm>
           <a:prstGeom prst="rect">
             <a:avLst/>
@@ -6973,19 +6974,22 @@
           <a:p>
             <a:pPr algn="ctr"/>
             <a:r>
+              <a:rPr lang="es-AR" sz="5400" b="1" dirty="0" smtClean="0">
+                <a:latin typeface="Calibri Light" pitchFamily="34" charset="0"/>
+              </a:rPr>
+              <a:t>EXPOSICIÓN FINAL</a:t>
+            </a:r>
+            <a:endParaRPr lang="es-AR" sz="5400" b="1" dirty="0" smtClean="0">
+              <a:latin typeface="Calibri Light" pitchFamily="34" charset="0"/>
+            </a:endParaRPr>
+          </a:p>
+          <a:p>
+            <a:pPr algn="ctr"/>
+            <a:r>
               <a:rPr lang="es-AR" sz="3200" b="1" dirty="0" smtClean="0">
                 <a:latin typeface="Calibri Light" pitchFamily="34" charset="0"/>
               </a:rPr>
-              <a:t>PRESENTACIÓN SOBRE LA CONTINUIDAD PROYECTO</a:t>
-            </a:r>
-          </a:p>
-          <a:p>
-            <a:pPr algn="ctr"/>
-            <a:r>
-              <a:rPr lang="es-AR" sz="3200" b="1" dirty="0" smtClean="0">
-                <a:latin typeface="Calibri Light" pitchFamily="34" charset="0"/>
-              </a:rPr>
-              <a:t>22 de Noviembre de 2019</a:t>
+              <a:t>24 de Febrero de 2021</a:t>
             </a:r>
             <a:endParaRPr lang="es-AR" sz="3200" b="1" dirty="0">
               <a:latin typeface="Calibri Light" pitchFamily="34" charset="0"/>
@@ -7121,14 +7125,14 @@
   <p:clrMapOvr>
     <a:masterClrMapping/>
   </p:clrMapOvr>
-  <mc:AlternateContent xmlns:mc="http://schemas.openxmlformats.org/markup-compatibility/2006" xmlns:p14="http://schemas.microsoft.com/office/powerpoint/2010/main">
-    <mc:Choice Requires="p14">
-      <p:transition spd="med" p14:dur="700">
-        <p:fade/>
+  <mc:AlternateContent xmlns:mc="http://schemas.openxmlformats.org/markup-compatibility/2006">
+    <mc:Choice xmlns:p14="http://schemas.microsoft.com/office/powerpoint/2010/main" Requires="p14">
+      <p:transition spd="slow">
+        <p14:reveal/>
       </p:transition>
     </mc:Choice>
-    <mc:Fallback xmlns="">
-      <p:transition spd="med">
+    <mc:Fallback>
+      <p:transition spd="slow">
         <p:fade/>
       </p:transition>
     </mc:Fallback>
@@ -7224,28 +7228,82 @@
           <a:p>
             <a:r>
               <a:rPr lang="es-AR" dirty="0" smtClean="0"/>
-              <a:t>Modelo</a:t>
+              <a:t>Modelos</a:t>
             </a:r>
             <a:endParaRPr lang="es-AR" dirty="0"/>
           </a:p>
         </p:txBody>
       </p:sp>
-      <p:sp>
-        <p:nvSpPr>
-          <p:cNvPr id="5" name="Marcador de contenido 4"/>
-          <p:cNvSpPr>
-            <a:spLocks noGrp="1"/>
-          </p:cNvSpPr>
-          <p:nvPr>
-            <p:ph idx="1"/>
-          </p:nvPr>
-        </p:nvSpPr>
-        <p:spPr/>
-        <p:txBody>
-          <a:bodyPr/>
-          <a:lstStyle/>
-          <a:p>
-            <a:endParaRPr lang="es-AR" dirty="0"/>
+      <p:pic>
+        <p:nvPicPr>
+          <p:cNvPr id="6" name="Imagen 5"/>
+          <p:cNvPicPr>
+            <a:picLocks noChangeAspect="1"/>
+          </p:cNvPicPr>
+          <p:nvPr/>
+        </p:nvPicPr>
+        <p:blipFill>
+          <a:blip r:embed="rId2">
+            <a:extLst>
+              <a:ext uri="{28A0092B-C50C-407E-A947-70E740481C1C}">
+                <a14:useLocalDpi xmlns:a14="http://schemas.microsoft.com/office/drawing/2010/main" val="0"/>
+              </a:ext>
+            </a:extLst>
+          </a:blip>
+          <a:stretch>
+            <a:fillRect/>
+          </a:stretch>
+        </p:blipFill>
+        <p:spPr>
+          <a:xfrm>
+            <a:off x="2212744" y="816946"/>
+            <a:ext cx="7777418" cy="5402634"/>
+          </a:xfrm>
+          <a:prstGeom prst="rect">
+            <a:avLst/>
+          </a:prstGeom>
+        </p:spPr>
+      </p:pic>
+      <p:sp>
+        <p:nvSpPr>
+          <p:cNvPr id="7" name="CuadroTexto 6"/>
+          <p:cNvSpPr txBox="1"/>
+          <p:nvPr/>
+        </p:nvSpPr>
+        <p:spPr>
+          <a:xfrm>
+            <a:off x="1" y="5915514"/>
+            <a:ext cx="3850926" cy="400110"/>
+          </a:xfrm>
+          <a:prstGeom prst="rect">
+            <a:avLst/>
+          </a:prstGeom>
+          <a:noFill/>
+        </p:spPr>
+        <p:txBody>
+          <a:bodyPr wrap="none" rtlCol="0">
+            <a:spAutoFit/>
+          </a:bodyPr>
+          <a:lstStyle/>
+          <a:p>
+            <a:r>
+              <a:rPr lang="es-AR" sz="2000" dirty="0" smtClean="0">
+                <a:latin typeface="Calibri" panose="020F0502020204030204" pitchFamily="34" charset="0"/>
+                <a:cs typeface="Calibri" panose="020F0502020204030204" pitchFamily="34" charset="0"/>
+              </a:rPr>
+              <a:t>Ejemplo: diagrama </a:t>
+            </a:r>
+            <a:r>
+              <a:rPr lang="es-AR" sz="2000" dirty="0">
+                <a:latin typeface="Calibri" panose="020F0502020204030204" pitchFamily="34" charset="0"/>
+                <a:cs typeface="Calibri" panose="020F0502020204030204" pitchFamily="34" charset="0"/>
+              </a:rPr>
+              <a:t>de colaboración</a:t>
+            </a:r>
+            <a:endParaRPr lang="es-AR" sz="2000" dirty="0">
+              <a:latin typeface="Calibri" panose="020F0502020204030204" pitchFamily="34" charset="0"/>
+              <a:cs typeface="Calibri" panose="020F0502020204030204" pitchFamily="34" charset="0"/>
+            </a:endParaRPr>
           </a:p>
         </p:txBody>
       </p:sp>
@@ -7259,6 +7317,18 @@
   <p:clrMapOvr>
     <a:masterClrMapping/>
   </p:clrMapOvr>
+  <mc:AlternateContent xmlns:mc="http://schemas.openxmlformats.org/markup-compatibility/2006">
+    <mc:Choice xmlns:p14="http://schemas.microsoft.com/office/powerpoint/2010/main" Requires="p14">
+      <p:transition spd="slow">
+        <p14:reveal/>
+      </p:transition>
+    </mc:Choice>
+    <mc:Fallback>
+      <p:transition spd="slow">
+        <p:fade/>
+      </p:transition>
+    </mc:Fallback>
+  </mc:AlternateContent>
   <p:timing>
     <p:tnLst>
       <p:par>
@@ -7356,22 +7426,128 @@
           </a:p>
         </p:txBody>
       </p:sp>
-      <p:sp>
-        <p:nvSpPr>
-          <p:cNvPr id="5" name="Marcador de contenido 4"/>
-          <p:cNvSpPr>
-            <a:spLocks noGrp="1"/>
-          </p:cNvSpPr>
-          <p:nvPr>
-            <p:ph idx="1"/>
-          </p:nvPr>
-        </p:nvSpPr>
-        <p:spPr/>
-        <p:txBody>
-          <a:bodyPr/>
-          <a:lstStyle/>
-          <a:p>
-            <a:endParaRPr lang="es-AR" dirty="0"/>
+      <p:pic>
+        <p:nvPicPr>
+          <p:cNvPr id="6" name="Imagen 5"/>
+          <p:cNvPicPr>
+            <a:picLocks noChangeAspect="1"/>
+          </p:cNvPicPr>
+          <p:nvPr/>
+        </p:nvPicPr>
+        <p:blipFill>
+          <a:blip r:embed="rId2"/>
+          <a:stretch>
+            <a:fillRect/>
+          </a:stretch>
+        </p:blipFill>
+        <p:spPr>
+          <a:xfrm>
+            <a:off x="327280" y="1048198"/>
+            <a:ext cx="2372684" cy="4122095"/>
+          </a:xfrm>
+          <a:prstGeom prst="rect">
+            <a:avLst/>
+          </a:prstGeom>
+        </p:spPr>
+      </p:pic>
+      <p:pic>
+        <p:nvPicPr>
+          <p:cNvPr id="7" name="Imagen 6"/>
+          <p:cNvPicPr>
+            <a:picLocks noChangeAspect="1"/>
+          </p:cNvPicPr>
+          <p:nvPr/>
+        </p:nvPicPr>
+        <p:blipFill>
+          <a:blip r:embed="rId3"/>
+          <a:stretch>
+            <a:fillRect/>
+          </a:stretch>
+        </p:blipFill>
+        <p:spPr>
+          <a:xfrm>
+            <a:off x="3302052" y="1048198"/>
+            <a:ext cx="8660888" cy="4122095"/>
+          </a:xfrm>
+          <a:prstGeom prst="rect">
+            <a:avLst/>
+          </a:prstGeom>
+          <a:ln>
+            <a:solidFill>
+              <a:schemeClr val="tx1"/>
+            </a:solidFill>
+          </a:ln>
+        </p:spPr>
+      </p:pic>
+      <p:sp>
+        <p:nvSpPr>
+          <p:cNvPr id="8" name="CuadroTexto 7"/>
+          <p:cNvSpPr txBox="1"/>
+          <p:nvPr/>
+        </p:nvSpPr>
+        <p:spPr>
+          <a:xfrm>
+            <a:off x="563714" y="5507493"/>
+            <a:ext cx="1899815" cy="400110"/>
+          </a:xfrm>
+          <a:prstGeom prst="rect">
+            <a:avLst/>
+          </a:prstGeom>
+          <a:noFill/>
+        </p:spPr>
+        <p:txBody>
+          <a:bodyPr wrap="none" rtlCol="0">
+            <a:spAutoFit/>
+          </a:bodyPr>
+          <a:lstStyle/>
+          <a:p>
+            <a:r>
+              <a:rPr lang="es-AR" sz="2000" dirty="0" smtClean="0">
+                <a:latin typeface="Calibri" panose="020F0502020204030204" pitchFamily="34" charset="0"/>
+                <a:cs typeface="Calibri" panose="020F0502020204030204" pitchFamily="34" charset="0"/>
+              </a:rPr>
+              <a:t>Aplicación Móvil</a:t>
+            </a:r>
+            <a:endParaRPr lang="es-AR" sz="2000" dirty="0">
+              <a:latin typeface="Calibri" panose="020F0502020204030204" pitchFamily="34" charset="0"/>
+              <a:cs typeface="Calibri" panose="020F0502020204030204" pitchFamily="34" charset="0"/>
+            </a:endParaRPr>
+          </a:p>
+        </p:txBody>
+      </p:sp>
+      <p:sp>
+        <p:nvSpPr>
+          <p:cNvPr id="9" name="CuadroTexto 8"/>
+          <p:cNvSpPr txBox="1"/>
+          <p:nvPr/>
+        </p:nvSpPr>
+        <p:spPr>
+          <a:xfrm>
+            <a:off x="6926437" y="5507493"/>
+            <a:ext cx="1412118" cy="400110"/>
+          </a:xfrm>
+          <a:prstGeom prst="rect">
+            <a:avLst/>
+          </a:prstGeom>
+          <a:noFill/>
+        </p:spPr>
+        <p:txBody>
+          <a:bodyPr wrap="none" rtlCol="0">
+            <a:spAutoFit/>
+          </a:bodyPr>
+          <a:lstStyle/>
+          <a:p>
+            <a:r>
+              <a:rPr lang="es-AR" sz="2000" dirty="0" smtClean="0">
+                <a:latin typeface="Calibri" panose="020F0502020204030204" pitchFamily="34" charset="0"/>
+                <a:cs typeface="Calibri" panose="020F0502020204030204" pitchFamily="34" charset="0"/>
+              </a:rPr>
+              <a:t>Página Web</a:t>
+            </a:r>
+            <a:endParaRPr lang="es-AR" sz="2000" dirty="0">
+              <a:latin typeface="Calibri" panose="020F0502020204030204" pitchFamily="34" charset="0"/>
+              <a:cs typeface="Calibri" panose="020F0502020204030204" pitchFamily="34" charset="0"/>
+            </a:endParaRPr>
           </a:p>
         </p:txBody>
       </p:sp>
@@ -7385,6 +7561,18 @@
   <p:clrMapOvr>
     <a:masterClrMapping/>
   </p:clrMapOvr>
+  <mc:AlternateContent xmlns:mc="http://schemas.openxmlformats.org/markup-compatibility/2006">
+    <mc:Choice xmlns:p14="http://schemas.microsoft.com/office/powerpoint/2010/main" Requires="p14">
+      <p:transition spd="slow">
+        <p14:reveal/>
+      </p:transition>
+    </mc:Choice>
+    <mc:Fallback>
+      <p:transition spd="slow">
+        <p:fade/>
+      </p:transition>
+    </mc:Fallback>
+  </mc:AlternateContent>
   <p:timing>
     <p:tnLst>
       <p:par>
@@ -7476,7 +7664,7 @@
           <a:p>
             <a:r>
               <a:rPr lang="es-AR" dirty="0" smtClean="0"/>
-              <a:t>Plan de Prueba</a:t>
+              <a:t>Pruebas</a:t>
             </a:r>
             <a:endParaRPr lang="es-AR" dirty="0"/>
           </a:p>
@@ -7562,12 +7750,12 @@
       </p:grpSpPr>
       <p:sp>
         <p:nvSpPr>
-          <p:cNvPr id="3" name="Título 2"/>
-          <p:cNvSpPr>
-            <a:spLocks noGrp="1"/>
-          </p:cNvSpPr>
-          <p:nvPr>
-            <p:ph type="title"/>
+          <p:cNvPr id="2" name="Marcador de pie de página 1"/>
+          <p:cNvSpPr>
+            <a:spLocks noGrp="1"/>
+          </p:cNvSpPr>
+          <p:nvPr>
+            <p:ph type="ftr" sz="quarter" idx="11"/>
           </p:nvPr>
         </p:nvSpPr>
         <p:spPr/>
@@ -7576,8 +7764,8 @@
           <a:lstStyle/>
           <a:p>
             <a:r>
-              <a:rPr lang="es-AR" dirty="0" smtClean="0"/>
-              <a:t>Fin de presentación</a:t>
+              <a:rPr lang="es-AR" smtClean="0"/>
+              <a:t>OYARZO Mariela – QUIROGA Sandra – MÁRQUEZ Emanuel</a:t>
             </a:r>
             <a:endParaRPr lang="es-AR" dirty="0"/>
           </a:p>
@@ -7585,30 +7773,7 @@
       </p:sp>
       <p:sp>
         <p:nvSpPr>
-          <p:cNvPr id="4" name="Marcador de pie de página 3"/>
-          <p:cNvSpPr>
-            <a:spLocks noGrp="1"/>
-          </p:cNvSpPr>
-          <p:nvPr>
-            <p:ph type="ftr" sz="quarter" idx="11"/>
-          </p:nvPr>
-        </p:nvSpPr>
-        <p:spPr/>
-        <p:txBody>
-          <a:bodyPr/>
-          <a:lstStyle/>
-          <a:p>
-            <a:r>
-              <a:rPr lang="es-AR" smtClean="0"/>
-              <a:t>OYARZO Mariela – QUIROGA Sandra – MÁRQUEZ EMANUEL</a:t>
-            </a:r>
-            <a:endParaRPr lang="es-AR" dirty="0"/>
-          </a:p>
-        </p:txBody>
-      </p:sp>
-      <p:sp>
-        <p:nvSpPr>
-          <p:cNvPr id="5" name="Marcador de número de diapositiva 4"/>
+          <p:cNvPr id="3" name="Marcador de número de diapositiva 2"/>
           <p:cNvSpPr>
             <a:spLocks noGrp="1"/>
           </p:cNvSpPr>
@@ -7626,6 +7791,190 @@
               <a:pPr/>
               <a:t>13</a:t>
             </a:fld>
+            <a:endParaRPr lang="es-AR" dirty="0"/>
+          </a:p>
+        </p:txBody>
+      </p:sp>
+      <p:sp>
+        <p:nvSpPr>
+          <p:cNvPr id="4" name="Título 3"/>
+          <p:cNvSpPr>
+            <a:spLocks noGrp="1"/>
+          </p:cNvSpPr>
+          <p:nvPr>
+            <p:ph type="title"/>
+          </p:nvPr>
+        </p:nvSpPr>
+        <p:spPr/>
+        <p:txBody>
+          <a:bodyPr/>
+          <a:lstStyle/>
+          <a:p>
+            <a:r>
+              <a:rPr lang="es-AR" dirty="0" smtClean="0"/>
+              <a:t>Presentación funcional</a:t>
+            </a:r>
+            <a:endParaRPr lang="es-AR" dirty="0"/>
+          </a:p>
+        </p:txBody>
+      </p:sp>
+      <p:sp>
+        <p:nvSpPr>
+          <p:cNvPr id="5" name="Marcador de contenido 4"/>
+          <p:cNvSpPr>
+            <a:spLocks noGrp="1"/>
+          </p:cNvSpPr>
+          <p:nvPr>
+            <p:ph idx="1"/>
+          </p:nvPr>
+        </p:nvSpPr>
+        <p:spPr/>
+        <p:txBody>
+          <a:bodyPr/>
+          <a:lstStyle/>
+          <a:p>
+            <a:pPr marL="0" indent="0">
+              <a:buNone/>
+            </a:pPr>
+            <a:endParaRPr lang="es-AR" dirty="0"/>
+          </a:p>
+          <a:p>
+            <a:pPr marL="0" indent="0">
+              <a:buNone/>
+            </a:pPr>
+            <a:endParaRPr lang="es-AR" dirty="0" smtClean="0"/>
+          </a:p>
+          <a:p>
+            <a:pPr marL="0" indent="0">
+              <a:buNone/>
+            </a:pPr>
+            <a:r>
+              <a:rPr lang="es-AR" dirty="0" smtClean="0"/>
+              <a:t>Link a </a:t>
+            </a:r>
+            <a:r>
+              <a:rPr lang="es-AR" dirty="0" err="1" smtClean="0"/>
+              <a:t>youtube</a:t>
+            </a:r>
+            <a:endParaRPr lang="es-AR" dirty="0"/>
+          </a:p>
+        </p:txBody>
+      </p:sp>
+    </p:spTree>
+    <p:extLst>
+      <p:ext uri="{BB962C8B-B14F-4D97-AF65-F5344CB8AC3E}">
+        <p14:creationId xmlns:p14="http://schemas.microsoft.com/office/powerpoint/2010/main" val="2680430886"/>
+      </p:ext>
+    </p:extLst>
+  </p:cSld>
+  <p:clrMapOvr>
+    <a:masterClrMapping/>
+  </p:clrMapOvr>
+  <mc:AlternateContent xmlns:mc="http://schemas.openxmlformats.org/markup-compatibility/2006">
+    <mc:Choice xmlns:p14="http://schemas.microsoft.com/office/powerpoint/2010/main" Requires="p14">
+      <p:transition spd="slow">
+        <p14:reveal/>
+      </p:transition>
+    </mc:Choice>
+    <mc:Fallback>
+      <p:transition spd="slow">
+        <p:fade/>
+      </p:transition>
+    </mc:Fallback>
+  </mc:AlternateContent>
+  <p:timing>
+    <p:tnLst>
+      <p:par>
+        <p:cTn id="1" dur="indefinite" restart="never" nodeType="tmRoot"/>
+      </p:par>
+    </p:tnLst>
+  </p:timing>
+</p:sld>
+</file>
+
+<file path=ppt/slides/slide14.xml><?xml version="1.0" encoding="utf-8"?>
+<p:sld xmlns:a="http://schemas.openxmlformats.org/drawingml/2006/main" xmlns:r="http://schemas.openxmlformats.org/officeDocument/2006/relationships" xmlns:p="http://schemas.openxmlformats.org/presentationml/2006/main">
+  <p:cSld>
+    <p:spTree>
+      <p:nvGrpSpPr>
+        <p:cNvPr id="1" name=""/>
+        <p:cNvGrpSpPr/>
+        <p:nvPr/>
+      </p:nvGrpSpPr>
+      <p:grpSpPr>
+        <a:xfrm>
+          <a:off x="0" y="0"/>
+          <a:ext cx="0" cy="0"/>
+          <a:chOff x="0" y="0"/>
+          <a:chExt cx="0" cy="0"/>
+        </a:xfrm>
+      </p:grpSpPr>
+      <p:sp>
+        <p:nvSpPr>
+          <p:cNvPr id="4" name="Marcador de pie de página 3"/>
+          <p:cNvSpPr>
+            <a:spLocks noGrp="1"/>
+          </p:cNvSpPr>
+          <p:nvPr>
+            <p:ph type="ftr" sz="quarter" idx="11"/>
+          </p:nvPr>
+        </p:nvSpPr>
+        <p:spPr/>
+        <p:txBody>
+          <a:bodyPr/>
+          <a:lstStyle/>
+          <a:p>
+            <a:r>
+              <a:rPr lang="es-AR" smtClean="0"/>
+              <a:t>OYARZO Mariela – QUIROGA Sandra – MÁRQUEZ EMANUEL</a:t>
+            </a:r>
+            <a:endParaRPr lang="es-AR" dirty="0"/>
+          </a:p>
+        </p:txBody>
+      </p:sp>
+      <p:sp>
+        <p:nvSpPr>
+          <p:cNvPr id="5" name="Marcador de número de diapositiva 4"/>
+          <p:cNvSpPr>
+            <a:spLocks noGrp="1"/>
+          </p:cNvSpPr>
+          <p:nvPr>
+            <p:ph type="sldNum" sz="quarter" idx="12"/>
+          </p:nvPr>
+        </p:nvSpPr>
+        <p:spPr/>
+        <p:txBody>
+          <a:bodyPr/>
+          <a:lstStyle/>
+          <a:p>
+            <a:fld id="{779E3280-5C43-43EF-BE7D-8C553A58A779}" type="slidenum">
+              <a:rPr lang="es-AR" smtClean="0"/>
+              <a:pPr/>
+              <a:t>14</a:t>
+            </a:fld>
+            <a:endParaRPr lang="es-AR" dirty="0"/>
+          </a:p>
+        </p:txBody>
+      </p:sp>
+      <p:sp>
+        <p:nvSpPr>
+          <p:cNvPr id="3" name="Título 2"/>
+          <p:cNvSpPr>
+            <a:spLocks noGrp="1"/>
+          </p:cNvSpPr>
+          <p:nvPr>
+            <p:ph type="title"/>
+          </p:nvPr>
+        </p:nvSpPr>
+        <p:spPr/>
+        <p:txBody>
+          <a:bodyPr/>
+          <a:lstStyle/>
+          <a:p>
+            <a:r>
+              <a:rPr lang="es-AR" dirty="0" smtClean="0"/>
+              <a:t>Fin de presentación</a:t>
+            </a:r>
             <a:endParaRPr lang="es-AR" dirty="0"/>
           </a:p>
         </p:txBody>
@@ -7652,8 +8001,8 @@
         </p:blipFill>
         <p:spPr>
           <a:xfrm>
-            <a:off x="4130722" y="2141611"/>
-            <a:ext cx="4021540" cy="3619386"/>
+            <a:off x="3357347" y="1063436"/>
+            <a:ext cx="5459105" cy="4913195"/>
           </a:xfrm>
           <a:prstGeom prst="rect">
             <a:avLst/>
@@ -7771,7 +8120,11 @@
           <a:bodyPr/>
           <a:lstStyle/>
           <a:p>
-            <a:endParaRPr lang="es-AR"/>
+            <a:r>
+              <a:rPr lang="es-AR" dirty="0" smtClean="0"/>
+              <a:t>Índice de temas</a:t>
+            </a:r>
+            <a:endParaRPr lang="es-AR" dirty="0"/>
           </a:p>
         </p:txBody>
       </p:sp>
@@ -7785,160 +8138,125 @@
             <p:ph idx="1"/>
           </p:nvPr>
         </p:nvSpPr>
-        <p:spPr/>
-        <p:txBody>
-          <a:bodyPr/>
-          <a:lstStyle/>
-          <a:p>
-            <a:pPr marL="514350" indent="-514350">
-              <a:buFont typeface="+mj-lt"/>
-              <a:buAutoNum type="arabicPeriod"/>
-            </a:pPr>
+        <p:spPr>
+          <a:xfrm>
+            <a:off x="777922" y="1106956"/>
+            <a:ext cx="10476233" cy="4829819"/>
+          </a:xfrm>
+        </p:spPr>
+        <p:txBody>
+          <a:bodyPr>
+            <a:normAutofit lnSpcReduction="10000"/>
+          </a:bodyPr>
+          <a:lstStyle/>
+          <a:p>
             <a:r>
               <a:rPr lang="es-AR" dirty="0" smtClean="0"/>
-              <a:t>Sobre el grupo de desarrollo. </a:t>
-            </a:r>
-            <a:r>
-              <a:rPr lang="es-AR" b="1" dirty="0" smtClean="0"/>
-              <a:t>Sandrita</a:t>
-            </a:r>
-          </a:p>
-          <a:p>
-            <a:pPr marL="514350" indent="-514350">
-              <a:buFont typeface="+mj-lt"/>
-              <a:buAutoNum type="arabicPeriod"/>
-            </a:pPr>
-            <a:r>
-              <a:rPr lang="es-AR" dirty="0" smtClean="0"/>
-              <a:t>Sobre la comunicación. </a:t>
-            </a:r>
-            <a:r>
-              <a:rPr lang="es-AR" b="1" dirty="0" err="1" smtClean="0"/>
-              <a:t>Sandri</a:t>
-            </a:r>
-            <a:r>
-              <a:rPr lang="es-AR" b="1" dirty="0" smtClean="0"/>
-              <a:t>.</a:t>
-            </a:r>
-          </a:p>
-          <a:p>
-            <a:pPr marL="514350" indent="-514350">
-              <a:buFont typeface="+mj-lt"/>
-              <a:buAutoNum type="arabicPeriod"/>
-            </a:pPr>
-            <a:r>
-              <a:rPr lang="es-AR" dirty="0" smtClean="0"/>
-              <a:t>Sobre los procesos actuales. </a:t>
-            </a:r>
-            <a:r>
-              <a:rPr lang="es-AR" b="1" dirty="0" smtClean="0"/>
-              <a:t>Ema</a:t>
+              <a:t>Introducción</a:t>
             </a:r>
             <a:r>
               <a:rPr lang="es-AR" dirty="0" smtClean="0"/>
               <a:t>.</a:t>
             </a:r>
-          </a:p>
-          <a:p>
-            <a:pPr marL="514350" indent="-514350">
-              <a:buFont typeface="+mj-lt"/>
-              <a:buAutoNum type="arabicPeriod"/>
-            </a:pPr>
+            <a:endParaRPr lang="es-AR" b="1" dirty="0" smtClean="0"/>
+          </a:p>
+          <a:p>
             <a:r>
               <a:rPr lang="es-AR" dirty="0" smtClean="0"/>
-              <a:t>Planificación. </a:t>
-            </a:r>
-            <a:r>
-              <a:rPr lang="es-AR" b="1" dirty="0" smtClean="0"/>
-              <a:t>Mariela.</a:t>
-            </a:r>
-          </a:p>
-          <a:p>
-            <a:pPr marL="514350" indent="-514350">
-              <a:buFont typeface="+mj-lt"/>
-              <a:buAutoNum type="arabicPeriod"/>
-            </a:pPr>
+              <a:t>Aspectos de la comunicación.</a:t>
+            </a:r>
+            <a:endParaRPr lang="es-AR" b="1" dirty="0" smtClean="0"/>
+          </a:p>
+          <a:p>
+            <a:r>
+              <a:rPr lang="es-AR" dirty="0"/>
+              <a:t>P</a:t>
+            </a:r>
             <a:r>
               <a:rPr lang="es-AR" dirty="0" smtClean="0"/>
-              <a:t>Estimación. </a:t>
-            </a:r>
-            <a:r>
-              <a:rPr lang="es-AR" b="1" dirty="0" err="1" smtClean="0"/>
-              <a:t>Sandri</a:t>
-            </a:r>
-            <a:r>
-              <a:rPr lang="es-AR" b="1" dirty="0" smtClean="0"/>
-              <a:t>.</a:t>
-            </a:r>
-          </a:p>
-          <a:p>
-            <a:pPr marL="514350" indent="-514350">
-              <a:buFont typeface="+mj-lt"/>
-              <a:buAutoNum type="arabicPeriod"/>
-            </a:pPr>
+              <a:t>rocesos </a:t>
+            </a:r>
             <a:r>
               <a:rPr lang="es-AR" dirty="0" smtClean="0"/>
-              <a:t>Gestión de riesgo. </a:t>
-            </a:r>
-            <a:r>
-              <a:rPr lang="es-AR" b="1" dirty="0" smtClean="0"/>
-              <a:t>Mariela</a:t>
+              <a:t>actuales</a:t>
             </a:r>
             <a:r>
               <a:rPr lang="es-AR" dirty="0" smtClean="0"/>
               <a:t>.</a:t>
             </a:r>
-          </a:p>
-          <a:p>
-            <a:pPr marL="514350" indent="-514350">
-              <a:buFont typeface="+mj-lt"/>
-              <a:buAutoNum type="arabicPeriod"/>
-            </a:pPr>
+            <a:endParaRPr lang="es-AR" dirty="0" smtClean="0"/>
+          </a:p>
+          <a:p>
             <a:r>
               <a:rPr lang="es-AR" dirty="0" smtClean="0"/>
-              <a:t>Modelos. </a:t>
-            </a:r>
-            <a:r>
-              <a:rPr lang="es-AR" b="1" dirty="0" smtClean="0"/>
-              <a:t>Ema</a:t>
+              <a:t>Planificación</a:t>
             </a:r>
             <a:r>
               <a:rPr lang="es-AR" dirty="0" smtClean="0"/>
               <a:t>.</a:t>
             </a:r>
-          </a:p>
-          <a:p>
-            <a:pPr marL="514350" indent="-514350">
-              <a:buFont typeface="+mj-lt"/>
-              <a:buAutoNum type="arabicPeriod"/>
-            </a:pPr>
+            <a:endParaRPr lang="es-AR" b="1" dirty="0" smtClean="0"/>
+          </a:p>
+          <a:p>
             <a:r>
               <a:rPr lang="es-AR" dirty="0" smtClean="0"/>
-              <a:t>Implementación. </a:t>
-            </a:r>
-            <a:r>
-              <a:rPr lang="es-AR" b="1" dirty="0" smtClean="0"/>
-              <a:t>Ema</a:t>
+              <a:t>Estimación</a:t>
             </a:r>
             <a:r>
               <a:rPr lang="es-AR" dirty="0" smtClean="0"/>
               <a:t>.</a:t>
             </a:r>
-          </a:p>
-          <a:p>
-            <a:pPr marL="514350" indent="-514350">
-              <a:buFont typeface="+mj-lt"/>
-              <a:buAutoNum type="arabicPeriod"/>
-            </a:pPr>
+            <a:endParaRPr lang="es-AR" b="1" dirty="0" smtClean="0"/>
+          </a:p>
+          <a:p>
             <a:r>
               <a:rPr lang="es-AR" dirty="0" smtClean="0"/>
-              <a:t>Pruebas. </a:t>
-            </a:r>
-            <a:r>
-              <a:rPr lang="es-AR" b="1" dirty="0" smtClean="0"/>
-              <a:t>Mariela.</a:t>
-            </a:r>
-            <a:endParaRPr lang="es-AR" b="1" dirty="0"/>
+              <a:t>Gestión de riesgo</a:t>
+            </a:r>
+            <a:r>
+              <a:rPr lang="es-AR" dirty="0" smtClean="0"/>
+              <a:t>.</a:t>
+            </a:r>
+            <a:endParaRPr lang="es-AR" dirty="0" smtClean="0"/>
+          </a:p>
+          <a:p>
+            <a:r>
+              <a:rPr lang="es-AR" dirty="0" smtClean="0"/>
+              <a:t>Modelos</a:t>
+            </a:r>
+            <a:r>
+              <a:rPr lang="es-AR" dirty="0" smtClean="0"/>
+              <a:t>.</a:t>
+            </a:r>
+            <a:endParaRPr lang="es-AR" dirty="0" smtClean="0"/>
+          </a:p>
+          <a:p>
+            <a:r>
+              <a:rPr lang="es-AR" dirty="0" smtClean="0"/>
+              <a:t>Implementación</a:t>
+            </a:r>
+            <a:r>
+              <a:rPr lang="es-AR" dirty="0" smtClean="0"/>
+              <a:t>.</a:t>
+            </a:r>
+            <a:endParaRPr lang="es-AR" dirty="0" smtClean="0"/>
+          </a:p>
+          <a:p>
+            <a:r>
+              <a:rPr lang="es-AR" dirty="0" smtClean="0"/>
+              <a:t>Pruebas</a:t>
+            </a:r>
+            <a:r>
+              <a:rPr lang="es-AR" dirty="0" smtClean="0"/>
+              <a:t>.</a:t>
+            </a:r>
+          </a:p>
+          <a:p>
+            <a:r>
+              <a:rPr lang="es-AR" dirty="0" smtClean="0"/>
+              <a:t>Video funcional de la aplicación móvil y página web</a:t>
+            </a:r>
+            <a:endParaRPr lang="es-AR" dirty="0"/>
           </a:p>
         </p:txBody>
       </p:sp>
@@ -7947,6 +8265,18 @@
   <p:clrMapOvr>
     <a:masterClrMapping/>
   </p:clrMapOvr>
+  <mc:AlternateContent xmlns:mc="http://schemas.openxmlformats.org/markup-compatibility/2006">
+    <mc:Choice xmlns:p14="http://schemas.microsoft.com/office/powerpoint/2010/main" Requires="p14">
+      <p:transition spd="slow">
+        <p14:reveal/>
+      </p:transition>
+    </mc:Choice>
+    <mc:Fallback>
+      <p:transition spd="slow">
+        <p:fade/>
+      </p:transition>
+    </mc:Fallback>
+  </mc:AlternateContent>
   <p:timing>
     <p:tnLst>
       <p:par>
@@ -8038,7 +8368,11 @@
           <a:p>
             <a:r>
               <a:rPr lang="es-AR" dirty="0" smtClean="0"/>
-              <a:t>Grupo de desarrollo</a:t>
+              <a:t>Grupo </a:t>
+            </a:r>
+            <a:r>
+              <a:rPr lang="es-AR" dirty="0" smtClean="0"/>
+              <a:t>de desarrollo</a:t>
             </a:r>
             <a:endParaRPr lang="es-AR" dirty="0"/>
           </a:p>
@@ -8065,8 +8399,8 @@
         </p:blipFill>
         <p:spPr bwMode="auto">
           <a:xfrm>
-            <a:off x="1267256" y="2110154"/>
-            <a:ext cx="4163951" cy="3460717"/>
+            <a:off x="462039" y="1580304"/>
+            <a:ext cx="4546690" cy="3778817"/>
           </a:xfrm>
           <a:prstGeom prst="rect">
             <a:avLst/>
@@ -8098,8 +8432,8 @@
         </p:blipFill>
         <p:spPr bwMode="auto">
           <a:xfrm>
-            <a:off x="6882471" y="1907966"/>
-            <a:ext cx="3987165" cy="3604260"/>
+            <a:off x="6955184" y="1336096"/>
+            <a:ext cx="4450419" cy="4023025"/>
           </a:xfrm>
           <a:prstGeom prst="rect">
             <a:avLst/>
@@ -8120,6 +8454,18 @@
   <p:clrMapOvr>
     <a:masterClrMapping/>
   </p:clrMapOvr>
+  <mc:AlternateContent xmlns:mc="http://schemas.openxmlformats.org/markup-compatibility/2006">
+    <mc:Choice xmlns:p14="http://schemas.microsoft.com/office/powerpoint/2010/main" Requires="p14">
+      <p:transition spd="slow">
+        <p14:reveal/>
+      </p:transition>
+    </mc:Choice>
+    <mc:Fallback>
+      <p:transition spd="slow">
+        <p:fade/>
+      </p:transition>
+    </mc:Fallback>
+  </mc:AlternateContent>
   <p:timing>
     <p:tnLst>
       <p:par>
@@ -8219,16 +8565,16 @@
       </p:sp>
       <p:pic>
         <p:nvPicPr>
-          <p:cNvPr id="8" name="Imagen 5"/>
+          <p:cNvPr id="11" name="Marcador de contenido 10"/>
           <p:cNvPicPr>
-            <a:picLocks noGrp="1"/>
+            <a:picLocks noGrp="1" noChangeAspect="1"/>
           </p:cNvPicPr>
           <p:nvPr>
             <p:ph idx="1"/>
           </p:nvPr>
         </p:nvPicPr>
         <p:blipFill>
-          <a:blip r:embed="rId2" cstate="print">
+          <a:blip r:embed="rId2">
             <a:extLst>
               <a:ext uri="{28A0092B-C50C-407E-A947-70E740481C1C}">
                 <a14:useLocalDpi xmlns:a14="http://schemas.microsoft.com/office/drawing/2010/main" val="0"/>
@@ -8241,12 +8587,9 @@
         </p:blipFill>
         <p:spPr>
           <a:xfrm>
-            <a:off x="164349" y="785272"/>
-            <a:ext cx="11863301" cy="5438109"/>
+            <a:off x="1658784" y="730680"/>
+            <a:ext cx="8874431" cy="5573463"/>
           </a:xfrm>
-          <a:prstGeom prst="rect">
-            <a:avLst/>
-          </a:prstGeom>
         </p:spPr>
       </p:pic>
     </p:spTree>
@@ -8259,6 +8602,18 @@
   <p:clrMapOvr>
     <a:masterClrMapping/>
   </p:clrMapOvr>
+  <mc:AlternateContent xmlns:mc="http://schemas.openxmlformats.org/markup-compatibility/2006">
+    <mc:Choice xmlns:p14="http://schemas.microsoft.com/office/powerpoint/2010/main" Requires="p14">
+      <p:transition spd="slow">
+        <p14:reveal/>
+      </p:transition>
+    </mc:Choice>
+    <mc:Fallback>
+      <p:transition spd="slow">
+        <p:fade/>
+      </p:transition>
+    </mc:Fallback>
+  </mc:AlternateContent>
   <p:timing>
     <p:tnLst>
       <p:par>
@@ -8394,6 +8749,18 @@
   <p:clrMapOvr>
     <a:masterClrMapping/>
   </p:clrMapOvr>
+  <mc:AlternateContent xmlns:mc="http://schemas.openxmlformats.org/markup-compatibility/2006">
+    <mc:Choice xmlns:p14="http://schemas.microsoft.com/office/powerpoint/2010/main" Requires="p14">
+      <p:transition spd="slow">
+        <p14:reveal/>
+      </p:transition>
+    </mc:Choice>
+    <mc:Fallback>
+      <p:transition spd="slow">
+        <p:fade/>
+      </p:transition>
+    </mc:Fallback>
+  </mc:AlternateContent>
   <p:timing>
     <p:tnLst>
       <p:par>
@@ -8529,6 +8896,18 @@
   <p:clrMapOvr>
     <a:masterClrMapping/>
   </p:clrMapOvr>
+  <mc:AlternateContent xmlns:mc="http://schemas.openxmlformats.org/markup-compatibility/2006">
+    <mc:Choice xmlns:p14="http://schemas.microsoft.com/office/powerpoint/2010/main" Requires="p14">
+      <p:transition spd="slow">
+        <p14:reveal/>
+      </p:transition>
+    </mc:Choice>
+    <mc:Fallback>
+      <p:transition spd="slow">
+        <p:fade/>
+      </p:transition>
+    </mc:Fallback>
+  </mc:AlternateContent>
   <p:timing>
     <p:tnLst>
       <p:par>
@@ -8634,7 +9013,7 @@
           </p:cNvPicPr>
           <p:nvPr/>
         </p:nvPicPr>
-        <p:blipFill>
+        <p:blipFill rotWithShape="1">
           <a:blip r:embed="rId2">
             <a:extLst>
               <a:ext uri="{28A0092B-C50C-407E-A947-70E740481C1C}">
@@ -8642,14 +9021,13 @@
               </a:ext>
             </a:extLst>
           </a:blip>
-          <a:stretch>
-            <a:fillRect/>
-          </a:stretch>
+          <a:srcRect t="2235" b="2564"/>
+          <a:stretch/>
         </p:blipFill>
         <p:spPr>
           <a:xfrm>
-            <a:off x="1547289" y="763408"/>
-            <a:ext cx="8159577" cy="5533643"/>
+            <a:off x="1318684" y="730680"/>
+            <a:ext cx="8616788" cy="5563224"/>
           </a:xfrm>
           <a:prstGeom prst="rect">
             <a:avLst/>
@@ -8666,6 +9044,18 @@
   <p:clrMapOvr>
     <a:masterClrMapping/>
   </p:clrMapOvr>
+  <mc:AlternateContent xmlns:mc="http://schemas.openxmlformats.org/markup-compatibility/2006">
+    <mc:Choice xmlns:p14="http://schemas.microsoft.com/office/powerpoint/2010/main" Requires="p14">
+      <p:transition spd="slow">
+        <p14:reveal/>
+      </p:transition>
+    </mc:Choice>
+    <mc:Fallback>
+      <p:transition spd="slow">
+        <p:fade/>
+      </p:transition>
+    </mc:Fallback>
+  </mc:AlternateContent>
   <p:timing>
     <p:tnLst>
       <p:par>
@@ -8782,7 +9172,7 @@
         </p:blipFill>
         <p:spPr>
           <a:xfrm>
-            <a:off x="118839" y="845438"/>
+            <a:off x="146135" y="2091924"/>
             <a:ext cx="6108154" cy="2883740"/>
           </a:xfrm>
           <a:prstGeom prst="rect">
@@ -8809,7 +9199,7 @@
         </p:blipFill>
         <p:spPr>
           <a:xfrm>
-            <a:off x="6096000" y="900030"/>
+            <a:off x="6123296" y="2146516"/>
             <a:ext cx="5902256" cy="2883740"/>
           </a:xfrm>
           <a:prstGeom prst="rect">
@@ -8817,6 +9207,263 @@
           </a:prstGeom>
         </p:spPr>
       </p:pic>
+      <p:sp>
+        <p:nvSpPr>
+          <p:cNvPr id="7" name="4 Marcador de contenido"/>
+          <p:cNvSpPr>
+            <a:spLocks noGrp="1"/>
+          </p:cNvSpPr>
+          <p:nvPr>
+            <p:ph idx="1"/>
+          </p:nvPr>
+        </p:nvSpPr>
+        <p:spPr>
+          <a:xfrm>
+            <a:off x="266131" y="935648"/>
+            <a:ext cx="10476233" cy="909601"/>
+          </a:xfrm>
+        </p:spPr>
+        <p:txBody>
+          <a:bodyPr>
+            <a:normAutofit/>
+          </a:bodyPr>
+          <a:lstStyle/>
+          <a:p>
+            <a:r>
+              <a:rPr lang="es-AR" sz="2000" dirty="0" smtClean="0"/>
+              <a:t>Estimación inicial del proyecto: </a:t>
+            </a:r>
+            <a:r>
+              <a:rPr lang="es-AR" sz="2000" b="1" dirty="0" smtClean="0"/>
+              <a:t>1 año y 3 meses.</a:t>
+            </a:r>
+            <a:endParaRPr lang="es-AR" sz="2000" b="1" dirty="0" smtClean="0"/>
+          </a:p>
+          <a:p>
+            <a:r>
+              <a:rPr lang="es-AR" sz="2000" dirty="0" smtClean="0"/>
+              <a:t>Última estimación del 07/04/2019: </a:t>
+            </a:r>
+            <a:r>
+              <a:rPr lang="es-AR" sz="2000" b="1" dirty="0" smtClean="0"/>
+              <a:t>1 mes y 3 semanas </a:t>
+            </a:r>
+            <a:r>
+              <a:rPr lang="es-AR" sz="2000" dirty="0" smtClean="0"/>
+              <a:t>para finalizar proyecto</a:t>
+            </a:r>
+            <a:endParaRPr lang="es-AR" sz="2000" b="1" dirty="0"/>
+          </a:p>
+        </p:txBody>
+      </p:sp>
+      <p:sp>
+        <p:nvSpPr>
+          <p:cNvPr id="9" name="4 Marcador de contenido"/>
+          <p:cNvSpPr txBox="1">
+            <a:spLocks/>
+          </p:cNvSpPr>
+          <p:nvPr/>
+        </p:nvSpPr>
+        <p:spPr>
+          <a:xfrm>
+            <a:off x="2801873" y="5191402"/>
+            <a:ext cx="6588254" cy="354363"/>
+          </a:xfrm>
+          <a:prstGeom prst="rect">
+            <a:avLst/>
+          </a:prstGeom>
+          <a:noFill/>
+          <a:ln>
+            <a:noFill/>
+          </a:ln>
+        </p:spPr>
+        <p:txBody>
+          <a:bodyPr vert="horz" lIns="91440" tIns="45720" rIns="91440" bIns="45720" rtlCol="0">
+            <a:normAutofit/>
+          </a:bodyPr>
+          <a:lstStyle>
+            <a:lvl1pPr marL="228600" indent="-228600" algn="just" defTabSz="914400" rtl="0" eaLnBrk="1" latinLnBrk="0" hangingPunct="1">
+              <a:lnSpc>
+                <a:spcPct val="90000"/>
+              </a:lnSpc>
+              <a:spcBef>
+                <a:spcPts val="1000"/>
+              </a:spcBef>
+              <a:buFont typeface="Arial" panose="020B0604020202020204" pitchFamily="34" charset="0"/>
+              <a:buChar char="•"/>
+              <a:defRPr sz="2800" kern="1200">
+                <a:solidFill>
+                  <a:schemeClr val="tx1"/>
+                </a:solidFill>
+                <a:latin typeface="Calibri" panose="020F0502020204030204" pitchFamily="34" charset="0"/>
+                <a:ea typeface="+mn-ea"/>
+                <a:cs typeface="Calibri" panose="020F0502020204030204" pitchFamily="34" charset="0"/>
+              </a:defRPr>
+            </a:lvl1pPr>
+            <a:lvl2pPr marL="685800" indent="-228600" algn="just" defTabSz="914400" rtl="0" eaLnBrk="1" latinLnBrk="0" hangingPunct="1">
+              <a:lnSpc>
+                <a:spcPct val="90000"/>
+              </a:lnSpc>
+              <a:spcBef>
+                <a:spcPts val="500"/>
+              </a:spcBef>
+              <a:buFont typeface="Arial" panose="020B0604020202020204" pitchFamily="34" charset="0"/>
+              <a:buChar char="•"/>
+              <a:defRPr sz="2400" kern="1200">
+                <a:solidFill>
+                  <a:schemeClr val="tx1"/>
+                </a:solidFill>
+                <a:latin typeface="Calibri" panose="020F0502020204030204" pitchFamily="34" charset="0"/>
+                <a:ea typeface="+mn-ea"/>
+                <a:cs typeface="Calibri" panose="020F0502020204030204" pitchFamily="34" charset="0"/>
+              </a:defRPr>
+            </a:lvl2pPr>
+            <a:lvl3pPr marL="1143000" indent="-228600" algn="just" defTabSz="914400" rtl="0" eaLnBrk="1" latinLnBrk="0" hangingPunct="1">
+              <a:lnSpc>
+                <a:spcPct val="90000"/>
+              </a:lnSpc>
+              <a:spcBef>
+                <a:spcPts val="500"/>
+              </a:spcBef>
+              <a:buFont typeface="Arial" panose="020B0604020202020204" pitchFamily="34" charset="0"/>
+              <a:buChar char="•"/>
+              <a:defRPr sz="2400" kern="1200">
+                <a:solidFill>
+                  <a:schemeClr val="tx1"/>
+                </a:solidFill>
+                <a:latin typeface="Calibri" panose="020F0502020204030204" pitchFamily="34" charset="0"/>
+                <a:ea typeface="+mn-ea"/>
+                <a:cs typeface="Calibri" panose="020F0502020204030204" pitchFamily="34" charset="0"/>
+              </a:defRPr>
+            </a:lvl3pPr>
+            <a:lvl4pPr marL="1600200" indent="-228600" algn="just" defTabSz="914400" rtl="0" eaLnBrk="1" latinLnBrk="0" hangingPunct="1">
+              <a:lnSpc>
+                <a:spcPct val="90000"/>
+              </a:lnSpc>
+              <a:spcBef>
+                <a:spcPts val="500"/>
+              </a:spcBef>
+              <a:buFont typeface="Arial" panose="020B0604020202020204" pitchFamily="34" charset="0"/>
+              <a:buChar char="•"/>
+              <a:defRPr sz="1800" kern="1200">
+                <a:solidFill>
+                  <a:schemeClr val="tx1"/>
+                </a:solidFill>
+                <a:latin typeface="+mn-lt"/>
+                <a:ea typeface="+mn-ea"/>
+                <a:cs typeface="+mn-cs"/>
+              </a:defRPr>
+            </a:lvl4pPr>
+            <a:lvl5pPr marL="2057400" indent="-228600" algn="just" defTabSz="914400" rtl="0" eaLnBrk="1" latinLnBrk="0" hangingPunct="1">
+              <a:lnSpc>
+                <a:spcPct val="90000"/>
+              </a:lnSpc>
+              <a:spcBef>
+                <a:spcPts val="500"/>
+              </a:spcBef>
+              <a:buFont typeface="Arial" panose="020B0604020202020204" pitchFamily="34" charset="0"/>
+              <a:buChar char="•"/>
+              <a:defRPr sz="1800" kern="1200">
+                <a:solidFill>
+                  <a:schemeClr val="bg1">
+                    <a:lumMod val="75000"/>
+                    <a:lumOff val="25000"/>
+                  </a:schemeClr>
+                </a:solidFill>
+                <a:latin typeface="+mn-lt"/>
+                <a:ea typeface="+mn-ea"/>
+                <a:cs typeface="+mn-cs"/>
+              </a:defRPr>
+            </a:lvl5pPr>
+            <a:lvl6pPr marL="2514600" indent="-228600" algn="l" defTabSz="914400" rtl="0" eaLnBrk="1" latinLnBrk="0" hangingPunct="1">
+              <a:lnSpc>
+                <a:spcPct val="90000"/>
+              </a:lnSpc>
+              <a:spcBef>
+                <a:spcPts val="500"/>
+              </a:spcBef>
+              <a:buFont typeface="Arial" panose="020B0604020202020204" pitchFamily="34" charset="0"/>
+              <a:buChar char="•"/>
+              <a:defRPr sz="1800" kern="1200">
+                <a:solidFill>
+                  <a:schemeClr val="tx1"/>
+                </a:solidFill>
+                <a:latin typeface="+mn-lt"/>
+                <a:ea typeface="+mn-ea"/>
+                <a:cs typeface="+mn-cs"/>
+              </a:defRPr>
+            </a:lvl6pPr>
+            <a:lvl7pPr marL="2971800" indent="-228600" algn="l" defTabSz="914400" rtl="0" eaLnBrk="1" latinLnBrk="0" hangingPunct="1">
+              <a:lnSpc>
+                <a:spcPct val="90000"/>
+              </a:lnSpc>
+              <a:spcBef>
+                <a:spcPts val="500"/>
+              </a:spcBef>
+              <a:buFont typeface="Arial" panose="020B0604020202020204" pitchFamily="34" charset="0"/>
+              <a:buChar char="•"/>
+              <a:defRPr sz="1800" kern="1200">
+                <a:solidFill>
+                  <a:schemeClr val="tx1"/>
+                </a:solidFill>
+                <a:latin typeface="+mn-lt"/>
+                <a:ea typeface="+mn-ea"/>
+                <a:cs typeface="+mn-cs"/>
+              </a:defRPr>
+            </a:lvl7pPr>
+            <a:lvl8pPr marL="3429000" indent="-228600" algn="l" defTabSz="914400" rtl="0" eaLnBrk="1" latinLnBrk="0" hangingPunct="1">
+              <a:lnSpc>
+                <a:spcPct val="90000"/>
+              </a:lnSpc>
+              <a:spcBef>
+                <a:spcPts val="500"/>
+              </a:spcBef>
+              <a:buFont typeface="Arial" panose="020B0604020202020204" pitchFamily="34" charset="0"/>
+              <a:buChar char="•"/>
+              <a:defRPr sz="1800" kern="1200">
+                <a:solidFill>
+                  <a:schemeClr val="tx1"/>
+                </a:solidFill>
+                <a:latin typeface="+mn-lt"/>
+                <a:ea typeface="+mn-ea"/>
+                <a:cs typeface="+mn-cs"/>
+              </a:defRPr>
+            </a:lvl8pPr>
+            <a:lvl9pPr marL="3886200" indent="-228600" algn="l" defTabSz="914400" rtl="0" eaLnBrk="1" latinLnBrk="0" hangingPunct="1">
+              <a:lnSpc>
+                <a:spcPct val="90000"/>
+              </a:lnSpc>
+              <a:spcBef>
+                <a:spcPts val="500"/>
+              </a:spcBef>
+              <a:buFont typeface="Arial" panose="020B0604020202020204" pitchFamily="34" charset="0"/>
+              <a:buChar char="•"/>
+              <a:defRPr sz="1800" kern="1200">
+                <a:solidFill>
+                  <a:schemeClr val="tx1"/>
+                </a:solidFill>
+                <a:latin typeface="+mn-lt"/>
+                <a:ea typeface="+mn-ea"/>
+                <a:cs typeface="+mn-cs"/>
+              </a:defRPr>
+            </a:lvl9pPr>
+          </a:lstStyle>
+          <a:p>
+            <a:pPr marL="0" indent="0">
+              <a:buNone/>
+            </a:pPr>
+            <a:r>
+              <a:rPr lang="es-AR" sz="1800" dirty="0" smtClean="0"/>
+              <a:t>Tiempo de trabajo real del equipo de desarrollo según </a:t>
+            </a:r>
+            <a:r>
+              <a:rPr lang="es-AR" sz="1800" b="1" dirty="0" err="1" smtClean="0"/>
+              <a:t>GitHub</a:t>
+            </a:r>
+            <a:endParaRPr lang="es-AR" sz="1800" b="1" dirty="0"/>
+          </a:p>
+        </p:txBody>
+      </p:sp>
     </p:spTree>
     <p:extLst>
       <p:ext uri="{BB962C8B-B14F-4D97-AF65-F5344CB8AC3E}">
@@ -8827,12 +9474,16 @@
   <p:clrMapOvr>
     <a:masterClrMapping/>
   </p:clrMapOvr>
-  <mc:AlternateContent xmlns:mc="http://schemas.openxmlformats.org/markup-compatibility/2006" xmlns:p14="http://schemas.microsoft.com/office/powerpoint/2010/main">
-    <mc:Choice Requires="p14">
-      <p:transition p14:dur="10"/>
+  <mc:AlternateContent xmlns:mc="http://schemas.openxmlformats.org/markup-compatibility/2006">
+    <mc:Choice xmlns:p14="http://schemas.microsoft.com/office/powerpoint/2010/main" Requires="p14">
+      <p:transition spd="slow">
+        <p14:reveal/>
+      </p:transition>
     </mc:Choice>
-    <mc:Fallback xmlns="">
-      <p:transition/>
+    <mc:Fallback>
+      <p:transition spd="slow">
+        <p:fade/>
+      </p:transition>
     </mc:Fallback>
   </mc:AlternateContent>
   <p:timing>
@@ -8967,7 +9618,18 @@
   <p:clrMapOvr>
     <a:masterClrMapping/>
   </p:clrMapOvr>
-  <p:transition spd="slow"/>
+  <mc:AlternateContent xmlns:mc="http://schemas.openxmlformats.org/markup-compatibility/2006">
+    <mc:Choice xmlns:p14="http://schemas.microsoft.com/office/powerpoint/2010/main" Requires="p14">
+      <p:transition spd="slow">
+        <p14:reveal/>
+      </p:transition>
+    </mc:Choice>
+    <mc:Fallback>
+      <p:transition spd="slow">
+        <p:fade/>
+      </p:transition>
+    </mc:Fallback>
+  </mc:AlternateContent>
   <p:timing>
     <p:tnLst>
       <p:par>

--- a/08. Presentaciones/Presentación 11.pptx
+++ b/08. Presentaciones/Presentación 11.pptx
@@ -6979,9 +6979,6 @@
               </a:rPr>
               <a:t>EXPOSICIÓN FINAL</a:t>
             </a:r>
-            <a:endParaRPr lang="es-AR" sz="5400" b="1" dirty="0" smtClean="0">
-              <a:latin typeface="Calibri Light" pitchFamily="34" charset="0"/>
-            </a:endParaRPr>
           </a:p>
           <a:p>
             <a:pPr algn="ctr"/>
@@ -7125,13 +7122,13 @@
   <p:clrMapOvr>
     <a:masterClrMapping/>
   </p:clrMapOvr>
-  <mc:AlternateContent xmlns:mc="http://schemas.openxmlformats.org/markup-compatibility/2006">
-    <mc:Choice xmlns:p14="http://schemas.microsoft.com/office/powerpoint/2010/main" Requires="p14">
+  <mc:AlternateContent xmlns:mc="http://schemas.openxmlformats.org/markup-compatibility/2006" xmlns:p14="http://schemas.microsoft.com/office/powerpoint/2010/main">
+    <mc:Choice Requires="p14">
       <p:transition spd="slow">
         <p14:reveal/>
       </p:transition>
     </mc:Choice>
-    <mc:Fallback>
+    <mc:Fallback xmlns="">
       <p:transition spd="slow">
         <p:fade/>
       </p:transition>
@@ -7242,7 +7239,7 @@
           </p:cNvPicPr>
           <p:nvPr/>
         </p:nvPicPr>
-        <p:blipFill>
+        <p:blipFill rotWithShape="1">
           <a:blip r:embed="rId2">
             <a:extLst>
               <a:ext uri="{28A0092B-C50C-407E-A947-70E740481C1C}">
@@ -7250,14 +7247,13 @@
               </a:ext>
             </a:extLst>
           </a:blip>
-          <a:stretch>
-            <a:fillRect/>
-          </a:stretch>
+          <a:srcRect b="8771"/>
+          <a:stretch/>
         </p:blipFill>
         <p:spPr>
           <a:xfrm>
-            <a:off x="2212744" y="816946"/>
-            <a:ext cx="7777418" cy="5402634"/>
+            <a:off x="1100218" y="733098"/>
+            <a:ext cx="8753464" cy="5547308"/>
           </a:xfrm>
           <a:prstGeom prst="rect">
             <a:avLst/>
@@ -7272,8 +7268,8 @@
         </p:nvSpPr>
         <p:spPr>
           <a:xfrm>
-            <a:off x="1" y="5915514"/>
-            <a:ext cx="3850926" cy="400110"/>
+            <a:off x="9440093" y="6014014"/>
+            <a:ext cx="2751907" cy="307777"/>
           </a:xfrm>
           <a:prstGeom prst="rect">
             <a:avLst/>
@@ -7287,23 +7283,19 @@
           <a:lstStyle/>
           <a:p>
             <a:r>
-              <a:rPr lang="es-AR" sz="2000" dirty="0" smtClean="0">
+              <a:rPr lang="es-AR" sz="1400" dirty="0" smtClean="0">
                 <a:latin typeface="Calibri" panose="020F0502020204030204" pitchFamily="34" charset="0"/>
                 <a:cs typeface="Calibri" panose="020F0502020204030204" pitchFamily="34" charset="0"/>
               </a:rPr>
               <a:t>Ejemplo: diagrama </a:t>
             </a:r>
             <a:r>
-              <a:rPr lang="es-AR" sz="2000" dirty="0">
+              <a:rPr lang="es-AR" sz="1400" dirty="0">
                 <a:latin typeface="Calibri" panose="020F0502020204030204" pitchFamily="34" charset="0"/>
                 <a:cs typeface="Calibri" panose="020F0502020204030204" pitchFamily="34" charset="0"/>
               </a:rPr>
               <a:t>de colaboración</a:t>
             </a:r>
-            <a:endParaRPr lang="es-AR" sz="2000" dirty="0">
-              <a:latin typeface="Calibri" panose="020F0502020204030204" pitchFamily="34" charset="0"/>
-              <a:cs typeface="Calibri" panose="020F0502020204030204" pitchFamily="34" charset="0"/>
-            </a:endParaRPr>
           </a:p>
         </p:txBody>
       </p:sp>
@@ -7317,13 +7309,13 @@
   <p:clrMapOvr>
     <a:masterClrMapping/>
   </p:clrMapOvr>
-  <mc:AlternateContent xmlns:mc="http://schemas.openxmlformats.org/markup-compatibility/2006">
-    <mc:Choice xmlns:p14="http://schemas.microsoft.com/office/powerpoint/2010/main" Requires="p14">
+  <mc:AlternateContent xmlns:mc="http://schemas.openxmlformats.org/markup-compatibility/2006" xmlns:p14="http://schemas.microsoft.com/office/powerpoint/2010/main">
+    <mc:Choice Requires="p14">
       <p:transition spd="slow">
         <p14:reveal/>
       </p:transition>
     </mc:Choice>
-    <mc:Fallback>
+    <mc:Fallback xmlns="">
       <p:transition spd="slow">
         <p:fade/>
       </p:transition>
@@ -7561,13 +7553,13 @@
   <p:clrMapOvr>
     <a:masterClrMapping/>
   </p:clrMapOvr>
-  <mc:AlternateContent xmlns:mc="http://schemas.openxmlformats.org/markup-compatibility/2006">
-    <mc:Choice xmlns:p14="http://schemas.microsoft.com/office/powerpoint/2010/main" Requires="p14">
+  <mc:AlternateContent xmlns:mc="http://schemas.openxmlformats.org/markup-compatibility/2006" xmlns:p14="http://schemas.microsoft.com/office/powerpoint/2010/main">
+    <mc:Choice Requires="p14">
       <p:transition spd="slow">
         <p14:reveal/>
       </p:transition>
     </mc:Choice>
-    <mc:Fallback>
+    <mc:Fallback xmlns="">
       <p:transition spd="slow">
         <p:fade/>
       </p:transition>
@@ -7856,7 +7848,7 @@
               <a:rPr lang="es-AR" dirty="0" err="1" smtClean="0"/>
               <a:t>youtube</a:t>
             </a:r>
-            <a:endParaRPr lang="es-AR" dirty="0"/>
+            <a:endParaRPr lang="es-AR" dirty="0" smtClean="0"/>
           </a:p>
         </p:txBody>
       </p:sp>
@@ -7870,13 +7862,13 @@
   <p:clrMapOvr>
     <a:masterClrMapping/>
   </p:clrMapOvr>
-  <mc:AlternateContent xmlns:mc="http://schemas.openxmlformats.org/markup-compatibility/2006">
-    <mc:Choice xmlns:p14="http://schemas.microsoft.com/office/powerpoint/2010/main" Requires="p14">
+  <mc:AlternateContent xmlns:mc="http://schemas.openxmlformats.org/markup-compatibility/2006" xmlns:p14="http://schemas.microsoft.com/office/powerpoint/2010/main">
+    <mc:Choice Requires="p14">
       <p:transition spd="slow">
         <p14:reveal/>
       </p:transition>
     </mc:Choice>
-    <mc:Fallback>
+    <mc:Fallback xmlns="">
       <p:transition spd="slow">
         <p:fade/>
       </p:transition>
@@ -8152,11 +8144,7 @@
           <a:p>
             <a:r>
               <a:rPr lang="es-AR" dirty="0" smtClean="0"/>
-              <a:t>Introducción</a:t>
-            </a:r>
-            <a:r>
-              <a:rPr lang="es-AR" dirty="0" smtClean="0"/>
-              <a:t>.</a:t>
+              <a:t>Introducción.</a:t>
             </a:r>
             <a:endParaRPr lang="es-AR" b="1" dirty="0" smtClean="0"/>
           </a:p>
@@ -8174,81 +8162,45 @@
             </a:r>
             <a:r>
               <a:rPr lang="es-AR" dirty="0" smtClean="0"/>
-              <a:t>rocesos </a:t>
-            </a:r>
+              <a:t>rocesos actuales.</a:t>
+            </a:r>
+          </a:p>
+          <a:p>
             <a:r>
               <a:rPr lang="es-AR" dirty="0" smtClean="0"/>
-              <a:t>actuales</a:t>
-            </a:r>
+              <a:t>Planificación.</a:t>
+            </a:r>
+            <a:endParaRPr lang="es-AR" b="1" dirty="0" smtClean="0"/>
+          </a:p>
+          <a:p>
             <a:r>
               <a:rPr lang="es-AR" dirty="0" smtClean="0"/>
-              <a:t>.</a:t>
-            </a:r>
-            <a:endParaRPr lang="es-AR" dirty="0" smtClean="0"/>
+              <a:t>Estimación.</a:t>
+            </a:r>
+            <a:endParaRPr lang="es-AR" b="1" dirty="0" smtClean="0"/>
           </a:p>
           <a:p>
             <a:r>
               <a:rPr lang="es-AR" dirty="0" smtClean="0"/>
-              <a:t>Planificación</a:t>
-            </a:r>
+              <a:t>Gestión de riesgo.</a:t>
+            </a:r>
+          </a:p>
+          <a:p>
             <a:r>
               <a:rPr lang="es-AR" dirty="0" smtClean="0"/>
-              <a:t>.</a:t>
-            </a:r>
-            <a:endParaRPr lang="es-AR" b="1" dirty="0" smtClean="0"/>
+              <a:t>Modelos.</a:t>
+            </a:r>
           </a:p>
           <a:p>
             <a:r>
               <a:rPr lang="es-AR" dirty="0" smtClean="0"/>
-              <a:t>Estimación</a:t>
-            </a:r>
+              <a:t>Implementación.</a:t>
+            </a:r>
+          </a:p>
+          <a:p>
             <a:r>
               <a:rPr lang="es-AR" dirty="0" smtClean="0"/>
-              <a:t>.</a:t>
-            </a:r>
-            <a:endParaRPr lang="es-AR" b="1" dirty="0" smtClean="0"/>
-          </a:p>
-          <a:p>
-            <a:r>
-              <a:rPr lang="es-AR" dirty="0" smtClean="0"/>
-              <a:t>Gestión de riesgo</a:t>
-            </a:r>
-            <a:r>
-              <a:rPr lang="es-AR" dirty="0" smtClean="0"/>
-              <a:t>.</a:t>
-            </a:r>
-            <a:endParaRPr lang="es-AR" dirty="0" smtClean="0"/>
-          </a:p>
-          <a:p>
-            <a:r>
-              <a:rPr lang="es-AR" dirty="0" smtClean="0"/>
-              <a:t>Modelos</a:t>
-            </a:r>
-            <a:r>
-              <a:rPr lang="es-AR" dirty="0" smtClean="0"/>
-              <a:t>.</a:t>
-            </a:r>
-            <a:endParaRPr lang="es-AR" dirty="0" smtClean="0"/>
-          </a:p>
-          <a:p>
-            <a:r>
-              <a:rPr lang="es-AR" dirty="0" smtClean="0"/>
-              <a:t>Implementación</a:t>
-            </a:r>
-            <a:r>
-              <a:rPr lang="es-AR" dirty="0" smtClean="0"/>
-              <a:t>.</a:t>
-            </a:r>
-            <a:endParaRPr lang="es-AR" dirty="0" smtClean="0"/>
-          </a:p>
-          <a:p>
-            <a:r>
-              <a:rPr lang="es-AR" dirty="0" smtClean="0"/>
-              <a:t>Pruebas</a:t>
-            </a:r>
-            <a:r>
-              <a:rPr lang="es-AR" dirty="0" smtClean="0"/>
-              <a:t>.</a:t>
+              <a:t>Pruebas.</a:t>
             </a:r>
           </a:p>
           <a:p>
@@ -8265,13 +8217,13 @@
   <p:clrMapOvr>
     <a:masterClrMapping/>
   </p:clrMapOvr>
-  <mc:AlternateContent xmlns:mc="http://schemas.openxmlformats.org/markup-compatibility/2006">
-    <mc:Choice xmlns:p14="http://schemas.microsoft.com/office/powerpoint/2010/main" Requires="p14">
+  <mc:AlternateContent xmlns:mc="http://schemas.openxmlformats.org/markup-compatibility/2006" xmlns:p14="http://schemas.microsoft.com/office/powerpoint/2010/main">
+    <mc:Choice Requires="p14">
       <p:transition spd="slow">
         <p14:reveal/>
       </p:transition>
     </mc:Choice>
-    <mc:Fallback>
+    <mc:Fallback xmlns="">
       <p:transition spd="slow">
         <p:fade/>
       </p:transition>
@@ -8368,11 +8320,7 @@
           <a:p>
             <a:r>
               <a:rPr lang="es-AR" dirty="0" smtClean="0"/>
-              <a:t>Grupo </a:t>
-            </a:r>
-            <a:r>
-              <a:rPr lang="es-AR" dirty="0" smtClean="0"/>
-              <a:t>de desarrollo</a:t>
+              <a:t>Grupo de desarrollo</a:t>
             </a:r>
             <a:endParaRPr lang="es-AR" dirty="0"/>
           </a:p>
@@ -8444,6 +8392,78 @@
           </a:ln>
         </p:spPr>
       </p:pic>
+      <p:sp>
+        <p:nvSpPr>
+          <p:cNvPr id="7" name="CuadroTexto 6"/>
+          <p:cNvSpPr txBox="1"/>
+          <p:nvPr/>
+        </p:nvSpPr>
+        <p:spPr>
+          <a:xfrm>
+            <a:off x="1155175" y="5685339"/>
+            <a:ext cx="3160417" cy="400110"/>
+          </a:xfrm>
+          <a:prstGeom prst="rect">
+            <a:avLst/>
+          </a:prstGeom>
+          <a:noFill/>
+        </p:spPr>
+        <p:txBody>
+          <a:bodyPr wrap="none" rtlCol="0">
+            <a:spAutoFit/>
+          </a:bodyPr>
+          <a:lstStyle/>
+          <a:p>
+            <a:r>
+              <a:rPr lang="es-AR" sz="2000" dirty="0" smtClean="0">
+                <a:latin typeface="Calibri" panose="020F0502020204030204" pitchFamily="34" charset="0"/>
+                <a:cs typeface="Calibri" panose="020F0502020204030204" pitchFamily="34" charset="0"/>
+              </a:rPr>
+              <a:t>Logo del grupo de desarrollo</a:t>
+            </a:r>
+            <a:endParaRPr lang="es-AR" sz="2000" dirty="0">
+              <a:latin typeface="Calibri" panose="020F0502020204030204" pitchFamily="34" charset="0"/>
+              <a:cs typeface="Calibri" panose="020F0502020204030204" pitchFamily="34" charset="0"/>
+            </a:endParaRPr>
+          </a:p>
+        </p:txBody>
+      </p:sp>
+      <p:sp>
+        <p:nvSpPr>
+          <p:cNvPr id="8" name="CuadroTexto 7"/>
+          <p:cNvSpPr txBox="1"/>
+          <p:nvPr/>
+        </p:nvSpPr>
+        <p:spPr>
+          <a:xfrm>
+            <a:off x="8222118" y="5685339"/>
+            <a:ext cx="1916550" cy="400110"/>
+          </a:xfrm>
+          <a:prstGeom prst="rect">
+            <a:avLst/>
+          </a:prstGeom>
+          <a:noFill/>
+        </p:spPr>
+        <p:txBody>
+          <a:bodyPr wrap="none" rtlCol="0">
+            <a:spAutoFit/>
+          </a:bodyPr>
+          <a:lstStyle/>
+          <a:p>
+            <a:r>
+              <a:rPr lang="es-AR" sz="2000" dirty="0" smtClean="0">
+                <a:latin typeface="Calibri" panose="020F0502020204030204" pitchFamily="34" charset="0"/>
+                <a:cs typeface="Calibri" panose="020F0502020204030204" pitchFamily="34" charset="0"/>
+              </a:rPr>
+              <a:t>Logo del sistema</a:t>
+            </a:r>
+            <a:endParaRPr lang="es-AR" sz="2000" dirty="0">
+              <a:latin typeface="Calibri" panose="020F0502020204030204" pitchFamily="34" charset="0"/>
+              <a:cs typeface="Calibri" panose="020F0502020204030204" pitchFamily="34" charset="0"/>
+            </a:endParaRPr>
+          </a:p>
+        </p:txBody>
+      </p:sp>
     </p:spTree>
     <p:extLst>
       <p:ext uri="{BB962C8B-B14F-4D97-AF65-F5344CB8AC3E}">
@@ -8454,13 +8474,13 @@
   <p:clrMapOvr>
     <a:masterClrMapping/>
   </p:clrMapOvr>
-  <mc:AlternateContent xmlns:mc="http://schemas.openxmlformats.org/markup-compatibility/2006">
-    <mc:Choice xmlns:p14="http://schemas.microsoft.com/office/powerpoint/2010/main" Requires="p14">
+  <mc:AlternateContent xmlns:mc="http://schemas.openxmlformats.org/markup-compatibility/2006" xmlns:p14="http://schemas.microsoft.com/office/powerpoint/2010/main">
+    <mc:Choice Requires="p14">
       <p:transition spd="slow">
         <p14:reveal/>
       </p:transition>
     </mc:Choice>
-    <mc:Fallback>
+    <mc:Fallback xmlns="">
       <p:transition spd="slow">
         <p:fade/>
       </p:transition>
@@ -8565,7 +8585,7 @@
       </p:sp>
       <p:pic>
         <p:nvPicPr>
-          <p:cNvPr id="11" name="Marcador de contenido 10"/>
+          <p:cNvPr id="6" name="Marcador de contenido 5"/>
           <p:cNvPicPr>
             <a:picLocks noGrp="1" noChangeAspect="1"/>
           </p:cNvPicPr>
@@ -8573,7 +8593,7 @@
             <p:ph idx="1"/>
           </p:nvPr>
         </p:nvPicPr>
-        <p:blipFill>
+        <p:blipFill rotWithShape="1">
           <a:blip r:embed="rId2">
             <a:extLst>
               <a:ext uri="{28A0092B-C50C-407E-A947-70E740481C1C}">
@@ -8581,14 +8601,13 @@
               </a:ext>
             </a:extLst>
           </a:blip>
-          <a:stretch>
-            <a:fillRect/>
-          </a:stretch>
+          <a:srcRect t="2313" b="1768"/>
+          <a:stretch/>
         </p:blipFill>
         <p:spPr>
           <a:xfrm>
-            <a:off x="1658784" y="730680"/>
-            <a:ext cx="8874431" cy="5573463"/>
+            <a:off x="1576204" y="831234"/>
+            <a:ext cx="9039592" cy="5445456"/>
           </a:xfrm>
         </p:spPr>
       </p:pic>
@@ -8602,13 +8621,13 @@
   <p:clrMapOvr>
     <a:masterClrMapping/>
   </p:clrMapOvr>
-  <mc:AlternateContent xmlns:mc="http://schemas.openxmlformats.org/markup-compatibility/2006">
-    <mc:Choice xmlns:p14="http://schemas.microsoft.com/office/powerpoint/2010/main" Requires="p14">
+  <mc:AlternateContent xmlns:mc="http://schemas.openxmlformats.org/markup-compatibility/2006" xmlns:p14="http://schemas.microsoft.com/office/powerpoint/2010/main">
+    <mc:Choice Requires="p14">
       <p:transition spd="slow">
         <p14:reveal/>
       </p:transition>
     </mc:Choice>
-    <mc:Fallback>
+    <mc:Fallback xmlns="">
       <p:transition spd="slow">
         <p:fade/>
       </p:transition>
@@ -8749,13 +8768,13 @@
   <p:clrMapOvr>
     <a:masterClrMapping/>
   </p:clrMapOvr>
-  <mc:AlternateContent xmlns:mc="http://schemas.openxmlformats.org/markup-compatibility/2006">
-    <mc:Choice xmlns:p14="http://schemas.microsoft.com/office/powerpoint/2010/main" Requires="p14">
+  <mc:AlternateContent xmlns:mc="http://schemas.openxmlformats.org/markup-compatibility/2006" xmlns:p14="http://schemas.microsoft.com/office/powerpoint/2010/main">
+    <mc:Choice Requires="p14">
       <p:transition spd="slow">
         <p14:reveal/>
       </p:transition>
     </mc:Choice>
-    <mc:Fallback>
+    <mc:Fallback xmlns="">
       <p:transition spd="slow">
         <p:fade/>
       </p:transition>
@@ -8896,13 +8915,13 @@
   <p:clrMapOvr>
     <a:masterClrMapping/>
   </p:clrMapOvr>
-  <mc:AlternateContent xmlns:mc="http://schemas.openxmlformats.org/markup-compatibility/2006">
-    <mc:Choice xmlns:p14="http://schemas.microsoft.com/office/powerpoint/2010/main" Requires="p14">
+  <mc:AlternateContent xmlns:mc="http://schemas.openxmlformats.org/markup-compatibility/2006" xmlns:p14="http://schemas.microsoft.com/office/powerpoint/2010/main">
+    <mc:Choice Requires="p14">
       <p:transition spd="slow">
         <p14:reveal/>
       </p:transition>
     </mc:Choice>
-    <mc:Fallback>
+    <mc:Fallback xmlns="">
       <p:transition spd="slow">
         <p:fade/>
       </p:transition>
@@ -9044,13 +9063,13 @@
   <p:clrMapOvr>
     <a:masterClrMapping/>
   </p:clrMapOvr>
-  <mc:AlternateContent xmlns:mc="http://schemas.openxmlformats.org/markup-compatibility/2006">
-    <mc:Choice xmlns:p14="http://schemas.microsoft.com/office/powerpoint/2010/main" Requires="p14">
+  <mc:AlternateContent xmlns:mc="http://schemas.openxmlformats.org/markup-compatibility/2006" xmlns:p14="http://schemas.microsoft.com/office/powerpoint/2010/main">
+    <mc:Choice Requires="p14">
       <p:transition spd="slow">
         <p14:reveal/>
       </p:transition>
     </mc:Choice>
-    <mc:Fallback>
+    <mc:Fallback xmlns="">
       <p:transition spd="slow">
         <p:fade/>
       </p:transition>
@@ -9153,60 +9172,6 @@
           </a:p>
         </p:txBody>
       </p:sp>
-      <p:pic>
-        <p:nvPicPr>
-          <p:cNvPr id="6" name="Imagen 5"/>
-          <p:cNvPicPr/>
-          <p:nvPr/>
-        </p:nvPicPr>
-        <p:blipFill rotWithShape="1">
-          <a:blip r:embed="rId2">
-            <a:extLst>
-              <a:ext uri="{28A0092B-C50C-407E-A947-70E740481C1C}">
-                <a14:useLocalDpi xmlns:a14="http://schemas.microsoft.com/office/drawing/2010/main" val="0"/>
-              </a:ext>
-            </a:extLst>
-          </a:blip>
-          <a:srcRect b="52659"/>
-          <a:stretch/>
-        </p:blipFill>
-        <p:spPr>
-          <a:xfrm>
-            <a:off x="146135" y="2091924"/>
-            <a:ext cx="6108154" cy="2883740"/>
-          </a:xfrm>
-          <a:prstGeom prst="rect">
-            <a:avLst/>
-          </a:prstGeom>
-        </p:spPr>
-      </p:pic>
-      <p:pic>
-        <p:nvPicPr>
-          <p:cNvPr id="8" name="Imagen 7"/>
-          <p:cNvPicPr/>
-          <p:nvPr/>
-        </p:nvPicPr>
-        <p:blipFill rotWithShape="1">
-          <a:blip r:embed="rId2">
-            <a:extLst>
-              <a:ext uri="{28A0092B-C50C-407E-A947-70E740481C1C}">
-                <a14:useLocalDpi xmlns:a14="http://schemas.microsoft.com/office/drawing/2010/main" val="0"/>
-              </a:ext>
-            </a:extLst>
-          </a:blip>
-          <a:srcRect t="51810"/>
-          <a:stretch/>
-        </p:blipFill>
-        <p:spPr>
-          <a:xfrm>
-            <a:off x="6123296" y="2146516"/>
-            <a:ext cx="5902256" cy="2883740"/>
-          </a:xfrm>
-          <a:prstGeom prst="rect">
-            <a:avLst/>
-          </a:prstGeom>
-        </p:spPr>
-      </p:pic>
       <p:sp>
         <p:nvSpPr>
           <p:cNvPr id="7" name="4 Marcador de contenido"/>
@@ -9235,7 +9200,19 @@
             </a:r>
             <a:r>
               <a:rPr lang="es-AR" sz="2000" b="1" dirty="0" smtClean="0"/>
-              <a:t>1 año y 3 meses.</a:t>
+              <a:t>1 año y </a:t>
+            </a:r>
+            <a:r>
+              <a:rPr lang="es-AR" sz="2000" b="1" dirty="0" smtClean="0"/>
+              <a:t>7 </a:t>
+            </a:r>
+            <a:r>
+              <a:rPr lang="es-AR" sz="2000" b="1" dirty="0" smtClean="0"/>
+              <a:t>meses</a:t>
+            </a:r>
+            <a:r>
+              <a:rPr lang="es-AR" sz="2000" b="1" dirty="0" smtClean="0"/>
+              <a:t>.</a:t>
             </a:r>
             <a:endParaRPr lang="es-AR" sz="2000" b="1" dirty="0" smtClean="0"/>
           </a:p>
@@ -9250,8 +9227,17 @@
             </a:r>
             <a:r>
               <a:rPr lang="es-AR" sz="2000" dirty="0" smtClean="0"/>
-              <a:t>para finalizar proyecto</a:t>
-            </a:r>
+              <a:t>para finalizar </a:t>
+            </a:r>
+            <a:r>
+              <a:rPr lang="es-AR" sz="2000" dirty="0" smtClean="0"/>
+              <a:t>proyecto</a:t>
+            </a:r>
+          </a:p>
+          <a:p>
+            <a:pPr marL="0" indent="0">
+              <a:buNone/>
+            </a:pPr>
             <a:endParaRPr lang="es-AR" sz="2000" b="1" dirty="0"/>
           </a:p>
         </p:txBody>
@@ -9266,8 +9252,8 @@
         </p:nvSpPr>
         <p:spPr>
           <a:xfrm>
-            <a:off x="2801873" y="5191402"/>
-            <a:ext cx="6588254" cy="354363"/>
+            <a:off x="491319" y="5191402"/>
+            <a:ext cx="11163869" cy="354363"/>
           </a:xfrm>
           <a:prstGeom prst="rect">
             <a:avLst/>
@@ -9449,7 +9435,7 @@
             </a:lvl9pPr>
           </a:lstStyle>
           <a:p>
-            <a:pPr marL="0" indent="0">
+            <a:pPr marL="0" indent="0" algn="ctr">
               <a:buNone/>
             </a:pPr>
             <a:r>
@@ -9460,10 +9446,50 @@
               <a:rPr lang="es-AR" sz="1800" b="1" dirty="0" err="1" smtClean="0"/>
               <a:t>GitHub</a:t>
             </a:r>
-            <a:endParaRPr lang="es-AR" sz="1800" b="1" dirty="0"/>
-          </a:p>
-        </p:txBody>
-      </p:sp>
+            <a:r>
+              <a:rPr lang="es-AR" sz="1800" b="1" dirty="0" smtClean="0"/>
+              <a:t>  </a:t>
+            </a:r>
+            <a:r>
+              <a:rPr lang="es-AR" sz="1800" dirty="0" smtClean="0"/>
+              <a:t>(</a:t>
+            </a:r>
+            <a:r>
+              <a:rPr lang="es-AR" sz="1800" b="1" dirty="0" smtClean="0"/>
+              <a:t>8 meses, 3 semanas y 6 días</a:t>
+            </a:r>
+            <a:r>
+              <a:rPr lang="es-AR" sz="1800" dirty="0" smtClean="0"/>
+              <a:t>)</a:t>
+            </a:r>
+            <a:endParaRPr lang="es-AR" sz="1800" dirty="0"/>
+          </a:p>
+        </p:txBody>
+      </p:sp>
+      <p:pic>
+        <p:nvPicPr>
+          <p:cNvPr id="5" name="Imagen 4"/>
+          <p:cNvPicPr>
+            <a:picLocks noChangeAspect="1"/>
+          </p:cNvPicPr>
+          <p:nvPr/>
+        </p:nvPicPr>
+        <p:blipFill>
+          <a:blip r:embed="rId2"/>
+          <a:stretch>
+            <a:fillRect/>
+          </a:stretch>
+        </p:blipFill>
+        <p:spPr>
+          <a:xfrm>
+            <a:off x="266131" y="2077513"/>
+            <a:ext cx="11748234" cy="2944863"/>
+          </a:xfrm>
+          <a:prstGeom prst="rect">
+            <a:avLst/>
+          </a:prstGeom>
+        </p:spPr>
+      </p:pic>
     </p:spTree>
     <p:extLst>
       <p:ext uri="{BB962C8B-B14F-4D97-AF65-F5344CB8AC3E}">
@@ -9474,13 +9500,13 @@
   <p:clrMapOvr>
     <a:masterClrMapping/>
   </p:clrMapOvr>
-  <mc:AlternateContent xmlns:mc="http://schemas.openxmlformats.org/markup-compatibility/2006">
-    <mc:Choice xmlns:p14="http://schemas.microsoft.com/office/powerpoint/2010/main" Requires="p14">
+  <mc:AlternateContent xmlns:mc="http://schemas.openxmlformats.org/markup-compatibility/2006" xmlns:p14="http://schemas.microsoft.com/office/powerpoint/2010/main">
+    <mc:Choice Requires="p14">
       <p:transition spd="slow">
         <p14:reveal/>
       </p:transition>
     </mc:Choice>
-    <mc:Fallback>
+    <mc:Fallback xmlns="">
       <p:transition spd="slow">
         <p:fade/>
       </p:transition>
@@ -9618,13 +9644,13 @@
   <p:clrMapOvr>
     <a:masterClrMapping/>
   </p:clrMapOvr>
-  <mc:AlternateContent xmlns:mc="http://schemas.openxmlformats.org/markup-compatibility/2006">
-    <mc:Choice xmlns:p14="http://schemas.microsoft.com/office/powerpoint/2010/main" Requires="p14">
+  <mc:AlternateContent xmlns:mc="http://schemas.openxmlformats.org/markup-compatibility/2006" xmlns:p14="http://schemas.microsoft.com/office/powerpoint/2010/main">
+    <mc:Choice Requires="p14">
       <p:transition spd="slow">
         <p14:reveal/>
       </p:transition>
     </mc:Choice>
-    <mc:Fallback>
+    <mc:Fallback xmlns="">
       <p:transition spd="slow">
         <p:fade/>
       </p:transition>

--- a/08. Presentaciones/Presentación 11.pptx
+++ b/08. Presentaciones/Presentación 11.pptx
@@ -228,7 +228,7 @@
             <a:fld id="{47F7A525-2E97-4D11-852B-BF2E493721D5}" type="datetimeFigureOut">
               <a:rPr lang="es-AR" smtClean="0"/>
               <a:pPr/>
-              <a:t>20/02/2021</a:t>
+              <a:t>21/02/2021</a:t>
             </a:fld>
             <a:endParaRPr lang="es-AR"/>
           </a:p>
@@ -399,7 +399,7 @@
             <a:fld id="{0E639192-A93D-48A4-B281-8DA3B2AD5F46}" type="datetimeFigureOut">
               <a:rPr lang="es-AR" smtClean="0"/>
               <a:pPr/>
-              <a:t>20/02/2021</a:t>
+              <a:t>21/02/2021</a:t>
             </a:fld>
             <a:endParaRPr lang="es-AR"/>
           </a:p>
@@ -1334,7 +1334,7 @@
             <a:fld id="{BC50A678-796C-47FE-8727-A3AAF49E2D10}" type="datetime1">
               <a:rPr lang="es-AR" smtClean="0"/>
               <a:pPr/>
-              <a:t>20/02/2021</a:t>
+              <a:t>21/02/2021</a:t>
             </a:fld>
             <a:endParaRPr lang="es-AR"/>
           </a:p>
@@ -1531,7 +1531,7 @@
             <a:fld id="{A7AFFB43-0057-44A6-B675-62CD4F9F4EB1}" type="datetime1">
               <a:rPr lang="es-AR" smtClean="0"/>
               <a:pPr/>
-              <a:t>20/02/2021</a:t>
+              <a:t>21/02/2021</a:t>
             </a:fld>
             <a:endParaRPr lang="es-AR"/>
           </a:p>
@@ -1797,7 +1797,7 @@
             <a:fld id="{5107EDD2-3A41-45F7-9798-5F0A42B67A10}" type="datetime1">
               <a:rPr lang="es-AR" smtClean="0"/>
               <a:pPr/>
-              <a:t>20/02/2021</a:t>
+              <a:t>21/02/2021</a:t>
             </a:fld>
             <a:endParaRPr lang="es-AR"/>
           </a:p>
@@ -2228,7 +2228,7 @@
             <a:fld id="{81A405EA-7F97-484B-BB35-211055BB771A}" type="datetime1">
               <a:rPr lang="es-AR" smtClean="0"/>
               <a:pPr/>
-              <a:t>20/02/2021</a:t>
+              <a:t>21/02/2021</a:t>
             </a:fld>
             <a:endParaRPr lang="es-AR"/>
           </a:p>
@@ -2779,7 +2779,7 @@
             <a:fld id="{F7023107-FE31-4245-9D9D-4DAB5BB365BD}" type="datetime1">
               <a:rPr lang="es-AR" smtClean="0"/>
               <a:pPr/>
-              <a:t>20/02/2021</a:t>
+              <a:t>21/02/2021</a:t>
             </a:fld>
             <a:endParaRPr lang="es-AR"/>
           </a:p>
@@ -3615,7 +3615,7 @@
             <a:fld id="{081FCDBA-D78B-4D74-B477-EFCB1BCA6C42}" type="datetime1">
               <a:rPr lang="es-AR" smtClean="0"/>
               <a:pPr/>
-              <a:t>20/02/2021</a:t>
+              <a:t>21/02/2021</a:t>
             </a:fld>
             <a:endParaRPr lang="es-AR"/>
           </a:p>
@@ -3790,7 +3790,7 @@
             <a:fld id="{20EA1D54-2625-4090-9DAD-29AF83AD3B36}" type="datetime1">
               <a:rPr lang="es-AR" smtClean="0"/>
               <a:pPr/>
-              <a:t>20/02/2021</a:t>
+              <a:t>21/02/2021</a:t>
             </a:fld>
             <a:endParaRPr lang="es-AR"/>
           </a:p>
@@ -3975,7 +3975,7 @@
             <a:fld id="{FCD0E364-B94A-4338-BC1C-A73E1F081813}" type="datetime1">
               <a:rPr lang="es-AR" smtClean="0"/>
               <a:pPr/>
-              <a:t>20/02/2021</a:t>
+              <a:t>21/02/2021</a:t>
             </a:fld>
             <a:endParaRPr lang="es-AR"/>
           </a:p>
@@ -4658,7 +4658,7 @@
             <a:fld id="{0FF6B326-0FEE-47B3-9F77-2568F820D807}" type="datetime1">
               <a:rPr lang="es-AR" smtClean="0"/>
               <a:pPr/>
-              <a:t>20/02/2021</a:t>
+              <a:t>21/02/2021</a:t>
             </a:fld>
             <a:endParaRPr lang="es-AR"/>
           </a:p>
@@ -4895,7 +4895,7 @@
             <a:fld id="{913DAB84-C826-40B0-8ED0-39F2ECE4A200}" type="datetime1">
               <a:rPr lang="es-AR" smtClean="0"/>
               <a:pPr/>
-              <a:t>20/02/2021</a:t>
+              <a:t>21/02/2021</a:t>
             </a:fld>
             <a:endParaRPr lang="es-AR"/>
           </a:p>
@@ -5293,7 +5293,7 @@
             <a:fld id="{8C0226C2-DAEC-4136-9DE8-09FC5E3E671E}" type="datetime1">
               <a:rPr lang="es-AR" smtClean="0"/>
               <a:pPr/>
-              <a:t>20/02/2021</a:t>
+              <a:t>21/02/2021</a:t>
             </a:fld>
             <a:endParaRPr lang="es-AR"/>
           </a:p>
@@ -5416,7 +5416,7 @@
             <a:fld id="{53EE9993-8E0B-4913-A57B-F99EBF98A309}" type="datetime1">
               <a:rPr lang="es-AR" smtClean="0"/>
               <a:pPr/>
-              <a:t>20/02/2021</a:t>
+              <a:t>21/02/2021</a:t>
             </a:fld>
             <a:endParaRPr lang="es-AR"/>
           </a:p>
@@ -5516,7 +5516,7 @@
             <a:fld id="{7FC65BA5-BE01-42C7-88A0-5D66E4C25C69}" type="datetime1">
               <a:rPr lang="es-AR" smtClean="0"/>
               <a:pPr/>
-              <a:t>20/02/2021</a:t>
+              <a:t>21/02/2021</a:t>
             </a:fld>
             <a:endParaRPr lang="es-AR"/>
           </a:p>
@@ -5794,7 +5794,7 @@
             <a:fld id="{E3D3AADB-2F64-4CF7-83E3-78E84AD4D110}" type="datetime1">
               <a:rPr lang="es-AR" smtClean="0"/>
               <a:pPr/>
-              <a:t>20/02/2021</a:t>
+              <a:t>21/02/2021</a:t>
             </a:fld>
             <a:endParaRPr lang="es-AR"/>
           </a:p>
@@ -6080,7 +6080,7 @@
             <a:fld id="{C77D2D86-4208-4F35-BB55-BE3504C41488}" type="datetime1">
               <a:rPr lang="es-AR" smtClean="0"/>
               <a:pPr/>
-              <a:t>20/02/2021</a:t>
+              <a:t>21/02/2021</a:t>
             </a:fld>
             <a:endParaRPr lang="es-AR"/>
           </a:p>
@@ -6321,7 +6321,7 @@
             <a:fld id="{1EA277BA-E2F3-4C3D-9E58-E2E890DB98B1}" type="datetime1">
               <a:rPr lang="es-AR" smtClean="0"/>
               <a:pPr/>
-              <a:t>20/02/2021</a:t>
+              <a:t>21/02/2021</a:t>
             </a:fld>
             <a:endParaRPr lang="es-AR"/>
           </a:p>
@@ -9184,8 +9184,8 @@
         </p:nvSpPr>
         <p:spPr>
           <a:xfrm>
-            <a:off x="266131" y="935648"/>
-            <a:ext cx="10476233" cy="909601"/>
+            <a:off x="266131" y="818083"/>
+            <a:ext cx="10476233" cy="886812"/>
           </a:xfrm>
         </p:spPr>
         <p:txBody>
@@ -9200,21 +9200,8 @@
             </a:r>
             <a:r>
               <a:rPr lang="es-AR" sz="2000" b="1" dirty="0" smtClean="0"/>
-              <a:t>1 año y </a:t>
-            </a:r>
-            <a:r>
-              <a:rPr lang="es-AR" sz="2000" b="1" dirty="0" smtClean="0"/>
-              <a:t>7 </a:t>
-            </a:r>
-            <a:r>
-              <a:rPr lang="es-AR" sz="2000" b="1" dirty="0" smtClean="0"/>
-              <a:t>meses</a:t>
-            </a:r>
-            <a:r>
-              <a:rPr lang="es-AR" sz="2000" b="1" dirty="0" smtClean="0"/>
-              <a:t>.</a:t>
-            </a:r>
-            <a:endParaRPr lang="es-AR" sz="2000" b="1" dirty="0" smtClean="0"/>
+              <a:t>1 año y 7 meses.</a:t>
+            </a:r>
           </a:p>
           <a:p>
             <a:r>
@@ -9231,14 +9218,9 @@
             </a:r>
             <a:r>
               <a:rPr lang="es-AR" sz="2000" dirty="0" smtClean="0"/>
-              <a:t>proyecto</a:t>
-            </a:r>
-          </a:p>
-          <a:p>
-            <a:pPr marL="0" indent="0">
-              <a:buNone/>
-            </a:pPr>
-            <a:endParaRPr lang="es-AR" sz="2000" b="1" dirty="0"/>
+              <a:t>proyecto.</a:t>
+            </a:r>
+            <a:endParaRPr lang="es-AR" sz="2000" dirty="0" smtClean="0"/>
           </a:p>
         </p:txBody>
       </p:sp>
@@ -9252,7 +9234,7 @@
         </p:nvSpPr>
         <p:spPr>
           <a:xfrm>
-            <a:off x="491319" y="5191402"/>
+            <a:off x="514065" y="4504762"/>
             <a:ext cx="11163869" cy="354363"/>
           </a:xfrm>
           <a:prstGeom prst="rect">
@@ -9482,7 +9464,7 @@
         </p:blipFill>
         <p:spPr>
           <a:xfrm>
-            <a:off x="266131" y="2077513"/>
+            <a:off x="266131" y="1559899"/>
             <a:ext cx="11748234" cy="2944863"/>
           </a:xfrm>
           <a:prstGeom prst="rect">
@@ -9490,6 +9472,247 @@
           </a:prstGeom>
         </p:spPr>
       </p:pic>
+      <p:sp>
+        <p:nvSpPr>
+          <p:cNvPr id="8" name="4 Marcador de contenido"/>
+          <p:cNvSpPr txBox="1">
+            <a:spLocks/>
+          </p:cNvSpPr>
+          <p:nvPr/>
+        </p:nvSpPr>
+        <p:spPr>
+          <a:xfrm>
+            <a:off x="265782" y="5246578"/>
+            <a:ext cx="11412152" cy="810727"/>
+          </a:xfrm>
+          <a:prstGeom prst="rect">
+            <a:avLst/>
+          </a:prstGeom>
+          <a:noFill/>
+          <a:ln>
+            <a:noFill/>
+          </a:ln>
+        </p:spPr>
+        <p:txBody>
+          <a:bodyPr vert="horz" lIns="91440" tIns="45720" rIns="91440" bIns="45720" rtlCol="0">
+            <a:noAutofit/>
+          </a:bodyPr>
+          <a:lstStyle>
+            <a:lvl1pPr marL="228600" indent="-228600" algn="just" defTabSz="914400" rtl="0" eaLnBrk="1" latinLnBrk="0" hangingPunct="1">
+              <a:lnSpc>
+                <a:spcPct val="90000"/>
+              </a:lnSpc>
+              <a:spcBef>
+                <a:spcPts val="1000"/>
+              </a:spcBef>
+              <a:buFont typeface="Arial" panose="020B0604020202020204" pitchFamily="34" charset="0"/>
+              <a:buChar char="•"/>
+              <a:defRPr sz="2800" kern="1200">
+                <a:solidFill>
+                  <a:schemeClr val="tx1"/>
+                </a:solidFill>
+                <a:latin typeface="Calibri" panose="020F0502020204030204" pitchFamily="34" charset="0"/>
+                <a:ea typeface="+mn-ea"/>
+                <a:cs typeface="Calibri" panose="020F0502020204030204" pitchFamily="34" charset="0"/>
+              </a:defRPr>
+            </a:lvl1pPr>
+            <a:lvl2pPr marL="685800" indent="-228600" algn="just" defTabSz="914400" rtl="0" eaLnBrk="1" latinLnBrk="0" hangingPunct="1">
+              <a:lnSpc>
+                <a:spcPct val="90000"/>
+              </a:lnSpc>
+              <a:spcBef>
+                <a:spcPts val="500"/>
+              </a:spcBef>
+              <a:buFont typeface="Arial" panose="020B0604020202020204" pitchFamily="34" charset="0"/>
+              <a:buChar char="•"/>
+              <a:defRPr sz="2400" kern="1200">
+                <a:solidFill>
+                  <a:schemeClr val="tx1"/>
+                </a:solidFill>
+                <a:latin typeface="Calibri" panose="020F0502020204030204" pitchFamily="34" charset="0"/>
+                <a:ea typeface="+mn-ea"/>
+                <a:cs typeface="Calibri" panose="020F0502020204030204" pitchFamily="34" charset="0"/>
+              </a:defRPr>
+            </a:lvl2pPr>
+            <a:lvl3pPr marL="1143000" indent="-228600" algn="just" defTabSz="914400" rtl="0" eaLnBrk="1" latinLnBrk="0" hangingPunct="1">
+              <a:lnSpc>
+                <a:spcPct val="90000"/>
+              </a:lnSpc>
+              <a:spcBef>
+                <a:spcPts val="500"/>
+              </a:spcBef>
+              <a:buFont typeface="Arial" panose="020B0604020202020204" pitchFamily="34" charset="0"/>
+              <a:buChar char="•"/>
+              <a:defRPr sz="2400" kern="1200">
+                <a:solidFill>
+                  <a:schemeClr val="tx1"/>
+                </a:solidFill>
+                <a:latin typeface="Calibri" panose="020F0502020204030204" pitchFamily="34" charset="0"/>
+                <a:ea typeface="+mn-ea"/>
+                <a:cs typeface="Calibri" panose="020F0502020204030204" pitchFamily="34" charset="0"/>
+              </a:defRPr>
+            </a:lvl3pPr>
+            <a:lvl4pPr marL="1600200" indent="-228600" algn="just" defTabSz="914400" rtl="0" eaLnBrk="1" latinLnBrk="0" hangingPunct="1">
+              <a:lnSpc>
+                <a:spcPct val="90000"/>
+              </a:lnSpc>
+              <a:spcBef>
+                <a:spcPts val="500"/>
+              </a:spcBef>
+              <a:buFont typeface="Arial" panose="020B0604020202020204" pitchFamily="34" charset="0"/>
+              <a:buChar char="•"/>
+              <a:defRPr sz="1800" kern="1200">
+                <a:solidFill>
+                  <a:schemeClr val="tx1"/>
+                </a:solidFill>
+                <a:latin typeface="+mn-lt"/>
+                <a:ea typeface="+mn-ea"/>
+                <a:cs typeface="+mn-cs"/>
+              </a:defRPr>
+            </a:lvl4pPr>
+            <a:lvl5pPr marL="2057400" indent="-228600" algn="just" defTabSz="914400" rtl="0" eaLnBrk="1" latinLnBrk="0" hangingPunct="1">
+              <a:lnSpc>
+                <a:spcPct val="90000"/>
+              </a:lnSpc>
+              <a:spcBef>
+                <a:spcPts val="500"/>
+              </a:spcBef>
+              <a:buFont typeface="Arial" panose="020B0604020202020204" pitchFamily="34" charset="0"/>
+              <a:buChar char="•"/>
+              <a:defRPr sz="1800" kern="1200">
+                <a:solidFill>
+                  <a:schemeClr val="bg1">
+                    <a:lumMod val="75000"/>
+                    <a:lumOff val="25000"/>
+                  </a:schemeClr>
+                </a:solidFill>
+                <a:latin typeface="+mn-lt"/>
+                <a:ea typeface="+mn-ea"/>
+                <a:cs typeface="+mn-cs"/>
+              </a:defRPr>
+            </a:lvl5pPr>
+            <a:lvl6pPr marL="2514600" indent="-228600" algn="l" defTabSz="914400" rtl="0" eaLnBrk="1" latinLnBrk="0" hangingPunct="1">
+              <a:lnSpc>
+                <a:spcPct val="90000"/>
+              </a:lnSpc>
+              <a:spcBef>
+                <a:spcPts val="500"/>
+              </a:spcBef>
+              <a:buFont typeface="Arial" panose="020B0604020202020204" pitchFamily="34" charset="0"/>
+              <a:buChar char="•"/>
+              <a:defRPr sz="1800" kern="1200">
+                <a:solidFill>
+                  <a:schemeClr val="tx1"/>
+                </a:solidFill>
+                <a:latin typeface="+mn-lt"/>
+                <a:ea typeface="+mn-ea"/>
+                <a:cs typeface="+mn-cs"/>
+              </a:defRPr>
+            </a:lvl6pPr>
+            <a:lvl7pPr marL="2971800" indent="-228600" algn="l" defTabSz="914400" rtl="0" eaLnBrk="1" latinLnBrk="0" hangingPunct="1">
+              <a:lnSpc>
+                <a:spcPct val="90000"/>
+              </a:lnSpc>
+              <a:spcBef>
+                <a:spcPts val="500"/>
+              </a:spcBef>
+              <a:buFont typeface="Arial" panose="020B0604020202020204" pitchFamily="34" charset="0"/>
+              <a:buChar char="•"/>
+              <a:defRPr sz="1800" kern="1200">
+                <a:solidFill>
+                  <a:schemeClr val="tx1"/>
+                </a:solidFill>
+                <a:latin typeface="+mn-lt"/>
+                <a:ea typeface="+mn-ea"/>
+                <a:cs typeface="+mn-cs"/>
+              </a:defRPr>
+            </a:lvl7pPr>
+            <a:lvl8pPr marL="3429000" indent="-228600" algn="l" defTabSz="914400" rtl="0" eaLnBrk="1" latinLnBrk="0" hangingPunct="1">
+              <a:lnSpc>
+                <a:spcPct val="90000"/>
+              </a:lnSpc>
+              <a:spcBef>
+                <a:spcPts val="500"/>
+              </a:spcBef>
+              <a:buFont typeface="Arial" panose="020B0604020202020204" pitchFamily="34" charset="0"/>
+              <a:buChar char="•"/>
+              <a:defRPr sz="1800" kern="1200">
+                <a:solidFill>
+                  <a:schemeClr val="tx1"/>
+                </a:solidFill>
+                <a:latin typeface="+mn-lt"/>
+                <a:ea typeface="+mn-ea"/>
+                <a:cs typeface="+mn-cs"/>
+              </a:defRPr>
+            </a:lvl8pPr>
+            <a:lvl9pPr marL="3886200" indent="-228600" algn="l" defTabSz="914400" rtl="0" eaLnBrk="1" latinLnBrk="0" hangingPunct="1">
+              <a:lnSpc>
+                <a:spcPct val="90000"/>
+              </a:lnSpc>
+              <a:spcBef>
+                <a:spcPts val="500"/>
+              </a:spcBef>
+              <a:buFont typeface="Arial" panose="020B0604020202020204" pitchFamily="34" charset="0"/>
+              <a:buChar char="•"/>
+              <a:defRPr sz="1800" kern="1200">
+                <a:solidFill>
+                  <a:schemeClr val="tx1"/>
+                </a:solidFill>
+                <a:latin typeface="+mn-lt"/>
+                <a:ea typeface="+mn-ea"/>
+                <a:cs typeface="+mn-cs"/>
+              </a:defRPr>
+            </a:lvl9pPr>
+          </a:lstStyle>
+          <a:p>
+            <a:pPr marL="0" indent="0" algn="l">
+              <a:buNone/>
+            </a:pPr>
+            <a:r>
+              <a:rPr lang="es-AR" sz="1800" b="1" dirty="0" smtClean="0"/>
+              <a:t>1 año y 7 meses – 8 meses, 3 semanas y 6 días </a:t>
+            </a:r>
+            <a:r>
+              <a:rPr lang="es-AR" sz="1800" dirty="0" smtClean="0"/>
+              <a:t>= </a:t>
+            </a:r>
+            <a:r>
+              <a:rPr lang="es-AR" sz="1800" b="1" dirty="0" smtClean="0">
+                <a:solidFill>
+                  <a:srgbClr val="00B050"/>
+                </a:solidFill>
+              </a:rPr>
+              <a:t>10 meses aprox.</a:t>
+            </a:r>
+          </a:p>
+          <a:p>
+            <a:pPr marL="0" indent="0" algn="l">
+              <a:buNone/>
+            </a:pPr>
+            <a:r>
+              <a:rPr lang="es-AR" sz="1800" b="1" dirty="0" smtClean="0"/>
+              <a:t>1 mes y 3 semanas – 1 mes y 4 días </a:t>
+            </a:r>
+            <a:r>
+              <a:rPr lang="es-AR" sz="1800" dirty="0" smtClean="0"/>
+              <a:t>=</a:t>
+            </a:r>
+            <a:r>
+              <a:rPr lang="es-AR" sz="1800" b="1" dirty="0" smtClean="0">
+                <a:solidFill>
+                  <a:srgbClr val="00B050"/>
+                </a:solidFill>
+              </a:rPr>
+              <a:t> 2 semanas aprox.</a:t>
+            </a:r>
+            <a:endParaRPr lang="es-AR" sz="1800" b="1" dirty="0" smtClean="0">
+              <a:solidFill>
+                <a:srgbClr val="00B050"/>
+              </a:solidFill>
+            </a:endParaRPr>
+          </a:p>
+        </p:txBody>
+      </p:sp>
     </p:spTree>
     <p:extLst>
       <p:ext uri="{BB962C8B-B14F-4D97-AF65-F5344CB8AC3E}">

--- a/08. Presentaciones/Presentación 11.pptx
+++ b/08. Presentaciones/Presentación 11.pptx
@@ -228,7 +228,7 @@
             <a:fld id="{47F7A525-2E97-4D11-852B-BF2E493721D5}" type="datetimeFigureOut">
               <a:rPr lang="es-AR" smtClean="0"/>
               <a:pPr/>
-              <a:t>21/02/2021</a:t>
+              <a:t>22/02/2021</a:t>
             </a:fld>
             <a:endParaRPr lang="es-AR"/>
           </a:p>
@@ -399,7 +399,7 @@
             <a:fld id="{0E639192-A93D-48A4-B281-8DA3B2AD5F46}" type="datetimeFigureOut">
               <a:rPr lang="es-AR" smtClean="0"/>
               <a:pPr/>
-              <a:t>21/02/2021</a:t>
+              <a:t>22/02/2021</a:t>
             </a:fld>
             <a:endParaRPr lang="es-AR"/>
           </a:p>
@@ -1334,7 +1334,7 @@
             <a:fld id="{BC50A678-796C-47FE-8727-A3AAF49E2D10}" type="datetime1">
               <a:rPr lang="es-AR" smtClean="0"/>
               <a:pPr/>
-              <a:t>21/02/2021</a:t>
+              <a:t>22/02/2021</a:t>
             </a:fld>
             <a:endParaRPr lang="es-AR"/>
           </a:p>
@@ -1531,7 +1531,7 @@
             <a:fld id="{A7AFFB43-0057-44A6-B675-62CD4F9F4EB1}" type="datetime1">
               <a:rPr lang="es-AR" smtClean="0"/>
               <a:pPr/>
-              <a:t>21/02/2021</a:t>
+              <a:t>22/02/2021</a:t>
             </a:fld>
             <a:endParaRPr lang="es-AR"/>
           </a:p>
@@ -1797,7 +1797,7 @@
             <a:fld id="{5107EDD2-3A41-45F7-9798-5F0A42B67A10}" type="datetime1">
               <a:rPr lang="es-AR" smtClean="0"/>
               <a:pPr/>
-              <a:t>21/02/2021</a:t>
+              <a:t>22/02/2021</a:t>
             </a:fld>
             <a:endParaRPr lang="es-AR"/>
           </a:p>
@@ -2228,7 +2228,7 @@
             <a:fld id="{81A405EA-7F97-484B-BB35-211055BB771A}" type="datetime1">
               <a:rPr lang="es-AR" smtClean="0"/>
               <a:pPr/>
-              <a:t>21/02/2021</a:t>
+              <a:t>22/02/2021</a:t>
             </a:fld>
             <a:endParaRPr lang="es-AR"/>
           </a:p>
@@ -2779,7 +2779,7 @@
             <a:fld id="{F7023107-FE31-4245-9D9D-4DAB5BB365BD}" type="datetime1">
               <a:rPr lang="es-AR" smtClean="0"/>
               <a:pPr/>
-              <a:t>21/02/2021</a:t>
+              <a:t>22/02/2021</a:t>
             </a:fld>
             <a:endParaRPr lang="es-AR"/>
           </a:p>
@@ -3615,7 +3615,7 @@
             <a:fld id="{081FCDBA-D78B-4D74-B477-EFCB1BCA6C42}" type="datetime1">
               <a:rPr lang="es-AR" smtClean="0"/>
               <a:pPr/>
-              <a:t>21/02/2021</a:t>
+              <a:t>22/02/2021</a:t>
             </a:fld>
             <a:endParaRPr lang="es-AR"/>
           </a:p>
@@ -3790,7 +3790,7 @@
             <a:fld id="{20EA1D54-2625-4090-9DAD-29AF83AD3B36}" type="datetime1">
               <a:rPr lang="es-AR" smtClean="0"/>
               <a:pPr/>
-              <a:t>21/02/2021</a:t>
+              <a:t>22/02/2021</a:t>
             </a:fld>
             <a:endParaRPr lang="es-AR"/>
           </a:p>
@@ -3975,7 +3975,7 @@
             <a:fld id="{FCD0E364-B94A-4338-BC1C-A73E1F081813}" type="datetime1">
               <a:rPr lang="es-AR" smtClean="0"/>
               <a:pPr/>
-              <a:t>21/02/2021</a:t>
+              <a:t>22/02/2021</a:t>
             </a:fld>
             <a:endParaRPr lang="es-AR"/>
           </a:p>
@@ -4658,7 +4658,7 @@
             <a:fld id="{0FF6B326-0FEE-47B3-9F77-2568F820D807}" type="datetime1">
               <a:rPr lang="es-AR" smtClean="0"/>
               <a:pPr/>
-              <a:t>21/02/2021</a:t>
+              <a:t>22/02/2021</a:t>
             </a:fld>
             <a:endParaRPr lang="es-AR"/>
           </a:p>
@@ -4895,7 +4895,7 @@
             <a:fld id="{913DAB84-C826-40B0-8ED0-39F2ECE4A200}" type="datetime1">
               <a:rPr lang="es-AR" smtClean="0"/>
               <a:pPr/>
-              <a:t>21/02/2021</a:t>
+              <a:t>22/02/2021</a:t>
             </a:fld>
             <a:endParaRPr lang="es-AR"/>
           </a:p>
@@ -5293,7 +5293,7 @@
             <a:fld id="{8C0226C2-DAEC-4136-9DE8-09FC5E3E671E}" type="datetime1">
               <a:rPr lang="es-AR" smtClean="0"/>
               <a:pPr/>
-              <a:t>21/02/2021</a:t>
+              <a:t>22/02/2021</a:t>
             </a:fld>
             <a:endParaRPr lang="es-AR"/>
           </a:p>
@@ -5416,7 +5416,7 @@
             <a:fld id="{53EE9993-8E0B-4913-A57B-F99EBF98A309}" type="datetime1">
               <a:rPr lang="es-AR" smtClean="0"/>
               <a:pPr/>
-              <a:t>21/02/2021</a:t>
+              <a:t>22/02/2021</a:t>
             </a:fld>
             <a:endParaRPr lang="es-AR"/>
           </a:p>
@@ -5516,7 +5516,7 @@
             <a:fld id="{7FC65BA5-BE01-42C7-88A0-5D66E4C25C69}" type="datetime1">
               <a:rPr lang="es-AR" smtClean="0"/>
               <a:pPr/>
-              <a:t>21/02/2021</a:t>
+              <a:t>22/02/2021</a:t>
             </a:fld>
             <a:endParaRPr lang="es-AR"/>
           </a:p>
@@ -5794,7 +5794,7 @@
             <a:fld id="{E3D3AADB-2F64-4CF7-83E3-78E84AD4D110}" type="datetime1">
               <a:rPr lang="es-AR" smtClean="0"/>
               <a:pPr/>
-              <a:t>21/02/2021</a:t>
+              <a:t>22/02/2021</a:t>
             </a:fld>
             <a:endParaRPr lang="es-AR"/>
           </a:p>
@@ -6080,7 +6080,7 @@
             <a:fld id="{C77D2D86-4208-4F35-BB55-BE3504C41488}" type="datetime1">
               <a:rPr lang="es-AR" smtClean="0"/>
               <a:pPr/>
-              <a:t>21/02/2021</a:t>
+              <a:t>22/02/2021</a:t>
             </a:fld>
             <a:endParaRPr lang="es-AR"/>
           </a:p>
@@ -6321,7 +6321,7 @@
             <a:fld id="{1EA277BA-E2F3-4C3D-9E58-E2E890DB98B1}" type="datetime1">
               <a:rPr lang="es-AR" smtClean="0"/>
               <a:pPr/>
-              <a:t>21/02/2021</a:t>
+              <a:t>22/02/2021</a:t>
             </a:fld>
             <a:endParaRPr lang="es-AR"/>
           </a:p>
@@ -8144,7 +8144,7 @@
           <a:p>
             <a:r>
               <a:rPr lang="es-AR" dirty="0" smtClean="0"/>
-              <a:t>Introducción.</a:t>
+              <a:t>Definiciones iniciales.</a:t>
             </a:r>
             <a:endParaRPr lang="es-AR" b="1" dirty="0" smtClean="0"/>
           </a:p>
@@ -8320,7 +8320,7 @@
           <a:p>
             <a:r>
               <a:rPr lang="es-AR" dirty="0" smtClean="0"/>
-              <a:t>Grupo de desarrollo</a:t>
+              <a:t>Definiciones iniciales</a:t>
             </a:r>
             <a:endParaRPr lang="es-AR" dirty="0"/>
           </a:p>
@@ -9214,13 +9214,8 @@
             </a:r>
             <a:r>
               <a:rPr lang="es-AR" sz="2000" dirty="0" smtClean="0"/>
-              <a:t>para finalizar </a:t>
-            </a:r>
-            <a:r>
-              <a:rPr lang="es-AR" sz="2000" dirty="0" smtClean="0"/>
-              <a:t>proyecto.</a:t>
-            </a:r>
-            <a:endParaRPr lang="es-AR" sz="2000" dirty="0" smtClean="0"/>
+              <a:t>para finalizar proyecto.</a:t>
+            </a:r>
           </a:p>
         </p:txBody>
       </p:sp>
@@ -9705,11 +9700,6 @@
               </a:rPr>
               <a:t> 2 semanas aprox.</a:t>
             </a:r>
-            <a:endParaRPr lang="es-AR" sz="1800" b="1" dirty="0" smtClean="0">
-              <a:solidFill>
-                <a:srgbClr val="00B050"/>
-              </a:solidFill>
-            </a:endParaRPr>
           </a:p>
         </p:txBody>
       </p:sp>

--- a/08. Presentaciones/Presentación 11.pptx
+++ b/08. Presentaciones/Presentación 11.pptx
@@ -228,7 +228,7 @@
             <a:fld id="{47F7A525-2E97-4D11-852B-BF2E493721D5}" type="datetimeFigureOut">
               <a:rPr lang="es-AR" smtClean="0"/>
               <a:pPr/>
-              <a:t>22/02/2021</a:t>
+              <a:t>23/02/2021</a:t>
             </a:fld>
             <a:endParaRPr lang="es-AR"/>
           </a:p>
@@ -399,7 +399,7 @@
             <a:fld id="{0E639192-A93D-48A4-B281-8DA3B2AD5F46}" type="datetimeFigureOut">
               <a:rPr lang="es-AR" smtClean="0"/>
               <a:pPr/>
-              <a:t>22/02/2021</a:t>
+              <a:t>23/02/2021</a:t>
             </a:fld>
             <a:endParaRPr lang="es-AR"/>
           </a:p>
@@ -1334,7 +1334,7 @@
             <a:fld id="{BC50A678-796C-47FE-8727-A3AAF49E2D10}" type="datetime1">
               <a:rPr lang="es-AR" smtClean="0"/>
               <a:pPr/>
-              <a:t>22/02/2021</a:t>
+              <a:t>23/02/2021</a:t>
             </a:fld>
             <a:endParaRPr lang="es-AR"/>
           </a:p>
@@ -1531,7 +1531,7 @@
             <a:fld id="{A7AFFB43-0057-44A6-B675-62CD4F9F4EB1}" type="datetime1">
               <a:rPr lang="es-AR" smtClean="0"/>
               <a:pPr/>
-              <a:t>22/02/2021</a:t>
+              <a:t>23/02/2021</a:t>
             </a:fld>
             <a:endParaRPr lang="es-AR"/>
           </a:p>
@@ -1797,7 +1797,7 @@
             <a:fld id="{5107EDD2-3A41-45F7-9798-5F0A42B67A10}" type="datetime1">
               <a:rPr lang="es-AR" smtClean="0"/>
               <a:pPr/>
-              <a:t>22/02/2021</a:t>
+              <a:t>23/02/2021</a:t>
             </a:fld>
             <a:endParaRPr lang="es-AR"/>
           </a:p>
@@ -2228,7 +2228,7 @@
             <a:fld id="{81A405EA-7F97-484B-BB35-211055BB771A}" type="datetime1">
               <a:rPr lang="es-AR" smtClean="0"/>
               <a:pPr/>
-              <a:t>22/02/2021</a:t>
+              <a:t>23/02/2021</a:t>
             </a:fld>
             <a:endParaRPr lang="es-AR"/>
           </a:p>
@@ -2779,7 +2779,7 @@
             <a:fld id="{F7023107-FE31-4245-9D9D-4DAB5BB365BD}" type="datetime1">
               <a:rPr lang="es-AR" smtClean="0"/>
               <a:pPr/>
-              <a:t>22/02/2021</a:t>
+              <a:t>23/02/2021</a:t>
             </a:fld>
             <a:endParaRPr lang="es-AR"/>
           </a:p>
@@ -3615,7 +3615,7 @@
             <a:fld id="{081FCDBA-D78B-4D74-B477-EFCB1BCA6C42}" type="datetime1">
               <a:rPr lang="es-AR" smtClean="0"/>
               <a:pPr/>
-              <a:t>22/02/2021</a:t>
+              <a:t>23/02/2021</a:t>
             </a:fld>
             <a:endParaRPr lang="es-AR"/>
           </a:p>
@@ -3790,7 +3790,7 @@
             <a:fld id="{20EA1D54-2625-4090-9DAD-29AF83AD3B36}" type="datetime1">
               <a:rPr lang="es-AR" smtClean="0"/>
               <a:pPr/>
-              <a:t>22/02/2021</a:t>
+              <a:t>23/02/2021</a:t>
             </a:fld>
             <a:endParaRPr lang="es-AR"/>
           </a:p>
@@ -3975,7 +3975,7 @@
             <a:fld id="{FCD0E364-B94A-4338-BC1C-A73E1F081813}" type="datetime1">
               <a:rPr lang="es-AR" smtClean="0"/>
               <a:pPr/>
-              <a:t>22/02/2021</a:t>
+              <a:t>23/02/2021</a:t>
             </a:fld>
             <a:endParaRPr lang="es-AR"/>
           </a:p>
@@ -4658,7 +4658,7 @@
             <a:fld id="{0FF6B326-0FEE-47B3-9F77-2568F820D807}" type="datetime1">
               <a:rPr lang="es-AR" smtClean="0"/>
               <a:pPr/>
-              <a:t>22/02/2021</a:t>
+              <a:t>23/02/2021</a:t>
             </a:fld>
             <a:endParaRPr lang="es-AR"/>
           </a:p>
@@ -4895,7 +4895,7 @@
             <a:fld id="{913DAB84-C826-40B0-8ED0-39F2ECE4A200}" type="datetime1">
               <a:rPr lang="es-AR" smtClean="0"/>
               <a:pPr/>
-              <a:t>22/02/2021</a:t>
+              <a:t>23/02/2021</a:t>
             </a:fld>
             <a:endParaRPr lang="es-AR"/>
           </a:p>
@@ -5293,7 +5293,7 @@
             <a:fld id="{8C0226C2-DAEC-4136-9DE8-09FC5E3E671E}" type="datetime1">
               <a:rPr lang="es-AR" smtClean="0"/>
               <a:pPr/>
-              <a:t>22/02/2021</a:t>
+              <a:t>23/02/2021</a:t>
             </a:fld>
             <a:endParaRPr lang="es-AR"/>
           </a:p>
@@ -5416,7 +5416,7 @@
             <a:fld id="{53EE9993-8E0B-4913-A57B-F99EBF98A309}" type="datetime1">
               <a:rPr lang="es-AR" smtClean="0"/>
               <a:pPr/>
-              <a:t>22/02/2021</a:t>
+              <a:t>23/02/2021</a:t>
             </a:fld>
             <a:endParaRPr lang="es-AR"/>
           </a:p>
@@ -5516,7 +5516,7 @@
             <a:fld id="{7FC65BA5-BE01-42C7-88A0-5D66E4C25C69}" type="datetime1">
               <a:rPr lang="es-AR" smtClean="0"/>
               <a:pPr/>
-              <a:t>22/02/2021</a:t>
+              <a:t>23/02/2021</a:t>
             </a:fld>
             <a:endParaRPr lang="es-AR"/>
           </a:p>
@@ -5794,7 +5794,7 @@
             <a:fld id="{E3D3AADB-2F64-4CF7-83E3-78E84AD4D110}" type="datetime1">
               <a:rPr lang="es-AR" smtClean="0"/>
               <a:pPr/>
-              <a:t>22/02/2021</a:t>
+              <a:t>23/02/2021</a:t>
             </a:fld>
             <a:endParaRPr lang="es-AR"/>
           </a:p>
@@ -6080,7 +6080,7 @@
             <a:fld id="{C77D2D86-4208-4F35-BB55-BE3504C41488}" type="datetime1">
               <a:rPr lang="es-AR" smtClean="0"/>
               <a:pPr/>
-              <a:t>22/02/2021</a:t>
+              <a:t>23/02/2021</a:t>
             </a:fld>
             <a:endParaRPr lang="es-AR"/>
           </a:p>
@@ -6321,7 +6321,7 @@
             <a:fld id="{1EA277BA-E2F3-4C3D-9E58-E2E890DB98B1}" type="datetime1">
               <a:rPr lang="es-AR" smtClean="0"/>
               <a:pPr/>
-              <a:t>22/02/2021</a:t>
+              <a:t>23/02/2021</a:t>
             </a:fld>
             <a:endParaRPr lang="es-AR"/>
           </a:p>
@@ -7820,38 +7820,62 @@
             <p:ph idx="1"/>
           </p:nvPr>
         </p:nvSpPr>
-        <p:spPr/>
-        <p:txBody>
-          <a:bodyPr/>
+        <p:spPr>
+          <a:xfrm>
+            <a:off x="0" y="1032737"/>
+            <a:ext cx="12152018" cy="675040"/>
+          </a:xfrm>
+        </p:spPr>
+        <p:txBody>
+          <a:bodyPr>
+            <a:normAutofit/>
+          </a:bodyPr>
           <a:lstStyle/>
           <a:p>
             <a:pPr marL="0" indent="0">
               <a:buNone/>
             </a:pPr>
-            <a:endParaRPr lang="es-AR" dirty="0"/>
+            <a:r>
+              <a:rPr lang="es-AR" sz="3200" b="1" dirty="0"/>
+              <a:t>https://</a:t>
+            </a:r>
+            <a:r>
+              <a:rPr lang="es-AR" sz="3200" b="1" dirty="0" smtClean="0"/>
+              <a:t>youtu.be/dn_N3BpmMkU</a:t>
+            </a:r>
           </a:p>
           <a:p>
             <a:pPr marL="0" indent="0">
               <a:buNone/>
             </a:pPr>
-            <a:endParaRPr lang="es-AR" dirty="0" smtClean="0"/>
-          </a:p>
-          <a:p>
-            <a:pPr marL="0" indent="0">
-              <a:buNone/>
-            </a:pPr>
-            <a:r>
-              <a:rPr lang="es-AR" dirty="0" smtClean="0"/>
-              <a:t>Link a </a:t>
-            </a:r>
-            <a:r>
-              <a:rPr lang="es-AR" dirty="0" err="1" smtClean="0"/>
-              <a:t>youtube</a:t>
-            </a:r>
-            <a:endParaRPr lang="es-AR" dirty="0" smtClean="0"/>
-          </a:p>
-        </p:txBody>
-      </p:sp>
+            <a:endParaRPr lang="es-AR" sz="3200" b="1" dirty="0" smtClean="0"/>
+          </a:p>
+        </p:txBody>
+      </p:sp>
+      <p:pic>
+        <p:nvPicPr>
+          <p:cNvPr id="6" name="Imagen 5"/>
+          <p:cNvPicPr>
+            <a:picLocks noChangeAspect="1"/>
+          </p:cNvPicPr>
+          <p:nvPr/>
+        </p:nvPicPr>
+        <p:blipFill>
+          <a:blip r:embed="rId2"/>
+          <a:stretch>
+            <a:fillRect/>
+          </a:stretch>
+        </p:blipFill>
+        <p:spPr>
+          <a:xfrm>
+            <a:off x="1230573" y="2037131"/>
+            <a:ext cx="9730854" cy="3995306"/>
+          </a:xfrm>
+          <a:prstGeom prst="rect">
+            <a:avLst/>
+          </a:prstGeom>
+        </p:spPr>
+      </p:pic>
     </p:spTree>
     <p:extLst>
       <p:ext uri="{BB962C8B-B14F-4D97-AF65-F5344CB8AC3E}">
